--- a/chapter.4/ppt/ML_CH4_Naive_Bayes.pptx
+++ b/chapter.4/ppt/ML_CH4_Naive_Bayes.pptx
@@ -13,7 +13,13 @@
     <p:sldId id="296" r:id="rId7"/>
     <p:sldId id="297" r:id="rId8"/>
     <p:sldId id="299" r:id="rId9"/>
-    <p:sldId id="294" r:id="rId10"/>
+    <p:sldId id="300" r:id="rId10"/>
+    <p:sldId id="301" r:id="rId11"/>
+    <p:sldId id="302" r:id="rId12"/>
+    <p:sldId id="303" r:id="rId13"/>
+    <p:sldId id="304" r:id="rId14"/>
+    <p:sldId id="305" r:id="rId15"/>
+    <p:sldId id="294" r:id="rId16"/>
   </p:sldIdLst>
   <p:sldSz cx="9144000" cy="6858000" type="screen4x3"/>
   <p:notesSz cx="6858000" cy="9144000"/>
@@ -7661,6 +7667,3885 @@
 </p:sld>
 </file>
 
+<file path=ppt/slides/slide10.xml><?xml version="1.0" encoding="utf-8"?>
+<p:sld xmlns:a="http://schemas.openxmlformats.org/drawingml/2006/main" xmlns:r="http://schemas.openxmlformats.org/officeDocument/2006/relationships" xmlns:p="http://schemas.openxmlformats.org/presentationml/2006/main">
+  <p:cSld>
+    <p:spTree>
+      <p:nvGrpSpPr>
+        <p:cNvPr id="1" name=""/>
+        <p:cNvGrpSpPr/>
+        <p:nvPr/>
+      </p:nvGrpSpPr>
+      <p:grpSpPr>
+        <a:xfrm>
+          <a:off x="0" y="0"/>
+          <a:ext cx="0" cy="0"/>
+          <a:chOff x="0" y="0"/>
+          <a:chExt cx="0" cy="0"/>
+        </a:xfrm>
+      </p:grpSpPr>
+      <p:sp>
+        <p:nvSpPr>
+          <p:cNvPr id="4098" name="TextBox 2">
+            <a:extLst>
+              <a:ext uri="{FF2B5EF4-FFF2-40B4-BE49-F238E27FC236}">
+                <a16:creationId xmlns:a16="http://schemas.microsoft.com/office/drawing/2014/main" id="{5552ED83-0001-4E47-A09B-F49C592A8E24}"/>
+              </a:ext>
+            </a:extLst>
+          </p:cNvPr>
+          <p:cNvSpPr txBox="1">
+            <a:spLocks noChangeArrowheads="1"/>
+          </p:cNvSpPr>
+          <p:nvPr/>
+        </p:nvSpPr>
+        <p:spPr bwMode="auto">
+          <a:xfrm>
+            <a:off x="13610" y="0"/>
+            <a:ext cx="6913562" cy="830263"/>
+          </a:xfrm>
+          <a:prstGeom prst="rect">
+            <a:avLst/>
+          </a:prstGeom>
+          <a:noFill/>
+          <a:ln>
+            <a:noFill/>
+          </a:ln>
+          <a:extLst>
+            <a:ext uri="{909E8E84-426E-40DD-AFC4-6F175D3DCCD1}">
+              <a14:hiddenFill xmlns:a14="http://schemas.microsoft.com/office/drawing/2010/main">
+                <a:solidFill>
+                  <a:srgbClr val="FFFFFF"/>
+                </a:solidFill>
+              </a14:hiddenFill>
+            </a:ext>
+            <a:ext uri="{91240B29-F687-4F45-9708-019B960494DF}">
+              <a14:hiddenLine xmlns:a14="http://schemas.microsoft.com/office/drawing/2010/main" w="9525">
+                <a:solidFill>
+                  <a:srgbClr val="000000"/>
+                </a:solidFill>
+                <a:miter lim="800000"/>
+                <a:headEnd/>
+                <a:tailEnd/>
+              </a14:hiddenLine>
+            </a:ext>
+          </a:extLst>
+        </p:spPr>
+        <p:txBody>
+          <a:bodyPr>
+            <a:spAutoFit/>
+          </a:bodyPr>
+          <a:lstStyle>
+            <a:lvl1pPr eaLnBrk="0" hangingPunct="0">
+              <a:defRPr>
+                <a:solidFill>
+                  <a:schemeClr val="tx1"/>
+                </a:solidFill>
+                <a:latin typeface="Arial" panose="020B0604020202020204" pitchFamily="34" charset="0"/>
+                <a:ea typeface="宋体" panose="02010600030101010101" pitchFamily="2" charset="-122"/>
+              </a:defRPr>
+            </a:lvl1pPr>
+            <a:lvl2pPr marL="742950" indent="-285750" eaLnBrk="0" hangingPunct="0">
+              <a:defRPr>
+                <a:solidFill>
+                  <a:schemeClr val="tx1"/>
+                </a:solidFill>
+                <a:latin typeface="Arial" panose="020B0604020202020204" pitchFamily="34" charset="0"/>
+                <a:ea typeface="宋体" panose="02010600030101010101" pitchFamily="2" charset="-122"/>
+              </a:defRPr>
+            </a:lvl2pPr>
+            <a:lvl3pPr marL="1143000" indent="-228600" eaLnBrk="0" hangingPunct="0">
+              <a:defRPr>
+                <a:solidFill>
+                  <a:schemeClr val="tx1"/>
+                </a:solidFill>
+                <a:latin typeface="Arial" panose="020B0604020202020204" pitchFamily="34" charset="0"/>
+                <a:ea typeface="宋体" panose="02010600030101010101" pitchFamily="2" charset="-122"/>
+              </a:defRPr>
+            </a:lvl3pPr>
+            <a:lvl4pPr marL="1600200" indent="-228600" eaLnBrk="0" hangingPunct="0">
+              <a:defRPr>
+                <a:solidFill>
+                  <a:schemeClr val="tx1"/>
+                </a:solidFill>
+                <a:latin typeface="Arial" panose="020B0604020202020204" pitchFamily="34" charset="0"/>
+                <a:ea typeface="宋体" panose="02010600030101010101" pitchFamily="2" charset="-122"/>
+              </a:defRPr>
+            </a:lvl4pPr>
+            <a:lvl5pPr marL="2057400" indent="-228600" eaLnBrk="0" hangingPunct="0">
+              <a:defRPr>
+                <a:solidFill>
+                  <a:schemeClr val="tx1"/>
+                </a:solidFill>
+                <a:latin typeface="Arial" panose="020B0604020202020204" pitchFamily="34" charset="0"/>
+                <a:ea typeface="宋体" panose="02010600030101010101" pitchFamily="2" charset="-122"/>
+              </a:defRPr>
+            </a:lvl5pPr>
+            <a:lvl6pPr marL="2514600" indent="-228600" eaLnBrk="0" fontAlgn="base" hangingPunct="0">
+              <a:spcBef>
+                <a:spcPct val="0"/>
+              </a:spcBef>
+              <a:spcAft>
+                <a:spcPct val="0"/>
+              </a:spcAft>
+              <a:defRPr>
+                <a:solidFill>
+                  <a:schemeClr val="tx1"/>
+                </a:solidFill>
+                <a:latin typeface="Arial" panose="020B0604020202020204" pitchFamily="34" charset="0"/>
+                <a:ea typeface="宋体" panose="02010600030101010101" pitchFamily="2" charset="-122"/>
+              </a:defRPr>
+            </a:lvl6pPr>
+            <a:lvl7pPr marL="2971800" indent="-228600" eaLnBrk="0" fontAlgn="base" hangingPunct="0">
+              <a:spcBef>
+                <a:spcPct val="0"/>
+              </a:spcBef>
+              <a:spcAft>
+                <a:spcPct val="0"/>
+              </a:spcAft>
+              <a:defRPr>
+                <a:solidFill>
+                  <a:schemeClr val="tx1"/>
+                </a:solidFill>
+                <a:latin typeface="Arial" panose="020B0604020202020204" pitchFamily="34" charset="0"/>
+                <a:ea typeface="宋体" panose="02010600030101010101" pitchFamily="2" charset="-122"/>
+              </a:defRPr>
+            </a:lvl7pPr>
+            <a:lvl8pPr marL="3429000" indent="-228600" eaLnBrk="0" fontAlgn="base" hangingPunct="0">
+              <a:spcBef>
+                <a:spcPct val="0"/>
+              </a:spcBef>
+              <a:spcAft>
+                <a:spcPct val="0"/>
+              </a:spcAft>
+              <a:defRPr>
+                <a:solidFill>
+                  <a:schemeClr val="tx1"/>
+                </a:solidFill>
+                <a:latin typeface="Arial" panose="020B0604020202020204" pitchFamily="34" charset="0"/>
+                <a:ea typeface="宋体" panose="02010600030101010101" pitchFamily="2" charset="-122"/>
+              </a:defRPr>
+            </a:lvl8pPr>
+            <a:lvl9pPr marL="3886200" indent="-228600" eaLnBrk="0" fontAlgn="base" hangingPunct="0">
+              <a:spcBef>
+                <a:spcPct val="0"/>
+              </a:spcBef>
+              <a:spcAft>
+                <a:spcPct val="0"/>
+              </a:spcAft>
+              <a:defRPr>
+                <a:solidFill>
+                  <a:schemeClr val="tx1"/>
+                </a:solidFill>
+                <a:latin typeface="Arial" panose="020B0604020202020204" pitchFamily="34" charset="0"/>
+                <a:ea typeface="宋体" panose="02010600030101010101" pitchFamily="2" charset="-122"/>
+              </a:defRPr>
+            </a:lvl9pPr>
+          </a:lstStyle>
+          <a:p>
+            <a:pPr eaLnBrk="1" hangingPunct="1"/>
+            <a:r>
+              <a:rPr lang="zh-CN" altLang="en-US" sz="4800" dirty="0">
+                <a:solidFill>
+                  <a:schemeClr val="bg1"/>
+                </a:solidFill>
+                <a:latin typeface="微软雅黑" panose="020B0503020204020204" pitchFamily="34" charset="-122"/>
+                <a:ea typeface="微软雅黑" panose="020B0503020204020204" pitchFamily="34" charset="-122"/>
+              </a:rPr>
+              <a:t>贝叶斯公式</a:t>
+            </a:r>
+          </a:p>
+        </p:txBody>
+      </p:sp>
+      <p:sp>
+        <p:nvSpPr>
+          <p:cNvPr id="5" name="TextBox 4">
+            <a:extLst>
+              <a:ext uri="{FF2B5EF4-FFF2-40B4-BE49-F238E27FC236}">
+                <a16:creationId xmlns:a16="http://schemas.microsoft.com/office/drawing/2014/main" id="{E8A991AE-3688-4E36-95ED-0003B8B99099}"/>
+              </a:ext>
+            </a:extLst>
+          </p:cNvPr>
+          <p:cNvSpPr txBox="1"/>
+          <p:nvPr/>
+        </p:nvSpPr>
+        <p:spPr>
+          <a:xfrm>
+            <a:off x="0" y="807815"/>
+            <a:ext cx="9144000" cy="1600438"/>
+          </a:xfrm>
+          <a:prstGeom prst="rect">
+            <a:avLst/>
+          </a:prstGeom>
+          <a:noFill/>
+        </p:spPr>
+        <p:txBody>
+          <a:bodyPr wrap="square">
+            <a:spAutoFit/>
+          </a:bodyPr>
+          <a:lstStyle/>
+          <a:p>
+            <a:pPr>
+              <a:defRPr/>
+            </a:pPr>
+            <a:r>
+              <a:rPr lang="en-US" altLang="zh-CN" sz="4000" dirty="0">
+                <a:solidFill>
+                  <a:schemeClr val="bg1"/>
+                </a:solidFill>
+                <a:latin typeface="微软雅黑" pitchFamily="34" charset="-122"/>
+                <a:ea typeface="微软雅黑" pitchFamily="34" charset="-122"/>
+              </a:rPr>
+              <a:t>Looks good?</a:t>
+            </a:r>
+          </a:p>
+          <a:p>
+            <a:pPr>
+              <a:defRPr/>
+            </a:pPr>
+            <a:endParaRPr lang="en-US" sz="4000" dirty="0">
+              <a:solidFill>
+                <a:srgbClr val="FFC000"/>
+              </a:solidFill>
+              <a:latin typeface="微软雅黑" pitchFamily="34" charset="-122"/>
+              <a:ea typeface="微软雅黑" pitchFamily="34" charset="-122"/>
+            </a:endParaRPr>
+          </a:p>
+          <a:p>
+            <a:pPr>
+              <a:defRPr/>
+            </a:pPr>
+            <a:endParaRPr lang="en-US" dirty="0">
+              <a:solidFill>
+                <a:schemeClr val="bg1"/>
+              </a:solidFill>
+              <a:latin typeface="Arial" charset="0"/>
+            </a:endParaRPr>
+          </a:p>
+        </p:txBody>
+      </p:sp>
+      <p:pic>
+        <p:nvPicPr>
+          <p:cNvPr id="2" name="Picture 1">
+            <a:extLst>
+              <a:ext uri="{FF2B5EF4-FFF2-40B4-BE49-F238E27FC236}">
+                <a16:creationId xmlns:a16="http://schemas.microsoft.com/office/drawing/2014/main" id="{A7858397-DC7E-49F3-9DCD-565DD5B421C1}"/>
+              </a:ext>
+            </a:extLst>
+          </p:cNvPr>
+          <p:cNvPicPr>
+            <a:picLocks noChangeAspect="1"/>
+          </p:cNvPicPr>
+          <p:nvPr/>
+        </p:nvPicPr>
+        <p:blipFill>
+          <a:blip r:embed="rId2"/>
+          <a:stretch>
+            <a:fillRect/>
+          </a:stretch>
+        </p:blipFill>
+        <p:spPr>
+          <a:xfrm>
+            <a:off x="107504" y="1783504"/>
+            <a:ext cx="8825682" cy="997423"/>
+          </a:xfrm>
+          <a:prstGeom prst="rect">
+            <a:avLst/>
+          </a:prstGeom>
+        </p:spPr>
+      </p:pic>
+      <p:pic>
+        <p:nvPicPr>
+          <p:cNvPr id="4" name="Picture 3">
+            <a:extLst>
+              <a:ext uri="{FF2B5EF4-FFF2-40B4-BE49-F238E27FC236}">
+                <a16:creationId xmlns:a16="http://schemas.microsoft.com/office/drawing/2014/main" id="{9B4E9239-7584-4CB6-8AE1-F5E33B6752EC}"/>
+              </a:ext>
+            </a:extLst>
+          </p:cNvPr>
+          <p:cNvPicPr>
+            <a:picLocks noChangeAspect="1"/>
+          </p:cNvPicPr>
+          <p:nvPr/>
+        </p:nvPicPr>
+        <p:blipFill>
+          <a:blip r:embed="rId3"/>
+          <a:stretch>
+            <a:fillRect/>
+          </a:stretch>
+        </p:blipFill>
+        <p:spPr>
+          <a:xfrm>
+            <a:off x="107504" y="2852935"/>
+            <a:ext cx="8839558" cy="1224137"/>
+          </a:xfrm>
+          <a:prstGeom prst="rect">
+            <a:avLst/>
+          </a:prstGeom>
+        </p:spPr>
+      </p:pic>
+      <p:sp>
+        <p:nvSpPr>
+          <p:cNvPr id="9" name="Rectangle 8">
+            <a:extLst>
+              <a:ext uri="{FF2B5EF4-FFF2-40B4-BE49-F238E27FC236}">
+                <a16:creationId xmlns:a16="http://schemas.microsoft.com/office/drawing/2014/main" id="{D0275F30-1A83-494D-91CF-4C4AA030C96A}"/>
+              </a:ext>
+            </a:extLst>
+          </p:cNvPr>
+          <p:cNvSpPr/>
+          <p:nvPr/>
+        </p:nvSpPr>
+        <p:spPr>
+          <a:xfrm>
+            <a:off x="1403648" y="1988840"/>
+            <a:ext cx="7272808" cy="648072"/>
+          </a:xfrm>
+          <a:prstGeom prst="rect">
+            <a:avLst/>
+          </a:prstGeom>
+          <a:noFill/>
+          <a:ln w="28575">
+            <a:solidFill>
+              <a:srgbClr val="FF0000"/>
+            </a:solidFill>
+          </a:ln>
+        </p:spPr>
+        <p:style>
+          <a:lnRef idx="2">
+            <a:schemeClr val="accent1">
+              <a:shade val="50000"/>
+            </a:schemeClr>
+          </a:lnRef>
+          <a:fillRef idx="1">
+            <a:schemeClr val="accent1"/>
+          </a:fillRef>
+          <a:effectRef idx="0">
+            <a:schemeClr val="accent1"/>
+          </a:effectRef>
+          <a:fontRef idx="minor">
+            <a:schemeClr val="lt1"/>
+          </a:fontRef>
+        </p:style>
+        <p:txBody>
+          <a:bodyPr rtlCol="0" anchor="ctr"/>
+          <a:lstStyle/>
+          <a:p>
+            <a:pPr algn="ctr"/>
+            <a:endParaRPr lang="en-US"/>
+          </a:p>
+        </p:txBody>
+      </p:sp>
+      <p:sp>
+        <p:nvSpPr>
+          <p:cNvPr id="11" name="TextBox 10">
+            <a:extLst>
+              <a:ext uri="{FF2B5EF4-FFF2-40B4-BE49-F238E27FC236}">
+                <a16:creationId xmlns:a16="http://schemas.microsoft.com/office/drawing/2014/main" id="{E513E415-202D-405E-961C-2CD2611B9851}"/>
+              </a:ext>
+            </a:extLst>
+          </p:cNvPr>
+          <p:cNvSpPr txBox="1"/>
+          <p:nvPr/>
+        </p:nvSpPr>
+        <p:spPr>
+          <a:xfrm>
+            <a:off x="107504" y="4221088"/>
+            <a:ext cx="9144000" cy="2215991"/>
+          </a:xfrm>
+          <a:prstGeom prst="rect">
+            <a:avLst/>
+          </a:prstGeom>
+          <a:noFill/>
+        </p:spPr>
+        <p:txBody>
+          <a:bodyPr wrap="square">
+            <a:spAutoFit/>
+          </a:bodyPr>
+          <a:lstStyle/>
+          <a:p>
+            <a:pPr marL="571500" indent="-571500">
+              <a:buFont typeface="Arial" panose="020B0604020202020204" pitchFamily="34" charset="0"/>
+              <a:buChar char="•"/>
+              <a:defRPr/>
+            </a:pPr>
+            <a:r>
+              <a:rPr lang="zh-CN" altLang="en-US" sz="4000" dirty="0">
+                <a:solidFill>
+                  <a:schemeClr val="bg1"/>
+                </a:solidFill>
+                <a:latin typeface="微软雅黑" pitchFamily="34" charset="-122"/>
+                <a:ea typeface="微软雅黑" pitchFamily="34" charset="-122"/>
+              </a:rPr>
+              <a:t>特征空间巨大，指数级</a:t>
+            </a:r>
+            <a:endParaRPr lang="en-US" altLang="zh-CN" sz="4000" dirty="0">
+              <a:solidFill>
+                <a:schemeClr val="bg1"/>
+              </a:solidFill>
+              <a:latin typeface="微软雅黑" pitchFamily="34" charset="-122"/>
+              <a:ea typeface="微软雅黑" pitchFamily="34" charset="-122"/>
+            </a:endParaRPr>
+          </a:p>
+          <a:p>
+            <a:pPr marL="571500" indent="-571500">
+              <a:buFont typeface="Arial" panose="020B0604020202020204" pitchFamily="34" charset="0"/>
+              <a:buChar char="•"/>
+              <a:defRPr/>
+            </a:pPr>
+            <a:r>
+              <a:rPr lang="zh-CN" altLang="en-US" sz="4000" dirty="0">
+                <a:solidFill>
+                  <a:schemeClr val="bg1"/>
+                </a:solidFill>
+                <a:latin typeface="微软雅黑" pitchFamily="34" charset="-122"/>
+                <a:ea typeface="微软雅黑" pitchFamily="34" charset="-122"/>
+              </a:rPr>
+              <a:t>数据的稀疏性很容易导致统计到</a:t>
+            </a:r>
+            <a:r>
+              <a:rPr lang="en-US" altLang="zh-CN" sz="4000" dirty="0">
+                <a:solidFill>
+                  <a:schemeClr val="bg1"/>
+                </a:solidFill>
+                <a:latin typeface="微软雅黑" pitchFamily="34" charset="-122"/>
+                <a:ea typeface="微软雅黑" pitchFamily="34" charset="-122"/>
+              </a:rPr>
+              <a:t>0</a:t>
+            </a:r>
+          </a:p>
+          <a:p>
+            <a:pPr marL="571500" indent="-571500">
+              <a:buFont typeface="Arial" panose="020B0604020202020204" pitchFamily="34" charset="0"/>
+              <a:buChar char="•"/>
+              <a:defRPr/>
+            </a:pPr>
+            <a:endParaRPr lang="en-US" sz="4000" dirty="0">
+              <a:solidFill>
+                <a:srgbClr val="FFC000"/>
+              </a:solidFill>
+              <a:latin typeface="微软雅黑" pitchFamily="34" charset="-122"/>
+              <a:ea typeface="微软雅黑" pitchFamily="34" charset="-122"/>
+            </a:endParaRPr>
+          </a:p>
+          <a:p>
+            <a:pPr marL="285750" indent="-285750">
+              <a:buFont typeface="Arial" panose="020B0604020202020204" pitchFamily="34" charset="0"/>
+              <a:buChar char="•"/>
+              <a:defRPr/>
+            </a:pPr>
+            <a:endParaRPr lang="en-US" dirty="0">
+              <a:solidFill>
+                <a:schemeClr val="bg1"/>
+              </a:solidFill>
+              <a:latin typeface="Arial" charset="0"/>
+            </a:endParaRPr>
+          </a:p>
+        </p:txBody>
+      </p:sp>
+    </p:spTree>
+    <p:extLst>
+      <p:ext uri="{BB962C8B-B14F-4D97-AF65-F5344CB8AC3E}">
+        <p14:creationId xmlns:p14="http://schemas.microsoft.com/office/powerpoint/2010/main" val="1636196810"/>
+      </p:ext>
+    </p:extLst>
+  </p:cSld>
+  <p:clrMapOvr>
+    <a:masterClrMapping/>
+  </p:clrMapOvr>
+  <p:timing>
+    <p:tnLst>
+      <p:par>
+        <p:cTn id="1" dur="indefinite" restart="never" nodeType="tmRoot">
+          <p:childTnLst>
+            <p:seq concurrent="1" nextAc="seek">
+              <p:cTn id="2" dur="indefinite" nodeType="mainSeq">
+                <p:childTnLst>
+                  <p:par>
+                    <p:cTn id="3" fill="hold">
+                      <p:stCondLst>
+                        <p:cond delay="indefinite"/>
+                      </p:stCondLst>
+                      <p:childTnLst>
+                        <p:par>
+                          <p:cTn id="4" fill="hold">
+                            <p:stCondLst>
+                              <p:cond delay="0"/>
+                            </p:stCondLst>
+                            <p:childTnLst>
+                              <p:par>
+                                <p:cTn id="5" presetID="10" presetClass="entr" presetSubtype="0" fill="hold" nodeType="clickEffect">
+                                  <p:stCondLst>
+                                    <p:cond delay="0"/>
+                                  </p:stCondLst>
+                                  <p:childTnLst>
+                                    <p:set>
+                                      <p:cBhvr>
+                                        <p:cTn id="6" dur="1" fill="hold">
+                                          <p:stCondLst>
+                                            <p:cond delay="0"/>
+                                          </p:stCondLst>
+                                        </p:cTn>
+                                        <p:tgtEl>
+                                          <p:spTgt spid="2"/>
+                                        </p:tgtEl>
+                                        <p:attrNameLst>
+                                          <p:attrName>style.visibility</p:attrName>
+                                        </p:attrNameLst>
+                                      </p:cBhvr>
+                                      <p:to>
+                                        <p:strVal val="visible"/>
+                                      </p:to>
+                                    </p:set>
+                                    <p:animEffect transition="in" filter="fade">
+                                      <p:cBhvr>
+                                        <p:cTn id="7" dur="500"/>
+                                        <p:tgtEl>
+                                          <p:spTgt spid="2"/>
+                                        </p:tgtEl>
+                                      </p:cBhvr>
+                                    </p:animEffect>
+                                  </p:childTnLst>
+                                </p:cTn>
+                              </p:par>
+                            </p:childTnLst>
+                          </p:cTn>
+                        </p:par>
+                      </p:childTnLst>
+                    </p:cTn>
+                  </p:par>
+                  <p:par>
+                    <p:cTn id="8" fill="hold">
+                      <p:stCondLst>
+                        <p:cond delay="indefinite"/>
+                      </p:stCondLst>
+                      <p:childTnLst>
+                        <p:par>
+                          <p:cTn id="9" fill="hold">
+                            <p:stCondLst>
+                              <p:cond delay="0"/>
+                            </p:stCondLst>
+                            <p:childTnLst>
+                              <p:par>
+                                <p:cTn id="10" presetID="10" presetClass="entr" presetSubtype="0" fill="hold" nodeType="clickEffect">
+                                  <p:stCondLst>
+                                    <p:cond delay="0"/>
+                                  </p:stCondLst>
+                                  <p:childTnLst>
+                                    <p:set>
+                                      <p:cBhvr>
+                                        <p:cTn id="11" dur="1" fill="hold">
+                                          <p:stCondLst>
+                                            <p:cond delay="0"/>
+                                          </p:stCondLst>
+                                        </p:cTn>
+                                        <p:tgtEl>
+                                          <p:spTgt spid="4"/>
+                                        </p:tgtEl>
+                                        <p:attrNameLst>
+                                          <p:attrName>style.visibility</p:attrName>
+                                        </p:attrNameLst>
+                                      </p:cBhvr>
+                                      <p:to>
+                                        <p:strVal val="visible"/>
+                                      </p:to>
+                                    </p:set>
+                                    <p:animEffect transition="in" filter="fade">
+                                      <p:cBhvr>
+                                        <p:cTn id="12" dur="500"/>
+                                        <p:tgtEl>
+                                          <p:spTgt spid="4"/>
+                                        </p:tgtEl>
+                                      </p:cBhvr>
+                                    </p:animEffect>
+                                  </p:childTnLst>
+                                </p:cTn>
+                              </p:par>
+                            </p:childTnLst>
+                          </p:cTn>
+                        </p:par>
+                      </p:childTnLst>
+                    </p:cTn>
+                  </p:par>
+                  <p:par>
+                    <p:cTn id="13" fill="hold">
+                      <p:stCondLst>
+                        <p:cond delay="indefinite"/>
+                      </p:stCondLst>
+                      <p:childTnLst>
+                        <p:par>
+                          <p:cTn id="14" fill="hold">
+                            <p:stCondLst>
+                              <p:cond delay="0"/>
+                            </p:stCondLst>
+                            <p:childTnLst>
+                              <p:par>
+                                <p:cTn id="15" presetID="10" presetClass="entr" presetSubtype="0" fill="hold" grpId="0" nodeType="clickEffect">
+                                  <p:stCondLst>
+                                    <p:cond delay="0"/>
+                                  </p:stCondLst>
+                                  <p:childTnLst>
+                                    <p:set>
+                                      <p:cBhvr>
+                                        <p:cTn id="16" dur="1" fill="hold">
+                                          <p:stCondLst>
+                                            <p:cond delay="0"/>
+                                          </p:stCondLst>
+                                        </p:cTn>
+                                        <p:tgtEl>
+                                          <p:spTgt spid="9"/>
+                                        </p:tgtEl>
+                                        <p:attrNameLst>
+                                          <p:attrName>style.visibility</p:attrName>
+                                        </p:attrNameLst>
+                                      </p:cBhvr>
+                                      <p:to>
+                                        <p:strVal val="visible"/>
+                                      </p:to>
+                                    </p:set>
+                                    <p:animEffect transition="in" filter="fade">
+                                      <p:cBhvr>
+                                        <p:cTn id="17" dur="500"/>
+                                        <p:tgtEl>
+                                          <p:spTgt spid="9"/>
+                                        </p:tgtEl>
+                                      </p:cBhvr>
+                                    </p:animEffect>
+                                  </p:childTnLst>
+                                </p:cTn>
+                              </p:par>
+                            </p:childTnLst>
+                          </p:cTn>
+                        </p:par>
+                      </p:childTnLst>
+                    </p:cTn>
+                  </p:par>
+                  <p:par>
+                    <p:cTn id="18" fill="hold">
+                      <p:stCondLst>
+                        <p:cond delay="indefinite"/>
+                      </p:stCondLst>
+                      <p:childTnLst>
+                        <p:par>
+                          <p:cTn id="19" fill="hold">
+                            <p:stCondLst>
+                              <p:cond delay="0"/>
+                            </p:stCondLst>
+                            <p:childTnLst>
+                              <p:par>
+                                <p:cTn id="20" presetID="10" presetClass="entr" presetSubtype="0" fill="hold" grpId="0" nodeType="clickEffect">
+                                  <p:stCondLst>
+                                    <p:cond delay="0"/>
+                                  </p:stCondLst>
+                                  <p:childTnLst>
+                                    <p:set>
+                                      <p:cBhvr>
+                                        <p:cTn id="21" dur="1" fill="hold">
+                                          <p:stCondLst>
+                                            <p:cond delay="0"/>
+                                          </p:stCondLst>
+                                        </p:cTn>
+                                        <p:tgtEl>
+                                          <p:spTgt spid="11"/>
+                                        </p:tgtEl>
+                                        <p:attrNameLst>
+                                          <p:attrName>style.visibility</p:attrName>
+                                        </p:attrNameLst>
+                                      </p:cBhvr>
+                                      <p:to>
+                                        <p:strVal val="visible"/>
+                                      </p:to>
+                                    </p:set>
+                                    <p:animEffect transition="in" filter="fade">
+                                      <p:cBhvr>
+                                        <p:cTn id="22" dur="500"/>
+                                        <p:tgtEl>
+                                          <p:spTgt spid="11"/>
+                                        </p:tgtEl>
+                                      </p:cBhvr>
+                                    </p:animEffect>
+                                  </p:childTnLst>
+                                </p:cTn>
+                              </p:par>
+                            </p:childTnLst>
+                          </p:cTn>
+                        </p:par>
+                      </p:childTnLst>
+                    </p:cTn>
+                  </p:par>
+                </p:childTnLst>
+              </p:cTn>
+              <p:prevCondLst>
+                <p:cond evt="onPrev" delay="0">
+                  <p:tgtEl>
+                    <p:sldTgt/>
+                  </p:tgtEl>
+                </p:cond>
+              </p:prevCondLst>
+              <p:nextCondLst>
+                <p:cond evt="onNext" delay="0">
+                  <p:tgtEl>
+                    <p:sldTgt/>
+                  </p:tgtEl>
+                </p:cond>
+              </p:nextCondLst>
+            </p:seq>
+          </p:childTnLst>
+        </p:cTn>
+      </p:par>
+    </p:tnLst>
+    <p:bldLst>
+      <p:bldP spid="9" grpId="0" animBg="1"/>
+      <p:bldP spid="11" grpId="0"/>
+    </p:bldLst>
+  </p:timing>
+</p:sld>
+</file>
+
+<file path=ppt/slides/slide11.xml><?xml version="1.0" encoding="utf-8"?>
+<p:sld xmlns:a="http://schemas.openxmlformats.org/drawingml/2006/main" xmlns:r="http://schemas.openxmlformats.org/officeDocument/2006/relationships" xmlns:p="http://schemas.openxmlformats.org/presentationml/2006/main">
+  <p:cSld>
+    <p:spTree>
+      <p:nvGrpSpPr>
+        <p:cNvPr id="1" name=""/>
+        <p:cNvGrpSpPr/>
+        <p:nvPr/>
+      </p:nvGrpSpPr>
+      <p:grpSpPr>
+        <a:xfrm>
+          <a:off x="0" y="0"/>
+          <a:ext cx="0" cy="0"/>
+          <a:chOff x="0" y="0"/>
+          <a:chExt cx="0" cy="0"/>
+        </a:xfrm>
+      </p:grpSpPr>
+      <p:sp>
+        <p:nvSpPr>
+          <p:cNvPr id="5122" name="Rectangle 2">
+            <a:extLst>
+              <a:ext uri="{FF2B5EF4-FFF2-40B4-BE49-F238E27FC236}">
+                <a16:creationId xmlns:a16="http://schemas.microsoft.com/office/drawing/2014/main" id="{DA0A6638-A01B-4ADE-AF93-1C7B857D9914}"/>
+              </a:ext>
+            </a:extLst>
+          </p:cNvPr>
+          <p:cNvSpPr>
+            <a:spLocks noGrp="1" noChangeArrowheads="1"/>
+          </p:cNvSpPr>
+          <p:nvPr>
+            <p:ph type="ctrTitle"/>
+          </p:nvPr>
+        </p:nvSpPr>
+        <p:spPr>
+          <a:xfrm>
+            <a:off x="684213" y="2133600"/>
+            <a:ext cx="7847012" cy="2159000"/>
+          </a:xfrm>
+        </p:spPr>
+        <p:txBody>
+          <a:bodyPr/>
+          <a:lstStyle/>
+          <a:p>
+            <a:pPr eaLnBrk="1" hangingPunct="1"/>
+            <a:br>
+              <a:rPr lang="en-US" altLang="zh-CN" sz="8000" dirty="0">
+                <a:solidFill>
+                  <a:schemeClr val="bg1"/>
+                </a:solidFill>
+                <a:ea typeface="微软雅黑" panose="020B0503020204020204" pitchFamily="34" charset="-122"/>
+              </a:rPr>
+            </a:br>
+            <a:r>
+              <a:rPr lang="zh-CN" altLang="en-US" sz="6600" dirty="0">
+                <a:solidFill>
+                  <a:schemeClr val="bg1"/>
+                </a:solidFill>
+                <a:ea typeface="微软雅黑" panose="020B0503020204020204" pitchFamily="34" charset="-122"/>
+              </a:rPr>
+              <a:t>朴素贝叶斯</a:t>
+            </a:r>
+            <a:br>
+              <a:rPr lang="zh-CN" altLang="en-US" sz="7200" dirty="0">
+                <a:solidFill>
+                  <a:schemeClr val="bg1"/>
+                </a:solidFill>
+                <a:ea typeface="微软雅黑" panose="020B0503020204020204" pitchFamily="34" charset="-122"/>
+              </a:rPr>
+            </a:br>
+            <a:endParaRPr lang="zh-CN" altLang="en-US" sz="7200" dirty="0">
+              <a:solidFill>
+                <a:schemeClr val="bg1"/>
+              </a:solidFill>
+              <a:ea typeface="微软雅黑" panose="020B0503020204020204" pitchFamily="34" charset="-122"/>
+            </a:endParaRPr>
+          </a:p>
+        </p:txBody>
+      </p:sp>
+    </p:spTree>
+    <p:extLst>
+      <p:ext uri="{BB962C8B-B14F-4D97-AF65-F5344CB8AC3E}">
+        <p14:creationId xmlns:p14="http://schemas.microsoft.com/office/powerpoint/2010/main" val="3416067395"/>
+      </p:ext>
+    </p:extLst>
+  </p:cSld>
+  <p:clrMapOvr>
+    <a:masterClrMapping/>
+  </p:clrMapOvr>
+</p:sld>
+</file>
+
+<file path=ppt/slides/slide12.xml><?xml version="1.0" encoding="utf-8"?>
+<p:sld xmlns:a="http://schemas.openxmlformats.org/drawingml/2006/main" xmlns:r="http://schemas.openxmlformats.org/officeDocument/2006/relationships" xmlns:p="http://schemas.openxmlformats.org/presentationml/2006/main">
+  <p:cSld>
+    <p:spTree>
+      <p:nvGrpSpPr>
+        <p:cNvPr id="1" name=""/>
+        <p:cNvGrpSpPr/>
+        <p:nvPr/>
+      </p:nvGrpSpPr>
+      <p:grpSpPr>
+        <a:xfrm>
+          <a:off x="0" y="0"/>
+          <a:ext cx="0" cy="0"/>
+          <a:chOff x="0" y="0"/>
+          <a:chExt cx="0" cy="0"/>
+        </a:xfrm>
+      </p:grpSpPr>
+      <p:sp>
+        <p:nvSpPr>
+          <p:cNvPr id="4098" name="TextBox 2">
+            <a:extLst>
+              <a:ext uri="{FF2B5EF4-FFF2-40B4-BE49-F238E27FC236}">
+                <a16:creationId xmlns:a16="http://schemas.microsoft.com/office/drawing/2014/main" id="{5552ED83-0001-4E47-A09B-F49C592A8E24}"/>
+              </a:ext>
+            </a:extLst>
+          </p:cNvPr>
+          <p:cNvSpPr txBox="1">
+            <a:spLocks noChangeArrowheads="1"/>
+          </p:cNvSpPr>
+          <p:nvPr/>
+        </p:nvSpPr>
+        <p:spPr bwMode="auto">
+          <a:xfrm>
+            <a:off x="13610" y="0"/>
+            <a:ext cx="6913562" cy="830263"/>
+          </a:xfrm>
+          <a:prstGeom prst="rect">
+            <a:avLst/>
+          </a:prstGeom>
+          <a:noFill/>
+          <a:ln>
+            <a:noFill/>
+          </a:ln>
+          <a:extLst>
+            <a:ext uri="{909E8E84-426E-40DD-AFC4-6F175D3DCCD1}">
+              <a14:hiddenFill xmlns:a14="http://schemas.microsoft.com/office/drawing/2010/main">
+                <a:solidFill>
+                  <a:srgbClr val="FFFFFF"/>
+                </a:solidFill>
+              </a14:hiddenFill>
+            </a:ext>
+            <a:ext uri="{91240B29-F687-4F45-9708-019B960494DF}">
+              <a14:hiddenLine xmlns:a14="http://schemas.microsoft.com/office/drawing/2010/main" w="9525">
+                <a:solidFill>
+                  <a:srgbClr val="000000"/>
+                </a:solidFill>
+                <a:miter lim="800000"/>
+                <a:headEnd/>
+                <a:tailEnd/>
+              </a14:hiddenLine>
+            </a:ext>
+          </a:extLst>
+        </p:spPr>
+        <p:txBody>
+          <a:bodyPr>
+            <a:spAutoFit/>
+          </a:bodyPr>
+          <a:lstStyle>
+            <a:lvl1pPr eaLnBrk="0" hangingPunct="0">
+              <a:defRPr>
+                <a:solidFill>
+                  <a:schemeClr val="tx1"/>
+                </a:solidFill>
+                <a:latin typeface="Arial" panose="020B0604020202020204" pitchFamily="34" charset="0"/>
+                <a:ea typeface="宋体" panose="02010600030101010101" pitchFamily="2" charset="-122"/>
+              </a:defRPr>
+            </a:lvl1pPr>
+            <a:lvl2pPr marL="742950" indent="-285750" eaLnBrk="0" hangingPunct="0">
+              <a:defRPr>
+                <a:solidFill>
+                  <a:schemeClr val="tx1"/>
+                </a:solidFill>
+                <a:latin typeface="Arial" panose="020B0604020202020204" pitchFamily="34" charset="0"/>
+                <a:ea typeface="宋体" panose="02010600030101010101" pitchFamily="2" charset="-122"/>
+              </a:defRPr>
+            </a:lvl2pPr>
+            <a:lvl3pPr marL="1143000" indent="-228600" eaLnBrk="0" hangingPunct="0">
+              <a:defRPr>
+                <a:solidFill>
+                  <a:schemeClr val="tx1"/>
+                </a:solidFill>
+                <a:latin typeface="Arial" panose="020B0604020202020204" pitchFamily="34" charset="0"/>
+                <a:ea typeface="宋体" panose="02010600030101010101" pitchFamily="2" charset="-122"/>
+              </a:defRPr>
+            </a:lvl3pPr>
+            <a:lvl4pPr marL="1600200" indent="-228600" eaLnBrk="0" hangingPunct="0">
+              <a:defRPr>
+                <a:solidFill>
+                  <a:schemeClr val="tx1"/>
+                </a:solidFill>
+                <a:latin typeface="Arial" panose="020B0604020202020204" pitchFamily="34" charset="0"/>
+                <a:ea typeface="宋体" panose="02010600030101010101" pitchFamily="2" charset="-122"/>
+              </a:defRPr>
+            </a:lvl4pPr>
+            <a:lvl5pPr marL="2057400" indent="-228600" eaLnBrk="0" hangingPunct="0">
+              <a:defRPr>
+                <a:solidFill>
+                  <a:schemeClr val="tx1"/>
+                </a:solidFill>
+                <a:latin typeface="Arial" panose="020B0604020202020204" pitchFamily="34" charset="0"/>
+                <a:ea typeface="宋体" panose="02010600030101010101" pitchFamily="2" charset="-122"/>
+              </a:defRPr>
+            </a:lvl5pPr>
+            <a:lvl6pPr marL="2514600" indent="-228600" eaLnBrk="0" fontAlgn="base" hangingPunct="0">
+              <a:spcBef>
+                <a:spcPct val="0"/>
+              </a:spcBef>
+              <a:spcAft>
+                <a:spcPct val="0"/>
+              </a:spcAft>
+              <a:defRPr>
+                <a:solidFill>
+                  <a:schemeClr val="tx1"/>
+                </a:solidFill>
+                <a:latin typeface="Arial" panose="020B0604020202020204" pitchFamily="34" charset="0"/>
+                <a:ea typeface="宋体" panose="02010600030101010101" pitchFamily="2" charset="-122"/>
+              </a:defRPr>
+            </a:lvl6pPr>
+            <a:lvl7pPr marL="2971800" indent="-228600" eaLnBrk="0" fontAlgn="base" hangingPunct="0">
+              <a:spcBef>
+                <a:spcPct val="0"/>
+              </a:spcBef>
+              <a:spcAft>
+                <a:spcPct val="0"/>
+              </a:spcAft>
+              <a:defRPr>
+                <a:solidFill>
+                  <a:schemeClr val="tx1"/>
+                </a:solidFill>
+                <a:latin typeface="Arial" panose="020B0604020202020204" pitchFamily="34" charset="0"/>
+                <a:ea typeface="宋体" panose="02010600030101010101" pitchFamily="2" charset="-122"/>
+              </a:defRPr>
+            </a:lvl7pPr>
+            <a:lvl8pPr marL="3429000" indent="-228600" eaLnBrk="0" fontAlgn="base" hangingPunct="0">
+              <a:spcBef>
+                <a:spcPct val="0"/>
+              </a:spcBef>
+              <a:spcAft>
+                <a:spcPct val="0"/>
+              </a:spcAft>
+              <a:defRPr>
+                <a:solidFill>
+                  <a:schemeClr val="tx1"/>
+                </a:solidFill>
+                <a:latin typeface="Arial" panose="020B0604020202020204" pitchFamily="34" charset="0"/>
+                <a:ea typeface="宋体" panose="02010600030101010101" pitchFamily="2" charset="-122"/>
+              </a:defRPr>
+            </a:lvl8pPr>
+            <a:lvl9pPr marL="3886200" indent="-228600" eaLnBrk="0" fontAlgn="base" hangingPunct="0">
+              <a:spcBef>
+                <a:spcPct val="0"/>
+              </a:spcBef>
+              <a:spcAft>
+                <a:spcPct val="0"/>
+              </a:spcAft>
+              <a:defRPr>
+                <a:solidFill>
+                  <a:schemeClr val="tx1"/>
+                </a:solidFill>
+                <a:latin typeface="Arial" panose="020B0604020202020204" pitchFamily="34" charset="0"/>
+                <a:ea typeface="宋体" panose="02010600030101010101" pitchFamily="2" charset="-122"/>
+              </a:defRPr>
+            </a:lvl9pPr>
+          </a:lstStyle>
+          <a:p>
+            <a:pPr eaLnBrk="1" hangingPunct="1"/>
+            <a:r>
+              <a:rPr lang="zh-CN" altLang="en-US" sz="4800" dirty="0">
+                <a:solidFill>
+                  <a:schemeClr val="bg1"/>
+                </a:solidFill>
+                <a:latin typeface="微软雅黑" panose="020B0503020204020204" pitchFamily="34" charset="-122"/>
+                <a:ea typeface="微软雅黑" panose="020B0503020204020204" pitchFamily="34" charset="-122"/>
+              </a:rPr>
+              <a:t>朴素贝叶斯</a:t>
+            </a:r>
+          </a:p>
+        </p:txBody>
+      </p:sp>
+      <p:sp>
+        <p:nvSpPr>
+          <p:cNvPr id="5" name="TextBox 4">
+            <a:extLst>
+              <a:ext uri="{FF2B5EF4-FFF2-40B4-BE49-F238E27FC236}">
+                <a16:creationId xmlns:a16="http://schemas.microsoft.com/office/drawing/2014/main" id="{E8A991AE-3688-4E36-95ED-0003B8B99099}"/>
+              </a:ext>
+            </a:extLst>
+          </p:cNvPr>
+          <p:cNvSpPr txBox="1"/>
+          <p:nvPr/>
+        </p:nvSpPr>
+        <p:spPr>
+          <a:xfrm>
+            <a:off x="0" y="807815"/>
+            <a:ext cx="9144000" cy="2831544"/>
+          </a:xfrm>
+          <a:prstGeom prst="rect">
+            <a:avLst/>
+          </a:prstGeom>
+          <a:noFill/>
+        </p:spPr>
+        <p:txBody>
+          <a:bodyPr wrap="square">
+            <a:spAutoFit/>
+          </a:bodyPr>
+          <a:lstStyle/>
+          <a:p>
+            <a:pPr>
+              <a:defRPr/>
+            </a:pPr>
+            <a:r>
+              <a:rPr lang="zh-CN" altLang="en-US" sz="4000" dirty="0">
+                <a:solidFill>
+                  <a:schemeClr val="bg1"/>
+                </a:solidFill>
+                <a:latin typeface="微软雅黑" pitchFamily="34" charset="-122"/>
+                <a:ea typeface="微软雅黑" pitchFamily="34" charset="-122"/>
+              </a:rPr>
+              <a:t>“朴素”</a:t>
+            </a:r>
+            <a:r>
+              <a:rPr lang="en-US" altLang="zh-CN" sz="4000" dirty="0">
+                <a:solidFill>
+                  <a:schemeClr val="bg1"/>
+                </a:solidFill>
+                <a:latin typeface="微软雅黑" pitchFamily="34" charset="-122"/>
+                <a:ea typeface="微软雅黑" pitchFamily="34" charset="-122"/>
+              </a:rPr>
+              <a:t>2</a:t>
+            </a:r>
+            <a:r>
+              <a:rPr lang="zh-CN" altLang="en-US" sz="4000" dirty="0">
+                <a:solidFill>
+                  <a:schemeClr val="bg1"/>
+                </a:solidFill>
+                <a:latin typeface="微软雅黑" pitchFamily="34" charset="-122"/>
+                <a:ea typeface="微软雅黑" pitchFamily="34" charset="-122"/>
+              </a:rPr>
+              <a:t>字的含义：</a:t>
+            </a:r>
+            <a:endParaRPr lang="en-US" altLang="zh-CN" sz="4000" dirty="0">
+              <a:solidFill>
+                <a:schemeClr val="bg1"/>
+              </a:solidFill>
+              <a:latin typeface="微软雅黑" pitchFamily="34" charset="-122"/>
+              <a:ea typeface="微软雅黑" pitchFamily="34" charset="-122"/>
+            </a:endParaRPr>
+          </a:p>
+          <a:p>
+            <a:pPr>
+              <a:defRPr/>
+            </a:pPr>
+            <a:r>
+              <a:rPr lang="zh-CN" altLang="en-US" sz="4000" dirty="0">
+                <a:solidFill>
+                  <a:schemeClr val="bg1"/>
+                </a:solidFill>
+                <a:latin typeface="微软雅黑" pitchFamily="34" charset="-122"/>
+                <a:ea typeface="微软雅黑" pitchFamily="34" charset="-122"/>
+              </a:rPr>
+              <a:t>假定</a:t>
+            </a:r>
+            <a:r>
+              <a:rPr lang="zh-CN" altLang="en-US" sz="4000" dirty="0">
+                <a:solidFill>
+                  <a:srgbClr val="FFC000"/>
+                </a:solidFill>
+                <a:latin typeface="微软雅黑" pitchFamily="34" charset="-122"/>
+                <a:ea typeface="微软雅黑" pitchFamily="34" charset="-122"/>
+              </a:rPr>
+              <a:t>每个特征之间是相互独立</a:t>
+            </a:r>
+            <a:r>
+              <a:rPr lang="zh-CN" altLang="en-US" sz="4000" dirty="0">
+                <a:solidFill>
+                  <a:schemeClr val="bg1"/>
+                </a:solidFill>
+                <a:latin typeface="微软雅黑" pitchFamily="34" charset="-122"/>
+                <a:ea typeface="微软雅黑" pitchFamily="34" charset="-122"/>
+              </a:rPr>
+              <a:t>的</a:t>
+            </a:r>
+            <a:endParaRPr lang="en-US" altLang="zh-CN" sz="4000" dirty="0">
+              <a:solidFill>
+                <a:srgbClr val="FFC000"/>
+              </a:solidFill>
+              <a:latin typeface="微软雅黑" pitchFamily="34" charset="-122"/>
+              <a:ea typeface="微软雅黑" pitchFamily="34" charset="-122"/>
+            </a:endParaRPr>
+          </a:p>
+          <a:p>
+            <a:pPr>
+              <a:defRPr/>
+            </a:pPr>
+            <a:endParaRPr lang="en-US" altLang="zh-CN" sz="4000" dirty="0">
+              <a:solidFill>
+                <a:srgbClr val="FFC000"/>
+              </a:solidFill>
+              <a:latin typeface="微软雅黑" pitchFamily="34" charset="-122"/>
+              <a:ea typeface="微软雅黑" pitchFamily="34" charset="-122"/>
+            </a:endParaRPr>
+          </a:p>
+          <a:p>
+            <a:pPr>
+              <a:defRPr/>
+            </a:pPr>
+            <a:r>
+              <a:rPr lang="en-US" altLang="zh-CN" sz="4000" dirty="0">
+                <a:solidFill>
+                  <a:srgbClr val="FFC000"/>
+                </a:solidFill>
+                <a:latin typeface="微软雅黑" pitchFamily="34" charset="-122"/>
+                <a:ea typeface="微软雅黑" pitchFamily="34" charset="-122"/>
+              </a:rPr>
+              <a:t> </a:t>
+            </a:r>
+            <a:endParaRPr lang="en-US" altLang="zh-CN" sz="4000" dirty="0">
+              <a:solidFill>
+                <a:schemeClr val="bg1"/>
+              </a:solidFill>
+              <a:latin typeface="微软雅黑" pitchFamily="34" charset="-122"/>
+              <a:ea typeface="微软雅黑" pitchFamily="34" charset="-122"/>
+            </a:endParaRPr>
+          </a:p>
+          <a:p>
+            <a:pPr>
+              <a:defRPr/>
+            </a:pPr>
+            <a:endParaRPr lang="en-US" dirty="0">
+              <a:solidFill>
+                <a:schemeClr val="bg1"/>
+              </a:solidFill>
+              <a:latin typeface="Arial" charset="0"/>
+            </a:endParaRPr>
+          </a:p>
+        </p:txBody>
+      </p:sp>
+      <p:pic>
+        <p:nvPicPr>
+          <p:cNvPr id="6" name="Picture 5">
+            <a:extLst>
+              <a:ext uri="{FF2B5EF4-FFF2-40B4-BE49-F238E27FC236}">
+                <a16:creationId xmlns:a16="http://schemas.microsoft.com/office/drawing/2014/main" id="{7408D095-2B78-418A-928E-2518C5C85FA6}"/>
+              </a:ext>
+            </a:extLst>
+          </p:cNvPr>
+          <p:cNvPicPr>
+            <a:picLocks noChangeAspect="1"/>
+          </p:cNvPicPr>
+          <p:nvPr/>
+        </p:nvPicPr>
+        <p:blipFill>
+          <a:blip r:embed="rId2"/>
+          <a:stretch>
+            <a:fillRect/>
+          </a:stretch>
+        </p:blipFill>
+        <p:spPr>
+          <a:xfrm>
+            <a:off x="152221" y="2184932"/>
+            <a:ext cx="8825682" cy="997423"/>
+          </a:xfrm>
+          <a:prstGeom prst="rect">
+            <a:avLst/>
+          </a:prstGeom>
+        </p:spPr>
+      </p:pic>
+      <p:pic>
+        <p:nvPicPr>
+          <p:cNvPr id="7" name="Picture 6">
+            <a:extLst>
+              <a:ext uri="{FF2B5EF4-FFF2-40B4-BE49-F238E27FC236}">
+                <a16:creationId xmlns:a16="http://schemas.microsoft.com/office/drawing/2014/main" id="{B3D6BF72-05FA-4D6E-A6C3-56C6BFF6005D}"/>
+              </a:ext>
+            </a:extLst>
+          </p:cNvPr>
+          <p:cNvPicPr>
+            <a:picLocks noChangeAspect="1"/>
+          </p:cNvPicPr>
+          <p:nvPr/>
+        </p:nvPicPr>
+        <p:blipFill>
+          <a:blip r:embed="rId3"/>
+          <a:stretch>
+            <a:fillRect/>
+          </a:stretch>
+        </p:blipFill>
+        <p:spPr>
+          <a:xfrm>
+            <a:off x="152221" y="3573015"/>
+            <a:ext cx="8839558" cy="1224137"/>
+          </a:xfrm>
+          <a:prstGeom prst="rect">
+            <a:avLst/>
+          </a:prstGeom>
+        </p:spPr>
+      </p:pic>
+      <p:pic>
+        <p:nvPicPr>
+          <p:cNvPr id="3" name="Picture 2">
+            <a:extLst>
+              <a:ext uri="{FF2B5EF4-FFF2-40B4-BE49-F238E27FC236}">
+                <a16:creationId xmlns:a16="http://schemas.microsoft.com/office/drawing/2014/main" id="{BA4A96D9-7FD9-4706-86C3-3B66A5A6BF51}"/>
+              </a:ext>
+            </a:extLst>
+          </p:cNvPr>
+          <p:cNvPicPr>
+            <a:picLocks noChangeAspect="1"/>
+          </p:cNvPicPr>
+          <p:nvPr/>
+        </p:nvPicPr>
+        <p:blipFill>
+          <a:blip r:embed="rId4"/>
+          <a:stretch>
+            <a:fillRect/>
+          </a:stretch>
+        </p:blipFill>
+        <p:spPr>
+          <a:xfrm>
+            <a:off x="152220" y="5133406"/>
+            <a:ext cx="8839557" cy="1103906"/>
+          </a:xfrm>
+          <a:prstGeom prst="rect">
+            <a:avLst/>
+          </a:prstGeom>
+        </p:spPr>
+      </p:pic>
+      <p:sp>
+        <p:nvSpPr>
+          <p:cNvPr id="8" name="Rectangle 7">
+            <a:extLst>
+              <a:ext uri="{FF2B5EF4-FFF2-40B4-BE49-F238E27FC236}">
+                <a16:creationId xmlns:a16="http://schemas.microsoft.com/office/drawing/2014/main" id="{CCC06E4A-2D6F-4DCC-9711-471285065377}"/>
+              </a:ext>
+            </a:extLst>
+          </p:cNvPr>
+          <p:cNvSpPr/>
+          <p:nvPr/>
+        </p:nvSpPr>
+        <p:spPr>
+          <a:xfrm>
+            <a:off x="935594" y="3595463"/>
+            <a:ext cx="900102" cy="563262"/>
+          </a:xfrm>
+          <a:prstGeom prst="rect">
+            <a:avLst/>
+          </a:prstGeom>
+          <a:noFill/>
+          <a:ln w="28575">
+            <a:solidFill>
+              <a:srgbClr val="FF0000"/>
+            </a:solidFill>
+          </a:ln>
+        </p:spPr>
+        <p:style>
+          <a:lnRef idx="2">
+            <a:schemeClr val="accent1">
+              <a:shade val="50000"/>
+            </a:schemeClr>
+          </a:lnRef>
+          <a:fillRef idx="1">
+            <a:schemeClr val="accent1"/>
+          </a:fillRef>
+          <a:effectRef idx="0">
+            <a:schemeClr val="accent1"/>
+          </a:effectRef>
+          <a:fontRef idx="minor">
+            <a:schemeClr val="lt1"/>
+          </a:fontRef>
+        </p:style>
+        <p:txBody>
+          <a:bodyPr rtlCol="0" anchor="ctr"/>
+          <a:lstStyle/>
+          <a:p>
+            <a:pPr algn="ctr"/>
+            <a:endParaRPr lang="en-US"/>
+          </a:p>
+        </p:txBody>
+      </p:sp>
+      <p:sp>
+        <p:nvSpPr>
+          <p:cNvPr id="10" name="Rectangle 9">
+            <a:extLst>
+              <a:ext uri="{FF2B5EF4-FFF2-40B4-BE49-F238E27FC236}">
+                <a16:creationId xmlns:a16="http://schemas.microsoft.com/office/drawing/2014/main" id="{D947EE6A-9FEC-43C7-B615-9ADAAF37B72D}"/>
+              </a:ext>
+            </a:extLst>
+          </p:cNvPr>
+          <p:cNvSpPr/>
+          <p:nvPr/>
+        </p:nvSpPr>
+        <p:spPr>
+          <a:xfrm>
+            <a:off x="395536" y="5187812"/>
+            <a:ext cx="1584176" cy="508856"/>
+          </a:xfrm>
+          <a:prstGeom prst="rect">
+            <a:avLst/>
+          </a:prstGeom>
+          <a:noFill/>
+          <a:ln w="28575">
+            <a:solidFill>
+              <a:srgbClr val="FF0000"/>
+            </a:solidFill>
+          </a:ln>
+        </p:spPr>
+        <p:style>
+          <a:lnRef idx="2">
+            <a:schemeClr val="accent1">
+              <a:shade val="50000"/>
+            </a:schemeClr>
+          </a:lnRef>
+          <a:fillRef idx="1">
+            <a:schemeClr val="accent1"/>
+          </a:fillRef>
+          <a:effectRef idx="0">
+            <a:schemeClr val="accent1"/>
+          </a:effectRef>
+          <a:fontRef idx="minor">
+            <a:schemeClr val="lt1"/>
+          </a:fontRef>
+        </p:style>
+        <p:txBody>
+          <a:bodyPr rtlCol="0" anchor="ctr"/>
+          <a:lstStyle/>
+          <a:p>
+            <a:pPr algn="ctr"/>
+            <a:endParaRPr lang="en-US"/>
+          </a:p>
+        </p:txBody>
+      </p:sp>
+      <p:cxnSp>
+        <p:nvCxnSpPr>
+          <p:cNvPr id="11" name="Straight Arrow Connector 10">
+            <a:extLst>
+              <a:ext uri="{FF2B5EF4-FFF2-40B4-BE49-F238E27FC236}">
+                <a16:creationId xmlns:a16="http://schemas.microsoft.com/office/drawing/2014/main" id="{BD639030-566F-4963-943F-24E9C97FC4FE}"/>
+              </a:ext>
+            </a:extLst>
+          </p:cNvPr>
+          <p:cNvCxnSpPr>
+            <a:cxnSpLocks/>
+            <a:endCxn id="10" idx="0"/>
+          </p:cNvCxnSpPr>
+          <p:nvPr/>
+        </p:nvCxnSpPr>
+        <p:spPr>
+          <a:xfrm flipH="1">
+            <a:off x="1187624" y="4213131"/>
+            <a:ext cx="72008" cy="974681"/>
+          </a:xfrm>
+          <a:prstGeom prst="straightConnector1">
+            <a:avLst/>
+          </a:prstGeom>
+          <a:ln w="76200">
+            <a:solidFill>
+              <a:srgbClr val="FF0000"/>
+            </a:solidFill>
+            <a:tailEnd type="triangle"/>
+          </a:ln>
+        </p:spPr>
+        <p:style>
+          <a:lnRef idx="1">
+            <a:schemeClr val="accent1"/>
+          </a:lnRef>
+          <a:fillRef idx="0">
+            <a:schemeClr val="accent1"/>
+          </a:fillRef>
+          <a:effectRef idx="0">
+            <a:schemeClr val="accent1"/>
+          </a:effectRef>
+          <a:fontRef idx="minor">
+            <a:schemeClr val="tx1"/>
+          </a:fontRef>
+        </p:style>
+      </p:cxnSp>
+      <p:sp>
+        <p:nvSpPr>
+          <p:cNvPr id="15" name="Rectangle 14">
+            <a:extLst>
+              <a:ext uri="{FF2B5EF4-FFF2-40B4-BE49-F238E27FC236}">
+                <a16:creationId xmlns:a16="http://schemas.microsoft.com/office/drawing/2014/main" id="{DB6E7123-99C8-444A-8874-C0903E71E144}"/>
+              </a:ext>
+            </a:extLst>
+          </p:cNvPr>
+          <p:cNvSpPr/>
+          <p:nvPr/>
+        </p:nvSpPr>
+        <p:spPr>
+          <a:xfrm>
+            <a:off x="2177732" y="3595463"/>
+            <a:ext cx="1674187" cy="563262"/>
+          </a:xfrm>
+          <a:prstGeom prst="rect">
+            <a:avLst/>
+          </a:prstGeom>
+          <a:noFill/>
+          <a:ln w="28575">
+            <a:solidFill>
+              <a:srgbClr val="FF0000"/>
+            </a:solidFill>
+          </a:ln>
+        </p:spPr>
+        <p:style>
+          <a:lnRef idx="2">
+            <a:schemeClr val="accent1">
+              <a:shade val="50000"/>
+            </a:schemeClr>
+          </a:lnRef>
+          <a:fillRef idx="1">
+            <a:schemeClr val="accent1"/>
+          </a:fillRef>
+          <a:effectRef idx="0">
+            <a:schemeClr val="accent1"/>
+          </a:effectRef>
+          <a:fontRef idx="minor">
+            <a:schemeClr val="lt1"/>
+          </a:fontRef>
+        </p:style>
+        <p:txBody>
+          <a:bodyPr rtlCol="0" anchor="ctr"/>
+          <a:lstStyle/>
+          <a:p>
+            <a:pPr algn="ctr"/>
+            <a:endParaRPr lang="en-US"/>
+          </a:p>
+        </p:txBody>
+      </p:sp>
+      <p:sp>
+        <p:nvSpPr>
+          <p:cNvPr id="16" name="Rectangle 15">
+            <a:extLst>
+              <a:ext uri="{FF2B5EF4-FFF2-40B4-BE49-F238E27FC236}">
+                <a16:creationId xmlns:a16="http://schemas.microsoft.com/office/drawing/2014/main" id="{06BD5217-24CB-4BE1-92AF-0DBAAB41357A}"/>
+              </a:ext>
+            </a:extLst>
+          </p:cNvPr>
+          <p:cNvSpPr/>
+          <p:nvPr/>
+        </p:nvSpPr>
+        <p:spPr>
+          <a:xfrm>
+            <a:off x="2177733" y="5187812"/>
+            <a:ext cx="2034228" cy="508856"/>
+          </a:xfrm>
+          <a:prstGeom prst="rect">
+            <a:avLst/>
+          </a:prstGeom>
+          <a:noFill/>
+          <a:ln w="28575">
+            <a:solidFill>
+              <a:srgbClr val="FF0000"/>
+            </a:solidFill>
+          </a:ln>
+        </p:spPr>
+        <p:style>
+          <a:lnRef idx="2">
+            <a:schemeClr val="accent1">
+              <a:shade val="50000"/>
+            </a:schemeClr>
+          </a:lnRef>
+          <a:fillRef idx="1">
+            <a:schemeClr val="accent1"/>
+          </a:fillRef>
+          <a:effectRef idx="0">
+            <a:schemeClr val="accent1"/>
+          </a:effectRef>
+          <a:fontRef idx="minor">
+            <a:schemeClr val="lt1"/>
+          </a:fontRef>
+        </p:style>
+        <p:txBody>
+          <a:bodyPr rtlCol="0" anchor="ctr"/>
+          <a:lstStyle/>
+          <a:p>
+            <a:pPr algn="ctr"/>
+            <a:endParaRPr lang="en-US"/>
+          </a:p>
+        </p:txBody>
+      </p:sp>
+      <p:cxnSp>
+        <p:nvCxnSpPr>
+          <p:cNvPr id="17" name="Straight Arrow Connector 16">
+            <a:extLst>
+              <a:ext uri="{FF2B5EF4-FFF2-40B4-BE49-F238E27FC236}">
+                <a16:creationId xmlns:a16="http://schemas.microsoft.com/office/drawing/2014/main" id="{05D80A73-3187-49CA-A052-3559751BA9FD}"/>
+              </a:ext>
+            </a:extLst>
+          </p:cNvPr>
+          <p:cNvCxnSpPr>
+            <a:cxnSpLocks/>
+            <a:endCxn id="16" idx="0"/>
+          </p:cNvCxnSpPr>
+          <p:nvPr/>
+        </p:nvCxnSpPr>
+        <p:spPr>
+          <a:xfrm>
+            <a:off x="2843808" y="4213131"/>
+            <a:ext cx="351039" cy="974681"/>
+          </a:xfrm>
+          <a:prstGeom prst="straightConnector1">
+            <a:avLst/>
+          </a:prstGeom>
+          <a:ln w="76200">
+            <a:solidFill>
+              <a:srgbClr val="FF0000"/>
+            </a:solidFill>
+            <a:tailEnd type="triangle"/>
+          </a:ln>
+        </p:spPr>
+        <p:style>
+          <a:lnRef idx="1">
+            <a:schemeClr val="accent1"/>
+          </a:lnRef>
+          <a:fillRef idx="0">
+            <a:schemeClr val="accent1"/>
+          </a:fillRef>
+          <a:effectRef idx="0">
+            <a:schemeClr val="accent1"/>
+          </a:effectRef>
+          <a:fontRef idx="minor">
+            <a:schemeClr val="tx1"/>
+          </a:fontRef>
+        </p:style>
+      </p:cxnSp>
+      <p:sp>
+        <p:nvSpPr>
+          <p:cNvPr id="21" name="Rectangle 20">
+            <a:extLst>
+              <a:ext uri="{FF2B5EF4-FFF2-40B4-BE49-F238E27FC236}">
+                <a16:creationId xmlns:a16="http://schemas.microsoft.com/office/drawing/2014/main" id="{15BE5DEF-43D5-4A27-96AF-EB9A0CBA90A7}"/>
+              </a:ext>
+            </a:extLst>
+          </p:cNvPr>
+          <p:cNvSpPr/>
+          <p:nvPr/>
+        </p:nvSpPr>
+        <p:spPr>
+          <a:xfrm>
+            <a:off x="4201229" y="3596879"/>
+            <a:ext cx="1378884" cy="563262"/>
+          </a:xfrm>
+          <a:prstGeom prst="rect">
+            <a:avLst/>
+          </a:prstGeom>
+          <a:noFill/>
+          <a:ln w="28575">
+            <a:solidFill>
+              <a:srgbClr val="FF0000"/>
+            </a:solidFill>
+          </a:ln>
+        </p:spPr>
+        <p:style>
+          <a:lnRef idx="2">
+            <a:schemeClr val="accent1">
+              <a:shade val="50000"/>
+            </a:schemeClr>
+          </a:lnRef>
+          <a:fillRef idx="1">
+            <a:schemeClr val="accent1"/>
+          </a:fillRef>
+          <a:effectRef idx="0">
+            <a:schemeClr val="accent1"/>
+          </a:effectRef>
+          <a:fontRef idx="minor">
+            <a:schemeClr val="lt1"/>
+          </a:fontRef>
+        </p:style>
+        <p:txBody>
+          <a:bodyPr rtlCol="0" anchor="ctr"/>
+          <a:lstStyle/>
+          <a:p>
+            <a:pPr algn="ctr"/>
+            <a:endParaRPr lang="en-US"/>
+          </a:p>
+        </p:txBody>
+      </p:sp>
+      <p:sp>
+        <p:nvSpPr>
+          <p:cNvPr id="22" name="Rectangle 21">
+            <a:extLst>
+              <a:ext uri="{FF2B5EF4-FFF2-40B4-BE49-F238E27FC236}">
+                <a16:creationId xmlns:a16="http://schemas.microsoft.com/office/drawing/2014/main" id="{EE01CF24-DF11-4766-B70E-FF1D956AB63A}"/>
+              </a:ext>
+            </a:extLst>
+          </p:cNvPr>
+          <p:cNvSpPr/>
+          <p:nvPr/>
+        </p:nvSpPr>
+        <p:spPr>
+          <a:xfrm>
+            <a:off x="4409981" y="5189228"/>
+            <a:ext cx="1746195" cy="508856"/>
+          </a:xfrm>
+          <a:prstGeom prst="rect">
+            <a:avLst/>
+          </a:prstGeom>
+          <a:noFill/>
+          <a:ln w="28575">
+            <a:solidFill>
+              <a:srgbClr val="FF0000"/>
+            </a:solidFill>
+          </a:ln>
+        </p:spPr>
+        <p:style>
+          <a:lnRef idx="2">
+            <a:schemeClr val="accent1">
+              <a:shade val="50000"/>
+            </a:schemeClr>
+          </a:lnRef>
+          <a:fillRef idx="1">
+            <a:schemeClr val="accent1"/>
+          </a:fillRef>
+          <a:effectRef idx="0">
+            <a:schemeClr val="accent1"/>
+          </a:effectRef>
+          <a:fontRef idx="minor">
+            <a:schemeClr val="lt1"/>
+          </a:fontRef>
+        </p:style>
+        <p:txBody>
+          <a:bodyPr rtlCol="0" anchor="ctr"/>
+          <a:lstStyle/>
+          <a:p>
+            <a:pPr algn="ctr"/>
+            <a:endParaRPr lang="en-US"/>
+          </a:p>
+        </p:txBody>
+      </p:sp>
+      <p:cxnSp>
+        <p:nvCxnSpPr>
+          <p:cNvPr id="23" name="Straight Arrow Connector 22">
+            <a:extLst>
+              <a:ext uri="{FF2B5EF4-FFF2-40B4-BE49-F238E27FC236}">
+                <a16:creationId xmlns:a16="http://schemas.microsoft.com/office/drawing/2014/main" id="{B259A9D2-716A-4414-B266-95845623A0D7}"/>
+              </a:ext>
+            </a:extLst>
+          </p:cNvPr>
+          <p:cNvCxnSpPr>
+            <a:cxnSpLocks/>
+            <a:endCxn id="22" idx="0"/>
+          </p:cNvCxnSpPr>
+          <p:nvPr/>
+        </p:nvCxnSpPr>
+        <p:spPr>
+          <a:xfrm>
+            <a:off x="4867304" y="4214547"/>
+            <a:ext cx="415775" cy="974681"/>
+          </a:xfrm>
+          <a:prstGeom prst="straightConnector1">
+            <a:avLst/>
+          </a:prstGeom>
+          <a:ln w="76200">
+            <a:solidFill>
+              <a:srgbClr val="FF0000"/>
+            </a:solidFill>
+            <a:tailEnd type="triangle"/>
+          </a:ln>
+        </p:spPr>
+        <p:style>
+          <a:lnRef idx="1">
+            <a:schemeClr val="accent1"/>
+          </a:lnRef>
+          <a:fillRef idx="0">
+            <a:schemeClr val="accent1"/>
+          </a:fillRef>
+          <a:effectRef idx="0">
+            <a:schemeClr val="accent1"/>
+          </a:effectRef>
+          <a:fontRef idx="minor">
+            <a:schemeClr val="tx1"/>
+          </a:fontRef>
+        </p:style>
+      </p:cxnSp>
+      <p:sp>
+        <p:nvSpPr>
+          <p:cNvPr id="27" name="Rectangle 26">
+            <a:extLst>
+              <a:ext uri="{FF2B5EF4-FFF2-40B4-BE49-F238E27FC236}">
+                <a16:creationId xmlns:a16="http://schemas.microsoft.com/office/drawing/2014/main" id="{B0B499C1-66EA-49B9-AC49-C85604FFBD8C}"/>
+              </a:ext>
+            </a:extLst>
+          </p:cNvPr>
+          <p:cNvSpPr/>
+          <p:nvPr/>
+        </p:nvSpPr>
+        <p:spPr>
+          <a:xfrm>
+            <a:off x="5871064" y="3595463"/>
+            <a:ext cx="1293224" cy="563262"/>
+          </a:xfrm>
+          <a:prstGeom prst="rect">
+            <a:avLst/>
+          </a:prstGeom>
+          <a:noFill/>
+          <a:ln w="28575">
+            <a:solidFill>
+              <a:srgbClr val="FF0000"/>
+            </a:solidFill>
+          </a:ln>
+        </p:spPr>
+        <p:style>
+          <a:lnRef idx="2">
+            <a:schemeClr val="accent1">
+              <a:shade val="50000"/>
+            </a:schemeClr>
+          </a:lnRef>
+          <a:fillRef idx="1">
+            <a:schemeClr val="accent1"/>
+          </a:fillRef>
+          <a:effectRef idx="0">
+            <a:schemeClr val="accent1"/>
+          </a:effectRef>
+          <a:fontRef idx="minor">
+            <a:schemeClr val="lt1"/>
+          </a:fontRef>
+        </p:style>
+        <p:txBody>
+          <a:bodyPr rtlCol="0" anchor="ctr"/>
+          <a:lstStyle/>
+          <a:p>
+            <a:pPr algn="ctr"/>
+            <a:endParaRPr lang="en-US"/>
+          </a:p>
+        </p:txBody>
+      </p:sp>
+      <p:sp>
+        <p:nvSpPr>
+          <p:cNvPr id="28" name="Rectangle 27">
+            <a:extLst>
+              <a:ext uri="{FF2B5EF4-FFF2-40B4-BE49-F238E27FC236}">
+                <a16:creationId xmlns:a16="http://schemas.microsoft.com/office/drawing/2014/main" id="{29738A85-F469-4112-93BF-9510E71F3CB1}"/>
+              </a:ext>
+            </a:extLst>
+          </p:cNvPr>
+          <p:cNvSpPr/>
+          <p:nvPr/>
+        </p:nvSpPr>
+        <p:spPr>
+          <a:xfrm>
+            <a:off x="6237474" y="5187812"/>
+            <a:ext cx="1862918" cy="508856"/>
+          </a:xfrm>
+          <a:prstGeom prst="rect">
+            <a:avLst/>
+          </a:prstGeom>
+          <a:noFill/>
+          <a:ln w="28575">
+            <a:solidFill>
+              <a:srgbClr val="FF0000"/>
+            </a:solidFill>
+          </a:ln>
+        </p:spPr>
+        <p:style>
+          <a:lnRef idx="2">
+            <a:schemeClr val="accent1">
+              <a:shade val="50000"/>
+            </a:schemeClr>
+          </a:lnRef>
+          <a:fillRef idx="1">
+            <a:schemeClr val="accent1"/>
+          </a:fillRef>
+          <a:effectRef idx="0">
+            <a:schemeClr val="accent1"/>
+          </a:effectRef>
+          <a:fontRef idx="minor">
+            <a:schemeClr val="lt1"/>
+          </a:fontRef>
+        </p:style>
+        <p:txBody>
+          <a:bodyPr rtlCol="0" anchor="ctr"/>
+          <a:lstStyle/>
+          <a:p>
+            <a:pPr algn="ctr"/>
+            <a:endParaRPr lang="en-US"/>
+          </a:p>
+        </p:txBody>
+      </p:sp>
+      <p:cxnSp>
+        <p:nvCxnSpPr>
+          <p:cNvPr id="29" name="Straight Arrow Connector 28">
+            <a:extLst>
+              <a:ext uri="{FF2B5EF4-FFF2-40B4-BE49-F238E27FC236}">
+                <a16:creationId xmlns:a16="http://schemas.microsoft.com/office/drawing/2014/main" id="{B9FF15F0-69A3-4582-A3E5-DCAE53B665BE}"/>
+              </a:ext>
+            </a:extLst>
+          </p:cNvPr>
+          <p:cNvCxnSpPr>
+            <a:cxnSpLocks/>
+            <a:endCxn id="28" idx="0"/>
+          </p:cNvCxnSpPr>
+          <p:nvPr/>
+        </p:nvCxnSpPr>
+        <p:spPr>
+          <a:xfrm>
+            <a:off x="6537139" y="4213131"/>
+            <a:ext cx="631794" cy="974681"/>
+          </a:xfrm>
+          <a:prstGeom prst="straightConnector1">
+            <a:avLst/>
+          </a:prstGeom>
+          <a:ln w="76200">
+            <a:solidFill>
+              <a:srgbClr val="FF0000"/>
+            </a:solidFill>
+            <a:tailEnd type="triangle"/>
+          </a:ln>
+        </p:spPr>
+        <p:style>
+          <a:lnRef idx="1">
+            <a:schemeClr val="accent1"/>
+          </a:lnRef>
+          <a:fillRef idx="0">
+            <a:schemeClr val="accent1"/>
+          </a:fillRef>
+          <a:effectRef idx="0">
+            <a:schemeClr val="accent1"/>
+          </a:effectRef>
+          <a:fontRef idx="minor">
+            <a:schemeClr val="tx1"/>
+          </a:fontRef>
+        </p:style>
+      </p:cxnSp>
+      <p:cxnSp>
+        <p:nvCxnSpPr>
+          <p:cNvPr id="4097" name="Straight Connector 4096">
+            <a:extLst>
+              <a:ext uri="{FF2B5EF4-FFF2-40B4-BE49-F238E27FC236}">
+                <a16:creationId xmlns:a16="http://schemas.microsoft.com/office/drawing/2014/main" id="{60670C6D-51CC-4102-9F89-733B7D3E8E1E}"/>
+              </a:ext>
+            </a:extLst>
+          </p:cNvPr>
+          <p:cNvCxnSpPr>
+            <a:cxnSpLocks/>
+          </p:cNvCxnSpPr>
+          <p:nvPr/>
+        </p:nvCxnSpPr>
+        <p:spPr>
+          <a:xfrm>
+            <a:off x="1331640" y="5877272"/>
+            <a:ext cx="6624736" cy="172913"/>
+          </a:xfrm>
+          <a:prstGeom prst="line">
+            <a:avLst/>
+          </a:prstGeom>
+          <a:ln w="76200"/>
+        </p:spPr>
+        <p:style>
+          <a:lnRef idx="1">
+            <a:schemeClr val="accent4"/>
+          </a:lnRef>
+          <a:fillRef idx="0">
+            <a:schemeClr val="accent4"/>
+          </a:fillRef>
+          <a:effectRef idx="0">
+            <a:schemeClr val="accent4"/>
+          </a:effectRef>
+          <a:fontRef idx="minor">
+            <a:schemeClr val="tx1"/>
+          </a:fontRef>
+        </p:style>
+      </p:cxnSp>
+    </p:spTree>
+    <p:extLst>
+      <p:ext uri="{BB962C8B-B14F-4D97-AF65-F5344CB8AC3E}">
+        <p14:creationId xmlns:p14="http://schemas.microsoft.com/office/powerpoint/2010/main" val="11465190"/>
+      </p:ext>
+    </p:extLst>
+  </p:cSld>
+  <p:clrMapOvr>
+    <a:masterClrMapping/>
+  </p:clrMapOvr>
+  <p:timing>
+    <p:tnLst>
+      <p:par>
+        <p:cTn id="1" dur="indefinite" restart="never" nodeType="tmRoot">
+          <p:childTnLst>
+            <p:seq concurrent="1" nextAc="seek">
+              <p:cTn id="2" dur="indefinite" nodeType="mainSeq">
+                <p:childTnLst>
+                  <p:par>
+                    <p:cTn id="3" fill="hold">
+                      <p:stCondLst>
+                        <p:cond delay="indefinite"/>
+                      </p:stCondLst>
+                      <p:childTnLst>
+                        <p:par>
+                          <p:cTn id="4" fill="hold">
+                            <p:stCondLst>
+                              <p:cond delay="0"/>
+                            </p:stCondLst>
+                            <p:childTnLst>
+                              <p:par>
+                                <p:cTn id="5" presetID="10" presetClass="entr" presetSubtype="0" fill="hold" nodeType="clickEffect">
+                                  <p:stCondLst>
+                                    <p:cond delay="0"/>
+                                  </p:stCondLst>
+                                  <p:childTnLst>
+                                    <p:set>
+                                      <p:cBhvr>
+                                        <p:cTn id="6" dur="1" fill="hold">
+                                          <p:stCondLst>
+                                            <p:cond delay="0"/>
+                                          </p:stCondLst>
+                                        </p:cTn>
+                                        <p:tgtEl>
+                                          <p:spTgt spid="6"/>
+                                        </p:tgtEl>
+                                        <p:attrNameLst>
+                                          <p:attrName>style.visibility</p:attrName>
+                                        </p:attrNameLst>
+                                      </p:cBhvr>
+                                      <p:to>
+                                        <p:strVal val="visible"/>
+                                      </p:to>
+                                    </p:set>
+                                    <p:animEffect transition="in" filter="fade">
+                                      <p:cBhvr>
+                                        <p:cTn id="7" dur="500"/>
+                                        <p:tgtEl>
+                                          <p:spTgt spid="6"/>
+                                        </p:tgtEl>
+                                      </p:cBhvr>
+                                    </p:animEffect>
+                                  </p:childTnLst>
+                                </p:cTn>
+                              </p:par>
+                            </p:childTnLst>
+                          </p:cTn>
+                        </p:par>
+                      </p:childTnLst>
+                    </p:cTn>
+                  </p:par>
+                  <p:par>
+                    <p:cTn id="8" fill="hold">
+                      <p:stCondLst>
+                        <p:cond delay="indefinite"/>
+                      </p:stCondLst>
+                      <p:childTnLst>
+                        <p:par>
+                          <p:cTn id="9" fill="hold">
+                            <p:stCondLst>
+                              <p:cond delay="0"/>
+                            </p:stCondLst>
+                            <p:childTnLst>
+                              <p:par>
+                                <p:cTn id="10" presetID="10" presetClass="entr" presetSubtype="0" fill="hold" nodeType="clickEffect">
+                                  <p:stCondLst>
+                                    <p:cond delay="0"/>
+                                  </p:stCondLst>
+                                  <p:childTnLst>
+                                    <p:set>
+                                      <p:cBhvr>
+                                        <p:cTn id="11" dur="1" fill="hold">
+                                          <p:stCondLst>
+                                            <p:cond delay="0"/>
+                                          </p:stCondLst>
+                                        </p:cTn>
+                                        <p:tgtEl>
+                                          <p:spTgt spid="7"/>
+                                        </p:tgtEl>
+                                        <p:attrNameLst>
+                                          <p:attrName>style.visibility</p:attrName>
+                                        </p:attrNameLst>
+                                      </p:cBhvr>
+                                      <p:to>
+                                        <p:strVal val="visible"/>
+                                      </p:to>
+                                    </p:set>
+                                    <p:animEffect transition="in" filter="fade">
+                                      <p:cBhvr>
+                                        <p:cTn id="12" dur="500"/>
+                                        <p:tgtEl>
+                                          <p:spTgt spid="7"/>
+                                        </p:tgtEl>
+                                      </p:cBhvr>
+                                    </p:animEffect>
+                                  </p:childTnLst>
+                                </p:cTn>
+                              </p:par>
+                            </p:childTnLst>
+                          </p:cTn>
+                        </p:par>
+                      </p:childTnLst>
+                    </p:cTn>
+                  </p:par>
+                  <p:par>
+                    <p:cTn id="13" fill="hold">
+                      <p:stCondLst>
+                        <p:cond delay="indefinite"/>
+                      </p:stCondLst>
+                      <p:childTnLst>
+                        <p:par>
+                          <p:cTn id="14" fill="hold">
+                            <p:stCondLst>
+                              <p:cond delay="0"/>
+                            </p:stCondLst>
+                            <p:childTnLst>
+                              <p:par>
+                                <p:cTn id="15" presetID="10" presetClass="entr" presetSubtype="0" fill="hold" nodeType="clickEffect">
+                                  <p:stCondLst>
+                                    <p:cond delay="0"/>
+                                  </p:stCondLst>
+                                  <p:childTnLst>
+                                    <p:set>
+                                      <p:cBhvr>
+                                        <p:cTn id="16" dur="1" fill="hold">
+                                          <p:stCondLst>
+                                            <p:cond delay="0"/>
+                                          </p:stCondLst>
+                                        </p:cTn>
+                                        <p:tgtEl>
+                                          <p:spTgt spid="3"/>
+                                        </p:tgtEl>
+                                        <p:attrNameLst>
+                                          <p:attrName>style.visibility</p:attrName>
+                                        </p:attrNameLst>
+                                      </p:cBhvr>
+                                      <p:to>
+                                        <p:strVal val="visible"/>
+                                      </p:to>
+                                    </p:set>
+                                    <p:animEffect transition="in" filter="fade">
+                                      <p:cBhvr>
+                                        <p:cTn id="17" dur="500"/>
+                                        <p:tgtEl>
+                                          <p:spTgt spid="3"/>
+                                        </p:tgtEl>
+                                      </p:cBhvr>
+                                    </p:animEffect>
+                                  </p:childTnLst>
+                                </p:cTn>
+                              </p:par>
+                            </p:childTnLst>
+                          </p:cTn>
+                        </p:par>
+                      </p:childTnLst>
+                    </p:cTn>
+                  </p:par>
+                  <p:par>
+                    <p:cTn id="18" fill="hold">
+                      <p:stCondLst>
+                        <p:cond delay="indefinite"/>
+                      </p:stCondLst>
+                      <p:childTnLst>
+                        <p:par>
+                          <p:cTn id="19" fill="hold">
+                            <p:stCondLst>
+                              <p:cond delay="0"/>
+                            </p:stCondLst>
+                            <p:childTnLst>
+                              <p:par>
+                                <p:cTn id="20" presetID="10" presetClass="entr" presetSubtype="0" fill="hold" grpId="0" nodeType="clickEffect">
+                                  <p:stCondLst>
+                                    <p:cond delay="0"/>
+                                  </p:stCondLst>
+                                  <p:childTnLst>
+                                    <p:set>
+                                      <p:cBhvr>
+                                        <p:cTn id="21" dur="1" fill="hold">
+                                          <p:stCondLst>
+                                            <p:cond delay="0"/>
+                                          </p:stCondLst>
+                                        </p:cTn>
+                                        <p:tgtEl>
+                                          <p:spTgt spid="8"/>
+                                        </p:tgtEl>
+                                        <p:attrNameLst>
+                                          <p:attrName>style.visibility</p:attrName>
+                                        </p:attrNameLst>
+                                      </p:cBhvr>
+                                      <p:to>
+                                        <p:strVal val="visible"/>
+                                      </p:to>
+                                    </p:set>
+                                    <p:animEffect transition="in" filter="fade">
+                                      <p:cBhvr>
+                                        <p:cTn id="22" dur="500"/>
+                                        <p:tgtEl>
+                                          <p:spTgt spid="8"/>
+                                        </p:tgtEl>
+                                      </p:cBhvr>
+                                    </p:animEffect>
+                                  </p:childTnLst>
+                                </p:cTn>
+                              </p:par>
+                              <p:par>
+                                <p:cTn id="23" presetID="10" presetClass="entr" presetSubtype="0" fill="hold" nodeType="withEffect">
+                                  <p:stCondLst>
+                                    <p:cond delay="0"/>
+                                  </p:stCondLst>
+                                  <p:childTnLst>
+                                    <p:set>
+                                      <p:cBhvr>
+                                        <p:cTn id="24" dur="1" fill="hold">
+                                          <p:stCondLst>
+                                            <p:cond delay="0"/>
+                                          </p:stCondLst>
+                                        </p:cTn>
+                                        <p:tgtEl>
+                                          <p:spTgt spid="11"/>
+                                        </p:tgtEl>
+                                        <p:attrNameLst>
+                                          <p:attrName>style.visibility</p:attrName>
+                                        </p:attrNameLst>
+                                      </p:cBhvr>
+                                      <p:to>
+                                        <p:strVal val="visible"/>
+                                      </p:to>
+                                    </p:set>
+                                    <p:animEffect transition="in" filter="fade">
+                                      <p:cBhvr>
+                                        <p:cTn id="25" dur="500"/>
+                                        <p:tgtEl>
+                                          <p:spTgt spid="11"/>
+                                        </p:tgtEl>
+                                      </p:cBhvr>
+                                    </p:animEffect>
+                                  </p:childTnLst>
+                                </p:cTn>
+                              </p:par>
+                              <p:par>
+                                <p:cTn id="26" presetID="10" presetClass="entr" presetSubtype="0" fill="hold" grpId="0" nodeType="withEffect">
+                                  <p:stCondLst>
+                                    <p:cond delay="0"/>
+                                  </p:stCondLst>
+                                  <p:childTnLst>
+                                    <p:set>
+                                      <p:cBhvr>
+                                        <p:cTn id="27" dur="1" fill="hold">
+                                          <p:stCondLst>
+                                            <p:cond delay="0"/>
+                                          </p:stCondLst>
+                                        </p:cTn>
+                                        <p:tgtEl>
+                                          <p:spTgt spid="10"/>
+                                        </p:tgtEl>
+                                        <p:attrNameLst>
+                                          <p:attrName>style.visibility</p:attrName>
+                                        </p:attrNameLst>
+                                      </p:cBhvr>
+                                      <p:to>
+                                        <p:strVal val="visible"/>
+                                      </p:to>
+                                    </p:set>
+                                    <p:animEffect transition="in" filter="fade">
+                                      <p:cBhvr>
+                                        <p:cTn id="28" dur="500"/>
+                                        <p:tgtEl>
+                                          <p:spTgt spid="10"/>
+                                        </p:tgtEl>
+                                      </p:cBhvr>
+                                    </p:animEffect>
+                                  </p:childTnLst>
+                                </p:cTn>
+                              </p:par>
+                            </p:childTnLst>
+                          </p:cTn>
+                        </p:par>
+                      </p:childTnLst>
+                    </p:cTn>
+                  </p:par>
+                  <p:par>
+                    <p:cTn id="29" fill="hold">
+                      <p:stCondLst>
+                        <p:cond delay="indefinite"/>
+                      </p:stCondLst>
+                      <p:childTnLst>
+                        <p:par>
+                          <p:cTn id="30" fill="hold">
+                            <p:stCondLst>
+                              <p:cond delay="0"/>
+                            </p:stCondLst>
+                            <p:childTnLst>
+                              <p:par>
+                                <p:cTn id="31" presetID="10" presetClass="entr" presetSubtype="0" fill="hold" grpId="0" nodeType="clickEffect">
+                                  <p:stCondLst>
+                                    <p:cond delay="0"/>
+                                  </p:stCondLst>
+                                  <p:childTnLst>
+                                    <p:set>
+                                      <p:cBhvr>
+                                        <p:cTn id="32" dur="1" fill="hold">
+                                          <p:stCondLst>
+                                            <p:cond delay="0"/>
+                                          </p:stCondLst>
+                                        </p:cTn>
+                                        <p:tgtEl>
+                                          <p:spTgt spid="15"/>
+                                        </p:tgtEl>
+                                        <p:attrNameLst>
+                                          <p:attrName>style.visibility</p:attrName>
+                                        </p:attrNameLst>
+                                      </p:cBhvr>
+                                      <p:to>
+                                        <p:strVal val="visible"/>
+                                      </p:to>
+                                    </p:set>
+                                    <p:animEffect transition="in" filter="fade">
+                                      <p:cBhvr>
+                                        <p:cTn id="33" dur="500"/>
+                                        <p:tgtEl>
+                                          <p:spTgt spid="15"/>
+                                        </p:tgtEl>
+                                      </p:cBhvr>
+                                    </p:animEffect>
+                                  </p:childTnLst>
+                                </p:cTn>
+                              </p:par>
+                              <p:par>
+                                <p:cTn id="34" presetID="10" presetClass="entr" presetSubtype="0" fill="hold" nodeType="withEffect">
+                                  <p:stCondLst>
+                                    <p:cond delay="0"/>
+                                  </p:stCondLst>
+                                  <p:childTnLst>
+                                    <p:set>
+                                      <p:cBhvr>
+                                        <p:cTn id="35" dur="1" fill="hold">
+                                          <p:stCondLst>
+                                            <p:cond delay="0"/>
+                                          </p:stCondLst>
+                                        </p:cTn>
+                                        <p:tgtEl>
+                                          <p:spTgt spid="17"/>
+                                        </p:tgtEl>
+                                        <p:attrNameLst>
+                                          <p:attrName>style.visibility</p:attrName>
+                                        </p:attrNameLst>
+                                      </p:cBhvr>
+                                      <p:to>
+                                        <p:strVal val="visible"/>
+                                      </p:to>
+                                    </p:set>
+                                    <p:animEffect transition="in" filter="fade">
+                                      <p:cBhvr>
+                                        <p:cTn id="36" dur="500"/>
+                                        <p:tgtEl>
+                                          <p:spTgt spid="17"/>
+                                        </p:tgtEl>
+                                      </p:cBhvr>
+                                    </p:animEffect>
+                                  </p:childTnLst>
+                                </p:cTn>
+                              </p:par>
+                              <p:par>
+                                <p:cTn id="37" presetID="10" presetClass="entr" presetSubtype="0" fill="hold" grpId="0" nodeType="withEffect">
+                                  <p:stCondLst>
+                                    <p:cond delay="0"/>
+                                  </p:stCondLst>
+                                  <p:childTnLst>
+                                    <p:set>
+                                      <p:cBhvr>
+                                        <p:cTn id="38" dur="1" fill="hold">
+                                          <p:stCondLst>
+                                            <p:cond delay="0"/>
+                                          </p:stCondLst>
+                                        </p:cTn>
+                                        <p:tgtEl>
+                                          <p:spTgt spid="16"/>
+                                        </p:tgtEl>
+                                        <p:attrNameLst>
+                                          <p:attrName>style.visibility</p:attrName>
+                                        </p:attrNameLst>
+                                      </p:cBhvr>
+                                      <p:to>
+                                        <p:strVal val="visible"/>
+                                      </p:to>
+                                    </p:set>
+                                    <p:animEffect transition="in" filter="fade">
+                                      <p:cBhvr>
+                                        <p:cTn id="39" dur="500"/>
+                                        <p:tgtEl>
+                                          <p:spTgt spid="16"/>
+                                        </p:tgtEl>
+                                      </p:cBhvr>
+                                    </p:animEffect>
+                                  </p:childTnLst>
+                                </p:cTn>
+                              </p:par>
+                            </p:childTnLst>
+                          </p:cTn>
+                        </p:par>
+                      </p:childTnLst>
+                    </p:cTn>
+                  </p:par>
+                  <p:par>
+                    <p:cTn id="40" fill="hold">
+                      <p:stCondLst>
+                        <p:cond delay="indefinite"/>
+                      </p:stCondLst>
+                      <p:childTnLst>
+                        <p:par>
+                          <p:cTn id="41" fill="hold">
+                            <p:stCondLst>
+                              <p:cond delay="0"/>
+                            </p:stCondLst>
+                            <p:childTnLst>
+                              <p:par>
+                                <p:cTn id="42" presetID="10" presetClass="entr" presetSubtype="0" fill="hold" grpId="0" nodeType="clickEffect">
+                                  <p:stCondLst>
+                                    <p:cond delay="0"/>
+                                  </p:stCondLst>
+                                  <p:childTnLst>
+                                    <p:set>
+                                      <p:cBhvr>
+                                        <p:cTn id="43" dur="1" fill="hold">
+                                          <p:stCondLst>
+                                            <p:cond delay="0"/>
+                                          </p:stCondLst>
+                                        </p:cTn>
+                                        <p:tgtEl>
+                                          <p:spTgt spid="21"/>
+                                        </p:tgtEl>
+                                        <p:attrNameLst>
+                                          <p:attrName>style.visibility</p:attrName>
+                                        </p:attrNameLst>
+                                      </p:cBhvr>
+                                      <p:to>
+                                        <p:strVal val="visible"/>
+                                      </p:to>
+                                    </p:set>
+                                    <p:animEffect transition="in" filter="fade">
+                                      <p:cBhvr>
+                                        <p:cTn id="44" dur="500"/>
+                                        <p:tgtEl>
+                                          <p:spTgt spid="21"/>
+                                        </p:tgtEl>
+                                      </p:cBhvr>
+                                    </p:animEffect>
+                                  </p:childTnLst>
+                                </p:cTn>
+                              </p:par>
+                              <p:par>
+                                <p:cTn id="45" presetID="10" presetClass="entr" presetSubtype="0" fill="hold" nodeType="withEffect">
+                                  <p:stCondLst>
+                                    <p:cond delay="0"/>
+                                  </p:stCondLst>
+                                  <p:childTnLst>
+                                    <p:set>
+                                      <p:cBhvr>
+                                        <p:cTn id="46" dur="1" fill="hold">
+                                          <p:stCondLst>
+                                            <p:cond delay="0"/>
+                                          </p:stCondLst>
+                                        </p:cTn>
+                                        <p:tgtEl>
+                                          <p:spTgt spid="23"/>
+                                        </p:tgtEl>
+                                        <p:attrNameLst>
+                                          <p:attrName>style.visibility</p:attrName>
+                                        </p:attrNameLst>
+                                      </p:cBhvr>
+                                      <p:to>
+                                        <p:strVal val="visible"/>
+                                      </p:to>
+                                    </p:set>
+                                    <p:animEffect transition="in" filter="fade">
+                                      <p:cBhvr>
+                                        <p:cTn id="47" dur="500"/>
+                                        <p:tgtEl>
+                                          <p:spTgt spid="23"/>
+                                        </p:tgtEl>
+                                      </p:cBhvr>
+                                    </p:animEffect>
+                                  </p:childTnLst>
+                                </p:cTn>
+                              </p:par>
+                              <p:par>
+                                <p:cTn id="48" presetID="10" presetClass="entr" presetSubtype="0" fill="hold" grpId="0" nodeType="withEffect">
+                                  <p:stCondLst>
+                                    <p:cond delay="0"/>
+                                  </p:stCondLst>
+                                  <p:childTnLst>
+                                    <p:set>
+                                      <p:cBhvr>
+                                        <p:cTn id="49" dur="1" fill="hold">
+                                          <p:stCondLst>
+                                            <p:cond delay="0"/>
+                                          </p:stCondLst>
+                                        </p:cTn>
+                                        <p:tgtEl>
+                                          <p:spTgt spid="22"/>
+                                        </p:tgtEl>
+                                        <p:attrNameLst>
+                                          <p:attrName>style.visibility</p:attrName>
+                                        </p:attrNameLst>
+                                      </p:cBhvr>
+                                      <p:to>
+                                        <p:strVal val="visible"/>
+                                      </p:to>
+                                    </p:set>
+                                    <p:animEffect transition="in" filter="fade">
+                                      <p:cBhvr>
+                                        <p:cTn id="50" dur="500"/>
+                                        <p:tgtEl>
+                                          <p:spTgt spid="22"/>
+                                        </p:tgtEl>
+                                      </p:cBhvr>
+                                    </p:animEffect>
+                                  </p:childTnLst>
+                                </p:cTn>
+                              </p:par>
+                            </p:childTnLst>
+                          </p:cTn>
+                        </p:par>
+                      </p:childTnLst>
+                    </p:cTn>
+                  </p:par>
+                  <p:par>
+                    <p:cTn id="51" fill="hold">
+                      <p:stCondLst>
+                        <p:cond delay="indefinite"/>
+                      </p:stCondLst>
+                      <p:childTnLst>
+                        <p:par>
+                          <p:cTn id="52" fill="hold">
+                            <p:stCondLst>
+                              <p:cond delay="0"/>
+                            </p:stCondLst>
+                            <p:childTnLst>
+                              <p:par>
+                                <p:cTn id="53" presetID="10" presetClass="entr" presetSubtype="0" fill="hold" grpId="0" nodeType="clickEffect">
+                                  <p:stCondLst>
+                                    <p:cond delay="0"/>
+                                  </p:stCondLst>
+                                  <p:childTnLst>
+                                    <p:set>
+                                      <p:cBhvr>
+                                        <p:cTn id="54" dur="1" fill="hold">
+                                          <p:stCondLst>
+                                            <p:cond delay="0"/>
+                                          </p:stCondLst>
+                                        </p:cTn>
+                                        <p:tgtEl>
+                                          <p:spTgt spid="27"/>
+                                        </p:tgtEl>
+                                        <p:attrNameLst>
+                                          <p:attrName>style.visibility</p:attrName>
+                                        </p:attrNameLst>
+                                      </p:cBhvr>
+                                      <p:to>
+                                        <p:strVal val="visible"/>
+                                      </p:to>
+                                    </p:set>
+                                    <p:animEffect transition="in" filter="fade">
+                                      <p:cBhvr>
+                                        <p:cTn id="55" dur="500"/>
+                                        <p:tgtEl>
+                                          <p:spTgt spid="27"/>
+                                        </p:tgtEl>
+                                      </p:cBhvr>
+                                    </p:animEffect>
+                                  </p:childTnLst>
+                                </p:cTn>
+                              </p:par>
+                              <p:par>
+                                <p:cTn id="56" presetID="10" presetClass="entr" presetSubtype="0" fill="hold" nodeType="withEffect">
+                                  <p:stCondLst>
+                                    <p:cond delay="0"/>
+                                  </p:stCondLst>
+                                  <p:childTnLst>
+                                    <p:set>
+                                      <p:cBhvr>
+                                        <p:cTn id="57" dur="1" fill="hold">
+                                          <p:stCondLst>
+                                            <p:cond delay="0"/>
+                                          </p:stCondLst>
+                                        </p:cTn>
+                                        <p:tgtEl>
+                                          <p:spTgt spid="29"/>
+                                        </p:tgtEl>
+                                        <p:attrNameLst>
+                                          <p:attrName>style.visibility</p:attrName>
+                                        </p:attrNameLst>
+                                      </p:cBhvr>
+                                      <p:to>
+                                        <p:strVal val="visible"/>
+                                      </p:to>
+                                    </p:set>
+                                    <p:animEffect transition="in" filter="fade">
+                                      <p:cBhvr>
+                                        <p:cTn id="58" dur="500"/>
+                                        <p:tgtEl>
+                                          <p:spTgt spid="29"/>
+                                        </p:tgtEl>
+                                      </p:cBhvr>
+                                    </p:animEffect>
+                                  </p:childTnLst>
+                                </p:cTn>
+                              </p:par>
+                              <p:par>
+                                <p:cTn id="59" presetID="10" presetClass="entr" presetSubtype="0" fill="hold" grpId="0" nodeType="withEffect">
+                                  <p:stCondLst>
+                                    <p:cond delay="0"/>
+                                  </p:stCondLst>
+                                  <p:childTnLst>
+                                    <p:set>
+                                      <p:cBhvr>
+                                        <p:cTn id="60" dur="1" fill="hold">
+                                          <p:stCondLst>
+                                            <p:cond delay="0"/>
+                                          </p:stCondLst>
+                                        </p:cTn>
+                                        <p:tgtEl>
+                                          <p:spTgt spid="28"/>
+                                        </p:tgtEl>
+                                        <p:attrNameLst>
+                                          <p:attrName>style.visibility</p:attrName>
+                                        </p:attrNameLst>
+                                      </p:cBhvr>
+                                      <p:to>
+                                        <p:strVal val="visible"/>
+                                      </p:to>
+                                    </p:set>
+                                    <p:animEffect transition="in" filter="fade">
+                                      <p:cBhvr>
+                                        <p:cTn id="61" dur="500"/>
+                                        <p:tgtEl>
+                                          <p:spTgt spid="28"/>
+                                        </p:tgtEl>
+                                      </p:cBhvr>
+                                    </p:animEffect>
+                                  </p:childTnLst>
+                                </p:cTn>
+                              </p:par>
+                            </p:childTnLst>
+                          </p:cTn>
+                        </p:par>
+                      </p:childTnLst>
+                    </p:cTn>
+                  </p:par>
+                  <p:par>
+                    <p:cTn id="62" fill="hold">
+                      <p:stCondLst>
+                        <p:cond delay="indefinite"/>
+                      </p:stCondLst>
+                      <p:childTnLst>
+                        <p:par>
+                          <p:cTn id="63" fill="hold">
+                            <p:stCondLst>
+                              <p:cond delay="0"/>
+                            </p:stCondLst>
+                            <p:childTnLst>
+                              <p:par>
+                                <p:cTn id="64" presetID="10" presetClass="entr" presetSubtype="0" fill="hold" nodeType="clickEffect">
+                                  <p:stCondLst>
+                                    <p:cond delay="0"/>
+                                  </p:stCondLst>
+                                  <p:childTnLst>
+                                    <p:set>
+                                      <p:cBhvr>
+                                        <p:cTn id="65" dur="1" fill="hold">
+                                          <p:stCondLst>
+                                            <p:cond delay="0"/>
+                                          </p:stCondLst>
+                                        </p:cTn>
+                                        <p:tgtEl>
+                                          <p:spTgt spid="4097"/>
+                                        </p:tgtEl>
+                                        <p:attrNameLst>
+                                          <p:attrName>style.visibility</p:attrName>
+                                        </p:attrNameLst>
+                                      </p:cBhvr>
+                                      <p:to>
+                                        <p:strVal val="visible"/>
+                                      </p:to>
+                                    </p:set>
+                                    <p:animEffect transition="in" filter="fade">
+                                      <p:cBhvr>
+                                        <p:cTn id="66" dur="500"/>
+                                        <p:tgtEl>
+                                          <p:spTgt spid="4097"/>
+                                        </p:tgtEl>
+                                      </p:cBhvr>
+                                    </p:animEffect>
+                                  </p:childTnLst>
+                                </p:cTn>
+                              </p:par>
+                            </p:childTnLst>
+                          </p:cTn>
+                        </p:par>
+                      </p:childTnLst>
+                    </p:cTn>
+                  </p:par>
+                </p:childTnLst>
+              </p:cTn>
+              <p:prevCondLst>
+                <p:cond evt="onPrev" delay="0">
+                  <p:tgtEl>
+                    <p:sldTgt/>
+                  </p:tgtEl>
+                </p:cond>
+              </p:prevCondLst>
+              <p:nextCondLst>
+                <p:cond evt="onNext" delay="0">
+                  <p:tgtEl>
+                    <p:sldTgt/>
+                  </p:tgtEl>
+                </p:cond>
+              </p:nextCondLst>
+            </p:seq>
+          </p:childTnLst>
+        </p:cTn>
+      </p:par>
+    </p:tnLst>
+    <p:bldLst>
+      <p:bldP spid="8" grpId="0" animBg="1"/>
+      <p:bldP spid="10" grpId="0" animBg="1"/>
+      <p:bldP spid="15" grpId="0" animBg="1"/>
+      <p:bldP spid="16" grpId="0" animBg="1"/>
+      <p:bldP spid="21" grpId="0" animBg="1"/>
+      <p:bldP spid="22" grpId="0" animBg="1"/>
+      <p:bldP spid="27" grpId="0" animBg="1"/>
+      <p:bldP spid="28" grpId="0" animBg="1"/>
+    </p:bldLst>
+  </p:timing>
+</p:sld>
+</file>
+
+<file path=ppt/slides/slide13.xml><?xml version="1.0" encoding="utf-8"?>
+<p:sld xmlns:a="http://schemas.openxmlformats.org/drawingml/2006/main" xmlns:r="http://schemas.openxmlformats.org/officeDocument/2006/relationships" xmlns:p="http://schemas.openxmlformats.org/presentationml/2006/main">
+  <p:cSld>
+    <p:spTree>
+      <p:nvGrpSpPr>
+        <p:cNvPr id="1" name=""/>
+        <p:cNvGrpSpPr/>
+        <p:nvPr/>
+      </p:nvGrpSpPr>
+      <p:grpSpPr>
+        <a:xfrm>
+          <a:off x="0" y="0"/>
+          <a:ext cx="0" cy="0"/>
+          <a:chOff x="0" y="0"/>
+          <a:chExt cx="0" cy="0"/>
+        </a:xfrm>
+      </p:grpSpPr>
+      <p:sp>
+        <p:nvSpPr>
+          <p:cNvPr id="4098" name="TextBox 2">
+            <a:extLst>
+              <a:ext uri="{FF2B5EF4-FFF2-40B4-BE49-F238E27FC236}">
+                <a16:creationId xmlns:a16="http://schemas.microsoft.com/office/drawing/2014/main" id="{5552ED83-0001-4E47-A09B-F49C592A8E24}"/>
+              </a:ext>
+            </a:extLst>
+          </p:cNvPr>
+          <p:cNvSpPr txBox="1">
+            <a:spLocks noChangeArrowheads="1"/>
+          </p:cNvSpPr>
+          <p:nvPr/>
+        </p:nvSpPr>
+        <p:spPr bwMode="auto">
+          <a:xfrm>
+            <a:off x="13610" y="0"/>
+            <a:ext cx="6913562" cy="830263"/>
+          </a:xfrm>
+          <a:prstGeom prst="rect">
+            <a:avLst/>
+          </a:prstGeom>
+          <a:noFill/>
+          <a:ln>
+            <a:noFill/>
+          </a:ln>
+          <a:extLst>
+            <a:ext uri="{909E8E84-426E-40DD-AFC4-6F175D3DCCD1}">
+              <a14:hiddenFill xmlns:a14="http://schemas.microsoft.com/office/drawing/2010/main">
+                <a:solidFill>
+                  <a:srgbClr val="FFFFFF"/>
+                </a:solidFill>
+              </a14:hiddenFill>
+            </a:ext>
+            <a:ext uri="{91240B29-F687-4F45-9708-019B960494DF}">
+              <a14:hiddenLine xmlns:a14="http://schemas.microsoft.com/office/drawing/2010/main" w="9525">
+                <a:solidFill>
+                  <a:srgbClr val="000000"/>
+                </a:solidFill>
+                <a:miter lim="800000"/>
+                <a:headEnd/>
+                <a:tailEnd/>
+              </a14:hiddenLine>
+            </a:ext>
+          </a:extLst>
+        </p:spPr>
+        <p:txBody>
+          <a:bodyPr>
+            <a:spAutoFit/>
+          </a:bodyPr>
+          <a:lstStyle>
+            <a:lvl1pPr eaLnBrk="0" hangingPunct="0">
+              <a:defRPr>
+                <a:solidFill>
+                  <a:schemeClr val="tx1"/>
+                </a:solidFill>
+                <a:latin typeface="Arial" panose="020B0604020202020204" pitchFamily="34" charset="0"/>
+                <a:ea typeface="宋体" panose="02010600030101010101" pitchFamily="2" charset="-122"/>
+              </a:defRPr>
+            </a:lvl1pPr>
+            <a:lvl2pPr marL="742950" indent="-285750" eaLnBrk="0" hangingPunct="0">
+              <a:defRPr>
+                <a:solidFill>
+                  <a:schemeClr val="tx1"/>
+                </a:solidFill>
+                <a:latin typeface="Arial" panose="020B0604020202020204" pitchFamily="34" charset="0"/>
+                <a:ea typeface="宋体" panose="02010600030101010101" pitchFamily="2" charset="-122"/>
+              </a:defRPr>
+            </a:lvl2pPr>
+            <a:lvl3pPr marL="1143000" indent="-228600" eaLnBrk="0" hangingPunct="0">
+              <a:defRPr>
+                <a:solidFill>
+                  <a:schemeClr val="tx1"/>
+                </a:solidFill>
+                <a:latin typeface="Arial" panose="020B0604020202020204" pitchFamily="34" charset="0"/>
+                <a:ea typeface="宋体" panose="02010600030101010101" pitchFamily="2" charset="-122"/>
+              </a:defRPr>
+            </a:lvl3pPr>
+            <a:lvl4pPr marL="1600200" indent="-228600" eaLnBrk="0" hangingPunct="0">
+              <a:defRPr>
+                <a:solidFill>
+                  <a:schemeClr val="tx1"/>
+                </a:solidFill>
+                <a:latin typeface="Arial" panose="020B0604020202020204" pitchFamily="34" charset="0"/>
+                <a:ea typeface="宋体" panose="02010600030101010101" pitchFamily="2" charset="-122"/>
+              </a:defRPr>
+            </a:lvl4pPr>
+            <a:lvl5pPr marL="2057400" indent="-228600" eaLnBrk="0" hangingPunct="0">
+              <a:defRPr>
+                <a:solidFill>
+                  <a:schemeClr val="tx1"/>
+                </a:solidFill>
+                <a:latin typeface="Arial" panose="020B0604020202020204" pitchFamily="34" charset="0"/>
+                <a:ea typeface="宋体" panose="02010600030101010101" pitchFamily="2" charset="-122"/>
+              </a:defRPr>
+            </a:lvl5pPr>
+            <a:lvl6pPr marL="2514600" indent="-228600" eaLnBrk="0" fontAlgn="base" hangingPunct="0">
+              <a:spcBef>
+                <a:spcPct val="0"/>
+              </a:spcBef>
+              <a:spcAft>
+                <a:spcPct val="0"/>
+              </a:spcAft>
+              <a:defRPr>
+                <a:solidFill>
+                  <a:schemeClr val="tx1"/>
+                </a:solidFill>
+                <a:latin typeface="Arial" panose="020B0604020202020204" pitchFamily="34" charset="0"/>
+                <a:ea typeface="宋体" panose="02010600030101010101" pitchFamily="2" charset="-122"/>
+              </a:defRPr>
+            </a:lvl6pPr>
+            <a:lvl7pPr marL="2971800" indent="-228600" eaLnBrk="0" fontAlgn="base" hangingPunct="0">
+              <a:spcBef>
+                <a:spcPct val="0"/>
+              </a:spcBef>
+              <a:spcAft>
+                <a:spcPct val="0"/>
+              </a:spcAft>
+              <a:defRPr>
+                <a:solidFill>
+                  <a:schemeClr val="tx1"/>
+                </a:solidFill>
+                <a:latin typeface="Arial" panose="020B0604020202020204" pitchFamily="34" charset="0"/>
+                <a:ea typeface="宋体" panose="02010600030101010101" pitchFamily="2" charset="-122"/>
+              </a:defRPr>
+            </a:lvl7pPr>
+            <a:lvl8pPr marL="3429000" indent="-228600" eaLnBrk="0" fontAlgn="base" hangingPunct="0">
+              <a:spcBef>
+                <a:spcPct val="0"/>
+              </a:spcBef>
+              <a:spcAft>
+                <a:spcPct val="0"/>
+              </a:spcAft>
+              <a:defRPr>
+                <a:solidFill>
+                  <a:schemeClr val="tx1"/>
+                </a:solidFill>
+                <a:latin typeface="Arial" panose="020B0604020202020204" pitchFamily="34" charset="0"/>
+                <a:ea typeface="宋体" panose="02010600030101010101" pitchFamily="2" charset="-122"/>
+              </a:defRPr>
+            </a:lvl8pPr>
+            <a:lvl9pPr marL="3886200" indent="-228600" eaLnBrk="0" fontAlgn="base" hangingPunct="0">
+              <a:spcBef>
+                <a:spcPct val="0"/>
+              </a:spcBef>
+              <a:spcAft>
+                <a:spcPct val="0"/>
+              </a:spcAft>
+              <a:defRPr>
+                <a:solidFill>
+                  <a:schemeClr val="tx1"/>
+                </a:solidFill>
+                <a:latin typeface="Arial" panose="020B0604020202020204" pitchFamily="34" charset="0"/>
+                <a:ea typeface="宋体" panose="02010600030101010101" pitchFamily="2" charset="-122"/>
+              </a:defRPr>
+            </a:lvl9pPr>
+          </a:lstStyle>
+          <a:p>
+            <a:pPr eaLnBrk="1" hangingPunct="1"/>
+            <a:r>
+              <a:rPr lang="zh-CN" altLang="en-US" sz="4800" dirty="0">
+                <a:solidFill>
+                  <a:schemeClr val="bg1"/>
+                </a:solidFill>
+                <a:latin typeface="微软雅黑" panose="020B0503020204020204" pitchFamily="34" charset="-122"/>
+                <a:ea typeface="微软雅黑" panose="020B0503020204020204" pitchFamily="34" charset="-122"/>
+              </a:rPr>
+              <a:t>朴素贝叶斯</a:t>
+            </a:r>
+          </a:p>
+        </p:txBody>
+      </p:sp>
+      <p:pic>
+        <p:nvPicPr>
+          <p:cNvPr id="4" name="Picture 3">
+            <a:extLst>
+              <a:ext uri="{FF2B5EF4-FFF2-40B4-BE49-F238E27FC236}">
+                <a16:creationId xmlns:a16="http://schemas.microsoft.com/office/drawing/2014/main" id="{726A81AE-0351-482D-A257-349CE58E74C4}"/>
+              </a:ext>
+            </a:extLst>
+          </p:cNvPr>
+          <p:cNvPicPr>
+            <a:picLocks noChangeAspect="1"/>
+          </p:cNvPicPr>
+          <p:nvPr/>
+        </p:nvPicPr>
+        <p:blipFill>
+          <a:blip r:embed="rId2"/>
+          <a:stretch>
+            <a:fillRect/>
+          </a:stretch>
+        </p:blipFill>
+        <p:spPr>
+          <a:xfrm>
+            <a:off x="107504" y="2244539"/>
+            <a:ext cx="7848872" cy="4410418"/>
+          </a:xfrm>
+          <a:prstGeom prst="rect">
+            <a:avLst/>
+          </a:prstGeom>
+        </p:spPr>
+      </p:pic>
+      <p:pic>
+        <p:nvPicPr>
+          <p:cNvPr id="9" name="Picture 8">
+            <a:extLst>
+              <a:ext uri="{FF2B5EF4-FFF2-40B4-BE49-F238E27FC236}">
+                <a16:creationId xmlns:a16="http://schemas.microsoft.com/office/drawing/2014/main" id="{898A081C-B2E9-476C-B911-16B9055B2967}"/>
+              </a:ext>
+            </a:extLst>
+          </p:cNvPr>
+          <p:cNvPicPr>
+            <a:picLocks noChangeAspect="1"/>
+          </p:cNvPicPr>
+          <p:nvPr/>
+        </p:nvPicPr>
+        <p:blipFill>
+          <a:blip r:embed="rId3"/>
+          <a:stretch>
+            <a:fillRect/>
+          </a:stretch>
+        </p:blipFill>
+        <p:spPr>
+          <a:xfrm>
+            <a:off x="113718" y="851600"/>
+            <a:ext cx="8778762" cy="510765"/>
+          </a:xfrm>
+          <a:prstGeom prst="rect">
+            <a:avLst/>
+          </a:prstGeom>
+        </p:spPr>
+      </p:pic>
+      <p:sp>
+        <p:nvSpPr>
+          <p:cNvPr id="24" name="Rectangle 23">
+            <a:extLst>
+              <a:ext uri="{FF2B5EF4-FFF2-40B4-BE49-F238E27FC236}">
+                <a16:creationId xmlns:a16="http://schemas.microsoft.com/office/drawing/2014/main" id="{5202D1FF-D4BC-443E-B5C7-F60846500227}"/>
+              </a:ext>
+            </a:extLst>
+          </p:cNvPr>
+          <p:cNvSpPr/>
+          <p:nvPr/>
+        </p:nvSpPr>
+        <p:spPr>
+          <a:xfrm>
+            <a:off x="467544" y="882055"/>
+            <a:ext cx="1296144" cy="480310"/>
+          </a:xfrm>
+          <a:prstGeom prst="rect">
+            <a:avLst/>
+          </a:prstGeom>
+          <a:noFill/>
+          <a:ln w="28575">
+            <a:solidFill>
+              <a:srgbClr val="FF0000"/>
+            </a:solidFill>
+          </a:ln>
+        </p:spPr>
+        <p:style>
+          <a:lnRef idx="2">
+            <a:schemeClr val="accent1">
+              <a:shade val="50000"/>
+            </a:schemeClr>
+          </a:lnRef>
+          <a:fillRef idx="1">
+            <a:schemeClr val="accent1"/>
+          </a:fillRef>
+          <a:effectRef idx="0">
+            <a:schemeClr val="accent1"/>
+          </a:effectRef>
+          <a:fontRef idx="minor">
+            <a:schemeClr val="lt1"/>
+          </a:fontRef>
+        </p:style>
+        <p:txBody>
+          <a:bodyPr rtlCol="0" anchor="ctr"/>
+          <a:lstStyle/>
+          <a:p>
+            <a:pPr algn="ctr"/>
+            <a:endParaRPr lang="en-US"/>
+          </a:p>
+        </p:txBody>
+      </p:sp>
+      <p:sp>
+        <p:nvSpPr>
+          <p:cNvPr id="25" name="Rectangle 24">
+            <a:extLst>
+              <a:ext uri="{FF2B5EF4-FFF2-40B4-BE49-F238E27FC236}">
+                <a16:creationId xmlns:a16="http://schemas.microsoft.com/office/drawing/2014/main" id="{E485B466-20B0-4C5E-8843-89C8F2FBDEBC}"/>
+              </a:ext>
+            </a:extLst>
+          </p:cNvPr>
+          <p:cNvSpPr/>
+          <p:nvPr/>
+        </p:nvSpPr>
+        <p:spPr>
+          <a:xfrm>
+            <a:off x="179512" y="3645024"/>
+            <a:ext cx="7416824" cy="288032"/>
+          </a:xfrm>
+          <a:prstGeom prst="rect">
+            <a:avLst/>
+          </a:prstGeom>
+          <a:noFill/>
+          <a:ln w="28575">
+            <a:solidFill>
+              <a:srgbClr val="FF0000"/>
+            </a:solidFill>
+          </a:ln>
+        </p:spPr>
+        <p:style>
+          <a:lnRef idx="2">
+            <a:schemeClr val="accent1">
+              <a:shade val="50000"/>
+            </a:schemeClr>
+          </a:lnRef>
+          <a:fillRef idx="1">
+            <a:schemeClr val="accent1"/>
+          </a:fillRef>
+          <a:effectRef idx="0">
+            <a:schemeClr val="accent1"/>
+          </a:effectRef>
+          <a:fontRef idx="minor">
+            <a:schemeClr val="lt1"/>
+          </a:fontRef>
+        </p:style>
+        <p:txBody>
+          <a:bodyPr rtlCol="0" anchor="ctr"/>
+          <a:lstStyle/>
+          <a:p>
+            <a:pPr algn="ctr"/>
+            <a:endParaRPr lang="en-US"/>
+          </a:p>
+        </p:txBody>
+      </p:sp>
+      <p:sp>
+        <p:nvSpPr>
+          <p:cNvPr id="26" name="Rectangle 25">
+            <a:extLst>
+              <a:ext uri="{FF2B5EF4-FFF2-40B4-BE49-F238E27FC236}">
+                <a16:creationId xmlns:a16="http://schemas.microsoft.com/office/drawing/2014/main" id="{7CB137F1-D6F2-41F1-83A3-C60662A9BB22}"/>
+              </a:ext>
+            </a:extLst>
+          </p:cNvPr>
+          <p:cNvSpPr/>
+          <p:nvPr/>
+        </p:nvSpPr>
+        <p:spPr>
+          <a:xfrm>
+            <a:off x="179512" y="5005974"/>
+            <a:ext cx="7416824" cy="288032"/>
+          </a:xfrm>
+          <a:prstGeom prst="rect">
+            <a:avLst/>
+          </a:prstGeom>
+          <a:noFill/>
+          <a:ln w="28575">
+            <a:solidFill>
+              <a:srgbClr val="FF0000"/>
+            </a:solidFill>
+          </a:ln>
+        </p:spPr>
+        <p:style>
+          <a:lnRef idx="2">
+            <a:schemeClr val="accent1">
+              <a:shade val="50000"/>
+            </a:schemeClr>
+          </a:lnRef>
+          <a:fillRef idx="1">
+            <a:schemeClr val="accent1"/>
+          </a:fillRef>
+          <a:effectRef idx="0">
+            <a:schemeClr val="accent1"/>
+          </a:effectRef>
+          <a:fontRef idx="minor">
+            <a:schemeClr val="lt1"/>
+          </a:fontRef>
+        </p:style>
+        <p:txBody>
+          <a:bodyPr rtlCol="0" anchor="ctr"/>
+          <a:lstStyle/>
+          <a:p>
+            <a:pPr algn="ctr"/>
+            <a:endParaRPr lang="en-US"/>
+          </a:p>
+        </p:txBody>
+      </p:sp>
+      <p:sp>
+        <p:nvSpPr>
+          <p:cNvPr id="30" name="Rectangle 29">
+            <a:extLst>
+              <a:ext uri="{FF2B5EF4-FFF2-40B4-BE49-F238E27FC236}">
+                <a16:creationId xmlns:a16="http://schemas.microsoft.com/office/drawing/2014/main" id="{0A5414D0-50FB-4259-A5C9-3E4F7BEB8205}"/>
+              </a:ext>
+            </a:extLst>
+          </p:cNvPr>
+          <p:cNvSpPr/>
+          <p:nvPr/>
+        </p:nvSpPr>
+        <p:spPr>
+          <a:xfrm>
+            <a:off x="179512" y="5661248"/>
+            <a:ext cx="7416824" cy="288032"/>
+          </a:xfrm>
+          <a:prstGeom prst="rect">
+            <a:avLst/>
+          </a:prstGeom>
+          <a:noFill/>
+          <a:ln w="28575">
+            <a:solidFill>
+              <a:srgbClr val="FF0000"/>
+            </a:solidFill>
+          </a:ln>
+        </p:spPr>
+        <p:style>
+          <a:lnRef idx="2">
+            <a:schemeClr val="accent1">
+              <a:shade val="50000"/>
+            </a:schemeClr>
+          </a:lnRef>
+          <a:fillRef idx="1">
+            <a:schemeClr val="accent1"/>
+          </a:fillRef>
+          <a:effectRef idx="0">
+            <a:schemeClr val="accent1"/>
+          </a:effectRef>
+          <a:fontRef idx="minor">
+            <a:schemeClr val="lt1"/>
+          </a:fontRef>
+        </p:style>
+        <p:txBody>
+          <a:bodyPr rtlCol="0" anchor="ctr"/>
+          <a:lstStyle/>
+          <a:p>
+            <a:pPr algn="ctr"/>
+            <a:endParaRPr lang="en-US"/>
+          </a:p>
+        </p:txBody>
+      </p:sp>
+      <p:sp>
+        <p:nvSpPr>
+          <p:cNvPr id="31" name="Rectangle 30">
+            <a:extLst>
+              <a:ext uri="{FF2B5EF4-FFF2-40B4-BE49-F238E27FC236}">
+                <a16:creationId xmlns:a16="http://schemas.microsoft.com/office/drawing/2014/main" id="{D0292895-2F4A-4FAE-B404-E30D7086CD59}"/>
+              </a:ext>
+            </a:extLst>
+          </p:cNvPr>
+          <p:cNvSpPr/>
+          <p:nvPr/>
+        </p:nvSpPr>
+        <p:spPr>
+          <a:xfrm>
+            <a:off x="138224" y="3295846"/>
+            <a:ext cx="7602128" cy="709218"/>
+          </a:xfrm>
+          <a:prstGeom prst="rect">
+            <a:avLst/>
+          </a:prstGeom>
+          <a:noFill/>
+          <a:ln w="28575">
+            <a:solidFill>
+              <a:srgbClr val="00B050"/>
+            </a:solidFill>
+          </a:ln>
+        </p:spPr>
+        <p:style>
+          <a:lnRef idx="2">
+            <a:schemeClr val="accent1">
+              <a:shade val="50000"/>
+            </a:schemeClr>
+          </a:lnRef>
+          <a:fillRef idx="1">
+            <a:schemeClr val="accent1"/>
+          </a:fillRef>
+          <a:effectRef idx="0">
+            <a:schemeClr val="accent1"/>
+          </a:effectRef>
+          <a:fontRef idx="minor">
+            <a:schemeClr val="lt1"/>
+          </a:fontRef>
+        </p:style>
+        <p:txBody>
+          <a:bodyPr rtlCol="0" anchor="ctr"/>
+          <a:lstStyle/>
+          <a:p>
+            <a:pPr algn="ctr"/>
+            <a:endParaRPr lang="en-US"/>
+          </a:p>
+        </p:txBody>
+      </p:sp>
+      <p:sp>
+        <p:nvSpPr>
+          <p:cNvPr id="32" name="Rectangle 31">
+            <a:extLst>
+              <a:ext uri="{FF2B5EF4-FFF2-40B4-BE49-F238E27FC236}">
+                <a16:creationId xmlns:a16="http://schemas.microsoft.com/office/drawing/2014/main" id="{700C83C3-9448-4D51-B900-D52329FDB780}"/>
+              </a:ext>
+            </a:extLst>
+          </p:cNvPr>
+          <p:cNvSpPr/>
+          <p:nvPr/>
+        </p:nvSpPr>
+        <p:spPr>
+          <a:xfrm>
+            <a:off x="132504" y="4603152"/>
+            <a:ext cx="7602128" cy="1403248"/>
+          </a:xfrm>
+          <a:prstGeom prst="rect">
+            <a:avLst/>
+          </a:prstGeom>
+          <a:noFill/>
+          <a:ln w="28575">
+            <a:solidFill>
+              <a:srgbClr val="00B050"/>
+            </a:solidFill>
+          </a:ln>
+        </p:spPr>
+        <p:style>
+          <a:lnRef idx="2">
+            <a:schemeClr val="accent1">
+              <a:shade val="50000"/>
+            </a:schemeClr>
+          </a:lnRef>
+          <a:fillRef idx="1">
+            <a:schemeClr val="accent1"/>
+          </a:fillRef>
+          <a:effectRef idx="0">
+            <a:schemeClr val="accent1"/>
+          </a:effectRef>
+          <a:fontRef idx="minor">
+            <a:schemeClr val="lt1"/>
+          </a:fontRef>
+        </p:style>
+        <p:txBody>
+          <a:bodyPr rtlCol="0" anchor="ctr"/>
+          <a:lstStyle/>
+          <a:p>
+            <a:pPr algn="ctr"/>
+            <a:endParaRPr lang="en-US"/>
+          </a:p>
+        </p:txBody>
+      </p:sp>
+      <p:sp>
+        <p:nvSpPr>
+          <p:cNvPr id="33" name="TextBox 32">
+            <a:extLst>
+              <a:ext uri="{FF2B5EF4-FFF2-40B4-BE49-F238E27FC236}">
+                <a16:creationId xmlns:a16="http://schemas.microsoft.com/office/drawing/2014/main" id="{23BC2E03-BE4E-4815-8188-ADCBB591487C}"/>
+              </a:ext>
+            </a:extLst>
+          </p:cNvPr>
+          <p:cNvSpPr txBox="1"/>
+          <p:nvPr/>
+        </p:nvSpPr>
+        <p:spPr>
+          <a:xfrm>
+            <a:off x="-26480" y="1424495"/>
+            <a:ext cx="9144000" cy="707886"/>
+          </a:xfrm>
+          <a:prstGeom prst="rect">
+            <a:avLst/>
+          </a:prstGeom>
+          <a:noFill/>
+        </p:spPr>
+        <p:txBody>
+          <a:bodyPr wrap="square">
+            <a:spAutoFit/>
+          </a:bodyPr>
+          <a:lstStyle/>
+          <a:p>
+            <a:pPr>
+              <a:defRPr/>
+            </a:pPr>
+            <a:r>
+              <a:rPr lang="en-US" sz="4000" dirty="0">
+                <a:solidFill>
+                  <a:schemeClr val="bg1"/>
+                </a:solidFill>
+                <a:latin typeface="微软雅黑" pitchFamily="34" charset="-122"/>
+                <a:ea typeface="微软雅黑" pitchFamily="34" charset="-122"/>
+              </a:rPr>
+              <a:t>P(</a:t>
+            </a:r>
+            <a:r>
+              <a:rPr lang="zh-CN" altLang="en-US" sz="4000" dirty="0">
+                <a:solidFill>
+                  <a:schemeClr val="bg1"/>
+                </a:solidFill>
+                <a:latin typeface="微软雅黑" pitchFamily="34" charset="-122"/>
+                <a:ea typeface="微软雅黑" pitchFamily="34" charset="-122"/>
+              </a:rPr>
+              <a:t>不帅</a:t>
+            </a:r>
+            <a:r>
+              <a:rPr lang="en-US" altLang="zh-CN" sz="4000" dirty="0">
+                <a:solidFill>
+                  <a:schemeClr val="bg1"/>
+                </a:solidFill>
+                <a:latin typeface="微软雅黑" pitchFamily="34" charset="-122"/>
+                <a:ea typeface="微软雅黑" pitchFamily="34" charset="-122"/>
+              </a:rPr>
+              <a:t>|</a:t>
+            </a:r>
+            <a:r>
+              <a:rPr lang="zh-CN" altLang="en-US" sz="4000" dirty="0">
+                <a:solidFill>
+                  <a:schemeClr val="bg1"/>
+                </a:solidFill>
+                <a:latin typeface="微软雅黑" pitchFamily="34" charset="-122"/>
+                <a:ea typeface="微软雅黑" pitchFamily="34" charset="-122"/>
+              </a:rPr>
+              <a:t>嫁</a:t>
+            </a:r>
+            <a:r>
+              <a:rPr lang="en-US" sz="4000" dirty="0">
+                <a:solidFill>
+                  <a:schemeClr val="bg1"/>
+                </a:solidFill>
+                <a:latin typeface="微软雅黑" pitchFamily="34" charset="-122"/>
+                <a:ea typeface="微软雅黑" pitchFamily="34" charset="-122"/>
+              </a:rPr>
+              <a:t>) </a:t>
+            </a:r>
+            <a:r>
+              <a:rPr lang="en-US" altLang="zh-CN" sz="4000" dirty="0">
+                <a:solidFill>
+                  <a:schemeClr val="bg1"/>
+                </a:solidFill>
+                <a:latin typeface="微软雅黑" pitchFamily="34" charset="-122"/>
+                <a:ea typeface="微软雅黑" pitchFamily="34" charset="-122"/>
+              </a:rPr>
+              <a:t>= </a:t>
+            </a:r>
+            <a:r>
+              <a:rPr lang="en-US" sz="4000" dirty="0">
+                <a:solidFill>
+                  <a:schemeClr val="bg1"/>
+                </a:solidFill>
+                <a:latin typeface="微软雅黑" pitchFamily="34" charset="-122"/>
+                <a:ea typeface="微软雅黑" pitchFamily="34" charset="-122"/>
+              </a:rPr>
+              <a:t>3/6</a:t>
+            </a:r>
+            <a:r>
+              <a:rPr lang="zh-CN" altLang="en-US" sz="4000" dirty="0">
+                <a:solidFill>
+                  <a:schemeClr val="bg1"/>
+                </a:solidFill>
+                <a:latin typeface="微软雅黑" pitchFamily="34" charset="-122"/>
+                <a:ea typeface="微软雅黑" pitchFamily="34" charset="-122"/>
+              </a:rPr>
+              <a:t> </a:t>
+            </a:r>
+            <a:r>
+              <a:rPr lang="en-US" altLang="zh-CN" sz="4000" dirty="0">
+                <a:solidFill>
+                  <a:schemeClr val="bg1"/>
+                </a:solidFill>
+                <a:latin typeface="微软雅黑" pitchFamily="34" charset="-122"/>
+                <a:ea typeface="微软雅黑" pitchFamily="34" charset="-122"/>
+              </a:rPr>
+              <a:t>=</a:t>
+            </a:r>
+            <a:r>
+              <a:rPr lang="zh-CN" altLang="en-US" sz="4000" dirty="0">
+                <a:solidFill>
+                  <a:schemeClr val="bg1"/>
+                </a:solidFill>
+                <a:latin typeface="微软雅黑" pitchFamily="34" charset="-122"/>
+                <a:ea typeface="微软雅黑" pitchFamily="34" charset="-122"/>
+              </a:rPr>
+              <a:t> </a:t>
+            </a:r>
+            <a:r>
+              <a:rPr lang="en-US" altLang="zh-CN" sz="4000" dirty="0">
+                <a:solidFill>
+                  <a:schemeClr val="bg1"/>
+                </a:solidFill>
+                <a:latin typeface="微软雅黑" pitchFamily="34" charset="-122"/>
+                <a:ea typeface="微软雅黑" pitchFamily="34" charset="-122"/>
+              </a:rPr>
+              <a:t>1/2</a:t>
+            </a:r>
+            <a:endParaRPr lang="en-US" dirty="0">
+              <a:solidFill>
+                <a:schemeClr val="bg1"/>
+              </a:solidFill>
+              <a:latin typeface="Arial" charset="0"/>
+            </a:endParaRPr>
+          </a:p>
+        </p:txBody>
+      </p:sp>
+    </p:spTree>
+    <p:extLst>
+      <p:ext uri="{BB962C8B-B14F-4D97-AF65-F5344CB8AC3E}">
+        <p14:creationId xmlns:p14="http://schemas.microsoft.com/office/powerpoint/2010/main" val="2493091934"/>
+      </p:ext>
+    </p:extLst>
+  </p:cSld>
+  <p:clrMapOvr>
+    <a:masterClrMapping/>
+  </p:clrMapOvr>
+  <p:timing>
+    <p:tnLst>
+      <p:par>
+        <p:cTn id="1" dur="indefinite" restart="never" nodeType="tmRoot">
+          <p:childTnLst>
+            <p:seq concurrent="1" nextAc="seek">
+              <p:cTn id="2" dur="indefinite" nodeType="mainSeq">
+                <p:childTnLst>
+                  <p:par>
+                    <p:cTn id="3" fill="hold">
+                      <p:stCondLst>
+                        <p:cond delay="indefinite"/>
+                      </p:stCondLst>
+                      <p:childTnLst>
+                        <p:par>
+                          <p:cTn id="4" fill="hold">
+                            <p:stCondLst>
+                              <p:cond delay="0"/>
+                            </p:stCondLst>
+                            <p:childTnLst>
+                              <p:par>
+                                <p:cTn id="5" presetID="10" presetClass="entr" presetSubtype="0" fill="hold" grpId="0" nodeType="clickEffect">
+                                  <p:stCondLst>
+                                    <p:cond delay="0"/>
+                                  </p:stCondLst>
+                                  <p:childTnLst>
+                                    <p:set>
+                                      <p:cBhvr>
+                                        <p:cTn id="6" dur="1" fill="hold">
+                                          <p:stCondLst>
+                                            <p:cond delay="0"/>
+                                          </p:stCondLst>
+                                        </p:cTn>
+                                        <p:tgtEl>
+                                          <p:spTgt spid="24"/>
+                                        </p:tgtEl>
+                                        <p:attrNameLst>
+                                          <p:attrName>style.visibility</p:attrName>
+                                        </p:attrNameLst>
+                                      </p:cBhvr>
+                                      <p:to>
+                                        <p:strVal val="visible"/>
+                                      </p:to>
+                                    </p:set>
+                                    <p:animEffect transition="in" filter="fade">
+                                      <p:cBhvr>
+                                        <p:cTn id="7" dur="500"/>
+                                        <p:tgtEl>
+                                          <p:spTgt spid="24"/>
+                                        </p:tgtEl>
+                                      </p:cBhvr>
+                                    </p:animEffect>
+                                  </p:childTnLst>
+                                </p:cTn>
+                              </p:par>
+                            </p:childTnLst>
+                          </p:cTn>
+                        </p:par>
+                      </p:childTnLst>
+                    </p:cTn>
+                  </p:par>
+                  <p:par>
+                    <p:cTn id="8" fill="hold">
+                      <p:stCondLst>
+                        <p:cond delay="indefinite"/>
+                      </p:stCondLst>
+                      <p:childTnLst>
+                        <p:par>
+                          <p:cTn id="9" fill="hold">
+                            <p:stCondLst>
+                              <p:cond delay="0"/>
+                            </p:stCondLst>
+                            <p:childTnLst>
+                              <p:par>
+                                <p:cTn id="10" presetID="10" presetClass="entr" presetSubtype="0" fill="hold" grpId="0" nodeType="clickEffect">
+                                  <p:stCondLst>
+                                    <p:cond delay="0"/>
+                                  </p:stCondLst>
+                                  <p:childTnLst>
+                                    <p:set>
+                                      <p:cBhvr>
+                                        <p:cTn id="11" dur="1" fill="hold">
+                                          <p:stCondLst>
+                                            <p:cond delay="0"/>
+                                          </p:stCondLst>
+                                        </p:cTn>
+                                        <p:tgtEl>
+                                          <p:spTgt spid="31"/>
+                                        </p:tgtEl>
+                                        <p:attrNameLst>
+                                          <p:attrName>style.visibility</p:attrName>
+                                        </p:attrNameLst>
+                                      </p:cBhvr>
+                                      <p:to>
+                                        <p:strVal val="visible"/>
+                                      </p:to>
+                                    </p:set>
+                                    <p:animEffect transition="in" filter="fade">
+                                      <p:cBhvr>
+                                        <p:cTn id="12" dur="500"/>
+                                        <p:tgtEl>
+                                          <p:spTgt spid="31"/>
+                                        </p:tgtEl>
+                                      </p:cBhvr>
+                                    </p:animEffect>
+                                  </p:childTnLst>
+                                </p:cTn>
+                              </p:par>
+                            </p:childTnLst>
+                          </p:cTn>
+                        </p:par>
+                      </p:childTnLst>
+                    </p:cTn>
+                  </p:par>
+                  <p:par>
+                    <p:cTn id="13" fill="hold">
+                      <p:stCondLst>
+                        <p:cond delay="indefinite"/>
+                      </p:stCondLst>
+                      <p:childTnLst>
+                        <p:par>
+                          <p:cTn id="14" fill="hold">
+                            <p:stCondLst>
+                              <p:cond delay="0"/>
+                            </p:stCondLst>
+                            <p:childTnLst>
+                              <p:par>
+                                <p:cTn id="15" presetID="10" presetClass="entr" presetSubtype="0" fill="hold" grpId="0" nodeType="clickEffect">
+                                  <p:stCondLst>
+                                    <p:cond delay="0"/>
+                                  </p:stCondLst>
+                                  <p:childTnLst>
+                                    <p:set>
+                                      <p:cBhvr>
+                                        <p:cTn id="16" dur="1" fill="hold">
+                                          <p:stCondLst>
+                                            <p:cond delay="0"/>
+                                          </p:stCondLst>
+                                        </p:cTn>
+                                        <p:tgtEl>
+                                          <p:spTgt spid="32"/>
+                                        </p:tgtEl>
+                                        <p:attrNameLst>
+                                          <p:attrName>style.visibility</p:attrName>
+                                        </p:attrNameLst>
+                                      </p:cBhvr>
+                                      <p:to>
+                                        <p:strVal val="visible"/>
+                                      </p:to>
+                                    </p:set>
+                                    <p:animEffect transition="in" filter="fade">
+                                      <p:cBhvr>
+                                        <p:cTn id="17" dur="500"/>
+                                        <p:tgtEl>
+                                          <p:spTgt spid="32"/>
+                                        </p:tgtEl>
+                                      </p:cBhvr>
+                                    </p:animEffect>
+                                  </p:childTnLst>
+                                </p:cTn>
+                              </p:par>
+                            </p:childTnLst>
+                          </p:cTn>
+                        </p:par>
+                      </p:childTnLst>
+                    </p:cTn>
+                  </p:par>
+                  <p:par>
+                    <p:cTn id="18" fill="hold">
+                      <p:stCondLst>
+                        <p:cond delay="indefinite"/>
+                      </p:stCondLst>
+                      <p:childTnLst>
+                        <p:par>
+                          <p:cTn id="19" fill="hold">
+                            <p:stCondLst>
+                              <p:cond delay="0"/>
+                            </p:stCondLst>
+                            <p:childTnLst>
+                              <p:par>
+                                <p:cTn id="20" presetID="10" presetClass="entr" presetSubtype="0" fill="hold" grpId="0" nodeType="clickEffect">
+                                  <p:stCondLst>
+                                    <p:cond delay="0"/>
+                                  </p:stCondLst>
+                                  <p:childTnLst>
+                                    <p:set>
+                                      <p:cBhvr>
+                                        <p:cTn id="21" dur="1" fill="hold">
+                                          <p:stCondLst>
+                                            <p:cond delay="0"/>
+                                          </p:stCondLst>
+                                        </p:cTn>
+                                        <p:tgtEl>
+                                          <p:spTgt spid="25"/>
+                                        </p:tgtEl>
+                                        <p:attrNameLst>
+                                          <p:attrName>style.visibility</p:attrName>
+                                        </p:attrNameLst>
+                                      </p:cBhvr>
+                                      <p:to>
+                                        <p:strVal val="visible"/>
+                                      </p:to>
+                                    </p:set>
+                                    <p:animEffect transition="in" filter="fade">
+                                      <p:cBhvr>
+                                        <p:cTn id="22" dur="500"/>
+                                        <p:tgtEl>
+                                          <p:spTgt spid="25"/>
+                                        </p:tgtEl>
+                                      </p:cBhvr>
+                                    </p:animEffect>
+                                  </p:childTnLst>
+                                </p:cTn>
+                              </p:par>
+                            </p:childTnLst>
+                          </p:cTn>
+                        </p:par>
+                      </p:childTnLst>
+                    </p:cTn>
+                  </p:par>
+                  <p:par>
+                    <p:cTn id="23" fill="hold">
+                      <p:stCondLst>
+                        <p:cond delay="indefinite"/>
+                      </p:stCondLst>
+                      <p:childTnLst>
+                        <p:par>
+                          <p:cTn id="24" fill="hold">
+                            <p:stCondLst>
+                              <p:cond delay="0"/>
+                            </p:stCondLst>
+                            <p:childTnLst>
+                              <p:par>
+                                <p:cTn id="25" presetID="10" presetClass="entr" presetSubtype="0" fill="hold" grpId="0" nodeType="clickEffect">
+                                  <p:stCondLst>
+                                    <p:cond delay="0"/>
+                                  </p:stCondLst>
+                                  <p:childTnLst>
+                                    <p:set>
+                                      <p:cBhvr>
+                                        <p:cTn id="26" dur="1" fill="hold">
+                                          <p:stCondLst>
+                                            <p:cond delay="0"/>
+                                          </p:stCondLst>
+                                        </p:cTn>
+                                        <p:tgtEl>
+                                          <p:spTgt spid="26"/>
+                                        </p:tgtEl>
+                                        <p:attrNameLst>
+                                          <p:attrName>style.visibility</p:attrName>
+                                        </p:attrNameLst>
+                                      </p:cBhvr>
+                                      <p:to>
+                                        <p:strVal val="visible"/>
+                                      </p:to>
+                                    </p:set>
+                                    <p:animEffect transition="in" filter="fade">
+                                      <p:cBhvr>
+                                        <p:cTn id="27" dur="500"/>
+                                        <p:tgtEl>
+                                          <p:spTgt spid="26"/>
+                                        </p:tgtEl>
+                                      </p:cBhvr>
+                                    </p:animEffect>
+                                  </p:childTnLst>
+                                </p:cTn>
+                              </p:par>
+                            </p:childTnLst>
+                          </p:cTn>
+                        </p:par>
+                      </p:childTnLst>
+                    </p:cTn>
+                  </p:par>
+                  <p:par>
+                    <p:cTn id="28" fill="hold">
+                      <p:stCondLst>
+                        <p:cond delay="indefinite"/>
+                      </p:stCondLst>
+                      <p:childTnLst>
+                        <p:par>
+                          <p:cTn id="29" fill="hold">
+                            <p:stCondLst>
+                              <p:cond delay="0"/>
+                            </p:stCondLst>
+                            <p:childTnLst>
+                              <p:par>
+                                <p:cTn id="30" presetID="10" presetClass="entr" presetSubtype="0" fill="hold" grpId="0" nodeType="clickEffect">
+                                  <p:stCondLst>
+                                    <p:cond delay="0"/>
+                                  </p:stCondLst>
+                                  <p:childTnLst>
+                                    <p:set>
+                                      <p:cBhvr>
+                                        <p:cTn id="31" dur="1" fill="hold">
+                                          <p:stCondLst>
+                                            <p:cond delay="0"/>
+                                          </p:stCondLst>
+                                        </p:cTn>
+                                        <p:tgtEl>
+                                          <p:spTgt spid="30"/>
+                                        </p:tgtEl>
+                                        <p:attrNameLst>
+                                          <p:attrName>style.visibility</p:attrName>
+                                        </p:attrNameLst>
+                                      </p:cBhvr>
+                                      <p:to>
+                                        <p:strVal val="visible"/>
+                                      </p:to>
+                                    </p:set>
+                                    <p:animEffect transition="in" filter="fade">
+                                      <p:cBhvr>
+                                        <p:cTn id="32" dur="500"/>
+                                        <p:tgtEl>
+                                          <p:spTgt spid="30"/>
+                                        </p:tgtEl>
+                                      </p:cBhvr>
+                                    </p:animEffect>
+                                  </p:childTnLst>
+                                </p:cTn>
+                              </p:par>
+                            </p:childTnLst>
+                          </p:cTn>
+                        </p:par>
+                      </p:childTnLst>
+                    </p:cTn>
+                  </p:par>
+                  <p:par>
+                    <p:cTn id="33" fill="hold">
+                      <p:stCondLst>
+                        <p:cond delay="indefinite"/>
+                      </p:stCondLst>
+                      <p:childTnLst>
+                        <p:par>
+                          <p:cTn id="34" fill="hold">
+                            <p:stCondLst>
+                              <p:cond delay="0"/>
+                            </p:stCondLst>
+                            <p:childTnLst>
+                              <p:par>
+                                <p:cTn id="35" presetID="10" presetClass="entr" presetSubtype="0" fill="hold" grpId="0" nodeType="clickEffect">
+                                  <p:stCondLst>
+                                    <p:cond delay="0"/>
+                                  </p:stCondLst>
+                                  <p:childTnLst>
+                                    <p:set>
+                                      <p:cBhvr>
+                                        <p:cTn id="36" dur="1" fill="hold">
+                                          <p:stCondLst>
+                                            <p:cond delay="0"/>
+                                          </p:stCondLst>
+                                        </p:cTn>
+                                        <p:tgtEl>
+                                          <p:spTgt spid="33"/>
+                                        </p:tgtEl>
+                                        <p:attrNameLst>
+                                          <p:attrName>style.visibility</p:attrName>
+                                        </p:attrNameLst>
+                                      </p:cBhvr>
+                                      <p:to>
+                                        <p:strVal val="visible"/>
+                                      </p:to>
+                                    </p:set>
+                                    <p:animEffect transition="in" filter="fade">
+                                      <p:cBhvr>
+                                        <p:cTn id="37" dur="500"/>
+                                        <p:tgtEl>
+                                          <p:spTgt spid="33"/>
+                                        </p:tgtEl>
+                                      </p:cBhvr>
+                                    </p:animEffect>
+                                  </p:childTnLst>
+                                </p:cTn>
+                              </p:par>
+                            </p:childTnLst>
+                          </p:cTn>
+                        </p:par>
+                      </p:childTnLst>
+                    </p:cTn>
+                  </p:par>
+                </p:childTnLst>
+              </p:cTn>
+              <p:prevCondLst>
+                <p:cond evt="onPrev" delay="0">
+                  <p:tgtEl>
+                    <p:sldTgt/>
+                  </p:tgtEl>
+                </p:cond>
+              </p:prevCondLst>
+              <p:nextCondLst>
+                <p:cond evt="onNext" delay="0">
+                  <p:tgtEl>
+                    <p:sldTgt/>
+                  </p:tgtEl>
+                </p:cond>
+              </p:nextCondLst>
+            </p:seq>
+          </p:childTnLst>
+        </p:cTn>
+      </p:par>
+    </p:tnLst>
+    <p:bldLst>
+      <p:bldP spid="24" grpId="0" animBg="1"/>
+      <p:bldP spid="25" grpId="0" animBg="1"/>
+      <p:bldP spid="26" grpId="0" animBg="1"/>
+      <p:bldP spid="30" grpId="0" animBg="1"/>
+      <p:bldP spid="31" grpId="0" animBg="1"/>
+      <p:bldP spid="32" grpId="0" animBg="1"/>
+      <p:bldP spid="33" grpId="0"/>
+    </p:bldLst>
+  </p:timing>
+</p:sld>
+</file>
+
+<file path=ppt/slides/slide14.xml><?xml version="1.0" encoding="utf-8"?>
+<p:sld xmlns:a="http://schemas.openxmlformats.org/drawingml/2006/main" xmlns:r="http://schemas.openxmlformats.org/officeDocument/2006/relationships" xmlns:p="http://schemas.openxmlformats.org/presentationml/2006/main">
+  <p:cSld>
+    <p:spTree>
+      <p:nvGrpSpPr>
+        <p:cNvPr id="1" name=""/>
+        <p:cNvGrpSpPr/>
+        <p:nvPr/>
+      </p:nvGrpSpPr>
+      <p:grpSpPr>
+        <a:xfrm>
+          <a:off x="0" y="0"/>
+          <a:ext cx="0" cy="0"/>
+          <a:chOff x="0" y="0"/>
+          <a:chExt cx="0" cy="0"/>
+        </a:xfrm>
+      </p:grpSpPr>
+      <p:sp>
+        <p:nvSpPr>
+          <p:cNvPr id="5122" name="Rectangle 2">
+            <a:extLst>
+              <a:ext uri="{FF2B5EF4-FFF2-40B4-BE49-F238E27FC236}">
+                <a16:creationId xmlns:a16="http://schemas.microsoft.com/office/drawing/2014/main" id="{DA0A6638-A01B-4ADE-AF93-1C7B857D9914}"/>
+              </a:ext>
+            </a:extLst>
+          </p:cNvPr>
+          <p:cNvSpPr>
+            <a:spLocks noGrp="1" noChangeArrowheads="1"/>
+          </p:cNvSpPr>
+          <p:nvPr>
+            <p:ph type="ctrTitle"/>
+          </p:nvPr>
+        </p:nvSpPr>
+        <p:spPr>
+          <a:xfrm>
+            <a:off x="684213" y="2133600"/>
+            <a:ext cx="7847012" cy="2159000"/>
+          </a:xfrm>
+        </p:spPr>
+        <p:txBody>
+          <a:bodyPr/>
+          <a:lstStyle/>
+          <a:p>
+            <a:pPr eaLnBrk="1" hangingPunct="1"/>
+            <a:br>
+              <a:rPr lang="en-US" altLang="zh-CN" sz="8000" dirty="0">
+                <a:solidFill>
+                  <a:schemeClr val="bg1"/>
+                </a:solidFill>
+                <a:ea typeface="微软雅黑" panose="020B0503020204020204" pitchFamily="34" charset="-122"/>
+              </a:rPr>
+            </a:br>
+            <a:r>
+              <a:rPr lang="en-US" altLang="zh-CN" sz="6600" dirty="0">
+                <a:solidFill>
+                  <a:schemeClr val="bg1"/>
+                </a:solidFill>
+                <a:ea typeface="微软雅黑" panose="020B0503020204020204" pitchFamily="34" charset="-122"/>
+              </a:rPr>
+              <a:t>Q &amp; A</a:t>
+            </a:r>
+            <a:br>
+              <a:rPr lang="zh-CN" altLang="en-US" sz="7200" dirty="0">
+                <a:solidFill>
+                  <a:schemeClr val="bg1"/>
+                </a:solidFill>
+                <a:ea typeface="微软雅黑" panose="020B0503020204020204" pitchFamily="34" charset="-122"/>
+              </a:rPr>
+            </a:br>
+            <a:endParaRPr lang="zh-CN" altLang="en-US" sz="7200" dirty="0">
+              <a:solidFill>
+                <a:schemeClr val="bg1"/>
+              </a:solidFill>
+              <a:ea typeface="微软雅黑" panose="020B0503020204020204" pitchFamily="34" charset="-122"/>
+            </a:endParaRPr>
+          </a:p>
+        </p:txBody>
+      </p:sp>
+    </p:spTree>
+    <p:extLst>
+      <p:ext uri="{BB962C8B-B14F-4D97-AF65-F5344CB8AC3E}">
+        <p14:creationId xmlns:p14="http://schemas.microsoft.com/office/powerpoint/2010/main" val="1068010669"/>
+      </p:ext>
+    </p:extLst>
+  </p:cSld>
+  <p:clrMapOvr>
+    <a:masterClrMapping/>
+  </p:clrMapOvr>
+</p:sld>
+</file>
+
 <file path=ppt/slides/slide2.xml><?xml version="1.0" encoding="utf-8"?>
 <p:sld xmlns:a="http://schemas.openxmlformats.org/drawingml/2006/main" xmlns:r="http://schemas.openxmlformats.org/officeDocument/2006/relationships" xmlns:p="http://schemas.openxmlformats.org/presentationml/2006/main">
   <p:cSld>
@@ -8262,7 +12147,7 @@
         </p:blipFill>
         <p:spPr>
           <a:xfrm>
-            <a:off x="1404937" y="1423987"/>
+            <a:off x="1404937" y="836712"/>
             <a:ext cx="6334125" cy="4010025"/>
           </a:xfrm>
           <a:prstGeom prst="rect">
@@ -8270,6 +12155,67 @@
           </a:prstGeom>
         </p:spPr>
       </p:pic>
+      <p:sp>
+        <p:nvSpPr>
+          <p:cNvPr id="6" name="Rectangle 2">
+            <a:extLst>
+              <a:ext uri="{FF2B5EF4-FFF2-40B4-BE49-F238E27FC236}">
+                <a16:creationId xmlns:a16="http://schemas.microsoft.com/office/drawing/2014/main" id="{4EF7C5F8-9E26-417F-9E5E-C24B481E487F}"/>
+              </a:ext>
+            </a:extLst>
+          </p:cNvPr>
+          <p:cNvSpPr>
+            <a:spLocks noGrp="1" noChangeArrowheads="1"/>
+          </p:cNvSpPr>
+          <p:nvPr>
+            <p:ph type="ctrTitle"/>
+          </p:nvPr>
+        </p:nvSpPr>
+        <p:spPr>
+          <a:xfrm>
+            <a:off x="971600" y="4221088"/>
+            <a:ext cx="7847012" cy="2159000"/>
+          </a:xfrm>
+        </p:spPr>
+        <p:txBody>
+          <a:bodyPr/>
+          <a:lstStyle/>
+          <a:p>
+            <a:pPr eaLnBrk="1" hangingPunct="1"/>
+            <a:br>
+              <a:rPr lang="en-US" altLang="zh-CN" sz="8000" dirty="0">
+                <a:solidFill>
+                  <a:schemeClr val="bg1"/>
+                </a:solidFill>
+                <a:ea typeface="微软雅黑" panose="020B0503020204020204" pitchFamily="34" charset="-122"/>
+              </a:rPr>
+            </a:br>
+            <a:r>
+              <a:rPr lang="zh-CN" altLang="en-US" sz="6600" dirty="0">
+                <a:solidFill>
+                  <a:schemeClr val="bg1"/>
+                </a:solidFill>
+                <a:ea typeface="微软雅黑" panose="020B0503020204020204" pitchFamily="34" charset="-122"/>
+              </a:rPr>
+              <a:t>嫁不嫁？</a:t>
+            </a:r>
+            <a:br>
+              <a:rPr lang="zh-CN" altLang="en-US" sz="7200" dirty="0">
+                <a:solidFill>
+                  <a:schemeClr val="bg1"/>
+                </a:solidFill>
+                <a:ea typeface="微软雅黑" panose="020B0503020204020204" pitchFamily="34" charset="-122"/>
+              </a:rPr>
+            </a:br>
+            <a:endParaRPr lang="zh-CN" altLang="en-US" sz="7200" dirty="0">
+              <a:solidFill>
+                <a:schemeClr val="bg1"/>
+              </a:solidFill>
+              <a:ea typeface="微软雅黑" panose="020B0503020204020204" pitchFamily="34" charset="-122"/>
+            </a:endParaRPr>
+          </a:p>
+        </p:txBody>
+      </p:sp>
     </p:spTree>
     <p:extLst>
       <p:ext uri="{BB962C8B-B14F-4D97-AF65-F5344CB8AC3E}">
@@ -9995,47 +13941,7 @@
                 <a:latin typeface="微软雅黑" pitchFamily="34" charset="-122"/>
                 <a:ea typeface="微软雅黑" pitchFamily="34" charset="-122"/>
               </a:rPr>
-              <a:t>如果 </a:t>
-            </a:r>
-            <a:r>
-              <a:rPr lang="en-US" altLang="zh-CN" sz="4000" dirty="0">
-                <a:solidFill>
-                  <a:srgbClr val="FFC000"/>
-                </a:solidFill>
-                <a:latin typeface="微软雅黑" pitchFamily="34" charset="-122"/>
-                <a:ea typeface="微软雅黑" pitchFamily="34" charset="-122"/>
-              </a:rPr>
-              <a:t>P(B|A) </a:t>
-            </a:r>
-            <a:r>
-              <a:rPr lang="en-US" altLang="zh-CN" sz="4000" dirty="0">
-                <a:solidFill>
-                  <a:schemeClr val="bg1"/>
-                </a:solidFill>
-                <a:latin typeface="微软雅黑" pitchFamily="34" charset="-122"/>
-                <a:ea typeface="微软雅黑" pitchFamily="34" charset="-122"/>
-              </a:rPr>
-              <a:t>=</a:t>
-            </a:r>
-            <a:r>
-              <a:rPr lang="en-US" altLang="zh-CN" sz="4000" dirty="0">
-                <a:solidFill>
-                  <a:srgbClr val="FFC000"/>
-                </a:solidFill>
-                <a:latin typeface="微软雅黑" pitchFamily="34" charset="-122"/>
-                <a:ea typeface="微软雅黑" pitchFamily="34" charset="-122"/>
-              </a:rPr>
-              <a:t> P(B)</a:t>
-            </a:r>
-            <a:r>
-              <a:rPr lang="zh-CN" altLang="en-US" sz="4000" dirty="0">
-                <a:solidFill>
-                  <a:schemeClr val="bg1"/>
-                </a:solidFill>
-                <a:latin typeface="微软雅黑" pitchFamily="34" charset="-122"/>
-                <a:ea typeface="微软雅黑" pitchFamily="34" charset="-122"/>
-              </a:rPr>
-              <a:t>，也即</a:t>
+              <a:t>如果</a:t>
             </a:r>
             <a:r>
               <a:rPr lang="en-US" altLang="zh-CN" sz="4000" dirty="0">
@@ -10119,7 +14025,7 @@
                 <a:latin typeface="微软雅黑" pitchFamily="34" charset="-122"/>
                 <a:ea typeface="微软雅黑" pitchFamily="34" charset="-122"/>
               </a:rPr>
-              <a:t>P(B|A) </a:t>
+              <a:t>P(B </a:t>
             </a:r>
             <a:r>
               <a:rPr lang="zh-CN" altLang="en-US" sz="4000" dirty="0">
@@ -10139,7 +14045,7 @@
                 <a:latin typeface="微软雅黑" pitchFamily="34" charset="-122"/>
                 <a:ea typeface="微软雅黑" pitchFamily="34" charset="-122"/>
               </a:rPr>
-              <a:t>P(A) = P(B) </a:t>
+              <a:t>A) = P(B) </a:t>
             </a:r>
             <a:r>
               <a:rPr lang="zh-CN" altLang="en-US" sz="4000" dirty="0">
@@ -10287,13 +14193,13 @@
               </a:rPr>
             </a:br>
             <a:r>
-              <a:rPr lang="en-US" altLang="zh-CN" sz="6600" dirty="0">
+              <a:rPr lang="zh-CN" altLang="en-US" sz="6600" dirty="0">
                 <a:solidFill>
                   <a:schemeClr val="bg1"/>
                 </a:solidFill>
                 <a:ea typeface="微软雅黑" panose="020B0503020204020204" pitchFamily="34" charset="-122"/>
               </a:rPr>
-              <a:t>Q &amp; A</a:t>
+              <a:t>贝叶斯公式</a:t>
             </a:r>
             <a:br>
               <a:rPr lang="zh-CN" altLang="en-US" sz="7200" dirty="0">
@@ -10315,13 +14221,1079 @@
     </p:spTree>
     <p:extLst>
       <p:ext uri="{BB962C8B-B14F-4D97-AF65-F5344CB8AC3E}">
-        <p14:creationId xmlns:p14="http://schemas.microsoft.com/office/powerpoint/2010/main" val="1068010669"/>
+        <p14:creationId xmlns:p14="http://schemas.microsoft.com/office/powerpoint/2010/main" val="2223995344"/>
       </p:ext>
     </p:extLst>
   </p:cSld>
   <p:clrMapOvr>
     <a:masterClrMapping/>
   </p:clrMapOvr>
+</p:sld>
+</file>
+
+<file path=ppt/slides/slide9.xml><?xml version="1.0" encoding="utf-8"?>
+<p:sld xmlns:a="http://schemas.openxmlformats.org/drawingml/2006/main" xmlns:r="http://schemas.openxmlformats.org/officeDocument/2006/relationships" xmlns:p="http://schemas.openxmlformats.org/presentationml/2006/main">
+  <p:cSld>
+    <p:spTree>
+      <p:nvGrpSpPr>
+        <p:cNvPr id="1" name=""/>
+        <p:cNvGrpSpPr/>
+        <p:nvPr/>
+      </p:nvGrpSpPr>
+      <p:grpSpPr>
+        <a:xfrm>
+          <a:off x="0" y="0"/>
+          <a:ext cx="0" cy="0"/>
+          <a:chOff x="0" y="0"/>
+          <a:chExt cx="0" cy="0"/>
+        </a:xfrm>
+      </p:grpSpPr>
+      <p:sp>
+        <p:nvSpPr>
+          <p:cNvPr id="4098" name="TextBox 2">
+            <a:extLst>
+              <a:ext uri="{FF2B5EF4-FFF2-40B4-BE49-F238E27FC236}">
+                <a16:creationId xmlns:a16="http://schemas.microsoft.com/office/drawing/2014/main" id="{5552ED83-0001-4E47-A09B-F49C592A8E24}"/>
+              </a:ext>
+            </a:extLst>
+          </p:cNvPr>
+          <p:cNvSpPr txBox="1">
+            <a:spLocks noChangeArrowheads="1"/>
+          </p:cNvSpPr>
+          <p:nvPr/>
+        </p:nvSpPr>
+        <p:spPr bwMode="auto">
+          <a:xfrm>
+            <a:off x="13610" y="0"/>
+            <a:ext cx="6913562" cy="830263"/>
+          </a:xfrm>
+          <a:prstGeom prst="rect">
+            <a:avLst/>
+          </a:prstGeom>
+          <a:noFill/>
+          <a:ln>
+            <a:noFill/>
+          </a:ln>
+          <a:extLst>
+            <a:ext uri="{909E8E84-426E-40DD-AFC4-6F175D3DCCD1}">
+              <a14:hiddenFill xmlns:a14="http://schemas.microsoft.com/office/drawing/2010/main">
+                <a:solidFill>
+                  <a:srgbClr val="FFFFFF"/>
+                </a:solidFill>
+              </a14:hiddenFill>
+            </a:ext>
+            <a:ext uri="{91240B29-F687-4F45-9708-019B960494DF}">
+              <a14:hiddenLine xmlns:a14="http://schemas.microsoft.com/office/drawing/2010/main" w="9525">
+                <a:solidFill>
+                  <a:srgbClr val="000000"/>
+                </a:solidFill>
+                <a:miter lim="800000"/>
+                <a:headEnd/>
+                <a:tailEnd/>
+              </a14:hiddenLine>
+            </a:ext>
+          </a:extLst>
+        </p:spPr>
+        <p:txBody>
+          <a:bodyPr>
+            <a:spAutoFit/>
+          </a:bodyPr>
+          <a:lstStyle>
+            <a:lvl1pPr eaLnBrk="0" hangingPunct="0">
+              <a:defRPr>
+                <a:solidFill>
+                  <a:schemeClr val="tx1"/>
+                </a:solidFill>
+                <a:latin typeface="Arial" panose="020B0604020202020204" pitchFamily="34" charset="0"/>
+                <a:ea typeface="宋体" panose="02010600030101010101" pitchFamily="2" charset="-122"/>
+              </a:defRPr>
+            </a:lvl1pPr>
+            <a:lvl2pPr marL="742950" indent="-285750" eaLnBrk="0" hangingPunct="0">
+              <a:defRPr>
+                <a:solidFill>
+                  <a:schemeClr val="tx1"/>
+                </a:solidFill>
+                <a:latin typeface="Arial" panose="020B0604020202020204" pitchFamily="34" charset="0"/>
+                <a:ea typeface="宋体" panose="02010600030101010101" pitchFamily="2" charset="-122"/>
+              </a:defRPr>
+            </a:lvl2pPr>
+            <a:lvl3pPr marL="1143000" indent="-228600" eaLnBrk="0" hangingPunct="0">
+              <a:defRPr>
+                <a:solidFill>
+                  <a:schemeClr val="tx1"/>
+                </a:solidFill>
+                <a:latin typeface="Arial" panose="020B0604020202020204" pitchFamily="34" charset="0"/>
+                <a:ea typeface="宋体" panose="02010600030101010101" pitchFamily="2" charset="-122"/>
+              </a:defRPr>
+            </a:lvl3pPr>
+            <a:lvl4pPr marL="1600200" indent="-228600" eaLnBrk="0" hangingPunct="0">
+              <a:defRPr>
+                <a:solidFill>
+                  <a:schemeClr val="tx1"/>
+                </a:solidFill>
+                <a:latin typeface="Arial" panose="020B0604020202020204" pitchFamily="34" charset="0"/>
+                <a:ea typeface="宋体" panose="02010600030101010101" pitchFamily="2" charset="-122"/>
+              </a:defRPr>
+            </a:lvl4pPr>
+            <a:lvl5pPr marL="2057400" indent="-228600" eaLnBrk="0" hangingPunct="0">
+              <a:defRPr>
+                <a:solidFill>
+                  <a:schemeClr val="tx1"/>
+                </a:solidFill>
+                <a:latin typeface="Arial" panose="020B0604020202020204" pitchFamily="34" charset="0"/>
+                <a:ea typeface="宋体" panose="02010600030101010101" pitchFamily="2" charset="-122"/>
+              </a:defRPr>
+            </a:lvl5pPr>
+            <a:lvl6pPr marL="2514600" indent="-228600" eaLnBrk="0" fontAlgn="base" hangingPunct="0">
+              <a:spcBef>
+                <a:spcPct val="0"/>
+              </a:spcBef>
+              <a:spcAft>
+                <a:spcPct val="0"/>
+              </a:spcAft>
+              <a:defRPr>
+                <a:solidFill>
+                  <a:schemeClr val="tx1"/>
+                </a:solidFill>
+                <a:latin typeface="Arial" panose="020B0604020202020204" pitchFamily="34" charset="0"/>
+                <a:ea typeface="宋体" panose="02010600030101010101" pitchFamily="2" charset="-122"/>
+              </a:defRPr>
+            </a:lvl6pPr>
+            <a:lvl7pPr marL="2971800" indent="-228600" eaLnBrk="0" fontAlgn="base" hangingPunct="0">
+              <a:spcBef>
+                <a:spcPct val="0"/>
+              </a:spcBef>
+              <a:spcAft>
+                <a:spcPct val="0"/>
+              </a:spcAft>
+              <a:defRPr>
+                <a:solidFill>
+                  <a:schemeClr val="tx1"/>
+                </a:solidFill>
+                <a:latin typeface="Arial" panose="020B0604020202020204" pitchFamily="34" charset="0"/>
+                <a:ea typeface="宋体" panose="02010600030101010101" pitchFamily="2" charset="-122"/>
+              </a:defRPr>
+            </a:lvl7pPr>
+            <a:lvl8pPr marL="3429000" indent="-228600" eaLnBrk="0" fontAlgn="base" hangingPunct="0">
+              <a:spcBef>
+                <a:spcPct val="0"/>
+              </a:spcBef>
+              <a:spcAft>
+                <a:spcPct val="0"/>
+              </a:spcAft>
+              <a:defRPr>
+                <a:solidFill>
+                  <a:schemeClr val="tx1"/>
+                </a:solidFill>
+                <a:latin typeface="Arial" panose="020B0604020202020204" pitchFamily="34" charset="0"/>
+                <a:ea typeface="宋体" panose="02010600030101010101" pitchFamily="2" charset="-122"/>
+              </a:defRPr>
+            </a:lvl8pPr>
+            <a:lvl9pPr marL="3886200" indent="-228600" eaLnBrk="0" fontAlgn="base" hangingPunct="0">
+              <a:spcBef>
+                <a:spcPct val="0"/>
+              </a:spcBef>
+              <a:spcAft>
+                <a:spcPct val="0"/>
+              </a:spcAft>
+              <a:defRPr>
+                <a:solidFill>
+                  <a:schemeClr val="tx1"/>
+                </a:solidFill>
+                <a:latin typeface="Arial" panose="020B0604020202020204" pitchFamily="34" charset="0"/>
+                <a:ea typeface="宋体" panose="02010600030101010101" pitchFamily="2" charset="-122"/>
+              </a:defRPr>
+            </a:lvl9pPr>
+          </a:lstStyle>
+          <a:p>
+            <a:pPr eaLnBrk="1" hangingPunct="1"/>
+            <a:r>
+              <a:rPr lang="zh-CN" altLang="en-US" sz="4800" dirty="0">
+                <a:solidFill>
+                  <a:schemeClr val="bg1"/>
+                </a:solidFill>
+                <a:latin typeface="微软雅黑" panose="020B0503020204020204" pitchFamily="34" charset="-122"/>
+                <a:ea typeface="微软雅黑" panose="020B0503020204020204" pitchFamily="34" charset="-122"/>
+              </a:rPr>
+              <a:t>贝叶斯公式</a:t>
+            </a:r>
+          </a:p>
+        </p:txBody>
+      </p:sp>
+      <mc:AlternateContent xmlns:mc="http://schemas.openxmlformats.org/markup-compatibility/2006">
+        <mc:Choice xmlns:a14="http://schemas.microsoft.com/office/drawing/2010/main" Requires="a14">
+          <p:sp>
+            <p:nvSpPr>
+              <p:cNvPr id="5" name="TextBox 4">
+                <a:extLst>
+                  <a:ext uri="{FF2B5EF4-FFF2-40B4-BE49-F238E27FC236}">
+                    <a16:creationId xmlns:a16="http://schemas.microsoft.com/office/drawing/2014/main" id="{E8A991AE-3688-4E36-95ED-0003B8B99099}"/>
+                  </a:ext>
+                </a:extLst>
+              </p:cNvPr>
+              <p:cNvSpPr txBox="1"/>
+              <p:nvPr/>
+            </p:nvSpPr>
+            <p:spPr>
+              <a:xfrm>
+                <a:off x="0" y="807815"/>
+                <a:ext cx="9144000" cy="5088701"/>
+              </a:xfrm>
+              <a:prstGeom prst="rect">
+                <a:avLst/>
+              </a:prstGeom>
+              <a:noFill/>
+            </p:spPr>
+            <p:txBody>
+              <a:bodyPr wrap="square">
+                <a:spAutoFit/>
+              </a:bodyPr>
+              <a:lstStyle/>
+              <a:p>
+                <a:pPr>
+                  <a:defRPr/>
+                </a:pPr>
+                <a:endParaRPr lang="en-US" altLang="zh-CN" sz="4000" dirty="0">
+                  <a:solidFill>
+                    <a:srgbClr val="FFC000"/>
+                  </a:solidFill>
+                  <a:latin typeface="微软雅黑" pitchFamily="34" charset="-122"/>
+                  <a:ea typeface="微软雅黑" pitchFamily="34" charset="-122"/>
+                </a:endParaRPr>
+              </a:p>
+              <a:p>
+                <a:pPr>
+                  <a:defRPr/>
+                </a:pPr>
+                <a:r>
+                  <a:rPr lang="en-US" altLang="zh-CN" sz="4000" dirty="0">
+                    <a:solidFill>
+                      <a:srgbClr val="FFC000"/>
+                    </a:solidFill>
+                    <a:latin typeface="微软雅黑" pitchFamily="34" charset="-122"/>
+                    <a:ea typeface="微软雅黑" pitchFamily="34" charset="-122"/>
+                  </a:rPr>
+                  <a:t>P(</a:t>
+                </a:r>
+                <a:r>
+                  <a:rPr lang="zh-CN" altLang="en-US" sz="4000" dirty="0">
+                    <a:solidFill>
+                      <a:srgbClr val="FFC000"/>
+                    </a:solidFill>
+                    <a:latin typeface="微软雅黑" pitchFamily="34" charset="-122"/>
+                    <a:ea typeface="微软雅黑" pitchFamily="34" charset="-122"/>
+                  </a:rPr>
+                  <a:t>嫁</a:t>
+                </a:r>
+                <a:r>
+                  <a:rPr lang="en-US" altLang="zh-CN" sz="4000" dirty="0">
+                    <a:solidFill>
+                      <a:srgbClr val="FFC000"/>
+                    </a:solidFill>
+                    <a:latin typeface="微软雅黑" pitchFamily="34" charset="-122"/>
+                    <a:ea typeface="微软雅黑" pitchFamily="34" charset="-122"/>
+                  </a:rPr>
+                  <a:t>|</a:t>
+                </a:r>
+                <a:r>
+                  <a:rPr lang="zh-CN" altLang="en-US" sz="4000" dirty="0">
+                    <a:solidFill>
+                      <a:srgbClr val="FFC000"/>
+                    </a:solidFill>
+                    <a:latin typeface="微软雅黑" pitchFamily="34" charset="-122"/>
+                    <a:ea typeface="微软雅黑" pitchFamily="34" charset="-122"/>
+                  </a:rPr>
+                  <a:t>帅</a:t>
+                </a:r>
+                <a:r>
+                  <a:rPr lang="en-US" altLang="zh-CN" sz="4000" dirty="0">
+                    <a:solidFill>
+                      <a:srgbClr val="FFC000"/>
+                    </a:solidFill>
+                    <a:latin typeface="微软雅黑" pitchFamily="34" charset="-122"/>
+                    <a:ea typeface="微软雅黑" pitchFamily="34" charset="-122"/>
+                  </a:rPr>
+                  <a:t>) </a:t>
+                </a:r>
+                <a:r>
+                  <a:rPr lang="zh-CN" altLang="en-US" sz="4000" dirty="0">
+                    <a:solidFill>
+                      <a:srgbClr val="FFC000"/>
+                    </a:solidFill>
+                    <a:latin typeface="微软雅黑" pitchFamily="34" charset="-122"/>
+                    <a:ea typeface="微软雅黑" pitchFamily="34" charset="-122"/>
+                  </a:rPr>
+                  <a:t>*</a:t>
+                </a:r>
+                <a:r>
+                  <a:rPr lang="en-US" altLang="zh-CN" sz="4000" dirty="0">
+                    <a:solidFill>
+                      <a:srgbClr val="FFC000"/>
+                    </a:solidFill>
+                    <a:latin typeface="微软雅黑" pitchFamily="34" charset="-122"/>
+                    <a:ea typeface="微软雅黑" pitchFamily="34" charset="-122"/>
+                  </a:rPr>
+                  <a:t> P(</a:t>
+                </a:r>
+                <a:r>
+                  <a:rPr lang="zh-CN" altLang="en-US" sz="4000" dirty="0">
+                    <a:solidFill>
+                      <a:srgbClr val="FFC000"/>
+                    </a:solidFill>
+                    <a:latin typeface="微软雅黑" pitchFamily="34" charset="-122"/>
+                    <a:ea typeface="微软雅黑" pitchFamily="34" charset="-122"/>
+                  </a:rPr>
+                  <a:t>帅</a:t>
+                </a:r>
+                <a:r>
+                  <a:rPr lang="en-US" altLang="zh-CN" sz="4000" dirty="0">
+                    <a:solidFill>
+                      <a:srgbClr val="FFC000"/>
+                    </a:solidFill>
+                    <a:latin typeface="微软雅黑" pitchFamily="34" charset="-122"/>
+                    <a:ea typeface="微软雅黑" pitchFamily="34" charset="-122"/>
+                  </a:rPr>
+                  <a:t>) = P(</a:t>
+                </a:r>
+                <a:r>
+                  <a:rPr lang="zh-CN" altLang="en-US" sz="4000" dirty="0">
+                    <a:solidFill>
+                      <a:srgbClr val="FFC000"/>
+                    </a:solidFill>
+                    <a:latin typeface="微软雅黑" pitchFamily="34" charset="-122"/>
+                    <a:ea typeface="微软雅黑" pitchFamily="34" charset="-122"/>
+                  </a:rPr>
+                  <a:t>帅</a:t>
+                </a:r>
+                <a:r>
+                  <a:rPr lang="en-US" altLang="zh-CN" sz="4000" dirty="0">
+                    <a:solidFill>
+                      <a:srgbClr val="FFC000"/>
+                    </a:solidFill>
+                    <a:latin typeface="微软雅黑" pitchFamily="34" charset="-122"/>
+                    <a:ea typeface="微软雅黑" pitchFamily="34" charset="-122"/>
+                  </a:rPr>
+                  <a:t>|</a:t>
+                </a:r>
+                <a:r>
+                  <a:rPr lang="zh-CN" altLang="en-US" sz="4000" dirty="0">
+                    <a:solidFill>
+                      <a:srgbClr val="FFC000"/>
+                    </a:solidFill>
+                    <a:latin typeface="微软雅黑" pitchFamily="34" charset="-122"/>
+                    <a:ea typeface="微软雅黑" pitchFamily="34" charset="-122"/>
+                  </a:rPr>
+                  <a:t>嫁</a:t>
+                </a:r>
+                <a:r>
+                  <a:rPr lang="en-US" altLang="zh-CN" sz="4000" dirty="0">
+                    <a:solidFill>
+                      <a:srgbClr val="FFC000"/>
+                    </a:solidFill>
+                    <a:latin typeface="微软雅黑" pitchFamily="34" charset="-122"/>
+                    <a:ea typeface="微软雅黑" pitchFamily="34" charset="-122"/>
+                  </a:rPr>
+                  <a:t>) </a:t>
+                </a:r>
+                <a:r>
+                  <a:rPr lang="zh-CN" altLang="en-US" sz="4000" dirty="0">
+                    <a:solidFill>
+                      <a:srgbClr val="FFC000"/>
+                    </a:solidFill>
+                    <a:latin typeface="微软雅黑" pitchFamily="34" charset="-122"/>
+                    <a:ea typeface="微软雅黑" pitchFamily="34" charset="-122"/>
+                  </a:rPr>
+                  <a:t>* </a:t>
+                </a:r>
+                <a:r>
+                  <a:rPr lang="en-US" altLang="zh-CN" sz="4000" dirty="0">
+                    <a:solidFill>
+                      <a:srgbClr val="FFC000"/>
+                    </a:solidFill>
+                    <a:latin typeface="微软雅黑" pitchFamily="34" charset="-122"/>
+                    <a:ea typeface="微软雅黑" pitchFamily="34" charset="-122"/>
+                  </a:rPr>
+                  <a:t>P(</a:t>
+                </a:r>
+                <a:r>
+                  <a:rPr lang="zh-CN" altLang="en-US" sz="4000" dirty="0">
+                    <a:solidFill>
+                      <a:srgbClr val="FFC000"/>
+                    </a:solidFill>
+                    <a:latin typeface="微软雅黑" pitchFamily="34" charset="-122"/>
+                    <a:ea typeface="微软雅黑" pitchFamily="34" charset="-122"/>
+                  </a:rPr>
+                  <a:t>嫁</a:t>
+                </a:r>
+                <a:r>
+                  <a:rPr lang="en-US" altLang="zh-CN" sz="4000" dirty="0">
+                    <a:solidFill>
+                      <a:srgbClr val="FFC000"/>
+                    </a:solidFill>
+                    <a:latin typeface="微软雅黑" pitchFamily="34" charset="-122"/>
+                    <a:ea typeface="微软雅黑" pitchFamily="34" charset="-122"/>
+                  </a:rPr>
+                  <a:t>)</a:t>
+                </a:r>
+              </a:p>
+              <a:p>
+                <a:pPr>
+                  <a:defRPr/>
+                </a:pPr>
+                <a:endParaRPr lang="en-US" altLang="zh-CN" sz="4000" dirty="0">
+                  <a:solidFill>
+                    <a:srgbClr val="FFC000"/>
+                  </a:solidFill>
+                  <a:latin typeface="微软雅黑" pitchFamily="34" charset="-122"/>
+                  <a:ea typeface="微软雅黑" pitchFamily="34" charset="-122"/>
+                </a:endParaRPr>
+              </a:p>
+              <a:p>
+                <a:pPr>
+                  <a:defRPr/>
+                </a:pPr>
+                <a:r>
+                  <a:rPr lang="en-US" altLang="zh-CN" sz="4000" dirty="0">
+                    <a:solidFill>
+                      <a:srgbClr val="FFC000"/>
+                    </a:solidFill>
+                    <a:latin typeface="微软雅黑" pitchFamily="34" charset="-122"/>
+                    <a:ea typeface="微软雅黑" pitchFamily="34" charset="-122"/>
+                  </a:rPr>
+                  <a:t>   </a:t>
+                </a:r>
+                <a:r>
+                  <a:rPr lang="zh-CN" altLang="en-US" sz="4000" dirty="0">
+                    <a:solidFill>
+                      <a:schemeClr val="bg1"/>
+                    </a:solidFill>
+                    <a:latin typeface="微软雅黑" pitchFamily="34" charset="-122"/>
+                    <a:ea typeface="微软雅黑" pitchFamily="34" charset="-122"/>
+                  </a:rPr>
+                  <a:t>未知      可知         可知      可知</a:t>
+                </a:r>
+                <a:endParaRPr lang="en-US" altLang="zh-CN" sz="4000" dirty="0">
+                  <a:solidFill>
+                    <a:schemeClr val="bg1"/>
+                  </a:solidFill>
+                  <a:latin typeface="微软雅黑" pitchFamily="34" charset="-122"/>
+                  <a:ea typeface="微软雅黑" pitchFamily="34" charset="-122"/>
+                </a:endParaRPr>
+              </a:p>
+              <a:p>
+                <a:pPr>
+                  <a:defRPr/>
+                </a:pPr>
+                <a:endParaRPr lang="en-US" altLang="zh-CN" sz="4000" dirty="0">
+                  <a:solidFill>
+                    <a:schemeClr val="bg1"/>
+                  </a:solidFill>
+                  <a:latin typeface="微软雅黑" pitchFamily="34" charset="-122"/>
+                  <a:ea typeface="微软雅黑" pitchFamily="34" charset="-122"/>
+                </a:endParaRPr>
+              </a:p>
+              <a:p>
+                <a:pPr>
+                  <a:defRPr/>
+                </a:pPr>
+                <a14:m>
+                  <m:oMathPara xmlns:m="http://schemas.openxmlformats.org/officeDocument/2006/math">
+                    <m:oMathParaPr>
+                      <m:jc m:val="centerGroup"/>
+                    </m:oMathParaPr>
+                    <m:oMath xmlns:m="http://schemas.openxmlformats.org/officeDocument/2006/math">
+                      <m:r>
+                        <a:rPr lang="en-US" altLang="zh-CN" sz="4800" b="0" i="1" smtClean="0">
+                          <a:solidFill>
+                            <a:schemeClr val="bg1"/>
+                          </a:solidFill>
+                          <a:latin typeface="Cambria Math" panose="02040503050406030204" pitchFamily="18" charset="0"/>
+                          <a:ea typeface="微软雅黑" pitchFamily="34" charset="-122"/>
+                        </a:rPr>
+                        <m:t>𝑃</m:t>
+                      </m:r>
+                      <m:r>
+                        <a:rPr lang="en-US" altLang="zh-CN" sz="4800" b="0" i="1" smtClean="0">
+                          <a:solidFill>
+                            <a:schemeClr val="bg1"/>
+                          </a:solidFill>
+                          <a:latin typeface="Cambria Math" panose="02040503050406030204" pitchFamily="18" charset="0"/>
+                          <a:ea typeface="微软雅黑" pitchFamily="34" charset="-122"/>
+                        </a:rPr>
+                        <m:t>(</m:t>
+                      </m:r>
+                      <m:r>
+                        <a:rPr lang="zh-CN" altLang="en-US" sz="4800" i="1">
+                          <a:solidFill>
+                            <a:schemeClr val="bg1"/>
+                          </a:solidFill>
+                          <a:latin typeface="Cambria Math" panose="02040503050406030204" pitchFamily="18" charset="0"/>
+                          <a:ea typeface="微软雅黑" pitchFamily="34" charset="-122"/>
+                        </a:rPr>
+                        <m:t>嫁</m:t>
+                      </m:r>
+                      <m:r>
+                        <a:rPr lang="en-US" altLang="zh-CN" sz="4800" i="1" smtClean="0">
+                          <a:solidFill>
+                            <a:schemeClr val="bg1"/>
+                          </a:solidFill>
+                          <a:latin typeface="Cambria Math" panose="02040503050406030204" pitchFamily="18" charset="0"/>
+                          <a:ea typeface="微软雅黑" pitchFamily="34" charset="-122"/>
+                        </a:rPr>
+                        <m:t>|</m:t>
+                      </m:r>
+                      <m:r>
+                        <a:rPr lang="zh-CN" altLang="en-US" sz="4800" i="1">
+                          <a:solidFill>
+                            <a:schemeClr val="bg1"/>
+                          </a:solidFill>
+                          <a:latin typeface="Cambria Math" panose="02040503050406030204" pitchFamily="18" charset="0"/>
+                          <a:ea typeface="微软雅黑" pitchFamily="34" charset="-122"/>
+                        </a:rPr>
+                        <m:t>帅</m:t>
+                      </m:r>
+                      <m:r>
+                        <a:rPr lang="en-US" altLang="zh-CN" sz="4800" b="0" i="1" smtClean="0">
+                          <a:solidFill>
+                            <a:schemeClr val="bg1"/>
+                          </a:solidFill>
+                          <a:latin typeface="Cambria Math" panose="02040503050406030204" pitchFamily="18" charset="0"/>
+                          <a:ea typeface="微软雅黑" pitchFamily="34" charset="-122"/>
+                        </a:rPr>
+                        <m:t>)</m:t>
+                      </m:r>
+                      <m:r>
+                        <a:rPr lang="en-US" altLang="zh-CN" sz="4800" i="1" smtClean="0">
+                          <a:solidFill>
+                            <a:schemeClr val="bg1"/>
+                          </a:solidFill>
+                          <a:latin typeface="Cambria Math" panose="02040503050406030204" pitchFamily="18" charset="0"/>
+                          <a:ea typeface="微软雅黑" pitchFamily="34" charset="-122"/>
+                        </a:rPr>
+                        <m:t>=</m:t>
+                      </m:r>
+                      <m:f>
+                        <m:fPr>
+                          <m:ctrlPr>
+                            <a:rPr lang="en-US" altLang="zh-CN" sz="4800" i="1" smtClean="0">
+                              <a:solidFill>
+                                <a:schemeClr val="bg1"/>
+                              </a:solidFill>
+                              <a:latin typeface="Cambria Math" panose="02040503050406030204" pitchFamily="18" charset="0"/>
+                              <a:ea typeface="微软雅黑" pitchFamily="34" charset="-122"/>
+                            </a:rPr>
+                          </m:ctrlPr>
+                        </m:fPr>
+                        <m:num>
+                          <m:r>
+                            <a:rPr lang="en-US" altLang="zh-CN" sz="4800" b="0" i="1" smtClean="0">
+                              <a:solidFill>
+                                <a:schemeClr val="bg1"/>
+                              </a:solidFill>
+                              <a:latin typeface="Cambria Math" panose="02040503050406030204" pitchFamily="18" charset="0"/>
+                              <a:ea typeface="微软雅黑" pitchFamily="34" charset="-122"/>
+                            </a:rPr>
+                            <m:t>𝑃</m:t>
+                          </m:r>
+                          <m:r>
+                            <a:rPr lang="en-US" altLang="zh-CN" sz="4800" b="0" i="1" smtClean="0">
+                              <a:solidFill>
+                                <a:schemeClr val="bg1"/>
+                              </a:solidFill>
+                              <a:latin typeface="Cambria Math" panose="02040503050406030204" pitchFamily="18" charset="0"/>
+                              <a:ea typeface="微软雅黑" pitchFamily="34" charset="-122"/>
+                            </a:rPr>
+                            <m:t>(</m:t>
+                          </m:r>
+                          <m:r>
+                            <a:rPr lang="zh-CN" altLang="en-US" sz="4800" i="1">
+                              <a:solidFill>
+                                <a:schemeClr val="bg1"/>
+                              </a:solidFill>
+                              <a:latin typeface="Cambria Math" panose="02040503050406030204" pitchFamily="18" charset="0"/>
+                              <a:ea typeface="微软雅黑" pitchFamily="34" charset="-122"/>
+                            </a:rPr>
+                            <m:t>帅</m:t>
+                          </m:r>
+                          <m:r>
+                            <a:rPr lang="en-US" altLang="zh-CN" sz="4800" i="1" smtClean="0">
+                              <a:solidFill>
+                                <a:schemeClr val="bg1"/>
+                              </a:solidFill>
+                              <a:latin typeface="Cambria Math" panose="02040503050406030204" pitchFamily="18" charset="0"/>
+                              <a:ea typeface="微软雅黑" pitchFamily="34" charset="-122"/>
+                            </a:rPr>
+                            <m:t>|</m:t>
+                          </m:r>
+                          <m:r>
+                            <a:rPr lang="zh-CN" altLang="en-US" sz="4800" i="1">
+                              <a:solidFill>
+                                <a:schemeClr val="bg1"/>
+                              </a:solidFill>
+                              <a:latin typeface="Cambria Math" panose="02040503050406030204" pitchFamily="18" charset="0"/>
+                              <a:ea typeface="微软雅黑" pitchFamily="34" charset="-122"/>
+                            </a:rPr>
+                            <m:t>嫁</m:t>
+                          </m:r>
+                          <m:r>
+                            <a:rPr lang="en-US" altLang="zh-CN" sz="4800" b="0" i="1" smtClean="0">
+                              <a:solidFill>
+                                <a:schemeClr val="bg1"/>
+                              </a:solidFill>
+                              <a:latin typeface="Cambria Math" panose="02040503050406030204" pitchFamily="18" charset="0"/>
+                              <a:ea typeface="微软雅黑" pitchFamily="34" charset="-122"/>
+                            </a:rPr>
+                            <m:t>)</m:t>
+                          </m:r>
+                          <m:r>
+                            <a:rPr lang="zh-CN" altLang="en-US" sz="4800" i="1">
+                              <a:solidFill>
+                                <a:schemeClr val="bg1"/>
+                              </a:solidFill>
+                              <a:latin typeface="Cambria Math" panose="02040503050406030204" pitchFamily="18" charset="0"/>
+                              <a:ea typeface="微软雅黑" pitchFamily="34" charset="-122"/>
+                            </a:rPr>
+                            <m:t>*</m:t>
+                          </m:r>
+                          <m:r>
+                            <a:rPr lang="en-US" altLang="zh-CN" sz="4800" i="1">
+                              <a:solidFill>
+                                <a:schemeClr val="bg1"/>
+                              </a:solidFill>
+                              <a:latin typeface="Cambria Math" panose="02040503050406030204" pitchFamily="18" charset="0"/>
+                              <a:ea typeface="微软雅黑" pitchFamily="34" charset="-122"/>
+                            </a:rPr>
+                            <m:t>𝑃</m:t>
+                          </m:r>
+                          <m:r>
+                            <a:rPr lang="en-US" altLang="zh-CN" sz="4800" i="1">
+                              <a:solidFill>
+                                <a:schemeClr val="bg1"/>
+                              </a:solidFill>
+                              <a:latin typeface="Cambria Math" panose="02040503050406030204" pitchFamily="18" charset="0"/>
+                              <a:ea typeface="微软雅黑" pitchFamily="34" charset="-122"/>
+                            </a:rPr>
+                            <m:t>(</m:t>
+                          </m:r>
+                          <m:r>
+                            <a:rPr lang="zh-CN" altLang="en-US" sz="4800" i="1">
+                              <a:solidFill>
+                                <a:schemeClr val="bg1"/>
+                              </a:solidFill>
+                              <a:latin typeface="Cambria Math" panose="02040503050406030204" pitchFamily="18" charset="0"/>
+                              <a:ea typeface="微软雅黑" pitchFamily="34" charset="-122"/>
+                            </a:rPr>
+                            <m:t>嫁</m:t>
+                          </m:r>
+                          <m:r>
+                            <a:rPr lang="en-US" altLang="zh-CN" sz="4800" i="1">
+                              <a:solidFill>
+                                <a:schemeClr val="bg1"/>
+                              </a:solidFill>
+                              <a:latin typeface="Cambria Math" panose="02040503050406030204" pitchFamily="18" charset="0"/>
+                              <a:ea typeface="微软雅黑" pitchFamily="34" charset="-122"/>
+                            </a:rPr>
+                            <m:t>)</m:t>
+                          </m:r>
+                        </m:num>
+                        <m:den>
+                          <m:r>
+                            <a:rPr lang="en-US" altLang="zh-CN" sz="4800" b="0" i="1" smtClean="0">
+                              <a:solidFill>
+                                <a:schemeClr val="bg1"/>
+                              </a:solidFill>
+                              <a:latin typeface="Cambria Math" panose="02040503050406030204" pitchFamily="18" charset="0"/>
+                              <a:ea typeface="微软雅黑" pitchFamily="34" charset="-122"/>
+                            </a:rPr>
+                            <m:t>𝑃</m:t>
+                          </m:r>
+                          <m:r>
+                            <a:rPr lang="en-US" altLang="zh-CN" sz="4800" b="0" i="1" smtClean="0">
+                              <a:solidFill>
+                                <a:schemeClr val="bg1"/>
+                              </a:solidFill>
+                              <a:latin typeface="Cambria Math" panose="02040503050406030204" pitchFamily="18" charset="0"/>
+                              <a:ea typeface="微软雅黑" pitchFamily="34" charset="-122"/>
+                            </a:rPr>
+                            <m:t>(</m:t>
+                          </m:r>
+                          <m:r>
+                            <a:rPr lang="zh-CN" altLang="en-US" sz="4800" i="1">
+                              <a:solidFill>
+                                <a:schemeClr val="bg1"/>
+                              </a:solidFill>
+                              <a:latin typeface="Cambria Math" panose="02040503050406030204" pitchFamily="18" charset="0"/>
+                              <a:ea typeface="微软雅黑" pitchFamily="34" charset="-122"/>
+                            </a:rPr>
+                            <m:t>帅</m:t>
+                          </m:r>
+                          <m:r>
+                            <a:rPr lang="en-US" altLang="zh-CN" sz="4800" b="0" i="1" smtClean="0">
+                              <a:solidFill>
+                                <a:schemeClr val="bg1"/>
+                              </a:solidFill>
+                              <a:latin typeface="Cambria Math" panose="02040503050406030204" pitchFamily="18" charset="0"/>
+                              <a:ea typeface="微软雅黑" pitchFamily="34" charset="-122"/>
+                            </a:rPr>
+                            <m:t>)</m:t>
+                          </m:r>
+                        </m:den>
+                      </m:f>
+                    </m:oMath>
+                  </m:oMathPara>
+                </a14:m>
+                <a:endParaRPr lang="en-US" altLang="zh-CN" sz="4000" dirty="0">
+                  <a:solidFill>
+                    <a:schemeClr val="bg1"/>
+                  </a:solidFill>
+                  <a:latin typeface="微软雅黑" pitchFamily="34" charset="-122"/>
+                  <a:ea typeface="微软雅黑" pitchFamily="34" charset="-122"/>
+                </a:endParaRPr>
+              </a:p>
+              <a:p>
+                <a:pPr>
+                  <a:defRPr/>
+                </a:pPr>
+                <a:endParaRPr lang="en-US" dirty="0">
+                  <a:solidFill>
+                    <a:schemeClr val="bg1"/>
+                  </a:solidFill>
+                  <a:latin typeface="Arial" charset="0"/>
+                </a:endParaRPr>
+              </a:p>
+            </p:txBody>
+          </p:sp>
+        </mc:Choice>
+        <mc:Fallback>
+          <p:sp>
+            <p:nvSpPr>
+              <p:cNvPr id="5" name="TextBox 4">
+                <a:extLst>
+                  <a:ext uri="{FF2B5EF4-FFF2-40B4-BE49-F238E27FC236}">
+                    <a16:creationId xmlns:a16="http://schemas.microsoft.com/office/drawing/2014/main" id="{E8A991AE-3688-4E36-95ED-0003B8B99099}"/>
+                  </a:ext>
+                </a:extLst>
+              </p:cNvPr>
+              <p:cNvSpPr txBox="1">
+                <a:spLocks noRot="1" noChangeAspect="1" noMove="1" noResize="1" noEditPoints="1" noAdjustHandles="1" noChangeArrowheads="1" noChangeShapeType="1" noTextEdit="1"/>
+              </p:cNvSpPr>
+              <p:nvPr/>
+            </p:nvSpPr>
+            <p:spPr>
+              <a:xfrm>
+                <a:off x="0" y="807815"/>
+                <a:ext cx="9144000" cy="5088701"/>
+              </a:xfrm>
+              <a:prstGeom prst="rect">
+                <a:avLst/>
+              </a:prstGeom>
+              <a:blipFill>
+                <a:blip r:embed="rId2"/>
+                <a:stretch>
+                  <a:fillRect l="-2333"/>
+                </a:stretch>
+              </a:blipFill>
+            </p:spPr>
+            <p:txBody>
+              <a:bodyPr/>
+              <a:lstStyle/>
+              <a:p>
+                <a:r>
+                  <a:rPr lang="en-US">
+                    <a:noFill/>
+                  </a:rPr>
+                  <a:t> </a:t>
+                </a:r>
+              </a:p>
+            </p:txBody>
+          </p:sp>
+        </mc:Fallback>
+      </mc:AlternateContent>
+      <p:sp>
+        <p:nvSpPr>
+          <p:cNvPr id="3" name="Arrow: Down 2">
+            <a:extLst>
+              <a:ext uri="{FF2B5EF4-FFF2-40B4-BE49-F238E27FC236}">
+                <a16:creationId xmlns:a16="http://schemas.microsoft.com/office/drawing/2014/main" id="{261CE78B-3ED9-4052-99CB-EAE9F5242BBD}"/>
+              </a:ext>
+            </a:extLst>
+          </p:cNvPr>
+          <p:cNvSpPr/>
+          <p:nvPr/>
+        </p:nvSpPr>
+        <p:spPr>
+          <a:xfrm rot="10800000">
+            <a:off x="827584" y="2151578"/>
+            <a:ext cx="484632" cy="485333"/>
+          </a:xfrm>
+          <a:prstGeom prst="downArrow">
+            <a:avLst/>
+          </a:prstGeom>
+        </p:spPr>
+        <p:style>
+          <a:lnRef idx="2">
+            <a:schemeClr val="accent1">
+              <a:shade val="50000"/>
+            </a:schemeClr>
+          </a:lnRef>
+          <a:fillRef idx="1">
+            <a:schemeClr val="accent1"/>
+          </a:fillRef>
+          <a:effectRef idx="0">
+            <a:schemeClr val="accent1"/>
+          </a:effectRef>
+          <a:fontRef idx="minor">
+            <a:schemeClr val="lt1"/>
+          </a:fontRef>
+        </p:style>
+        <p:txBody>
+          <a:bodyPr rtlCol="0" anchor="ctr"/>
+          <a:lstStyle/>
+          <a:p>
+            <a:pPr algn="ctr"/>
+            <a:endParaRPr lang="en-US" dirty="0"/>
+          </a:p>
+        </p:txBody>
+      </p:sp>
+      <p:sp>
+        <p:nvSpPr>
+          <p:cNvPr id="6" name="Arrow: Down 5">
+            <a:extLst>
+              <a:ext uri="{FF2B5EF4-FFF2-40B4-BE49-F238E27FC236}">
+                <a16:creationId xmlns:a16="http://schemas.microsoft.com/office/drawing/2014/main" id="{AD8906AC-31C2-4B63-BC7E-12EB63EEE104}"/>
+              </a:ext>
+            </a:extLst>
+          </p:cNvPr>
+          <p:cNvSpPr/>
+          <p:nvPr/>
+        </p:nvSpPr>
+        <p:spPr>
+          <a:xfrm rot="10800000">
+            <a:off x="2771800" y="2131351"/>
+            <a:ext cx="484632" cy="505559"/>
+          </a:xfrm>
+          <a:prstGeom prst="downArrow">
+            <a:avLst/>
+          </a:prstGeom>
+        </p:spPr>
+        <p:style>
+          <a:lnRef idx="2">
+            <a:schemeClr val="accent1">
+              <a:shade val="50000"/>
+            </a:schemeClr>
+          </a:lnRef>
+          <a:fillRef idx="1">
+            <a:schemeClr val="accent1"/>
+          </a:fillRef>
+          <a:effectRef idx="0">
+            <a:schemeClr val="accent1"/>
+          </a:effectRef>
+          <a:fontRef idx="minor">
+            <a:schemeClr val="lt1"/>
+          </a:fontRef>
+        </p:style>
+        <p:txBody>
+          <a:bodyPr rtlCol="0" anchor="ctr"/>
+          <a:lstStyle/>
+          <a:p>
+            <a:pPr algn="ctr"/>
+            <a:endParaRPr lang="en-US" dirty="0"/>
+          </a:p>
+        </p:txBody>
+      </p:sp>
+      <p:sp>
+        <p:nvSpPr>
+          <p:cNvPr id="7" name="Arrow: Down 6">
+            <a:extLst>
+              <a:ext uri="{FF2B5EF4-FFF2-40B4-BE49-F238E27FC236}">
+                <a16:creationId xmlns:a16="http://schemas.microsoft.com/office/drawing/2014/main" id="{AFC10889-F24D-42C8-8523-21D1209CD614}"/>
+              </a:ext>
+            </a:extLst>
+          </p:cNvPr>
+          <p:cNvSpPr/>
+          <p:nvPr/>
+        </p:nvSpPr>
+        <p:spPr>
+          <a:xfrm rot="10800000">
+            <a:off x="5076056" y="2131351"/>
+            <a:ext cx="484632" cy="505559"/>
+          </a:xfrm>
+          <a:prstGeom prst="downArrow">
+            <a:avLst/>
+          </a:prstGeom>
+        </p:spPr>
+        <p:style>
+          <a:lnRef idx="2">
+            <a:schemeClr val="accent1">
+              <a:shade val="50000"/>
+            </a:schemeClr>
+          </a:lnRef>
+          <a:fillRef idx="1">
+            <a:schemeClr val="accent1"/>
+          </a:fillRef>
+          <a:effectRef idx="0">
+            <a:schemeClr val="accent1"/>
+          </a:effectRef>
+          <a:fontRef idx="minor">
+            <a:schemeClr val="lt1"/>
+          </a:fontRef>
+        </p:style>
+        <p:txBody>
+          <a:bodyPr rtlCol="0" anchor="ctr"/>
+          <a:lstStyle/>
+          <a:p>
+            <a:pPr algn="ctr"/>
+            <a:endParaRPr lang="en-US" dirty="0"/>
+          </a:p>
+        </p:txBody>
+      </p:sp>
+      <p:sp>
+        <p:nvSpPr>
+          <p:cNvPr id="8" name="Arrow: Down 7">
+            <a:extLst>
+              <a:ext uri="{FF2B5EF4-FFF2-40B4-BE49-F238E27FC236}">
+                <a16:creationId xmlns:a16="http://schemas.microsoft.com/office/drawing/2014/main" id="{B308EC02-FCE2-42DB-A0E4-7B3DC169BC7B}"/>
+              </a:ext>
+            </a:extLst>
+          </p:cNvPr>
+          <p:cNvSpPr/>
+          <p:nvPr/>
+        </p:nvSpPr>
+        <p:spPr>
+          <a:xfrm rot="10800000">
+            <a:off x="7082647" y="2131351"/>
+            <a:ext cx="484632" cy="505559"/>
+          </a:xfrm>
+          <a:prstGeom prst="downArrow">
+            <a:avLst/>
+          </a:prstGeom>
+        </p:spPr>
+        <p:style>
+          <a:lnRef idx="2">
+            <a:schemeClr val="accent1">
+              <a:shade val="50000"/>
+            </a:schemeClr>
+          </a:lnRef>
+          <a:fillRef idx="1">
+            <a:schemeClr val="accent1"/>
+          </a:fillRef>
+          <a:effectRef idx="0">
+            <a:schemeClr val="accent1"/>
+          </a:effectRef>
+          <a:fontRef idx="minor">
+            <a:schemeClr val="lt1"/>
+          </a:fontRef>
+        </p:style>
+        <p:txBody>
+          <a:bodyPr rtlCol="0" anchor="ctr"/>
+          <a:lstStyle/>
+          <a:p>
+            <a:pPr algn="ctr"/>
+            <a:endParaRPr lang="en-US" dirty="0"/>
+          </a:p>
+        </p:txBody>
+      </p:sp>
+    </p:spTree>
+    <p:extLst>
+      <p:ext uri="{BB962C8B-B14F-4D97-AF65-F5344CB8AC3E}">
+        <p14:creationId xmlns:p14="http://schemas.microsoft.com/office/powerpoint/2010/main" val="360757328"/>
+      </p:ext>
+    </p:extLst>
+  </p:cSld>
+  <p:clrMapOvr>
+    <a:masterClrMapping/>
+  </p:clrMapOvr>
+  <p:timing>
+    <p:tnLst>
+      <p:par>
+        <p:cTn id="1" dur="indefinite" restart="never" nodeType="tmRoot">
+          <p:childTnLst>
+            <p:seq concurrent="1" nextAc="seek">
+              <p:cTn id="2" dur="indefinite" nodeType="mainSeq">
+                <p:childTnLst>
+                  <p:par>
+                    <p:cTn id="3" fill="hold">
+                      <p:stCondLst>
+                        <p:cond delay="indefinite"/>
+                      </p:stCondLst>
+                      <p:childTnLst>
+                        <p:par>
+                          <p:cTn id="4" fill="hold">
+                            <p:stCondLst>
+                              <p:cond delay="0"/>
+                            </p:stCondLst>
+                            <p:childTnLst>
+                              <p:par>
+                                <p:cTn id="5" presetID="10" presetClass="entr" presetSubtype="0" fill="hold" nodeType="clickEffect">
+                                  <p:stCondLst>
+                                    <p:cond delay="0"/>
+                                  </p:stCondLst>
+                                  <p:childTnLst>
+                                    <p:set>
+                                      <p:cBhvr>
+                                        <p:cTn id="6" dur="1" fill="hold">
+                                          <p:stCondLst>
+                                            <p:cond delay="0"/>
+                                          </p:stCondLst>
+                                        </p:cTn>
+                                        <p:tgtEl>
+                                          <p:spTgt spid="5">
+                                            <p:txEl>
+                                              <p:pRg st="5" end="5"/>
+                                            </p:txEl>
+                                          </p:spTgt>
+                                        </p:tgtEl>
+                                        <p:attrNameLst>
+                                          <p:attrName>style.visibility</p:attrName>
+                                        </p:attrNameLst>
+                                      </p:cBhvr>
+                                      <p:to>
+                                        <p:strVal val="visible"/>
+                                      </p:to>
+                                    </p:set>
+                                    <p:animEffect transition="in" filter="fade">
+                                      <p:cBhvr>
+                                        <p:cTn id="7" dur="500"/>
+                                        <p:tgtEl>
+                                          <p:spTgt spid="5">
+                                            <p:txEl>
+                                              <p:pRg st="5" end="5"/>
+                                            </p:txEl>
+                                          </p:spTgt>
+                                        </p:tgtEl>
+                                      </p:cBhvr>
+                                    </p:animEffect>
+                                  </p:childTnLst>
+                                </p:cTn>
+                              </p:par>
+                            </p:childTnLst>
+                          </p:cTn>
+                        </p:par>
+                      </p:childTnLst>
+                    </p:cTn>
+                  </p:par>
+                </p:childTnLst>
+              </p:cTn>
+              <p:prevCondLst>
+                <p:cond evt="onPrev" delay="0">
+                  <p:tgtEl>
+                    <p:sldTgt/>
+                  </p:tgtEl>
+                </p:cond>
+              </p:prevCondLst>
+              <p:nextCondLst>
+                <p:cond evt="onNext" delay="0">
+                  <p:tgtEl>
+                    <p:sldTgt/>
+                  </p:tgtEl>
+                </p:cond>
+              </p:nextCondLst>
+            </p:seq>
+          </p:childTnLst>
+        </p:cTn>
+      </p:par>
+    </p:tnLst>
+  </p:timing>
 </p:sld>
 </file>
 

--- a/chapter.4/ppt/ML_CH4_Naive_Bayes.pptx
+++ b/chapter.4/ppt/ML_CH4_Naive_Bayes.pptx
@@ -19,7 +19,14 @@
     <p:sldId id="303" r:id="rId13"/>
     <p:sldId id="304" r:id="rId14"/>
     <p:sldId id="305" r:id="rId15"/>
-    <p:sldId id="294" r:id="rId16"/>
+    <p:sldId id="306" r:id="rId16"/>
+    <p:sldId id="307" r:id="rId17"/>
+    <p:sldId id="308" r:id="rId18"/>
+    <p:sldId id="309" r:id="rId19"/>
+    <p:sldId id="310" r:id="rId20"/>
+    <p:sldId id="312" r:id="rId21"/>
+    <p:sldId id="313" r:id="rId22"/>
+    <p:sldId id="294" r:id="rId23"/>
   </p:sldIdLst>
   <p:sldSz cx="9144000" cy="6858000" type="screen4x3"/>
   <p:notesSz cx="6858000" cy="9144000"/>
@@ -11474,61 +11481,550 @@
       </p:grpSpPr>
       <p:sp>
         <p:nvSpPr>
-          <p:cNvPr id="5122" name="Rectangle 2">
+          <p:cNvPr id="4098" name="TextBox 2">
             <a:extLst>
               <a:ext uri="{FF2B5EF4-FFF2-40B4-BE49-F238E27FC236}">
-                <a16:creationId xmlns:a16="http://schemas.microsoft.com/office/drawing/2014/main" id="{DA0A6638-A01B-4ADE-AF93-1C7B857D9914}"/>
+                <a16:creationId xmlns:a16="http://schemas.microsoft.com/office/drawing/2014/main" id="{5552ED83-0001-4E47-A09B-F49C592A8E24}"/>
               </a:ext>
             </a:extLst>
           </p:cNvPr>
-          <p:cNvSpPr>
-            <a:spLocks noGrp="1" noChangeArrowheads="1"/>
+          <p:cNvSpPr txBox="1">
+            <a:spLocks noChangeArrowheads="1"/>
           </p:cNvSpPr>
-          <p:nvPr>
-            <p:ph type="ctrTitle"/>
-          </p:nvPr>
+          <p:nvPr/>
+        </p:nvSpPr>
+        <p:spPr bwMode="auto">
+          <a:xfrm>
+            <a:off x="13610" y="0"/>
+            <a:ext cx="6913562" cy="830263"/>
+          </a:xfrm>
+          <a:prstGeom prst="rect">
+            <a:avLst/>
+          </a:prstGeom>
+          <a:noFill/>
+          <a:ln>
+            <a:noFill/>
+          </a:ln>
+          <a:extLst>
+            <a:ext uri="{909E8E84-426E-40DD-AFC4-6F175D3DCCD1}">
+              <a14:hiddenFill xmlns:a14="http://schemas.microsoft.com/office/drawing/2010/main">
+                <a:solidFill>
+                  <a:srgbClr val="FFFFFF"/>
+                </a:solidFill>
+              </a14:hiddenFill>
+            </a:ext>
+            <a:ext uri="{91240B29-F687-4F45-9708-019B960494DF}">
+              <a14:hiddenLine xmlns:a14="http://schemas.microsoft.com/office/drawing/2010/main" w="9525">
+                <a:solidFill>
+                  <a:srgbClr val="000000"/>
+                </a:solidFill>
+                <a:miter lim="800000"/>
+                <a:headEnd/>
+                <a:tailEnd/>
+              </a14:hiddenLine>
+            </a:ext>
+          </a:extLst>
+        </p:spPr>
+        <p:txBody>
+          <a:bodyPr>
+            <a:spAutoFit/>
+          </a:bodyPr>
+          <a:lstStyle>
+            <a:lvl1pPr eaLnBrk="0" hangingPunct="0">
+              <a:defRPr>
+                <a:solidFill>
+                  <a:schemeClr val="tx1"/>
+                </a:solidFill>
+                <a:latin typeface="Arial" panose="020B0604020202020204" pitchFamily="34" charset="0"/>
+                <a:ea typeface="宋体" panose="02010600030101010101" pitchFamily="2" charset="-122"/>
+              </a:defRPr>
+            </a:lvl1pPr>
+            <a:lvl2pPr marL="742950" indent="-285750" eaLnBrk="0" hangingPunct="0">
+              <a:defRPr>
+                <a:solidFill>
+                  <a:schemeClr val="tx1"/>
+                </a:solidFill>
+                <a:latin typeface="Arial" panose="020B0604020202020204" pitchFamily="34" charset="0"/>
+                <a:ea typeface="宋体" panose="02010600030101010101" pitchFamily="2" charset="-122"/>
+              </a:defRPr>
+            </a:lvl2pPr>
+            <a:lvl3pPr marL="1143000" indent="-228600" eaLnBrk="0" hangingPunct="0">
+              <a:defRPr>
+                <a:solidFill>
+                  <a:schemeClr val="tx1"/>
+                </a:solidFill>
+                <a:latin typeface="Arial" panose="020B0604020202020204" pitchFamily="34" charset="0"/>
+                <a:ea typeface="宋体" panose="02010600030101010101" pitchFamily="2" charset="-122"/>
+              </a:defRPr>
+            </a:lvl3pPr>
+            <a:lvl4pPr marL="1600200" indent="-228600" eaLnBrk="0" hangingPunct="0">
+              <a:defRPr>
+                <a:solidFill>
+                  <a:schemeClr val="tx1"/>
+                </a:solidFill>
+                <a:latin typeface="Arial" panose="020B0604020202020204" pitchFamily="34" charset="0"/>
+                <a:ea typeface="宋体" panose="02010600030101010101" pitchFamily="2" charset="-122"/>
+              </a:defRPr>
+            </a:lvl4pPr>
+            <a:lvl5pPr marL="2057400" indent="-228600" eaLnBrk="0" hangingPunct="0">
+              <a:defRPr>
+                <a:solidFill>
+                  <a:schemeClr val="tx1"/>
+                </a:solidFill>
+                <a:latin typeface="Arial" panose="020B0604020202020204" pitchFamily="34" charset="0"/>
+                <a:ea typeface="宋体" panose="02010600030101010101" pitchFamily="2" charset="-122"/>
+              </a:defRPr>
+            </a:lvl5pPr>
+            <a:lvl6pPr marL="2514600" indent="-228600" eaLnBrk="0" fontAlgn="base" hangingPunct="0">
+              <a:spcBef>
+                <a:spcPct val="0"/>
+              </a:spcBef>
+              <a:spcAft>
+                <a:spcPct val="0"/>
+              </a:spcAft>
+              <a:defRPr>
+                <a:solidFill>
+                  <a:schemeClr val="tx1"/>
+                </a:solidFill>
+                <a:latin typeface="Arial" panose="020B0604020202020204" pitchFamily="34" charset="0"/>
+                <a:ea typeface="宋体" panose="02010600030101010101" pitchFamily="2" charset="-122"/>
+              </a:defRPr>
+            </a:lvl6pPr>
+            <a:lvl7pPr marL="2971800" indent="-228600" eaLnBrk="0" fontAlgn="base" hangingPunct="0">
+              <a:spcBef>
+                <a:spcPct val="0"/>
+              </a:spcBef>
+              <a:spcAft>
+                <a:spcPct val="0"/>
+              </a:spcAft>
+              <a:defRPr>
+                <a:solidFill>
+                  <a:schemeClr val="tx1"/>
+                </a:solidFill>
+                <a:latin typeface="Arial" panose="020B0604020202020204" pitchFamily="34" charset="0"/>
+                <a:ea typeface="宋体" panose="02010600030101010101" pitchFamily="2" charset="-122"/>
+              </a:defRPr>
+            </a:lvl7pPr>
+            <a:lvl8pPr marL="3429000" indent="-228600" eaLnBrk="0" fontAlgn="base" hangingPunct="0">
+              <a:spcBef>
+                <a:spcPct val="0"/>
+              </a:spcBef>
+              <a:spcAft>
+                <a:spcPct val="0"/>
+              </a:spcAft>
+              <a:defRPr>
+                <a:solidFill>
+                  <a:schemeClr val="tx1"/>
+                </a:solidFill>
+                <a:latin typeface="Arial" panose="020B0604020202020204" pitchFamily="34" charset="0"/>
+                <a:ea typeface="宋体" panose="02010600030101010101" pitchFamily="2" charset="-122"/>
+              </a:defRPr>
+            </a:lvl8pPr>
+            <a:lvl9pPr marL="3886200" indent="-228600" eaLnBrk="0" fontAlgn="base" hangingPunct="0">
+              <a:spcBef>
+                <a:spcPct val="0"/>
+              </a:spcBef>
+              <a:spcAft>
+                <a:spcPct val="0"/>
+              </a:spcAft>
+              <a:defRPr>
+                <a:solidFill>
+                  <a:schemeClr val="tx1"/>
+                </a:solidFill>
+                <a:latin typeface="Arial" panose="020B0604020202020204" pitchFamily="34" charset="0"/>
+                <a:ea typeface="宋体" panose="02010600030101010101" pitchFamily="2" charset="-122"/>
+              </a:defRPr>
+            </a:lvl9pPr>
+          </a:lstStyle>
+          <a:p>
+            <a:pPr eaLnBrk="1" hangingPunct="1"/>
+            <a:r>
+              <a:rPr lang="zh-CN" altLang="en-US" sz="4800" dirty="0">
+                <a:solidFill>
+                  <a:schemeClr val="bg1"/>
+                </a:solidFill>
+                <a:latin typeface="微软雅黑" panose="020B0503020204020204" pitchFamily="34" charset="-122"/>
+                <a:ea typeface="微软雅黑" panose="020B0503020204020204" pitchFamily="34" charset="-122"/>
+              </a:rPr>
+              <a:t>朴素贝叶斯</a:t>
+            </a:r>
+          </a:p>
+        </p:txBody>
+      </p:sp>
+      <p:pic>
+        <p:nvPicPr>
+          <p:cNvPr id="4" name="Picture 3">
+            <a:extLst>
+              <a:ext uri="{FF2B5EF4-FFF2-40B4-BE49-F238E27FC236}">
+                <a16:creationId xmlns:a16="http://schemas.microsoft.com/office/drawing/2014/main" id="{726A81AE-0351-482D-A257-349CE58E74C4}"/>
+              </a:ext>
+            </a:extLst>
+          </p:cNvPr>
+          <p:cNvPicPr>
+            <a:picLocks noChangeAspect="1"/>
+          </p:cNvPicPr>
+          <p:nvPr/>
+        </p:nvPicPr>
+        <p:blipFill>
+          <a:blip r:embed="rId2"/>
+          <a:stretch>
+            <a:fillRect/>
+          </a:stretch>
+        </p:blipFill>
+        <p:spPr>
+          <a:xfrm>
+            <a:off x="107504" y="2244539"/>
+            <a:ext cx="7848872" cy="4410418"/>
+          </a:xfrm>
+          <a:prstGeom prst="rect">
+            <a:avLst/>
+          </a:prstGeom>
+        </p:spPr>
+      </p:pic>
+      <p:pic>
+        <p:nvPicPr>
+          <p:cNvPr id="9" name="Picture 8">
+            <a:extLst>
+              <a:ext uri="{FF2B5EF4-FFF2-40B4-BE49-F238E27FC236}">
+                <a16:creationId xmlns:a16="http://schemas.microsoft.com/office/drawing/2014/main" id="{898A081C-B2E9-476C-B911-16B9055B2967}"/>
+              </a:ext>
+            </a:extLst>
+          </p:cNvPr>
+          <p:cNvPicPr>
+            <a:picLocks noChangeAspect="1"/>
+          </p:cNvPicPr>
+          <p:nvPr/>
+        </p:nvPicPr>
+        <p:blipFill>
+          <a:blip r:embed="rId3"/>
+          <a:stretch>
+            <a:fillRect/>
+          </a:stretch>
+        </p:blipFill>
+        <p:spPr>
+          <a:xfrm>
+            <a:off x="113718" y="851600"/>
+            <a:ext cx="8778762" cy="510765"/>
+          </a:xfrm>
+          <a:prstGeom prst="rect">
+            <a:avLst/>
+          </a:prstGeom>
+        </p:spPr>
+      </p:pic>
+      <p:sp>
+        <p:nvSpPr>
+          <p:cNvPr id="24" name="Rectangle 23">
+            <a:extLst>
+              <a:ext uri="{FF2B5EF4-FFF2-40B4-BE49-F238E27FC236}">
+                <a16:creationId xmlns:a16="http://schemas.microsoft.com/office/drawing/2014/main" id="{5202D1FF-D4BC-443E-B5C7-F60846500227}"/>
+              </a:ext>
+            </a:extLst>
+          </p:cNvPr>
+          <p:cNvSpPr/>
+          <p:nvPr/>
         </p:nvSpPr>
         <p:spPr>
           <a:xfrm>
-            <a:off x="684213" y="2133600"/>
-            <a:ext cx="7847012" cy="2159000"/>
+            <a:off x="1907704" y="858620"/>
+            <a:ext cx="2160240" cy="480310"/>
           </a:xfrm>
-        </p:spPr>
+          <a:prstGeom prst="rect">
+            <a:avLst/>
+          </a:prstGeom>
+          <a:noFill/>
+          <a:ln w="28575">
+            <a:solidFill>
+              <a:srgbClr val="FF0000"/>
+            </a:solidFill>
+          </a:ln>
+        </p:spPr>
+        <p:style>
+          <a:lnRef idx="2">
+            <a:schemeClr val="accent1">
+              <a:shade val="50000"/>
+            </a:schemeClr>
+          </a:lnRef>
+          <a:fillRef idx="1">
+            <a:schemeClr val="accent1"/>
+          </a:fillRef>
+          <a:effectRef idx="0">
+            <a:schemeClr val="accent1"/>
+          </a:effectRef>
+          <a:fontRef idx="minor">
+            <a:schemeClr val="lt1"/>
+          </a:fontRef>
+        </p:style>
         <p:txBody>
-          <a:bodyPr/>
+          <a:bodyPr rtlCol="0" anchor="ctr"/>
           <a:lstStyle/>
           <a:p>
-            <a:pPr eaLnBrk="1" hangingPunct="1"/>
-            <a:br>
-              <a:rPr lang="en-US" altLang="zh-CN" sz="8000" dirty="0">
+            <a:pPr algn="ctr"/>
+            <a:endParaRPr lang="en-US"/>
+          </a:p>
+        </p:txBody>
+      </p:sp>
+      <p:sp>
+        <p:nvSpPr>
+          <p:cNvPr id="30" name="Rectangle 29">
+            <a:extLst>
+              <a:ext uri="{FF2B5EF4-FFF2-40B4-BE49-F238E27FC236}">
+                <a16:creationId xmlns:a16="http://schemas.microsoft.com/office/drawing/2014/main" id="{0A5414D0-50FB-4259-A5C9-3E4F7BEB8205}"/>
+              </a:ext>
+            </a:extLst>
+          </p:cNvPr>
+          <p:cNvSpPr/>
+          <p:nvPr/>
+        </p:nvSpPr>
+        <p:spPr>
+          <a:xfrm>
+            <a:off x="179512" y="5661248"/>
+            <a:ext cx="7416824" cy="288032"/>
+          </a:xfrm>
+          <a:prstGeom prst="rect">
+            <a:avLst/>
+          </a:prstGeom>
+          <a:noFill/>
+          <a:ln w="28575">
+            <a:solidFill>
+              <a:srgbClr val="FF0000"/>
+            </a:solidFill>
+          </a:ln>
+        </p:spPr>
+        <p:style>
+          <a:lnRef idx="2">
+            <a:schemeClr val="accent1">
+              <a:shade val="50000"/>
+            </a:schemeClr>
+          </a:lnRef>
+          <a:fillRef idx="1">
+            <a:schemeClr val="accent1"/>
+          </a:fillRef>
+          <a:effectRef idx="0">
+            <a:schemeClr val="accent1"/>
+          </a:effectRef>
+          <a:fontRef idx="minor">
+            <a:schemeClr val="lt1"/>
+          </a:fontRef>
+        </p:style>
+        <p:txBody>
+          <a:bodyPr rtlCol="0" anchor="ctr"/>
+          <a:lstStyle/>
+          <a:p>
+            <a:pPr algn="ctr"/>
+            <a:endParaRPr lang="en-US"/>
+          </a:p>
+        </p:txBody>
+      </p:sp>
+      <p:sp>
+        <p:nvSpPr>
+          <p:cNvPr id="31" name="Rectangle 30">
+            <a:extLst>
+              <a:ext uri="{FF2B5EF4-FFF2-40B4-BE49-F238E27FC236}">
+                <a16:creationId xmlns:a16="http://schemas.microsoft.com/office/drawing/2014/main" id="{D0292895-2F4A-4FAE-B404-E30D7086CD59}"/>
+              </a:ext>
+            </a:extLst>
+          </p:cNvPr>
+          <p:cNvSpPr/>
+          <p:nvPr/>
+        </p:nvSpPr>
+        <p:spPr>
+          <a:xfrm>
+            <a:off x="138224" y="3295846"/>
+            <a:ext cx="7602128" cy="709218"/>
+          </a:xfrm>
+          <a:prstGeom prst="rect">
+            <a:avLst/>
+          </a:prstGeom>
+          <a:noFill/>
+          <a:ln w="28575">
+            <a:solidFill>
+              <a:srgbClr val="00B050"/>
+            </a:solidFill>
+          </a:ln>
+        </p:spPr>
+        <p:style>
+          <a:lnRef idx="2">
+            <a:schemeClr val="accent1">
+              <a:shade val="50000"/>
+            </a:schemeClr>
+          </a:lnRef>
+          <a:fillRef idx="1">
+            <a:schemeClr val="accent1"/>
+          </a:fillRef>
+          <a:effectRef idx="0">
+            <a:schemeClr val="accent1"/>
+          </a:effectRef>
+          <a:fontRef idx="minor">
+            <a:schemeClr val="lt1"/>
+          </a:fontRef>
+        </p:style>
+        <p:txBody>
+          <a:bodyPr rtlCol="0" anchor="ctr"/>
+          <a:lstStyle/>
+          <a:p>
+            <a:pPr algn="ctr"/>
+            <a:endParaRPr lang="en-US"/>
+          </a:p>
+        </p:txBody>
+      </p:sp>
+      <p:sp>
+        <p:nvSpPr>
+          <p:cNvPr id="32" name="Rectangle 31">
+            <a:extLst>
+              <a:ext uri="{FF2B5EF4-FFF2-40B4-BE49-F238E27FC236}">
+                <a16:creationId xmlns:a16="http://schemas.microsoft.com/office/drawing/2014/main" id="{700C83C3-9448-4D51-B900-D52329FDB780}"/>
+              </a:ext>
+            </a:extLst>
+          </p:cNvPr>
+          <p:cNvSpPr/>
+          <p:nvPr/>
+        </p:nvSpPr>
+        <p:spPr>
+          <a:xfrm>
+            <a:off x="132504" y="4603152"/>
+            <a:ext cx="7602128" cy="1403248"/>
+          </a:xfrm>
+          <a:prstGeom prst="rect">
+            <a:avLst/>
+          </a:prstGeom>
+          <a:noFill/>
+          <a:ln w="28575">
+            <a:solidFill>
+              <a:srgbClr val="00B050"/>
+            </a:solidFill>
+          </a:ln>
+        </p:spPr>
+        <p:style>
+          <a:lnRef idx="2">
+            <a:schemeClr val="accent1">
+              <a:shade val="50000"/>
+            </a:schemeClr>
+          </a:lnRef>
+          <a:fillRef idx="1">
+            <a:schemeClr val="accent1"/>
+          </a:fillRef>
+          <a:effectRef idx="0">
+            <a:schemeClr val="accent1"/>
+          </a:effectRef>
+          <a:fontRef idx="minor">
+            <a:schemeClr val="lt1"/>
+          </a:fontRef>
+        </p:style>
+        <p:txBody>
+          <a:bodyPr rtlCol="0" anchor="ctr"/>
+          <a:lstStyle/>
+          <a:p>
+            <a:pPr algn="ctr"/>
+            <a:endParaRPr lang="en-US"/>
+          </a:p>
+        </p:txBody>
+      </p:sp>
+      <p:sp>
+        <p:nvSpPr>
+          <p:cNvPr id="33" name="TextBox 32">
+            <a:extLst>
+              <a:ext uri="{FF2B5EF4-FFF2-40B4-BE49-F238E27FC236}">
+                <a16:creationId xmlns:a16="http://schemas.microsoft.com/office/drawing/2014/main" id="{23BC2E03-BE4E-4815-8188-ADCBB591487C}"/>
+              </a:ext>
+            </a:extLst>
+          </p:cNvPr>
+          <p:cNvSpPr txBox="1"/>
+          <p:nvPr/>
+        </p:nvSpPr>
+        <p:spPr>
+          <a:xfrm>
+            <a:off x="-26480" y="1424495"/>
+            <a:ext cx="9144000" cy="707886"/>
+          </a:xfrm>
+          <a:prstGeom prst="rect">
+            <a:avLst/>
+          </a:prstGeom>
+          <a:noFill/>
+        </p:spPr>
+        <p:txBody>
+          <a:bodyPr wrap="square">
+            <a:spAutoFit/>
+          </a:bodyPr>
+          <a:lstStyle/>
+          <a:p>
+            <a:pPr>
+              <a:defRPr/>
+            </a:pPr>
+            <a:r>
+              <a:rPr lang="en-US" sz="4000" dirty="0">
                 <a:solidFill>
                   <a:schemeClr val="bg1"/>
                 </a:solidFill>
-                <a:ea typeface="微软雅黑" panose="020B0503020204020204" pitchFamily="34" charset="-122"/>
+                <a:latin typeface="微软雅黑" pitchFamily="34" charset="-122"/>
+                <a:ea typeface="微软雅黑" pitchFamily="34" charset="-122"/>
               </a:rPr>
-            </a:br>
-            <a:r>
-              <a:rPr lang="en-US" altLang="zh-CN" sz="6600" dirty="0">
+              <a:t>P(</a:t>
+            </a:r>
+            <a:r>
+              <a:rPr lang="zh-CN" altLang="en-US" sz="4000" dirty="0">
                 <a:solidFill>
                   <a:schemeClr val="bg1"/>
                 </a:solidFill>
-                <a:ea typeface="微软雅黑" panose="020B0503020204020204" pitchFamily="34" charset="-122"/>
+                <a:latin typeface="微软雅黑" pitchFamily="34" charset="-122"/>
+                <a:ea typeface="微软雅黑" pitchFamily="34" charset="-122"/>
               </a:rPr>
-              <a:t>Q &amp; A</a:t>
-            </a:r>
-            <a:br>
-              <a:rPr lang="zh-CN" altLang="en-US" sz="7200" dirty="0">
+              <a:t>性格不好</a:t>
+            </a:r>
+            <a:r>
+              <a:rPr lang="en-US" altLang="zh-CN" sz="4000" dirty="0">
                 <a:solidFill>
                   <a:schemeClr val="bg1"/>
                 </a:solidFill>
-                <a:ea typeface="微软雅黑" panose="020B0503020204020204" pitchFamily="34" charset="-122"/>
+                <a:latin typeface="微软雅黑" pitchFamily="34" charset="-122"/>
+                <a:ea typeface="微软雅黑" pitchFamily="34" charset="-122"/>
               </a:rPr>
-            </a:br>
-            <a:endParaRPr lang="zh-CN" altLang="en-US" sz="7200" dirty="0">
+              <a:t>|</a:t>
+            </a:r>
+            <a:r>
+              <a:rPr lang="zh-CN" altLang="en-US" sz="4000" dirty="0">
+                <a:solidFill>
+                  <a:schemeClr val="bg1"/>
+                </a:solidFill>
+                <a:latin typeface="微软雅黑" pitchFamily="34" charset="-122"/>
+                <a:ea typeface="微软雅黑" pitchFamily="34" charset="-122"/>
+              </a:rPr>
+              <a:t>嫁</a:t>
+            </a:r>
+            <a:r>
+              <a:rPr lang="en-US" sz="4000" dirty="0">
+                <a:solidFill>
+                  <a:schemeClr val="bg1"/>
+                </a:solidFill>
+                <a:latin typeface="微软雅黑" pitchFamily="34" charset="-122"/>
+                <a:ea typeface="微软雅黑" pitchFamily="34" charset="-122"/>
+              </a:rPr>
+              <a:t>) </a:t>
+            </a:r>
+            <a:r>
+              <a:rPr lang="en-US" altLang="zh-CN" sz="4000" dirty="0">
+                <a:solidFill>
+                  <a:schemeClr val="bg1"/>
+                </a:solidFill>
+                <a:latin typeface="微软雅黑" pitchFamily="34" charset="-122"/>
+                <a:ea typeface="微软雅黑" pitchFamily="34" charset="-122"/>
+              </a:rPr>
+              <a:t>= </a:t>
+            </a:r>
+            <a:r>
+              <a:rPr lang="en-US" sz="4000" dirty="0">
+                <a:solidFill>
+                  <a:schemeClr val="bg1"/>
+                </a:solidFill>
+                <a:latin typeface="微软雅黑" pitchFamily="34" charset="-122"/>
+                <a:ea typeface="微软雅黑" pitchFamily="34" charset="-122"/>
+              </a:rPr>
+              <a:t>1/6</a:t>
+            </a:r>
+            <a:endParaRPr lang="en-US" dirty="0">
               <a:solidFill>
                 <a:schemeClr val="bg1"/>
               </a:solidFill>
-              <a:ea typeface="微软雅黑" panose="020B0503020204020204" pitchFamily="34" charset="-122"/>
+              <a:latin typeface="Arial" charset="0"/>
             </a:endParaRPr>
           </a:p>
         </p:txBody>
@@ -11536,13 +12032,4590 @@
     </p:spTree>
     <p:extLst>
       <p:ext uri="{BB962C8B-B14F-4D97-AF65-F5344CB8AC3E}">
-        <p14:creationId xmlns:p14="http://schemas.microsoft.com/office/powerpoint/2010/main" val="1068010669"/>
+        <p14:creationId xmlns:p14="http://schemas.microsoft.com/office/powerpoint/2010/main" val="2978877648"/>
       </p:ext>
     </p:extLst>
   </p:cSld>
   <p:clrMapOvr>
     <a:masterClrMapping/>
   </p:clrMapOvr>
+  <p:timing>
+    <p:tnLst>
+      <p:par>
+        <p:cTn id="1" dur="indefinite" restart="never" nodeType="tmRoot">
+          <p:childTnLst>
+            <p:seq concurrent="1" nextAc="seek">
+              <p:cTn id="2" dur="indefinite" nodeType="mainSeq">
+                <p:childTnLst>
+                  <p:par>
+                    <p:cTn id="3" fill="hold">
+                      <p:stCondLst>
+                        <p:cond delay="indefinite"/>
+                      </p:stCondLst>
+                      <p:childTnLst>
+                        <p:par>
+                          <p:cTn id="4" fill="hold">
+                            <p:stCondLst>
+                              <p:cond delay="0"/>
+                            </p:stCondLst>
+                            <p:childTnLst>
+                              <p:par>
+                                <p:cTn id="5" presetID="10" presetClass="entr" presetSubtype="0" fill="hold" grpId="0" nodeType="clickEffect">
+                                  <p:stCondLst>
+                                    <p:cond delay="0"/>
+                                  </p:stCondLst>
+                                  <p:childTnLst>
+                                    <p:set>
+                                      <p:cBhvr>
+                                        <p:cTn id="6" dur="1" fill="hold">
+                                          <p:stCondLst>
+                                            <p:cond delay="0"/>
+                                          </p:stCondLst>
+                                        </p:cTn>
+                                        <p:tgtEl>
+                                          <p:spTgt spid="24"/>
+                                        </p:tgtEl>
+                                        <p:attrNameLst>
+                                          <p:attrName>style.visibility</p:attrName>
+                                        </p:attrNameLst>
+                                      </p:cBhvr>
+                                      <p:to>
+                                        <p:strVal val="visible"/>
+                                      </p:to>
+                                    </p:set>
+                                    <p:animEffect transition="in" filter="fade">
+                                      <p:cBhvr>
+                                        <p:cTn id="7" dur="500"/>
+                                        <p:tgtEl>
+                                          <p:spTgt spid="24"/>
+                                        </p:tgtEl>
+                                      </p:cBhvr>
+                                    </p:animEffect>
+                                  </p:childTnLst>
+                                </p:cTn>
+                              </p:par>
+                            </p:childTnLst>
+                          </p:cTn>
+                        </p:par>
+                      </p:childTnLst>
+                    </p:cTn>
+                  </p:par>
+                  <p:par>
+                    <p:cTn id="8" fill="hold">
+                      <p:stCondLst>
+                        <p:cond delay="indefinite"/>
+                      </p:stCondLst>
+                      <p:childTnLst>
+                        <p:par>
+                          <p:cTn id="9" fill="hold">
+                            <p:stCondLst>
+                              <p:cond delay="0"/>
+                            </p:stCondLst>
+                            <p:childTnLst>
+                              <p:par>
+                                <p:cTn id="10" presetID="10" presetClass="entr" presetSubtype="0" fill="hold" grpId="0" nodeType="clickEffect">
+                                  <p:stCondLst>
+                                    <p:cond delay="0"/>
+                                  </p:stCondLst>
+                                  <p:childTnLst>
+                                    <p:set>
+                                      <p:cBhvr>
+                                        <p:cTn id="11" dur="1" fill="hold">
+                                          <p:stCondLst>
+                                            <p:cond delay="0"/>
+                                          </p:stCondLst>
+                                        </p:cTn>
+                                        <p:tgtEl>
+                                          <p:spTgt spid="31"/>
+                                        </p:tgtEl>
+                                        <p:attrNameLst>
+                                          <p:attrName>style.visibility</p:attrName>
+                                        </p:attrNameLst>
+                                      </p:cBhvr>
+                                      <p:to>
+                                        <p:strVal val="visible"/>
+                                      </p:to>
+                                    </p:set>
+                                    <p:animEffect transition="in" filter="fade">
+                                      <p:cBhvr>
+                                        <p:cTn id="12" dur="500"/>
+                                        <p:tgtEl>
+                                          <p:spTgt spid="31"/>
+                                        </p:tgtEl>
+                                      </p:cBhvr>
+                                    </p:animEffect>
+                                  </p:childTnLst>
+                                </p:cTn>
+                              </p:par>
+                            </p:childTnLst>
+                          </p:cTn>
+                        </p:par>
+                      </p:childTnLst>
+                    </p:cTn>
+                  </p:par>
+                  <p:par>
+                    <p:cTn id="13" fill="hold">
+                      <p:stCondLst>
+                        <p:cond delay="indefinite"/>
+                      </p:stCondLst>
+                      <p:childTnLst>
+                        <p:par>
+                          <p:cTn id="14" fill="hold">
+                            <p:stCondLst>
+                              <p:cond delay="0"/>
+                            </p:stCondLst>
+                            <p:childTnLst>
+                              <p:par>
+                                <p:cTn id="15" presetID="10" presetClass="entr" presetSubtype="0" fill="hold" grpId="0" nodeType="clickEffect">
+                                  <p:stCondLst>
+                                    <p:cond delay="0"/>
+                                  </p:stCondLst>
+                                  <p:childTnLst>
+                                    <p:set>
+                                      <p:cBhvr>
+                                        <p:cTn id="16" dur="1" fill="hold">
+                                          <p:stCondLst>
+                                            <p:cond delay="0"/>
+                                          </p:stCondLst>
+                                        </p:cTn>
+                                        <p:tgtEl>
+                                          <p:spTgt spid="32"/>
+                                        </p:tgtEl>
+                                        <p:attrNameLst>
+                                          <p:attrName>style.visibility</p:attrName>
+                                        </p:attrNameLst>
+                                      </p:cBhvr>
+                                      <p:to>
+                                        <p:strVal val="visible"/>
+                                      </p:to>
+                                    </p:set>
+                                    <p:animEffect transition="in" filter="fade">
+                                      <p:cBhvr>
+                                        <p:cTn id="17" dur="500"/>
+                                        <p:tgtEl>
+                                          <p:spTgt spid="32"/>
+                                        </p:tgtEl>
+                                      </p:cBhvr>
+                                    </p:animEffect>
+                                  </p:childTnLst>
+                                </p:cTn>
+                              </p:par>
+                            </p:childTnLst>
+                          </p:cTn>
+                        </p:par>
+                      </p:childTnLst>
+                    </p:cTn>
+                  </p:par>
+                  <p:par>
+                    <p:cTn id="18" fill="hold">
+                      <p:stCondLst>
+                        <p:cond delay="indefinite"/>
+                      </p:stCondLst>
+                      <p:childTnLst>
+                        <p:par>
+                          <p:cTn id="19" fill="hold">
+                            <p:stCondLst>
+                              <p:cond delay="0"/>
+                            </p:stCondLst>
+                            <p:childTnLst>
+                              <p:par>
+                                <p:cTn id="20" presetID="10" presetClass="entr" presetSubtype="0" fill="hold" grpId="0" nodeType="clickEffect">
+                                  <p:stCondLst>
+                                    <p:cond delay="0"/>
+                                  </p:stCondLst>
+                                  <p:childTnLst>
+                                    <p:set>
+                                      <p:cBhvr>
+                                        <p:cTn id="21" dur="1" fill="hold">
+                                          <p:stCondLst>
+                                            <p:cond delay="0"/>
+                                          </p:stCondLst>
+                                        </p:cTn>
+                                        <p:tgtEl>
+                                          <p:spTgt spid="30"/>
+                                        </p:tgtEl>
+                                        <p:attrNameLst>
+                                          <p:attrName>style.visibility</p:attrName>
+                                        </p:attrNameLst>
+                                      </p:cBhvr>
+                                      <p:to>
+                                        <p:strVal val="visible"/>
+                                      </p:to>
+                                    </p:set>
+                                    <p:animEffect transition="in" filter="fade">
+                                      <p:cBhvr>
+                                        <p:cTn id="22" dur="500"/>
+                                        <p:tgtEl>
+                                          <p:spTgt spid="30"/>
+                                        </p:tgtEl>
+                                      </p:cBhvr>
+                                    </p:animEffect>
+                                  </p:childTnLst>
+                                </p:cTn>
+                              </p:par>
+                            </p:childTnLst>
+                          </p:cTn>
+                        </p:par>
+                      </p:childTnLst>
+                    </p:cTn>
+                  </p:par>
+                  <p:par>
+                    <p:cTn id="23" fill="hold">
+                      <p:stCondLst>
+                        <p:cond delay="indefinite"/>
+                      </p:stCondLst>
+                      <p:childTnLst>
+                        <p:par>
+                          <p:cTn id="24" fill="hold">
+                            <p:stCondLst>
+                              <p:cond delay="0"/>
+                            </p:stCondLst>
+                            <p:childTnLst>
+                              <p:par>
+                                <p:cTn id="25" presetID="10" presetClass="entr" presetSubtype="0" fill="hold" grpId="0" nodeType="clickEffect">
+                                  <p:stCondLst>
+                                    <p:cond delay="0"/>
+                                  </p:stCondLst>
+                                  <p:childTnLst>
+                                    <p:set>
+                                      <p:cBhvr>
+                                        <p:cTn id="26" dur="1" fill="hold">
+                                          <p:stCondLst>
+                                            <p:cond delay="0"/>
+                                          </p:stCondLst>
+                                        </p:cTn>
+                                        <p:tgtEl>
+                                          <p:spTgt spid="33"/>
+                                        </p:tgtEl>
+                                        <p:attrNameLst>
+                                          <p:attrName>style.visibility</p:attrName>
+                                        </p:attrNameLst>
+                                      </p:cBhvr>
+                                      <p:to>
+                                        <p:strVal val="visible"/>
+                                      </p:to>
+                                    </p:set>
+                                    <p:animEffect transition="in" filter="fade">
+                                      <p:cBhvr>
+                                        <p:cTn id="27" dur="500"/>
+                                        <p:tgtEl>
+                                          <p:spTgt spid="33"/>
+                                        </p:tgtEl>
+                                      </p:cBhvr>
+                                    </p:animEffect>
+                                  </p:childTnLst>
+                                </p:cTn>
+                              </p:par>
+                            </p:childTnLst>
+                          </p:cTn>
+                        </p:par>
+                      </p:childTnLst>
+                    </p:cTn>
+                  </p:par>
+                </p:childTnLst>
+              </p:cTn>
+              <p:prevCondLst>
+                <p:cond evt="onPrev" delay="0">
+                  <p:tgtEl>
+                    <p:sldTgt/>
+                  </p:tgtEl>
+                </p:cond>
+              </p:prevCondLst>
+              <p:nextCondLst>
+                <p:cond evt="onNext" delay="0">
+                  <p:tgtEl>
+                    <p:sldTgt/>
+                  </p:tgtEl>
+                </p:cond>
+              </p:nextCondLst>
+            </p:seq>
+          </p:childTnLst>
+        </p:cTn>
+      </p:par>
+    </p:tnLst>
+    <p:bldLst>
+      <p:bldP spid="24" grpId="0" animBg="1"/>
+      <p:bldP spid="30" grpId="0" animBg="1"/>
+      <p:bldP spid="31" grpId="0" animBg="1"/>
+      <p:bldP spid="32" grpId="0" animBg="1"/>
+      <p:bldP spid="33" grpId="0"/>
+    </p:bldLst>
+  </p:timing>
+</p:sld>
+</file>
+
+<file path=ppt/slides/slide15.xml><?xml version="1.0" encoding="utf-8"?>
+<p:sld xmlns:a="http://schemas.openxmlformats.org/drawingml/2006/main" xmlns:r="http://schemas.openxmlformats.org/officeDocument/2006/relationships" xmlns:p="http://schemas.openxmlformats.org/presentationml/2006/main">
+  <p:cSld>
+    <p:spTree>
+      <p:nvGrpSpPr>
+        <p:cNvPr id="1" name=""/>
+        <p:cNvGrpSpPr/>
+        <p:nvPr/>
+      </p:nvGrpSpPr>
+      <p:grpSpPr>
+        <a:xfrm>
+          <a:off x="0" y="0"/>
+          <a:ext cx="0" cy="0"/>
+          <a:chOff x="0" y="0"/>
+          <a:chExt cx="0" cy="0"/>
+        </a:xfrm>
+      </p:grpSpPr>
+      <p:sp>
+        <p:nvSpPr>
+          <p:cNvPr id="4098" name="TextBox 2">
+            <a:extLst>
+              <a:ext uri="{FF2B5EF4-FFF2-40B4-BE49-F238E27FC236}">
+                <a16:creationId xmlns:a16="http://schemas.microsoft.com/office/drawing/2014/main" id="{5552ED83-0001-4E47-A09B-F49C592A8E24}"/>
+              </a:ext>
+            </a:extLst>
+          </p:cNvPr>
+          <p:cNvSpPr txBox="1">
+            <a:spLocks noChangeArrowheads="1"/>
+          </p:cNvSpPr>
+          <p:nvPr/>
+        </p:nvSpPr>
+        <p:spPr bwMode="auto">
+          <a:xfrm>
+            <a:off x="13610" y="0"/>
+            <a:ext cx="6913562" cy="830263"/>
+          </a:xfrm>
+          <a:prstGeom prst="rect">
+            <a:avLst/>
+          </a:prstGeom>
+          <a:noFill/>
+          <a:ln>
+            <a:noFill/>
+          </a:ln>
+          <a:extLst>
+            <a:ext uri="{909E8E84-426E-40DD-AFC4-6F175D3DCCD1}">
+              <a14:hiddenFill xmlns:a14="http://schemas.microsoft.com/office/drawing/2010/main">
+                <a:solidFill>
+                  <a:srgbClr val="FFFFFF"/>
+                </a:solidFill>
+              </a14:hiddenFill>
+            </a:ext>
+            <a:ext uri="{91240B29-F687-4F45-9708-019B960494DF}">
+              <a14:hiddenLine xmlns:a14="http://schemas.microsoft.com/office/drawing/2010/main" w="9525">
+                <a:solidFill>
+                  <a:srgbClr val="000000"/>
+                </a:solidFill>
+                <a:miter lim="800000"/>
+                <a:headEnd/>
+                <a:tailEnd/>
+              </a14:hiddenLine>
+            </a:ext>
+          </a:extLst>
+        </p:spPr>
+        <p:txBody>
+          <a:bodyPr>
+            <a:spAutoFit/>
+          </a:bodyPr>
+          <a:lstStyle>
+            <a:lvl1pPr eaLnBrk="0" hangingPunct="0">
+              <a:defRPr>
+                <a:solidFill>
+                  <a:schemeClr val="tx1"/>
+                </a:solidFill>
+                <a:latin typeface="Arial" panose="020B0604020202020204" pitchFamily="34" charset="0"/>
+                <a:ea typeface="宋体" panose="02010600030101010101" pitchFamily="2" charset="-122"/>
+              </a:defRPr>
+            </a:lvl1pPr>
+            <a:lvl2pPr marL="742950" indent="-285750" eaLnBrk="0" hangingPunct="0">
+              <a:defRPr>
+                <a:solidFill>
+                  <a:schemeClr val="tx1"/>
+                </a:solidFill>
+                <a:latin typeface="Arial" panose="020B0604020202020204" pitchFamily="34" charset="0"/>
+                <a:ea typeface="宋体" panose="02010600030101010101" pitchFamily="2" charset="-122"/>
+              </a:defRPr>
+            </a:lvl2pPr>
+            <a:lvl3pPr marL="1143000" indent="-228600" eaLnBrk="0" hangingPunct="0">
+              <a:defRPr>
+                <a:solidFill>
+                  <a:schemeClr val="tx1"/>
+                </a:solidFill>
+                <a:latin typeface="Arial" panose="020B0604020202020204" pitchFamily="34" charset="0"/>
+                <a:ea typeface="宋体" panose="02010600030101010101" pitchFamily="2" charset="-122"/>
+              </a:defRPr>
+            </a:lvl3pPr>
+            <a:lvl4pPr marL="1600200" indent="-228600" eaLnBrk="0" hangingPunct="0">
+              <a:defRPr>
+                <a:solidFill>
+                  <a:schemeClr val="tx1"/>
+                </a:solidFill>
+                <a:latin typeface="Arial" panose="020B0604020202020204" pitchFamily="34" charset="0"/>
+                <a:ea typeface="宋体" panose="02010600030101010101" pitchFamily="2" charset="-122"/>
+              </a:defRPr>
+            </a:lvl4pPr>
+            <a:lvl5pPr marL="2057400" indent="-228600" eaLnBrk="0" hangingPunct="0">
+              <a:defRPr>
+                <a:solidFill>
+                  <a:schemeClr val="tx1"/>
+                </a:solidFill>
+                <a:latin typeface="Arial" panose="020B0604020202020204" pitchFamily="34" charset="0"/>
+                <a:ea typeface="宋体" panose="02010600030101010101" pitchFamily="2" charset="-122"/>
+              </a:defRPr>
+            </a:lvl5pPr>
+            <a:lvl6pPr marL="2514600" indent="-228600" eaLnBrk="0" fontAlgn="base" hangingPunct="0">
+              <a:spcBef>
+                <a:spcPct val="0"/>
+              </a:spcBef>
+              <a:spcAft>
+                <a:spcPct val="0"/>
+              </a:spcAft>
+              <a:defRPr>
+                <a:solidFill>
+                  <a:schemeClr val="tx1"/>
+                </a:solidFill>
+                <a:latin typeface="Arial" panose="020B0604020202020204" pitchFamily="34" charset="0"/>
+                <a:ea typeface="宋体" panose="02010600030101010101" pitchFamily="2" charset="-122"/>
+              </a:defRPr>
+            </a:lvl6pPr>
+            <a:lvl7pPr marL="2971800" indent="-228600" eaLnBrk="0" fontAlgn="base" hangingPunct="0">
+              <a:spcBef>
+                <a:spcPct val="0"/>
+              </a:spcBef>
+              <a:spcAft>
+                <a:spcPct val="0"/>
+              </a:spcAft>
+              <a:defRPr>
+                <a:solidFill>
+                  <a:schemeClr val="tx1"/>
+                </a:solidFill>
+                <a:latin typeface="Arial" panose="020B0604020202020204" pitchFamily="34" charset="0"/>
+                <a:ea typeface="宋体" panose="02010600030101010101" pitchFamily="2" charset="-122"/>
+              </a:defRPr>
+            </a:lvl7pPr>
+            <a:lvl8pPr marL="3429000" indent="-228600" eaLnBrk="0" fontAlgn="base" hangingPunct="0">
+              <a:spcBef>
+                <a:spcPct val="0"/>
+              </a:spcBef>
+              <a:spcAft>
+                <a:spcPct val="0"/>
+              </a:spcAft>
+              <a:defRPr>
+                <a:solidFill>
+                  <a:schemeClr val="tx1"/>
+                </a:solidFill>
+                <a:latin typeface="Arial" panose="020B0604020202020204" pitchFamily="34" charset="0"/>
+                <a:ea typeface="宋体" panose="02010600030101010101" pitchFamily="2" charset="-122"/>
+              </a:defRPr>
+            </a:lvl8pPr>
+            <a:lvl9pPr marL="3886200" indent="-228600" eaLnBrk="0" fontAlgn="base" hangingPunct="0">
+              <a:spcBef>
+                <a:spcPct val="0"/>
+              </a:spcBef>
+              <a:spcAft>
+                <a:spcPct val="0"/>
+              </a:spcAft>
+              <a:defRPr>
+                <a:solidFill>
+                  <a:schemeClr val="tx1"/>
+                </a:solidFill>
+                <a:latin typeface="Arial" panose="020B0604020202020204" pitchFamily="34" charset="0"/>
+                <a:ea typeface="宋体" panose="02010600030101010101" pitchFamily="2" charset="-122"/>
+              </a:defRPr>
+            </a:lvl9pPr>
+          </a:lstStyle>
+          <a:p>
+            <a:pPr eaLnBrk="1" hangingPunct="1"/>
+            <a:r>
+              <a:rPr lang="zh-CN" altLang="en-US" sz="4800" dirty="0">
+                <a:solidFill>
+                  <a:schemeClr val="bg1"/>
+                </a:solidFill>
+                <a:latin typeface="微软雅黑" panose="020B0503020204020204" pitchFamily="34" charset="-122"/>
+                <a:ea typeface="微软雅黑" panose="020B0503020204020204" pitchFamily="34" charset="-122"/>
+              </a:rPr>
+              <a:t>朴素贝叶斯</a:t>
+            </a:r>
+          </a:p>
+        </p:txBody>
+      </p:sp>
+      <p:pic>
+        <p:nvPicPr>
+          <p:cNvPr id="4" name="Picture 3">
+            <a:extLst>
+              <a:ext uri="{FF2B5EF4-FFF2-40B4-BE49-F238E27FC236}">
+                <a16:creationId xmlns:a16="http://schemas.microsoft.com/office/drawing/2014/main" id="{726A81AE-0351-482D-A257-349CE58E74C4}"/>
+              </a:ext>
+            </a:extLst>
+          </p:cNvPr>
+          <p:cNvPicPr>
+            <a:picLocks noChangeAspect="1"/>
+          </p:cNvPicPr>
+          <p:nvPr/>
+        </p:nvPicPr>
+        <p:blipFill>
+          <a:blip r:embed="rId2"/>
+          <a:stretch>
+            <a:fillRect/>
+          </a:stretch>
+        </p:blipFill>
+        <p:spPr>
+          <a:xfrm>
+            <a:off x="107504" y="2244539"/>
+            <a:ext cx="7848872" cy="4410418"/>
+          </a:xfrm>
+          <a:prstGeom prst="rect">
+            <a:avLst/>
+          </a:prstGeom>
+        </p:spPr>
+      </p:pic>
+      <p:pic>
+        <p:nvPicPr>
+          <p:cNvPr id="9" name="Picture 8">
+            <a:extLst>
+              <a:ext uri="{FF2B5EF4-FFF2-40B4-BE49-F238E27FC236}">
+                <a16:creationId xmlns:a16="http://schemas.microsoft.com/office/drawing/2014/main" id="{898A081C-B2E9-476C-B911-16B9055B2967}"/>
+              </a:ext>
+            </a:extLst>
+          </p:cNvPr>
+          <p:cNvPicPr>
+            <a:picLocks noChangeAspect="1"/>
+          </p:cNvPicPr>
+          <p:nvPr/>
+        </p:nvPicPr>
+        <p:blipFill>
+          <a:blip r:embed="rId3"/>
+          <a:stretch>
+            <a:fillRect/>
+          </a:stretch>
+        </p:blipFill>
+        <p:spPr>
+          <a:xfrm>
+            <a:off x="113718" y="851600"/>
+            <a:ext cx="8778762" cy="510765"/>
+          </a:xfrm>
+          <a:prstGeom prst="rect">
+            <a:avLst/>
+          </a:prstGeom>
+        </p:spPr>
+      </p:pic>
+      <p:sp>
+        <p:nvSpPr>
+          <p:cNvPr id="24" name="Rectangle 23">
+            <a:extLst>
+              <a:ext uri="{FF2B5EF4-FFF2-40B4-BE49-F238E27FC236}">
+                <a16:creationId xmlns:a16="http://schemas.microsoft.com/office/drawing/2014/main" id="{5202D1FF-D4BC-443E-B5C7-F60846500227}"/>
+              </a:ext>
+            </a:extLst>
+          </p:cNvPr>
+          <p:cNvSpPr/>
+          <p:nvPr/>
+        </p:nvSpPr>
+        <p:spPr>
+          <a:xfrm>
+            <a:off x="4211960" y="836712"/>
+            <a:ext cx="1836204" cy="480310"/>
+          </a:xfrm>
+          <a:prstGeom prst="rect">
+            <a:avLst/>
+          </a:prstGeom>
+          <a:noFill/>
+          <a:ln w="28575">
+            <a:solidFill>
+              <a:srgbClr val="FF0000"/>
+            </a:solidFill>
+          </a:ln>
+        </p:spPr>
+        <p:style>
+          <a:lnRef idx="2">
+            <a:schemeClr val="accent1">
+              <a:shade val="50000"/>
+            </a:schemeClr>
+          </a:lnRef>
+          <a:fillRef idx="1">
+            <a:schemeClr val="accent1"/>
+          </a:fillRef>
+          <a:effectRef idx="0">
+            <a:schemeClr val="accent1"/>
+          </a:effectRef>
+          <a:fontRef idx="minor">
+            <a:schemeClr val="lt1"/>
+          </a:fontRef>
+        </p:style>
+        <p:txBody>
+          <a:bodyPr rtlCol="0" anchor="ctr"/>
+          <a:lstStyle/>
+          <a:p>
+            <a:pPr algn="ctr"/>
+            <a:endParaRPr lang="en-US"/>
+          </a:p>
+        </p:txBody>
+      </p:sp>
+      <p:sp>
+        <p:nvSpPr>
+          <p:cNvPr id="30" name="Rectangle 29">
+            <a:extLst>
+              <a:ext uri="{FF2B5EF4-FFF2-40B4-BE49-F238E27FC236}">
+                <a16:creationId xmlns:a16="http://schemas.microsoft.com/office/drawing/2014/main" id="{0A5414D0-50FB-4259-A5C9-3E4F7BEB8205}"/>
+              </a:ext>
+            </a:extLst>
+          </p:cNvPr>
+          <p:cNvSpPr/>
+          <p:nvPr/>
+        </p:nvSpPr>
+        <p:spPr>
+          <a:xfrm>
+            <a:off x="179512" y="3284984"/>
+            <a:ext cx="7416824" cy="288032"/>
+          </a:xfrm>
+          <a:prstGeom prst="rect">
+            <a:avLst/>
+          </a:prstGeom>
+          <a:noFill/>
+          <a:ln w="28575">
+            <a:solidFill>
+              <a:srgbClr val="FF0000"/>
+            </a:solidFill>
+          </a:ln>
+        </p:spPr>
+        <p:style>
+          <a:lnRef idx="2">
+            <a:schemeClr val="accent1">
+              <a:shade val="50000"/>
+            </a:schemeClr>
+          </a:lnRef>
+          <a:fillRef idx="1">
+            <a:schemeClr val="accent1"/>
+          </a:fillRef>
+          <a:effectRef idx="0">
+            <a:schemeClr val="accent1"/>
+          </a:effectRef>
+          <a:fontRef idx="minor">
+            <a:schemeClr val="lt1"/>
+          </a:fontRef>
+        </p:style>
+        <p:txBody>
+          <a:bodyPr rtlCol="0" anchor="ctr"/>
+          <a:lstStyle/>
+          <a:p>
+            <a:pPr algn="ctr"/>
+            <a:endParaRPr lang="en-US"/>
+          </a:p>
+        </p:txBody>
+      </p:sp>
+      <p:sp>
+        <p:nvSpPr>
+          <p:cNvPr id="31" name="Rectangle 30">
+            <a:extLst>
+              <a:ext uri="{FF2B5EF4-FFF2-40B4-BE49-F238E27FC236}">
+                <a16:creationId xmlns:a16="http://schemas.microsoft.com/office/drawing/2014/main" id="{D0292895-2F4A-4FAE-B404-E30D7086CD59}"/>
+              </a:ext>
+            </a:extLst>
+          </p:cNvPr>
+          <p:cNvSpPr/>
+          <p:nvPr/>
+        </p:nvSpPr>
+        <p:spPr>
+          <a:xfrm>
+            <a:off x="138224" y="3188876"/>
+            <a:ext cx="7602128" cy="816188"/>
+          </a:xfrm>
+          <a:prstGeom prst="rect">
+            <a:avLst/>
+          </a:prstGeom>
+          <a:noFill/>
+          <a:ln w="28575">
+            <a:solidFill>
+              <a:srgbClr val="00B050"/>
+            </a:solidFill>
+          </a:ln>
+        </p:spPr>
+        <p:style>
+          <a:lnRef idx="2">
+            <a:schemeClr val="accent1">
+              <a:shade val="50000"/>
+            </a:schemeClr>
+          </a:lnRef>
+          <a:fillRef idx="1">
+            <a:schemeClr val="accent1"/>
+          </a:fillRef>
+          <a:effectRef idx="0">
+            <a:schemeClr val="accent1"/>
+          </a:effectRef>
+          <a:fontRef idx="minor">
+            <a:schemeClr val="lt1"/>
+          </a:fontRef>
+        </p:style>
+        <p:txBody>
+          <a:bodyPr rtlCol="0" anchor="ctr"/>
+          <a:lstStyle/>
+          <a:p>
+            <a:pPr algn="ctr"/>
+            <a:endParaRPr lang="en-US"/>
+          </a:p>
+        </p:txBody>
+      </p:sp>
+      <p:sp>
+        <p:nvSpPr>
+          <p:cNvPr id="32" name="Rectangle 31">
+            <a:extLst>
+              <a:ext uri="{FF2B5EF4-FFF2-40B4-BE49-F238E27FC236}">
+                <a16:creationId xmlns:a16="http://schemas.microsoft.com/office/drawing/2014/main" id="{700C83C3-9448-4D51-B900-D52329FDB780}"/>
+              </a:ext>
+            </a:extLst>
+          </p:cNvPr>
+          <p:cNvSpPr/>
+          <p:nvPr/>
+        </p:nvSpPr>
+        <p:spPr>
+          <a:xfrm>
+            <a:off x="132504" y="4603152"/>
+            <a:ext cx="7602128" cy="1403248"/>
+          </a:xfrm>
+          <a:prstGeom prst="rect">
+            <a:avLst/>
+          </a:prstGeom>
+          <a:noFill/>
+          <a:ln w="28575">
+            <a:solidFill>
+              <a:srgbClr val="00B050"/>
+            </a:solidFill>
+          </a:ln>
+        </p:spPr>
+        <p:style>
+          <a:lnRef idx="2">
+            <a:schemeClr val="accent1">
+              <a:shade val="50000"/>
+            </a:schemeClr>
+          </a:lnRef>
+          <a:fillRef idx="1">
+            <a:schemeClr val="accent1"/>
+          </a:fillRef>
+          <a:effectRef idx="0">
+            <a:schemeClr val="accent1"/>
+          </a:effectRef>
+          <a:fontRef idx="minor">
+            <a:schemeClr val="lt1"/>
+          </a:fontRef>
+        </p:style>
+        <p:txBody>
+          <a:bodyPr rtlCol="0" anchor="ctr"/>
+          <a:lstStyle/>
+          <a:p>
+            <a:pPr algn="ctr"/>
+            <a:endParaRPr lang="en-US"/>
+          </a:p>
+        </p:txBody>
+      </p:sp>
+      <p:sp>
+        <p:nvSpPr>
+          <p:cNvPr id="33" name="TextBox 32">
+            <a:extLst>
+              <a:ext uri="{FF2B5EF4-FFF2-40B4-BE49-F238E27FC236}">
+                <a16:creationId xmlns:a16="http://schemas.microsoft.com/office/drawing/2014/main" id="{23BC2E03-BE4E-4815-8188-ADCBB591487C}"/>
+              </a:ext>
+            </a:extLst>
+          </p:cNvPr>
+          <p:cNvSpPr txBox="1"/>
+          <p:nvPr/>
+        </p:nvSpPr>
+        <p:spPr>
+          <a:xfrm>
+            <a:off x="-26480" y="1424495"/>
+            <a:ext cx="9144000" cy="707886"/>
+          </a:xfrm>
+          <a:prstGeom prst="rect">
+            <a:avLst/>
+          </a:prstGeom>
+          <a:noFill/>
+        </p:spPr>
+        <p:txBody>
+          <a:bodyPr wrap="square">
+            <a:spAutoFit/>
+          </a:bodyPr>
+          <a:lstStyle/>
+          <a:p>
+            <a:pPr>
+              <a:defRPr/>
+            </a:pPr>
+            <a:r>
+              <a:rPr lang="en-US" sz="4000" dirty="0">
+                <a:solidFill>
+                  <a:schemeClr val="bg1"/>
+                </a:solidFill>
+                <a:latin typeface="微软雅黑" pitchFamily="34" charset="-122"/>
+                <a:ea typeface="微软雅黑" pitchFamily="34" charset="-122"/>
+              </a:rPr>
+              <a:t>P(</a:t>
+            </a:r>
+            <a:r>
+              <a:rPr lang="zh-CN" altLang="en-US" sz="4000" dirty="0">
+                <a:solidFill>
+                  <a:schemeClr val="bg1"/>
+                </a:solidFill>
+                <a:latin typeface="微软雅黑" pitchFamily="34" charset="-122"/>
+                <a:ea typeface="微软雅黑" pitchFamily="34" charset="-122"/>
+              </a:rPr>
+              <a:t>身高矮</a:t>
+            </a:r>
+            <a:r>
+              <a:rPr lang="en-US" altLang="zh-CN" sz="4000" dirty="0">
+                <a:solidFill>
+                  <a:schemeClr val="bg1"/>
+                </a:solidFill>
+                <a:latin typeface="微软雅黑" pitchFamily="34" charset="-122"/>
+                <a:ea typeface="微软雅黑" pitchFamily="34" charset="-122"/>
+              </a:rPr>
+              <a:t>|</a:t>
+            </a:r>
+            <a:r>
+              <a:rPr lang="zh-CN" altLang="en-US" sz="4000" dirty="0">
+                <a:solidFill>
+                  <a:schemeClr val="bg1"/>
+                </a:solidFill>
+                <a:latin typeface="微软雅黑" pitchFamily="34" charset="-122"/>
+                <a:ea typeface="微软雅黑" pitchFamily="34" charset="-122"/>
+              </a:rPr>
+              <a:t>嫁</a:t>
+            </a:r>
+            <a:r>
+              <a:rPr lang="en-US" sz="4000" dirty="0">
+                <a:solidFill>
+                  <a:schemeClr val="bg1"/>
+                </a:solidFill>
+                <a:latin typeface="微软雅黑" pitchFamily="34" charset="-122"/>
+                <a:ea typeface="微软雅黑" pitchFamily="34" charset="-122"/>
+              </a:rPr>
+              <a:t>) </a:t>
+            </a:r>
+            <a:r>
+              <a:rPr lang="en-US" altLang="zh-CN" sz="4000" dirty="0">
+                <a:solidFill>
+                  <a:schemeClr val="bg1"/>
+                </a:solidFill>
+                <a:latin typeface="微软雅黑" pitchFamily="34" charset="-122"/>
+                <a:ea typeface="微软雅黑" pitchFamily="34" charset="-122"/>
+              </a:rPr>
+              <a:t>= </a:t>
+            </a:r>
+            <a:r>
+              <a:rPr lang="en-US" sz="4000" dirty="0">
+                <a:solidFill>
+                  <a:schemeClr val="bg1"/>
+                </a:solidFill>
+                <a:latin typeface="微软雅黑" pitchFamily="34" charset="-122"/>
+                <a:ea typeface="微软雅黑" pitchFamily="34" charset="-122"/>
+              </a:rPr>
+              <a:t>1/6</a:t>
+            </a:r>
+            <a:endParaRPr lang="en-US" dirty="0">
+              <a:solidFill>
+                <a:schemeClr val="bg1"/>
+              </a:solidFill>
+              <a:latin typeface="Arial" charset="0"/>
+            </a:endParaRPr>
+          </a:p>
+        </p:txBody>
+      </p:sp>
+    </p:spTree>
+    <p:extLst>
+      <p:ext uri="{BB962C8B-B14F-4D97-AF65-F5344CB8AC3E}">
+        <p14:creationId xmlns:p14="http://schemas.microsoft.com/office/powerpoint/2010/main" val="1087920620"/>
+      </p:ext>
+    </p:extLst>
+  </p:cSld>
+  <p:clrMapOvr>
+    <a:masterClrMapping/>
+  </p:clrMapOvr>
+  <p:timing>
+    <p:tnLst>
+      <p:par>
+        <p:cTn id="1" dur="indefinite" restart="never" nodeType="tmRoot">
+          <p:childTnLst>
+            <p:seq concurrent="1" nextAc="seek">
+              <p:cTn id="2" dur="indefinite" nodeType="mainSeq">
+                <p:childTnLst>
+                  <p:par>
+                    <p:cTn id="3" fill="hold">
+                      <p:stCondLst>
+                        <p:cond delay="indefinite"/>
+                      </p:stCondLst>
+                      <p:childTnLst>
+                        <p:par>
+                          <p:cTn id="4" fill="hold">
+                            <p:stCondLst>
+                              <p:cond delay="0"/>
+                            </p:stCondLst>
+                            <p:childTnLst>
+                              <p:par>
+                                <p:cTn id="5" presetID="10" presetClass="entr" presetSubtype="0" fill="hold" grpId="0" nodeType="clickEffect">
+                                  <p:stCondLst>
+                                    <p:cond delay="0"/>
+                                  </p:stCondLst>
+                                  <p:childTnLst>
+                                    <p:set>
+                                      <p:cBhvr>
+                                        <p:cTn id="6" dur="1" fill="hold">
+                                          <p:stCondLst>
+                                            <p:cond delay="0"/>
+                                          </p:stCondLst>
+                                        </p:cTn>
+                                        <p:tgtEl>
+                                          <p:spTgt spid="24"/>
+                                        </p:tgtEl>
+                                        <p:attrNameLst>
+                                          <p:attrName>style.visibility</p:attrName>
+                                        </p:attrNameLst>
+                                      </p:cBhvr>
+                                      <p:to>
+                                        <p:strVal val="visible"/>
+                                      </p:to>
+                                    </p:set>
+                                    <p:animEffect transition="in" filter="fade">
+                                      <p:cBhvr>
+                                        <p:cTn id="7" dur="500"/>
+                                        <p:tgtEl>
+                                          <p:spTgt spid="24"/>
+                                        </p:tgtEl>
+                                      </p:cBhvr>
+                                    </p:animEffect>
+                                  </p:childTnLst>
+                                </p:cTn>
+                              </p:par>
+                            </p:childTnLst>
+                          </p:cTn>
+                        </p:par>
+                      </p:childTnLst>
+                    </p:cTn>
+                  </p:par>
+                  <p:par>
+                    <p:cTn id="8" fill="hold">
+                      <p:stCondLst>
+                        <p:cond delay="indefinite"/>
+                      </p:stCondLst>
+                      <p:childTnLst>
+                        <p:par>
+                          <p:cTn id="9" fill="hold">
+                            <p:stCondLst>
+                              <p:cond delay="0"/>
+                            </p:stCondLst>
+                            <p:childTnLst>
+                              <p:par>
+                                <p:cTn id="10" presetID="10" presetClass="entr" presetSubtype="0" fill="hold" grpId="0" nodeType="clickEffect">
+                                  <p:stCondLst>
+                                    <p:cond delay="0"/>
+                                  </p:stCondLst>
+                                  <p:childTnLst>
+                                    <p:set>
+                                      <p:cBhvr>
+                                        <p:cTn id="11" dur="1" fill="hold">
+                                          <p:stCondLst>
+                                            <p:cond delay="0"/>
+                                          </p:stCondLst>
+                                        </p:cTn>
+                                        <p:tgtEl>
+                                          <p:spTgt spid="31"/>
+                                        </p:tgtEl>
+                                        <p:attrNameLst>
+                                          <p:attrName>style.visibility</p:attrName>
+                                        </p:attrNameLst>
+                                      </p:cBhvr>
+                                      <p:to>
+                                        <p:strVal val="visible"/>
+                                      </p:to>
+                                    </p:set>
+                                    <p:animEffect transition="in" filter="fade">
+                                      <p:cBhvr>
+                                        <p:cTn id="12" dur="500"/>
+                                        <p:tgtEl>
+                                          <p:spTgt spid="31"/>
+                                        </p:tgtEl>
+                                      </p:cBhvr>
+                                    </p:animEffect>
+                                  </p:childTnLst>
+                                </p:cTn>
+                              </p:par>
+                            </p:childTnLst>
+                          </p:cTn>
+                        </p:par>
+                      </p:childTnLst>
+                    </p:cTn>
+                  </p:par>
+                  <p:par>
+                    <p:cTn id="13" fill="hold">
+                      <p:stCondLst>
+                        <p:cond delay="indefinite"/>
+                      </p:stCondLst>
+                      <p:childTnLst>
+                        <p:par>
+                          <p:cTn id="14" fill="hold">
+                            <p:stCondLst>
+                              <p:cond delay="0"/>
+                            </p:stCondLst>
+                            <p:childTnLst>
+                              <p:par>
+                                <p:cTn id="15" presetID="10" presetClass="entr" presetSubtype="0" fill="hold" grpId="0" nodeType="clickEffect">
+                                  <p:stCondLst>
+                                    <p:cond delay="0"/>
+                                  </p:stCondLst>
+                                  <p:childTnLst>
+                                    <p:set>
+                                      <p:cBhvr>
+                                        <p:cTn id="16" dur="1" fill="hold">
+                                          <p:stCondLst>
+                                            <p:cond delay="0"/>
+                                          </p:stCondLst>
+                                        </p:cTn>
+                                        <p:tgtEl>
+                                          <p:spTgt spid="32"/>
+                                        </p:tgtEl>
+                                        <p:attrNameLst>
+                                          <p:attrName>style.visibility</p:attrName>
+                                        </p:attrNameLst>
+                                      </p:cBhvr>
+                                      <p:to>
+                                        <p:strVal val="visible"/>
+                                      </p:to>
+                                    </p:set>
+                                    <p:animEffect transition="in" filter="fade">
+                                      <p:cBhvr>
+                                        <p:cTn id="17" dur="500"/>
+                                        <p:tgtEl>
+                                          <p:spTgt spid="32"/>
+                                        </p:tgtEl>
+                                      </p:cBhvr>
+                                    </p:animEffect>
+                                  </p:childTnLst>
+                                </p:cTn>
+                              </p:par>
+                            </p:childTnLst>
+                          </p:cTn>
+                        </p:par>
+                      </p:childTnLst>
+                    </p:cTn>
+                  </p:par>
+                  <p:par>
+                    <p:cTn id="18" fill="hold">
+                      <p:stCondLst>
+                        <p:cond delay="indefinite"/>
+                      </p:stCondLst>
+                      <p:childTnLst>
+                        <p:par>
+                          <p:cTn id="19" fill="hold">
+                            <p:stCondLst>
+                              <p:cond delay="0"/>
+                            </p:stCondLst>
+                            <p:childTnLst>
+                              <p:par>
+                                <p:cTn id="20" presetID="10" presetClass="entr" presetSubtype="0" fill="hold" grpId="0" nodeType="clickEffect">
+                                  <p:stCondLst>
+                                    <p:cond delay="0"/>
+                                  </p:stCondLst>
+                                  <p:childTnLst>
+                                    <p:set>
+                                      <p:cBhvr>
+                                        <p:cTn id="21" dur="1" fill="hold">
+                                          <p:stCondLst>
+                                            <p:cond delay="0"/>
+                                          </p:stCondLst>
+                                        </p:cTn>
+                                        <p:tgtEl>
+                                          <p:spTgt spid="30"/>
+                                        </p:tgtEl>
+                                        <p:attrNameLst>
+                                          <p:attrName>style.visibility</p:attrName>
+                                        </p:attrNameLst>
+                                      </p:cBhvr>
+                                      <p:to>
+                                        <p:strVal val="visible"/>
+                                      </p:to>
+                                    </p:set>
+                                    <p:animEffect transition="in" filter="fade">
+                                      <p:cBhvr>
+                                        <p:cTn id="22" dur="500"/>
+                                        <p:tgtEl>
+                                          <p:spTgt spid="30"/>
+                                        </p:tgtEl>
+                                      </p:cBhvr>
+                                    </p:animEffect>
+                                  </p:childTnLst>
+                                </p:cTn>
+                              </p:par>
+                            </p:childTnLst>
+                          </p:cTn>
+                        </p:par>
+                      </p:childTnLst>
+                    </p:cTn>
+                  </p:par>
+                  <p:par>
+                    <p:cTn id="23" fill="hold">
+                      <p:stCondLst>
+                        <p:cond delay="indefinite"/>
+                      </p:stCondLst>
+                      <p:childTnLst>
+                        <p:par>
+                          <p:cTn id="24" fill="hold">
+                            <p:stCondLst>
+                              <p:cond delay="0"/>
+                            </p:stCondLst>
+                            <p:childTnLst>
+                              <p:par>
+                                <p:cTn id="25" presetID="10" presetClass="entr" presetSubtype="0" fill="hold" grpId="0" nodeType="clickEffect">
+                                  <p:stCondLst>
+                                    <p:cond delay="0"/>
+                                  </p:stCondLst>
+                                  <p:childTnLst>
+                                    <p:set>
+                                      <p:cBhvr>
+                                        <p:cTn id="26" dur="1" fill="hold">
+                                          <p:stCondLst>
+                                            <p:cond delay="0"/>
+                                          </p:stCondLst>
+                                        </p:cTn>
+                                        <p:tgtEl>
+                                          <p:spTgt spid="33"/>
+                                        </p:tgtEl>
+                                        <p:attrNameLst>
+                                          <p:attrName>style.visibility</p:attrName>
+                                        </p:attrNameLst>
+                                      </p:cBhvr>
+                                      <p:to>
+                                        <p:strVal val="visible"/>
+                                      </p:to>
+                                    </p:set>
+                                    <p:animEffect transition="in" filter="fade">
+                                      <p:cBhvr>
+                                        <p:cTn id="27" dur="500"/>
+                                        <p:tgtEl>
+                                          <p:spTgt spid="33"/>
+                                        </p:tgtEl>
+                                      </p:cBhvr>
+                                    </p:animEffect>
+                                  </p:childTnLst>
+                                </p:cTn>
+                              </p:par>
+                            </p:childTnLst>
+                          </p:cTn>
+                        </p:par>
+                      </p:childTnLst>
+                    </p:cTn>
+                  </p:par>
+                </p:childTnLst>
+              </p:cTn>
+              <p:prevCondLst>
+                <p:cond evt="onPrev" delay="0">
+                  <p:tgtEl>
+                    <p:sldTgt/>
+                  </p:tgtEl>
+                </p:cond>
+              </p:prevCondLst>
+              <p:nextCondLst>
+                <p:cond evt="onNext" delay="0">
+                  <p:tgtEl>
+                    <p:sldTgt/>
+                  </p:tgtEl>
+                </p:cond>
+              </p:nextCondLst>
+            </p:seq>
+          </p:childTnLst>
+        </p:cTn>
+      </p:par>
+    </p:tnLst>
+    <p:bldLst>
+      <p:bldP spid="24" grpId="0" animBg="1"/>
+      <p:bldP spid="30" grpId="0" animBg="1"/>
+      <p:bldP spid="31" grpId="0" animBg="1"/>
+      <p:bldP spid="32" grpId="0" animBg="1"/>
+      <p:bldP spid="33" grpId="0"/>
+    </p:bldLst>
+  </p:timing>
+</p:sld>
+</file>
+
+<file path=ppt/slides/slide16.xml><?xml version="1.0" encoding="utf-8"?>
+<p:sld xmlns:a="http://schemas.openxmlformats.org/drawingml/2006/main" xmlns:r="http://schemas.openxmlformats.org/officeDocument/2006/relationships" xmlns:p="http://schemas.openxmlformats.org/presentationml/2006/main">
+  <p:cSld>
+    <p:spTree>
+      <p:nvGrpSpPr>
+        <p:cNvPr id="1" name=""/>
+        <p:cNvGrpSpPr/>
+        <p:nvPr/>
+      </p:nvGrpSpPr>
+      <p:grpSpPr>
+        <a:xfrm>
+          <a:off x="0" y="0"/>
+          <a:ext cx="0" cy="0"/>
+          <a:chOff x="0" y="0"/>
+          <a:chExt cx="0" cy="0"/>
+        </a:xfrm>
+      </p:grpSpPr>
+      <p:sp>
+        <p:nvSpPr>
+          <p:cNvPr id="4098" name="TextBox 2">
+            <a:extLst>
+              <a:ext uri="{FF2B5EF4-FFF2-40B4-BE49-F238E27FC236}">
+                <a16:creationId xmlns:a16="http://schemas.microsoft.com/office/drawing/2014/main" id="{5552ED83-0001-4E47-A09B-F49C592A8E24}"/>
+              </a:ext>
+            </a:extLst>
+          </p:cNvPr>
+          <p:cNvSpPr txBox="1">
+            <a:spLocks noChangeArrowheads="1"/>
+          </p:cNvSpPr>
+          <p:nvPr/>
+        </p:nvSpPr>
+        <p:spPr bwMode="auto">
+          <a:xfrm>
+            <a:off x="13610" y="0"/>
+            <a:ext cx="6913562" cy="830263"/>
+          </a:xfrm>
+          <a:prstGeom prst="rect">
+            <a:avLst/>
+          </a:prstGeom>
+          <a:noFill/>
+          <a:ln>
+            <a:noFill/>
+          </a:ln>
+          <a:extLst>
+            <a:ext uri="{909E8E84-426E-40DD-AFC4-6F175D3DCCD1}">
+              <a14:hiddenFill xmlns:a14="http://schemas.microsoft.com/office/drawing/2010/main">
+                <a:solidFill>
+                  <a:srgbClr val="FFFFFF"/>
+                </a:solidFill>
+              </a14:hiddenFill>
+            </a:ext>
+            <a:ext uri="{91240B29-F687-4F45-9708-019B960494DF}">
+              <a14:hiddenLine xmlns:a14="http://schemas.microsoft.com/office/drawing/2010/main" w="9525">
+                <a:solidFill>
+                  <a:srgbClr val="000000"/>
+                </a:solidFill>
+                <a:miter lim="800000"/>
+                <a:headEnd/>
+                <a:tailEnd/>
+              </a14:hiddenLine>
+            </a:ext>
+          </a:extLst>
+        </p:spPr>
+        <p:txBody>
+          <a:bodyPr>
+            <a:spAutoFit/>
+          </a:bodyPr>
+          <a:lstStyle>
+            <a:lvl1pPr eaLnBrk="0" hangingPunct="0">
+              <a:defRPr>
+                <a:solidFill>
+                  <a:schemeClr val="tx1"/>
+                </a:solidFill>
+                <a:latin typeface="Arial" panose="020B0604020202020204" pitchFamily="34" charset="0"/>
+                <a:ea typeface="宋体" panose="02010600030101010101" pitchFamily="2" charset="-122"/>
+              </a:defRPr>
+            </a:lvl1pPr>
+            <a:lvl2pPr marL="742950" indent="-285750" eaLnBrk="0" hangingPunct="0">
+              <a:defRPr>
+                <a:solidFill>
+                  <a:schemeClr val="tx1"/>
+                </a:solidFill>
+                <a:latin typeface="Arial" panose="020B0604020202020204" pitchFamily="34" charset="0"/>
+                <a:ea typeface="宋体" panose="02010600030101010101" pitchFamily="2" charset="-122"/>
+              </a:defRPr>
+            </a:lvl2pPr>
+            <a:lvl3pPr marL="1143000" indent="-228600" eaLnBrk="0" hangingPunct="0">
+              <a:defRPr>
+                <a:solidFill>
+                  <a:schemeClr val="tx1"/>
+                </a:solidFill>
+                <a:latin typeface="Arial" panose="020B0604020202020204" pitchFamily="34" charset="0"/>
+                <a:ea typeface="宋体" panose="02010600030101010101" pitchFamily="2" charset="-122"/>
+              </a:defRPr>
+            </a:lvl3pPr>
+            <a:lvl4pPr marL="1600200" indent="-228600" eaLnBrk="0" hangingPunct="0">
+              <a:defRPr>
+                <a:solidFill>
+                  <a:schemeClr val="tx1"/>
+                </a:solidFill>
+                <a:latin typeface="Arial" panose="020B0604020202020204" pitchFamily="34" charset="0"/>
+                <a:ea typeface="宋体" panose="02010600030101010101" pitchFamily="2" charset="-122"/>
+              </a:defRPr>
+            </a:lvl4pPr>
+            <a:lvl5pPr marL="2057400" indent="-228600" eaLnBrk="0" hangingPunct="0">
+              <a:defRPr>
+                <a:solidFill>
+                  <a:schemeClr val="tx1"/>
+                </a:solidFill>
+                <a:latin typeface="Arial" panose="020B0604020202020204" pitchFamily="34" charset="0"/>
+                <a:ea typeface="宋体" panose="02010600030101010101" pitchFamily="2" charset="-122"/>
+              </a:defRPr>
+            </a:lvl5pPr>
+            <a:lvl6pPr marL="2514600" indent="-228600" eaLnBrk="0" fontAlgn="base" hangingPunct="0">
+              <a:spcBef>
+                <a:spcPct val="0"/>
+              </a:spcBef>
+              <a:spcAft>
+                <a:spcPct val="0"/>
+              </a:spcAft>
+              <a:defRPr>
+                <a:solidFill>
+                  <a:schemeClr val="tx1"/>
+                </a:solidFill>
+                <a:latin typeface="Arial" panose="020B0604020202020204" pitchFamily="34" charset="0"/>
+                <a:ea typeface="宋体" panose="02010600030101010101" pitchFamily="2" charset="-122"/>
+              </a:defRPr>
+            </a:lvl6pPr>
+            <a:lvl7pPr marL="2971800" indent="-228600" eaLnBrk="0" fontAlgn="base" hangingPunct="0">
+              <a:spcBef>
+                <a:spcPct val="0"/>
+              </a:spcBef>
+              <a:spcAft>
+                <a:spcPct val="0"/>
+              </a:spcAft>
+              <a:defRPr>
+                <a:solidFill>
+                  <a:schemeClr val="tx1"/>
+                </a:solidFill>
+                <a:latin typeface="Arial" panose="020B0604020202020204" pitchFamily="34" charset="0"/>
+                <a:ea typeface="宋体" panose="02010600030101010101" pitchFamily="2" charset="-122"/>
+              </a:defRPr>
+            </a:lvl7pPr>
+            <a:lvl8pPr marL="3429000" indent="-228600" eaLnBrk="0" fontAlgn="base" hangingPunct="0">
+              <a:spcBef>
+                <a:spcPct val="0"/>
+              </a:spcBef>
+              <a:spcAft>
+                <a:spcPct val="0"/>
+              </a:spcAft>
+              <a:defRPr>
+                <a:solidFill>
+                  <a:schemeClr val="tx1"/>
+                </a:solidFill>
+                <a:latin typeface="Arial" panose="020B0604020202020204" pitchFamily="34" charset="0"/>
+                <a:ea typeface="宋体" panose="02010600030101010101" pitchFamily="2" charset="-122"/>
+              </a:defRPr>
+            </a:lvl8pPr>
+            <a:lvl9pPr marL="3886200" indent="-228600" eaLnBrk="0" fontAlgn="base" hangingPunct="0">
+              <a:spcBef>
+                <a:spcPct val="0"/>
+              </a:spcBef>
+              <a:spcAft>
+                <a:spcPct val="0"/>
+              </a:spcAft>
+              <a:defRPr>
+                <a:solidFill>
+                  <a:schemeClr val="tx1"/>
+                </a:solidFill>
+                <a:latin typeface="Arial" panose="020B0604020202020204" pitchFamily="34" charset="0"/>
+                <a:ea typeface="宋体" panose="02010600030101010101" pitchFamily="2" charset="-122"/>
+              </a:defRPr>
+            </a:lvl9pPr>
+          </a:lstStyle>
+          <a:p>
+            <a:pPr eaLnBrk="1" hangingPunct="1"/>
+            <a:r>
+              <a:rPr lang="zh-CN" altLang="en-US" sz="4800" dirty="0">
+                <a:solidFill>
+                  <a:schemeClr val="bg1"/>
+                </a:solidFill>
+                <a:latin typeface="微软雅黑" panose="020B0503020204020204" pitchFamily="34" charset="-122"/>
+                <a:ea typeface="微软雅黑" panose="020B0503020204020204" pitchFamily="34" charset="-122"/>
+              </a:rPr>
+              <a:t>朴素贝叶斯</a:t>
+            </a:r>
+          </a:p>
+        </p:txBody>
+      </p:sp>
+      <p:pic>
+        <p:nvPicPr>
+          <p:cNvPr id="4" name="Picture 3">
+            <a:extLst>
+              <a:ext uri="{FF2B5EF4-FFF2-40B4-BE49-F238E27FC236}">
+                <a16:creationId xmlns:a16="http://schemas.microsoft.com/office/drawing/2014/main" id="{726A81AE-0351-482D-A257-349CE58E74C4}"/>
+              </a:ext>
+            </a:extLst>
+          </p:cNvPr>
+          <p:cNvPicPr>
+            <a:picLocks noChangeAspect="1"/>
+          </p:cNvPicPr>
+          <p:nvPr/>
+        </p:nvPicPr>
+        <p:blipFill>
+          <a:blip r:embed="rId2"/>
+          <a:stretch>
+            <a:fillRect/>
+          </a:stretch>
+        </p:blipFill>
+        <p:spPr>
+          <a:xfrm>
+            <a:off x="107504" y="2244539"/>
+            <a:ext cx="7848872" cy="4410418"/>
+          </a:xfrm>
+          <a:prstGeom prst="rect">
+            <a:avLst/>
+          </a:prstGeom>
+        </p:spPr>
+      </p:pic>
+      <p:pic>
+        <p:nvPicPr>
+          <p:cNvPr id="9" name="Picture 8">
+            <a:extLst>
+              <a:ext uri="{FF2B5EF4-FFF2-40B4-BE49-F238E27FC236}">
+                <a16:creationId xmlns:a16="http://schemas.microsoft.com/office/drawing/2014/main" id="{898A081C-B2E9-476C-B911-16B9055B2967}"/>
+              </a:ext>
+            </a:extLst>
+          </p:cNvPr>
+          <p:cNvPicPr>
+            <a:picLocks noChangeAspect="1"/>
+          </p:cNvPicPr>
+          <p:nvPr/>
+        </p:nvPicPr>
+        <p:blipFill>
+          <a:blip r:embed="rId3"/>
+          <a:stretch>
+            <a:fillRect/>
+          </a:stretch>
+        </p:blipFill>
+        <p:spPr>
+          <a:xfrm>
+            <a:off x="113718" y="851600"/>
+            <a:ext cx="8778762" cy="510765"/>
+          </a:xfrm>
+          <a:prstGeom prst="rect">
+            <a:avLst/>
+          </a:prstGeom>
+        </p:spPr>
+      </p:pic>
+      <p:sp>
+        <p:nvSpPr>
+          <p:cNvPr id="24" name="Rectangle 23">
+            <a:extLst>
+              <a:ext uri="{FF2B5EF4-FFF2-40B4-BE49-F238E27FC236}">
+                <a16:creationId xmlns:a16="http://schemas.microsoft.com/office/drawing/2014/main" id="{5202D1FF-D4BC-443E-B5C7-F60846500227}"/>
+              </a:ext>
+            </a:extLst>
+          </p:cNvPr>
+          <p:cNvSpPr/>
+          <p:nvPr/>
+        </p:nvSpPr>
+        <p:spPr>
+          <a:xfrm>
+            <a:off x="6120172" y="866827"/>
+            <a:ext cx="1836204" cy="480310"/>
+          </a:xfrm>
+          <a:prstGeom prst="rect">
+            <a:avLst/>
+          </a:prstGeom>
+          <a:noFill/>
+          <a:ln w="28575">
+            <a:solidFill>
+              <a:srgbClr val="FF0000"/>
+            </a:solidFill>
+          </a:ln>
+        </p:spPr>
+        <p:style>
+          <a:lnRef idx="2">
+            <a:schemeClr val="accent1">
+              <a:shade val="50000"/>
+            </a:schemeClr>
+          </a:lnRef>
+          <a:fillRef idx="1">
+            <a:schemeClr val="accent1"/>
+          </a:fillRef>
+          <a:effectRef idx="0">
+            <a:schemeClr val="accent1"/>
+          </a:effectRef>
+          <a:fontRef idx="minor">
+            <a:schemeClr val="lt1"/>
+          </a:fontRef>
+        </p:style>
+        <p:txBody>
+          <a:bodyPr rtlCol="0" anchor="ctr"/>
+          <a:lstStyle/>
+          <a:p>
+            <a:pPr algn="ctr"/>
+            <a:endParaRPr lang="en-US"/>
+          </a:p>
+        </p:txBody>
+      </p:sp>
+      <p:sp>
+        <p:nvSpPr>
+          <p:cNvPr id="30" name="Rectangle 29">
+            <a:extLst>
+              <a:ext uri="{FF2B5EF4-FFF2-40B4-BE49-F238E27FC236}">
+                <a16:creationId xmlns:a16="http://schemas.microsoft.com/office/drawing/2014/main" id="{0A5414D0-50FB-4259-A5C9-3E4F7BEB8205}"/>
+              </a:ext>
+            </a:extLst>
+          </p:cNvPr>
+          <p:cNvSpPr/>
+          <p:nvPr/>
+        </p:nvSpPr>
+        <p:spPr>
+          <a:xfrm>
+            <a:off x="142391" y="4660117"/>
+            <a:ext cx="7416824" cy="288032"/>
+          </a:xfrm>
+          <a:prstGeom prst="rect">
+            <a:avLst/>
+          </a:prstGeom>
+          <a:noFill/>
+          <a:ln w="28575">
+            <a:solidFill>
+              <a:srgbClr val="FF0000"/>
+            </a:solidFill>
+          </a:ln>
+        </p:spPr>
+        <p:style>
+          <a:lnRef idx="2">
+            <a:schemeClr val="accent1">
+              <a:shade val="50000"/>
+            </a:schemeClr>
+          </a:lnRef>
+          <a:fillRef idx="1">
+            <a:schemeClr val="accent1"/>
+          </a:fillRef>
+          <a:effectRef idx="0">
+            <a:schemeClr val="accent1"/>
+          </a:effectRef>
+          <a:fontRef idx="minor">
+            <a:schemeClr val="lt1"/>
+          </a:fontRef>
+        </p:style>
+        <p:txBody>
+          <a:bodyPr rtlCol="0" anchor="ctr"/>
+          <a:lstStyle/>
+          <a:p>
+            <a:pPr algn="ctr"/>
+            <a:endParaRPr lang="en-US"/>
+          </a:p>
+        </p:txBody>
+      </p:sp>
+      <p:sp>
+        <p:nvSpPr>
+          <p:cNvPr id="31" name="Rectangle 30">
+            <a:extLst>
+              <a:ext uri="{FF2B5EF4-FFF2-40B4-BE49-F238E27FC236}">
+                <a16:creationId xmlns:a16="http://schemas.microsoft.com/office/drawing/2014/main" id="{D0292895-2F4A-4FAE-B404-E30D7086CD59}"/>
+              </a:ext>
+            </a:extLst>
+          </p:cNvPr>
+          <p:cNvSpPr/>
+          <p:nvPr/>
+        </p:nvSpPr>
+        <p:spPr>
+          <a:xfrm>
+            <a:off x="138224" y="3188876"/>
+            <a:ext cx="7602128" cy="816188"/>
+          </a:xfrm>
+          <a:prstGeom prst="rect">
+            <a:avLst/>
+          </a:prstGeom>
+          <a:noFill/>
+          <a:ln w="28575">
+            <a:solidFill>
+              <a:srgbClr val="00B050"/>
+            </a:solidFill>
+          </a:ln>
+        </p:spPr>
+        <p:style>
+          <a:lnRef idx="2">
+            <a:schemeClr val="accent1">
+              <a:shade val="50000"/>
+            </a:schemeClr>
+          </a:lnRef>
+          <a:fillRef idx="1">
+            <a:schemeClr val="accent1"/>
+          </a:fillRef>
+          <a:effectRef idx="0">
+            <a:schemeClr val="accent1"/>
+          </a:effectRef>
+          <a:fontRef idx="minor">
+            <a:schemeClr val="lt1"/>
+          </a:fontRef>
+        </p:style>
+        <p:txBody>
+          <a:bodyPr rtlCol="0" anchor="ctr"/>
+          <a:lstStyle/>
+          <a:p>
+            <a:pPr algn="ctr"/>
+            <a:endParaRPr lang="en-US"/>
+          </a:p>
+        </p:txBody>
+      </p:sp>
+      <p:sp>
+        <p:nvSpPr>
+          <p:cNvPr id="32" name="Rectangle 31">
+            <a:extLst>
+              <a:ext uri="{FF2B5EF4-FFF2-40B4-BE49-F238E27FC236}">
+                <a16:creationId xmlns:a16="http://schemas.microsoft.com/office/drawing/2014/main" id="{700C83C3-9448-4D51-B900-D52329FDB780}"/>
+              </a:ext>
+            </a:extLst>
+          </p:cNvPr>
+          <p:cNvSpPr/>
+          <p:nvPr/>
+        </p:nvSpPr>
+        <p:spPr>
+          <a:xfrm>
+            <a:off x="132504" y="4603152"/>
+            <a:ext cx="7602128" cy="1403248"/>
+          </a:xfrm>
+          <a:prstGeom prst="rect">
+            <a:avLst/>
+          </a:prstGeom>
+          <a:noFill/>
+          <a:ln w="28575">
+            <a:solidFill>
+              <a:srgbClr val="00B050"/>
+            </a:solidFill>
+          </a:ln>
+        </p:spPr>
+        <p:style>
+          <a:lnRef idx="2">
+            <a:schemeClr val="accent1">
+              <a:shade val="50000"/>
+            </a:schemeClr>
+          </a:lnRef>
+          <a:fillRef idx="1">
+            <a:schemeClr val="accent1"/>
+          </a:fillRef>
+          <a:effectRef idx="0">
+            <a:schemeClr val="accent1"/>
+          </a:effectRef>
+          <a:fontRef idx="minor">
+            <a:schemeClr val="lt1"/>
+          </a:fontRef>
+        </p:style>
+        <p:txBody>
+          <a:bodyPr rtlCol="0" anchor="ctr"/>
+          <a:lstStyle/>
+          <a:p>
+            <a:pPr algn="ctr"/>
+            <a:endParaRPr lang="en-US"/>
+          </a:p>
+        </p:txBody>
+      </p:sp>
+      <p:sp>
+        <p:nvSpPr>
+          <p:cNvPr id="33" name="TextBox 32">
+            <a:extLst>
+              <a:ext uri="{FF2B5EF4-FFF2-40B4-BE49-F238E27FC236}">
+                <a16:creationId xmlns:a16="http://schemas.microsoft.com/office/drawing/2014/main" id="{23BC2E03-BE4E-4815-8188-ADCBB591487C}"/>
+              </a:ext>
+            </a:extLst>
+          </p:cNvPr>
+          <p:cNvSpPr txBox="1"/>
+          <p:nvPr/>
+        </p:nvSpPr>
+        <p:spPr>
+          <a:xfrm>
+            <a:off x="-26480" y="1424495"/>
+            <a:ext cx="9144000" cy="707886"/>
+          </a:xfrm>
+          <a:prstGeom prst="rect">
+            <a:avLst/>
+          </a:prstGeom>
+          <a:noFill/>
+        </p:spPr>
+        <p:txBody>
+          <a:bodyPr wrap="square">
+            <a:spAutoFit/>
+          </a:bodyPr>
+          <a:lstStyle/>
+          <a:p>
+            <a:pPr>
+              <a:defRPr/>
+            </a:pPr>
+            <a:r>
+              <a:rPr lang="en-US" sz="4000" dirty="0">
+                <a:solidFill>
+                  <a:schemeClr val="bg1"/>
+                </a:solidFill>
+                <a:latin typeface="微软雅黑" pitchFamily="34" charset="-122"/>
+                <a:ea typeface="微软雅黑" pitchFamily="34" charset="-122"/>
+              </a:rPr>
+              <a:t>P(</a:t>
+            </a:r>
+            <a:r>
+              <a:rPr lang="zh-CN" altLang="en-US" sz="4000" dirty="0">
+                <a:solidFill>
+                  <a:schemeClr val="bg1"/>
+                </a:solidFill>
+                <a:latin typeface="微软雅黑" pitchFamily="34" charset="-122"/>
+                <a:ea typeface="微软雅黑" pitchFamily="34" charset="-122"/>
+              </a:rPr>
+              <a:t>不上进</a:t>
+            </a:r>
+            <a:r>
+              <a:rPr lang="en-US" altLang="zh-CN" sz="4000" dirty="0">
+                <a:solidFill>
+                  <a:schemeClr val="bg1"/>
+                </a:solidFill>
+                <a:latin typeface="微软雅黑" pitchFamily="34" charset="-122"/>
+                <a:ea typeface="微软雅黑" pitchFamily="34" charset="-122"/>
+              </a:rPr>
+              <a:t>|</a:t>
+            </a:r>
+            <a:r>
+              <a:rPr lang="zh-CN" altLang="en-US" sz="4000" dirty="0">
+                <a:solidFill>
+                  <a:schemeClr val="bg1"/>
+                </a:solidFill>
+                <a:latin typeface="微软雅黑" pitchFamily="34" charset="-122"/>
+                <a:ea typeface="微软雅黑" pitchFamily="34" charset="-122"/>
+              </a:rPr>
+              <a:t>嫁</a:t>
+            </a:r>
+            <a:r>
+              <a:rPr lang="en-US" sz="4000" dirty="0">
+                <a:solidFill>
+                  <a:schemeClr val="bg1"/>
+                </a:solidFill>
+                <a:latin typeface="微软雅黑" pitchFamily="34" charset="-122"/>
+                <a:ea typeface="微软雅黑" pitchFamily="34" charset="-122"/>
+              </a:rPr>
+              <a:t>) </a:t>
+            </a:r>
+            <a:r>
+              <a:rPr lang="en-US" altLang="zh-CN" sz="4000" dirty="0">
+                <a:solidFill>
+                  <a:schemeClr val="bg1"/>
+                </a:solidFill>
+                <a:latin typeface="微软雅黑" pitchFamily="34" charset="-122"/>
+                <a:ea typeface="微软雅黑" pitchFamily="34" charset="-122"/>
+              </a:rPr>
+              <a:t>= </a:t>
+            </a:r>
+            <a:r>
+              <a:rPr lang="en-US" sz="4000" dirty="0">
+                <a:solidFill>
+                  <a:schemeClr val="bg1"/>
+                </a:solidFill>
+                <a:latin typeface="微软雅黑" pitchFamily="34" charset="-122"/>
+                <a:ea typeface="微软雅黑" pitchFamily="34" charset="-122"/>
+              </a:rPr>
+              <a:t>1/6</a:t>
+            </a:r>
+            <a:endParaRPr lang="en-US" dirty="0">
+              <a:solidFill>
+                <a:schemeClr val="bg1"/>
+              </a:solidFill>
+              <a:latin typeface="Arial" charset="0"/>
+            </a:endParaRPr>
+          </a:p>
+        </p:txBody>
+      </p:sp>
+    </p:spTree>
+    <p:extLst>
+      <p:ext uri="{BB962C8B-B14F-4D97-AF65-F5344CB8AC3E}">
+        <p14:creationId xmlns:p14="http://schemas.microsoft.com/office/powerpoint/2010/main" val="2842627760"/>
+      </p:ext>
+    </p:extLst>
+  </p:cSld>
+  <p:clrMapOvr>
+    <a:masterClrMapping/>
+  </p:clrMapOvr>
+  <p:timing>
+    <p:tnLst>
+      <p:par>
+        <p:cTn id="1" dur="indefinite" restart="never" nodeType="tmRoot">
+          <p:childTnLst>
+            <p:seq concurrent="1" nextAc="seek">
+              <p:cTn id="2" dur="indefinite" nodeType="mainSeq">
+                <p:childTnLst>
+                  <p:par>
+                    <p:cTn id="3" fill="hold">
+                      <p:stCondLst>
+                        <p:cond delay="indefinite"/>
+                      </p:stCondLst>
+                      <p:childTnLst>
+                        <p:par>
+                          <p:cTn id="4" fill="hold">
+                            <p:stCondLst>
+                              <p:cond delay="0"/>
+                            </p:stCondLst>
+                            <p:childTnLst>
+                              <p:par>
+                                <p:cTn id="5" presetID="10" presetClass="entr" presetSubtype="0" fill="hold" grpId="0" nodeType="clickEffect">
+                                  <p:stCondLst>
+                                    <p:cond delay="0"/>
+                                  </p:stCondLst>
+                                  <p:childTnLst>
+                                    <p:set>
+                                      <p:cBhvr>
+                                        <p:cTn id="6" dur="1" fill="hold">
+                                          <p:stCondLst>
+                                            <p:cond delay="0"/>
+                                          </p:stCondLst>
+                                        </p:cTn>
+                                        <p:tgtEl>
+                                          <p:spTgt spid="24"/>
+                                        </p:tgtEl>
+                                        <p:attrNameLst>
+                                          <p:attrName>style.visibility</p:attrName>
+                                        </p:attrNameLst>
+                                      </p:cBhvr>
+                                      <p:to>
+                                        <p:strVal val="visible"/>
+                                      </p:to>
+                                    </p:set>
+                                    <p:animEffect transition="in" filter="fade">
+                                      <p:cBhvr>
+                                        <p:cTn id="7" dur="500"/>
+                                        <p:tgtEl>
+                                          <p:spTgt spid="24"/>
+                                        </p:tgtEl>
+                                      </p:cBhvr>
+                                    </p:animEffect>
+                                  </p:childTnLst>
+                                </p:cTn>
+                              </p:par>
+                            </p:childTnLst>
+                          </p:cTn>
+                        </p:par>
+                      </p:childTnLst>
+                    </p:cTn>
+                  </p:par>
+                  <p:par>
+                    <p:cTn id="8" fill="hold">
+                      <p:stCondLst>
+                        <p:cond delay="indefinite"/>
+                      </p:stCondLst>
+                      <p:childTnLst>
+                        <p:par>
+                          <p:cTn id="9" fill="hold">
+                            <p:stCondLst>
+                              <p:cond delay="0"/>
+                            </p:stCondLst>
+                            <p:childTnLst>
+                              <p:par>
+                                <p:cTn id="10" presetID="10" presetClass="entr" presetSubtype="0" fill="hold" grpId="0" nodeType="clickEffect">
+                                  <p:stCondLst>
+                                    <p:cond delay="0"/>
+                                  </p:stCondLst>
+                                  <p:childTnLst>
+                                    <p:set>
+                                      <p:cBhvr>
+                                        <p:cTn id="11" dur="1" fill="hold">
+                                          <p:stCondLst>
+                                            <p:cond delay="0"/>
+                                          </p:stCondLst>
+                                        </p:cTn>
+                                        <p:tgtEl>
+                                          <p:spTgt spid="31"/>
+                                        </p:tgtEl>
+                                        <p:attrNameLst>
+                                          <p:attrName>style.visibility</p:attrName>
+                                        </p:attrNameLst>
+                                      </p:cBhvr>
+                                      <p:to>
+                                        <p:strVal val="visible"/>
+                                      </p:to>
+                                    </p:set>
+                                    <p:animEffect transition="in" filter="fade">
+                                      <p:cBhvr>
+                                        <p:cTn id="12" dur="500"/>
+                                        <p:tgtEl>
+                                          <p:spTgt spid="31"/>
+                                        </p:tgtEl>
+                                      </p:cBhvr>
+                                    </p:animEffect>
+                                  </p:childTnLst>
+                                </p:cTn>
+                              </p:par>
+                            </p:childTnLst>
+                          </p:cTn>
+                        </p:par>
+                      </p:childTnLst>
+                    </p:cTn>
+                  </p:par>
+                  <p:par>
+                    <p:cTn id="13" fill="hold">
+                      <p:stCondLst>
+                        <p:cond delay="indefinite"/>
+                      </p:stCondLst>
+                      <p:childTnLst>
+                        <p:par>
+                          <p:cTn id="14" fill="hold">
+                            <p:stCondLst>
+                              <p:cond delay="0"/>
+                            </p:stCondLst>
+                            <p:childTnLst>
+                              <p:par>
+                                <p:cTn id="15" presetID="10" presetClass="entr" presetSubtype="0" fill="hold" grpId="0" nodeType="clickEffect">
+                                  <p:stCondLst>
+                                    <p:cond delay="0"/>
+                                  </p:stCondLst>
+                                  <p:childTnLst>
+                                    <p:set>
+                                      <p:cBhvr>
+                                        <p:cTn id="16" dur="1" fill="hold">
+                                          <p:stCondLst>
+                                            <p:cond delay="0"/>
+                                          </p:stCondLst>
+                                        </p:cTn>
+                                        <p:tgtEl>
+                                          <p:spTgt spid="32"/>
+                                        </p:tgtEl>
+                                        <p:attrNameLst>
+                                          <p:attrName>style.visibility</p:attrName>
+                                        </p:attrNameLst>
+                                      </p:cBhvr>
+                                      <p:to>
+                                        <p:strVal val="visible"/>
+                                      </p:to>
+                                    </p:set>
+                                    <p:animEffect transition="in" filter="fade">
+                                      <p:cBhvr>
+                                        <p:cTn id="17" dur="500"/>
+                                        <p:tgtEl>
+                                          <p:spTgt spid="32"/>
+                                        </p:tgtEl>
+                                      </p:cBhvr>
+                                    </p:animEffect>
+                                  </p:childTnLst>
+                                </p:cTn>
+                              </p:par>
+                            </p:childTnLst>
+                          </p:cTn>
+                        </p:par>
+                      </p:childTnLst>
+                    </p:cTn>
+                  </p:par>
+                  <p:par>
+                    <p:cTn id="18" fill="hold">
+                      <p:stCondLst>
+                        <p:cond delay="indefinite"/>
+                      </p:stCondLst>
+                      <p:childTnLst>
+                        <p:par>
+                          <p:cTn id="19" fill="hold">
+                            <p:stCondLst>
+                              <p:cond delay="0"/>
+                            </p:stCondLst>
+                            <p:childTnLst>
+                              <p:par>
+                                <p:cTn id="20" presetID="10" presetClass="entr" presetSubtype="0" fill="hold" grpId="0" nodeType="clickEffect">
+                                  <p:stCondLst>
+                                    <p:cond delay="0"/>
+                                  </p:stCondLst>
+                                  <p:childTnLst>
+                                    <p:set>
+                                      <p:cBhvr>
+                                        <p:cTn id="21" dur="1" fill="hold">
+                                          <p:stCondLst>
+                                            <p:cond delay="0"/>
+                                          </p:stCondLst>
+                                        </p:cTn>
+                                        <p:tgtEl>
+                                          <p:spTgt spid="30"/>
+                                        </p:tgtEl>
+                                        <p:attrNameLst>
+                                          <p:attrName>style.visibility</p:attrName>
+                                        </p:attrNameLst>
+                                      </p:cBhvr>
+                                      <p:to>
+                                        <p:strVal val="visible"/>
+                                      </p:to>
+                                    </p:set>
+                                    <p:animEffect transition="in" filter="fade">
+                                      <p:cBhvr>
+                                        <p:cTn id="22" dur="500"/>
+                                        <p:tgtEl>
+                                          <p:spTgt spid="30"/>
+                                        </p:tgtEl>
+                                      </p:cBhvr>
+                                    </p:animEffect>
+                                  </p:childTnLst>
+                                </p:cTn>
+                              </p:par>
+                            </p:childTnLst>
+                          </p:cTn>
+                        </p:par>
+                      </p:childTnLst>
+                    </p:cTn>
+                  </p:par>
+                  <p:par>
+                    <p:cTn id="23" fill="hold">
+                      <p:stCondLst>
+                        <p:cond delay="indefinite"/>
+                      </p:stCondLst>
+                      <p:childTnLst>
+                        <p:par>
+                          <p:cTn id="24" fill="hold">
+                            <p:stCondLst>
+                              <p:cond delay="0"/>
+                            </p:stCondLst>
+                            <p:childTnLst>
+                              <p:par>
+                                <p:cTn id="25" presetID="10" presetClass="entr" presetSubtype="0" fill="hold" grpId="0" nodeType="clickEffect">
+                                  <p:stCondLst>
+                                    <p:cond delay="0"/>
+                                  </p:stCondLst>
+                                  <p:childTnLst>
+                                    <p:set>
+                                      <p:cBhvr>
+                                        <p:cTn id="26" dur="1" fill="hold">
+                                          <p:stCondLst>
+                                            <p:cond delay="0"/>
+                                          </p:stCondLst>
+                                        </p:cTn>
+                                        <p:tgtEl>
+                                          <p:spTgt spid="33"/>
+                                        </p:tgtEl>
+                                        <p:attrNameLst>
+                                          <p:attrName>style.visibility</p:attrName>
+                                        </p:attrNameLst>
+                                      </p:cBhvr>
+                                      <p:to>
+                                        <p:strVal val="visible"/>
+                                      </p:to>
+                                    </p:set>
+                                    <p:animEffect transition="in" filter="fade">
+                                      <p:cBhvr>
+                                        <p:cTn id="27" dur="500"/>
+                                        <p:tgtEl>
+                                          <p:spTgt spid="33"/>
+                                        </p:tgtEl>
+                                      </p:cBhvr>
+                                    </p:animEffect>
+                                  </p:childTnLst>
+                                </p:cTn>
+                              </p:par>
+                            </p:childTnLst>
+                          </p:cTn>
+                        </p:par>
+                      </p:childTnLst>
+                    </p:cTn>
+                  </p:par>
+                </p:childTnLst>
+              </p:cTn>
+              <p:prevCondLst>
+                <p:cond evt="onPrev" delay="0">
+                  <p:tgtEl>
+                    <p:sldTgt/>
+                  </p:tgtEl>
+                </p:cond>
+              </p:prevCondLst>
+              <p:nextCondLst>
+                <p:cond evt="onNext" delay="0">
+                  <p:tgtEl>
+                    <p:sldTgt/>
+                  </p:tgtEl>
+                </p:cond>
+              </p:nextCondLst>
+            </p:seq>
+          </p:childTnLst>
+        </p:cTn>
+      </p:par>
+    </p:tnLst>
+    <p:bldLst>
+      <p:bldP spid="24" grpId="0" animBg="1"/>
+      <p:bldP spid="30" grpId="0" animBg="1"/>
+      <p:bldP spid="31" grpId="0" animBg="1"/>
+      <p:bldP spid="32" grpId="0" animBg="1"/>
+      <p:bldP spid="33" grpId="0"/>
+    </p:bldLst>
+  </p:timing>
+</p:sld>
+</file>
+
+<file path=ppt/slides/slide17.xml><?xml version="1.0" encoding="utf-8"?>
+<p:sld xmlns:a="http://schemas.openxmlformats.org/drawingml/2006/main" xmlns:r="http://schemas.openxmlformats.org/officeDocument/2006/relationships" xmlns:p="http://schemas.openxmlformats.org/presentationml/2006/main">
+  <p:cSld>
+    <p:spTree>
+      <p:nvGrpSpPr>
+        <p:cNvPr id="1" name=""/>
+        <p:cNvGrpSpPr/>
+        <p:nvPr/>
+      </p:nvGrpSpPr>
+      <p:grpSpPr>
+        <a:xfrm>
+          <a:off x="0" y="0"/>
+          <a:ext cx="0" cy="0"/>
+          <a:chOff x="0" y="0"/>
+          <a:chExt cx="0" cy="0"/>
+        </a:xfrm>
+      </p:grpSpPr>
+      <p:sp>
+        <p:nvSpPr>
+          <p:cNvPr id="4098" name="TextBox 2">
+            <a:extLst>
+              <a:ext uri="{FF2B5EF4-FFF2-40B4-BE49-F238E27FC236}">
+                <a16:creationId xmlns:a16="http://schemas.microsoft.com/office/drawing/2014/main" id="{5552ED83-0001-4E47-A09B-F49C592A8E24}"/>
+              </a:ext>
+            </a:extLst>
+          </p:cNvPr>
+          <p:cNvSpPr txBox="1">
+            <a:spLocks noChangeArrowheads="1"/>
+          </p:cNvSpPr>
+          <p:nvPr/>
+        </p:nvSpPr>
+        <p:spPr bwMode="auto">
+          <a:xfrm>
+            <a:off x="13610" y="0"/>
+            <a:ext cx="6913562" cy="830263"/>
+          </a:xfrm>
+          <a:prstGeom prst="rect">
+            <a:avLst/>
+          </a:prstGeom>
+          <a:noFill/>
+          <a:ln>
+            <a:noFill/>
+          </a:ln>
+          <a:extLst>
+            <a:ext uri="{909E8E84-426E-40DD-AFC4-6F175D3DCCD1}">
+              <a14:hiddenFill xmlns:a14="http://schemas.microsoft.com/office/drawing/2010/main">
+                <a:solidFill>
+                  <a:srgbClr val="FFFFFF"/>
+                </a:solidFill>
+              </a14:hiddenFill>
+            </a:ext>
+            <a:ext uri="{91240B29-F687-4F45-9708-019B960494DF}">
+              <a14:hiddenLine xmlns:a14="http://schemas.microsoft.com/office/drawing/2010/main" w="9525">
+                <a:solidFill>
+                  <a:srgbClr val="000000"/>
+                </a:solidFill>
+                <a:miter lim="800000"/>
+                <a:headEnd/>
+                <a:tailEnd/>
+              </a14:hiddenLine>
+            </a:ext>
+          </a:extLst>
+        </p:spPr>
+        <p:txBody>
+          <a:bodyPr>
+            <a:spAutoFit/>
+          </a:bodyPr>
+          <a:lstStyle>
+            <a:lvl1pPr eaLnBrk="0" hangingPunct="0">
+              <a:defRPr>
+                <a:solidFill>
+                  <a:schemeClr val="tx1"/>
+                </a:solidFill>
+                <a:latin typeface="Arial" panose="020B0604020202020204" pitchFamily="34" charset="0"/>
+                <a:ea typeface="宋体" panose="02010600030101010101" pitchFamily="2" charset="-122"/>
+              </a:defRPr>
+            </a:lvl1pPr>
+            <a:lvl2pPr marL="742950" indent="-285750" eaLnBrk="0" hangingPunct="0">
+              <a:defRPr>
+                <a:solidFill>
+                  <a:schemeClr val="tx1"/>
+                </a:solidFill>
+                <a:latin typeface="Arial" panose="020B0604020202020204" pitchFamily="34" charset="0"/>
+                <a:ea typeface="宋体" panose="02010600030101010101" pitchFamily="2" charset="-122"/>
+              </a:defRPr>
+            </a:lvl2pPr>
+            <a:lvl3pPr marL="1143000" indent="-228600" eaLnBrk="0" hangingPunct="0">
+              <a:defRPr>
+                <a:solidFill>
+                  <a:schemeClr val="tx1"/>
+                </a:solidFill>
+                <a:latin typeface="Arial" panose="020B0604020202020204" pitchFamily="34" charset="0"/>
+                <a:ea typeface="宋体" panose="02010600030101010101" pitchFamily="2" charset="-122"/>
+              </a:defRPr>
+            </a:lvl3pPr>
+            <a:lvl4pPr marL="1600200" indent="-228600" eaLnBrk="0" hangingPunct="0">
+              <a:defRPr>
+                <a:solidFill>
+                  <a:schemeClr val="tx1"/>
+                </a:solidFill>
+                <a:latin typeface="Arial" panose="020B0604020202020204" pitchFamily="34" charset="0"/>
+                <a:ea typeface="宋体" panose="02010600030101010101" pitchFamily="2" charset="-122"/>
+              </a:defRPr>
+            </a:lvl4pPr>
+            <a:lvl5pPr marL="2057400" indent="-228600" eaLnBrk="0" hangingPunct="0">
+              <a:defRPr>
+                <a:solidFill>
+                  <a:schemeClr val="tx1"/>
+                </a:solidFill>
+                <a:latin typeface="Arial" panose="020B0604020202020204" pitchFamily="34" charset="0"/>
+                <a:ea typeface="宋体" panose="02010600030101010101" pitchFamily="2" charset="-122"/>
+              </a:defRPr>
+            </a:lvl5pPr>
+            <a:lvl6pPr marL="2514600" indent="-228600" eaLnBrk="0" fontAlgn="base" hangingPunct="0">
+              <a:spcBef>
+                <a:spcPct val="0"/>
+              </a:spcBef>
+              <a:spcAft>
+                <a:spcPct val="0"/>
+              </a:spcAft>
+              <a:defRPr>
+                <a:solidFill>
+                  <a:schemeClr val="tx1"/>
+                </a:solidFill>
+                <a:latin typeface="Arial" panose="020B0604020202020204" pitchFamily="34" charset="0"/>
+                <a:ea typeface="宋体" panose="02010600030101010101" pitchFamily="2" charset="-122"/>
+              </a:defRPr>
+            </a:lvl6pPr>
+            <a:lvl7pPr marL="2971800" indent="-228600" eaLnBrk="0" fontAlgn="base" hangingPunct="0">
+              <a:spcBef>
+                <a:spcPct val="0"/>
+              </a:spcBef>
+              <a:spcAft>
+                <a:spcPct val="0"/>
+              </a:spcAft>
+              <a:defRPr>
+                <a:solidFill>
+                  <a:schemeClr val="tx1"/>
+                </a:solidFill>
+                <a:latin typeface="Arial" panose="020B0604020202020204" pitchFamily="34" charset="0"/>
+                <a:ea typeface="宋体" panose="02010600030101010101" pitchFamily="2" charset="-122"/>
+              </a:defRPr>
+            </a:lvl7pPr>
+            <a:lvl8pPr marL="3429000" indent="-228600" eaLnBrk="0" fontAlgn="base" hangingPunct="0">
+              <a:spcBef>
+                <a:spcPct val="0"/>
+              </a:spcBef>
+              <a:spcAft>
+                <a:spcPct val="0"/>
+              </a:spcAft>
+              <a:defRPr>
+                <a:solidFill>
+                  <a:schemeClr val="tx1"/>
+                </a:solidFill>
+                <a:latin typeface="Arial" panose="020B0604020202020204" pitchFamily="34" charset="0"/>
+                <a:ea typeface="宋体" panose="02010600030101010101" pitchFamily="2" charset="-122"/>
+              </a:defRPr>
+            </a:lvl8pPr>
+            <a:lvl9pPr marL="3886200" indent="-228600" eaLnBrk="0" fontAlgn="base" hangingPunct="0">
+              <a:spcBef>
+                <a:spcPct val="0"/>
+              </a:spcBef>
+              <a:spcAft>
+                <a:spcPct val="0"/>
+              </a:spcAft>
+              <a:defRPr>
+                <a:solidFill>
+                  <a:schemeClr val="tx1"/>
+                </a:solidFill>
+                <a:latin typeface="Arial" panose="020B0604020202020204" pitchFamily="34" charset="0"/>
+                <a:ea typeface="宋体" panose="02010600030101010101" pitchFamily="2" charset="-122"/>
+              </a:defRPr>
+            </a:lvl9pPr>
+          </a:lstStyle>
+          <a:p>
+            <a:pPr eaLnBrk="1" hangingPunct="1"/>
+            <a:r>
+              <a:rPr lang="zh-CN" altLang="en-US" sz="4800" dirty="0">
+                <a:solidFill>
+                  <a:schemeClr val="bg1"/>
+                </a:solidFill>
+                <a:latin typeface="微软雅黑" panose="020B0503020204020204" pitchFamily="34" charset="-122"/>
+                <a:ea typeface="微软雅黑" panose="020B0503020204020204" pitchFamily="34" charset="-122"/>
+              </a:rPr>
+              <a:t>朴素贝叶斯</a:t>
+            </a:r>
+          </a:p>
+        </p:txBody>
+      </p:sp>
+      <p:pic>
+        <p:nvPicPr>
+          <p:cNvPr id="4" name="Picture 3">
+            <a:extLst>
+              <a:ext uri="{FF2B5EF4-FFF2-40B4-BE49-F238E27FC236}">
+                <a16:creationId xmlns:a16="http://schemas.microsoft.com/office/drawing/2014/main" id="{726A81AE-0351-482D-A257-349CE58E74C4}"/>
+              </a:ext>
+            </a:extLst>
+          </p:cNvPr>
+          <p:cNvPicPr>
+            <a:picLocks noChangeAspect="1"/>
+          </p:cNvPicPr>
+          <p:nvPr/>
+        </p:nvPicPr>
+        <p:blipFill>
+          <a:blip r:embed="rId2"/>
+          <a:stretch>
+            <a:fillRect/>
+          </a:stretch>
+        </p:blipFill>
+        <p:spPr>
+          <a:xfrm>
+            <a:off x="107504" y="2244539"/>
+            <a:ext cx="7848872" cy="4410418"/>
+          </a:xfrm>
+          <a:prstGeom prst="rect">
+            <a:avLst/>
+          </a:prstGeom>
+        </p:spPr>
+      </p:pic>
+      <p:pic>
+        <p:nvPicPr>
+          <p:cNvPr id="9" name="Picture 8">
+            <a:extLst>
+              <a:ext uri="{FF2B5EF4-FFF2-40B4-BE49-F238E27FC236}">
+                <a16:creationId xmlns:a16="http://schemas.microsoft.com/office/drawing/2014/main" id="{898A081C-B2E9-476C-B911-16B9055B2967}"/>
+              </a:ext>
+            </a:extLst>
+          </p:cNvPr>
+          <p:cNvPicPr>
+            <a:picLocks noChangeAspect="1"/>
+          </p:cNvPicPr>
+          <p:nvPr/>
+        </p:nvPicPr>
+        <p:blipFill>
+          <a:blip r:embed="rId3"/>
+          <a:stretch>
+            <a:fillRect/>
+          </a:stretch>
+        </p:blipFill>
+        <p:spPr>
+          <a:xfrm>
+            <a:off x="113718" y="851600"/>
+            <a:ext cx="8778762" cy="510765"/>
+          </a:xfrm>
+          <a:prstGeom prst="rect">
+            <a:avLst/>
+          </a:prstGeom>
+        </p:spPr>
+      </p:pic>
+      <p:sp>
+        <p:nvSpPr>
+          <p:cNvPr id="24" name="Rectangle 23">
+            <a:extLst>
+              <a:ext uri="{FF2B5EF4-FFF2-40B4-BE49-F238E27FC236}">
+                <a16:creationId xmlns:a16="http://schemas.microsoft.com/office/drawing/2014/main" id="{5202D1FF-D4BC-443E-B5C7-F60846500227}"/>
+              </a:ext>
+            </a:extLst>
+          </p:cNvPr>
+          <p:cNvSpPr/>
+          <p:nvPr/>
+        </p:nvSpPr>
+        <p:spPr>
+          <a:xfrm>
+            <a:off x="8100392" y="887224"/>
+            <a:ext cx="720080" cy="480310"/>
+          </a:xfrm>
+          <a:prstGeom prst="rect">
+            <a:avLst/>
+          </a:prstGeom>
+          <a:noFill/>
+          <a:ln w="28575">
+            <a:solidFill>
+              <a:srgbClr val="FF0000"/>
+            </a:solidFill>
+          </a:ln>
+        </p:spPr>
+        <p:style>
+          <a:lnRef idx="2">
+            <a:schemeClr val="accent1">
+              <a:shade val="50000"/>
+            </a:schemeClr>
+          </a:lnRef>
+          <a:fillRef idx="1">
+            <a:schemeClr val="accent1"/>
+          </a:fillRef>
+          <a:effectRef idx="0">
+            <a:schemeClr val="accent1"/>
+          </a:effectRef>
+          <a:fontRef idx="minor">
+            <a:schemeClr val="lt1"/>
+          </a:fontRef>
+        </p:style>
+        <p:txBody>
+          <a:bodyPr rtlCol="0" anchor="ctr"/>
+          <a:lstStyle/>
+          <a:p>
+            <a:pPr algn="ctr"/>
+            <a:endParaRPr lang="en-US"/>
+          </a:p>
+        </p:txBody>
+      </p:sp>
+      <p:sp>
+        <p:nvSpPr>
+          <p:cNvPr id="31" name="Rectangle 30">
+            <a:extLst>
+              <a:ext uri="{FF2B5EF4-FFF2-40B4-BE49-F238E27FC236}">
+                <a16:creationId xmlns:a16="http://schemas.microsoft.com/office/drawing/2014/main" id="{D0292895-2F4A-4FAE-B404-E30D7086CD59}"/>
+              </a:ext>
+            </a:extLst>
+          </p:cNvPr>
+          <p:cNvSpPr/>
+          <p:nvPr/>
+        </p:nvSpPr>
+        <p:spPr>
+          <a:xfrm>
+            <a:off x="138224" y="3188876"/>
+            <a:ext cx="7602128" cy="816188"/>
+          </a:xfrm>
+          <a:prstGeom prst="rect">
+            <a:avLst/>
+          </a:prstGeom>
+          <a:noFill/>
+          <a:ln w="28575">
+            <a:solidFill>
+              <a:srgbClr val="00B050"/>
+            </a:solidFill>
+          </a:ln>
+        </p:spPr>
+        <p:style>
+          <a:lnRef idx="2">
+            <a:schemeClr val="accent1">
+              <a:shade val="50000"/>
+            </a:schemeClr>
+          </a:lnRef>
+          <a:fillRef idx="1">
+            <a:schemeClr val="accent1"/>
+          </a:fillRef>
+          <a:effectRef idx="0">
+            <a:schemeClr val="accent1"/>
+          </a:effectRef>
+          <a:fontRef idx="minor">
+            <a:schemeClr val="lt1"/>
+          </a:fontRef>
+        </p:style>
+        <p:txBody>
+          <a:bodyPr rtlCol="0" anchor="ctr"/>
+          <a:lstStyle/>
+          <a:p>
+            <a:pPr algn="ctr"/>
+            <a:endParaRPr lang="en-US"/>
+          </a:p>
+        </p:txBody>
+      </p:sp>
+      <p:sp>
+        <p:nvSpPr>
+          <p:cNvPr id="32" name="Rectangle 31">
+            <a:extLst>
+              <a:ext uri="{FF2B5EF4-FFF2-40B4-BE49-F238E27FC236}">
+                <a16:creationId xmlns:a16="http://schemas.microsoft.com/office/drawing/2014/main" id="{700C83C3-9448-4D51-B900-D52329FDB780}"/>
+              </a:ext>
+            </a:extLst>
+          </p:cNvPr>
+          <p:cNvSpPr/>
+          <p:nvPr/>
+        </p:nvSpPr>
+        <p:spPr>
+          <a:xfrm>
+            <a:off x="132504" y="4603152"/>
+            <a:ext cx="7602128" cy="1403248"/>
+          </a:xfrm>
+          <a:prstGeom prst="rect">
+            <a:avLst/>
+          </a:prstGeom>
+          <a:noFill/>
+          <a:ln w="28575">
+            <a:solidFill>
+              <a:srgbClr val="00B050"/>
+            </a:solidFill>
+          </a:ln>
+        </p:spPr>
+        <p:style>
+          <a:lnRef idx="2">
+            <a:schemeClr val="accent1">
+              <a:shade val="50000"/>
+            </a:schemeClr>
+          </a:lnRef>
+          <a:fillRef idx="1">
+            <a:schemeClr val="accent1"/>
+          </a:fillRef>
+          <a:effectRef idx="0">
+            <a:schemeClr val="accent1"/>
+          </a:effectRef>
+          <a:fontRef idx="minor">
+            <a:schemeClr val="lt1"/>
+          </a:fontRef>
+        </p:style>
+        <p:txBody>
+          <a:bodyPr rtlCol="0" anchor="ctr"/>
+          <a:lstStyle/>
+          <a:p>
+            <a:pPr algn="ctr"/>
+            <a:endParaRPr lang="en-US"/>
+          </a:p>
+        </p:txBody>
+      </p:sp>
+      <p:sp>
+        <p:nvSpPr>
+          <p:cNvPr id="33" name="TextBox 32">
+            <a:extLst>
+              <a:ext uri="{FF2B5EF4-FFF2-40B4-BE49-F238E27FC236}">
+                <a16:creationId xmlns:a16="http://schemas.microsoft.com/office/drawing/2014/main" id="{23BC2E03-BE4E-4815-8188-ADCBB591487C}"/>
+              </a:ext>
+            </a:extLst>
+          </p:cNvPr>
+          <p:cNvSpPr txBox="1"/>
+          <p:nvPr/>
+        </p:nvSpPr>
+        <p:spPr>
+          <a:xfrm>
+            <a:off x="-26480" y="1424495"/>
+            <a:ext cx="9144000" cy="707886"/>
+          </a:xfrm>
+          <a:prstGeom prst="rect">
+            <a:avLst/>
+          </a:prstGeom>
+          <a:noFill/>
+        </p:spPr>
+        <p:txBody>
+          <a:bodyPr wrap="square">
+            <a:spAutoFit/>
+          </a:bodyPr>
+          <a:lstStyle/>
+          <a:p>
+            <a:pPr>
+              <a:defRPr/>
+            </a:pPr>
+            <a:r>
+              <a:rPr lang="en-US" sz="4000" dirty="0">
+                <a:solidFill>
+                  <a:schemeClr val="bg1"/>
+                </a:solidFill>
+                <a:latin typeface="微软雅黑" pitchFamily="34" charset="-122"/>
+                <a:ea typeface="微软雅黑" pitchFamily="34" charset="-122"/>
+              </a:rPr>
+              <a:t>P(</a:t>
+            </a:r>
+            <a:r>
+              <a:rPr lang="zh-CN" altLang="en-US" sz="4000" dirty="0">
+                <a:solidFill>
+                  <a:schemeClr val="bg1"/>
+                </a:solidFill>
+                <a:latin typeface="微软雅黑" pitchFamily="34" charset="-122"/>
+                <a:ea typeface="微软雅黑" pitchFamily="34" charset="-122"/>
+              </a:rPr>
+              <a:t>嫁</a:t>
+            </a:r>
+            <a:r>
+              <a:rPr lang="en-US" sz="4000" dirty="0">
+                <a:solidFill>
+                  <a:schemeClr val="bg1"/>
+                </a:solidFill>
+                <a:latin typeface="微软雅黑" pitchFamily="34" charset="-122"/>
+                <a:ea typeface="微软雅黑" pitchFamily="34" charset="-122"/>
+              </a:rPr>
+              <a:t>) </a:t>
+            </a:r>
+            <a:r>
+              <a:rPr lang="en-US" altLang="zh-CN" sz="4000" dirty="0">
+                <a:solidFill>
+                  <a:schemeClr val="bg1"/>
+                </a:solidFill>
+                <a:latin typeface="微软雅黑" pitchFamily="34" charset="-122"/>
+                <a:ea typeface="微软雅黑" pitchFamily="34" charset="-122"/>
+              </a:rPr>
+              <a:t>= 6</a:t>
+            </a:r>
+            <a:r>
+              <a:rPr lang="en-US" sz="4000" dirty="0">
+                <a:solidFill>
+                  <a:schemeClr val="bg1"/>
+                </a:solidFill>
+                <a:latin typeface="微软雅黑" pitchFamily="34" charset="-122"/>
+                <a:ea typeface="微软雅黑" pitchFamily="34" charset="-122"/>
+              </a:rPr>
+              <a:t>/12 </a:t>
+            </a:r>
+            <a:r>
+              <a:rPr lang="en-US" altLang="zh-CN" sz="4000" dirty="0">
+                <a:solidFill>
+                  <a:schemeClr val="bg1"/>
+                </a:solidFill>
+                <a:latin typeface="微软雅黑" pitchFamily="34" charset="-122"/>
+                <a:ea typeface="微软雅黑" pitchFamily="34" charset="-122"/>
+              </a:rPr>
+              <a:t>= 1/2</a:t>
+            </a:r>
+            <a:endParaRPr lang="en-US" dirty="0">
+              <a:solidFill>
+                <a:schemeClr val="bg1"/>
+              </a:solidFill>
+              <a:latin typeface="Arial" charset="0"/>
+            </a:endParaRPr>
+          </a:p>
+        </p:txBody>
+      </p:sp>
+    </p:spTree>
+    <p:extLst>
+      <p:ext uri="{BB962C8B-B14F-4D97-AF65-F5344CB8AC3E}">
+        <p14:creationId xmlns:p14="http://schemas.microsoft.com/office/powerpoint/2010/main" val="106980434"/>
+      </p:ext>
+    </p:extLst>
+  </p:cSld>
+  <p:clrMapOvr>
+    <a:masterClrMapping/>
+  </p:clrMapOvr>
+  <p:timing>
+    <p:tnLst>
+      <p:par>
+        <p:cTn id="1" dur="indefinite" restart="never" nodeType="tmRoot">
+          <p:childTnLst>
+            <p:seq concurrent="1" nextAc="seek">
+              <p:cTn id="2" dur="indefinite" nodeType="mainSeq">
+                <p:childTnLst>
+                  <p:par>
+                    <p:cTn id="3" fill="hold">
+                      <p:stCondLst>
+                        <p:cond delay="indefinite"/>
+                      </p:stCondLst>
+                      <p:childTnLst>
+                        <p:par>
+                          <p:cTn id="4" fill="hold">
+                            <p:stCondLst>
+                              <p:cond delay="0"/>
+                            </p:stCondLst>
+                            <p:childTnLst>
+                              <p:par>
+                                <p:cTn id="5" presetID="10" presetClass="entr" presetSubtype="0" fill="hold" grpId="0" nodeType="clickEffect">
+                                  <p:stCondLst>
+                                    <p:cond delay="0"/>
+                                  </p:stCondLst>
+                                  <p:childTnLst>
+                                    <p:set>
+                                      <p:cBhvr>
+                                        <p:cTn id="6" dur="1" fill="hold">
+                                          <p:stCondLst>
+                                            <p:cond delay="0"/>
+                                          </p:stCondLst>
+                                        </p:cTn>
+                                        <p:tgtEl>
+                                          <p:spTgt spid="24"/>
+                                        </p:tgtEl>
+                                        <p:attrNameLst>
+                                          <p:attrName>style.visibility</p:attrName>
+                                        </p:attrNameLst>
+                                      </p:cBhvr>
+                                      <p:to>
+                                        <p:strVal val="visible"/>
+                                      </p:to>
+                                    </p:set>
+                                    <p:animEffect transition="in" filter="fade">
+                                      <p:cBhvr>
+                                        <p:cTn id="7" dur="500"/>
+                                        <p:tgtEl>
+                                          <p:spTgt spid="24"/>
+                                        </p:tgtEl>
+                                      </p:cBhvr>
+                                    </p:animEffect>
+                                  </p:childTnLst>
+                                </p:cTn>
+                              </p:par>
+                            </p:childTnLst>
+                          </p:cTn>
+                        </p:par>
+                      </p:childTnLst>
+                    </p:cTn>
+                  </p:par>
+                  <p:par>
+                    <p:cTn id="8" fill="hold">
+                      <p:stCondLst>
+                        <p:cond delay="indefinite"/>
+                      </p:stCondLst>
+                      <p:childTnLst>
+                        <p:par>
+                          <p:cTn id="9" fill="hold">
+                            <p:stCondLst>
+                              <p:cond delay="0"/>
+                            </p:stCondLst>
+                            <p:childTnLst>
+                              <p:par>
+                                <p:cTn id="10" presetID="10" presetClass="entr" presetSubtype="0" fill="hold" grpId="0" nodeType="clickEffect">
+                                  <p:stCondLst>
+                                    <p:cond delay="0"/>
+                                  </p:stCondLst>
+                                  <p:childTnLst>
+                                    <p:set>
+                                      <p:cBhvr>
+                                        <p:cTn id="11" dur="1" fill="hold">
+                                          <p:stCondLst>
+                                            <p:cond delay="0"/>
+                                          </p:stCondLst>
+                                        </p:cTn>
+                                        <p:tgtEl>
+                                          <p:spTgt spid="31"/>
+                                        </p:tgtEl>
+                                        <p:attrNameLst>
+                                          <p:attrName>style.visibility</p:attrName>
+                                        </p:attrNameLst>
+                                      </p:cBhvr>
+                                      <p:to>
+                                        <p:strVal val="visible"/>
+                                      </p:to>
+                                    </p:set>
+                                    <p:animEffect transition="in" filter="fade">
+                                      <p:cBhvr>
+                                        <p:cTn id="12" dur="500"/>
+                                        <p:tgtEl>
+                                          <p:spTgt spid="31"/>
+                                        </p:tgtEl>
+                                      </p:cBhvr>
+                                    </p:animEffect>
+                                  </p:childTnLst>
+                                </p:cTn>
+                              </p:par>
+                            </p:childTnLst>
+                          </p:cTn>
+                        </p:par>
+                      </p:childTnLst>
+                    </p:cTn>
+                  </p:par>
+                  <p:par>
+                    <p:cTn id="13" fill="hold">
+                      <p:stCondLst>
+                        <p:cond delay="indefinite"/>
+                      </p:stCondLst>
+                      <p:childTnLst>
+                        <p:par>
+                          <p:cTn id="14" fill="hold">
+                            <p:stCondLst>
+                              <p:cond delay="0"/>
+                            </p:stCondLst>
+                            <p:childTnLst>
+                              <p:par>
+                                <p:cTn id="15" presetID="10" presetClass="entr" presetSubtype="0" fill="hold" grpId="0" nodeType="clickEffect">
+                                  <p:stCondLst>
+                                    <p:cond delay="0"/>
+                                  </p:stCondLst>
+                                  <p:childTnLst>
+                                    <p:set>
+                                      <p:cBhvr>
+                                        <p:cTn id="16" dur="1" fill="hold">
+                                          <p:stCondLst>
+                                            <p:cond delay="0"/>
+                                          </p:stCondLst>
+                                        </p:cTn>
+                                        <p:tgtEl>
+                                          <p:spTgt spid="32"/>
+                                        </p:tgtEl>
+                                        <p:attrNameLst>
+                                          <p:attrName>style.visibility</p:attrName>
+                                        </p:attrNameLst>
+                                      </p:cBhvr>
+                                      <p:to>
+                                        <p:strVal val="visible"/>
+                                      </p:to>
+                                    </p:set>
+                                    <p:animEffect transition="in" filter="fade">
+                                      <p:cBhvr>
+                                        <p:cTn id="17" dur="500"/>
+                                        <p:tgtEl>
+                                          <p:spTgt spid="32"/>
+                                        </p:tgtEl>
+                                      </p:cBhvr>
+                                    </p:animEffect>
+                                  </p:childTnLst>
+                                </p:cTn>
+                              </p:par>
+                            </p:childTnLst>
+                          </p:cTn>
+                        </p:par>
+                      </p:childTnLst>
+                    </p:cTn>
+                  </p:par>
+                  <p:par>
+                    <p:cTn id="18" fill="hold">
+                      <p:stCondLst>
+                        <p:cond delay="indefinite"/>
+                      </p:stCondLst>
+                      <p:childTnLst>
+                        <p:par>
+                          <p:cTn id="19" fill="hold">
+                            <p:stCondLst>
+                              <p:cond delay="0"/>
+                            </p:stCondLst>
+                            <p:childTnLst>
+                              <p:par>
+                                <p:cTn id="20" presetID="10" presetClass="entr" presetSubtype="0" fill="hold" grpId="0" nodeType="clickEffect">
+                                  <p:stCondLst>
+                                    <p:cond delay="0"/>
+                                  </p:stCondLst>
+                                  <p:childTnLst>
+                                    <p:set>
+                                      <p:cBhvr>
+                                        <p:cTn id="21" dur="1" fill="hold">
+                                          <p:stCondLst>
+                                            <p:cond delay="0"/>
+                                          </p:stCondLst>
+                                        </p:cTn>
+                                        <p:tgtEl>
+                                          <p:spTgt spid="33"/>
+                                        </p:tgtEl>
+                                        <p:attrNameLst>
+                                          <p:attrName>style.visibility</p:attrName>
+                                        </p:attrNameLst>
+                                      </p:cBhvr>
+                                      <p:to>
+                                        <p:strVal val="visible"/>
+                                      </p:to>
+                                    </p:set>
+                                    <p:animEffect transition="in" filter="fade">
+                                      <p:cBhvr>
+                                        <p:cTn id="22" dur="500"/>
+                                        <p:tgtEl>
+                                          <p:spTgt spid="33"/>
+                                        </p:tgtEl>
+                                      </p:cBhvr>
+                                    </p:animEffect>
+                                  </p:childTnLst>
+                                </p:cTn>
+                              </p:par>
+                            </p:childTnLst>
+                          </p:cTn>
+                        </p:par>
+                      </p:childTnLst>
+                    </p:cTn>
+                  </p:par>
+                </p:childTnLst>
+              </p:cTn>
+              <p:prevCondLst>
+                <p:cond evt="onPrev" delay="0">
+                  <p:tgtEl>
+                    <p:sldTgt/>
+                  </p:tgtEl>
+                </p:cond>
+              </p:prevCondLst>
+              <p:nextCondLst>
+                <p:cond evt="onNext" delay="0">
+                  <p:tgtEl>
+                    <p:sldTgt/>
+                  </p:tgtEl>
+                </p:cond>
+              </p:nextCondLst>
+            </p:seq>
+          </p:childTnLst>
+        </p:cTn>
+      </p:par>
+    </p:tnLst>
+    <p:bldLst>
+      <p:bldP spid="24" grpId="0" animBg="1"/>
+      <p:bldP spid="31" grpId="0" animBg="1"/>
+      <p:bldP spid="32" grpId="0" animBg="1"/>
+      <p:bldP spid="33" grpId="0"/>
+    </p:bldLst>
+  </p:timing>
+</p:sld>
+</file>
+
+<file path=ppt/slides/slide18.xml><?xml version="1.0" encoding="utf-8"?>
+<p:sld xmlns:a="http://schemas.openxmlformats.org/drawingml/2006/main" xmlns:r="http://schemas.openxmlformats.org/officeDocument/2006/relationships" xmlns:p="http://schemas.openxmlformats.org/presentationml/2006/main">
+  <p:cSld>
+    <p:spTree>
+      <p:nvGrpSpPr>
+        <p:cNvPr id="1" name=""/>
+        <p:cNvGrpSpPr/>
+        <p:nvPr/>
+      </p:nvGrpSpPr>
+      <p:grpSpPr>
+        <a:xfrm>
+          <a:off x="0" y="0"/>
+          <a:ext cx="0" cy="0"/>
+          <a:chOff x="0" y="0"/>
+          <a:chExt cx="0" cy="0"/>
+        </a:xfrm>
+      </p:grpSpPr>
+      <p:sp>
+        <p:nvSpPr>
+          <p:cNvPr id="4098" name="TextBox 2">
+            <a:extLst>
+              <a:ext uri="{FF2B5EF4-FFF2-40B4-BE49-F238E27FC236}">
+                <a16:creationId xmlns:a16="http://schemas.microsoft.com/office/drawing/2014/main" id="{5552ED83-0001-4E47-A09B-F49C592A8E24}"/>
+              </a:ext>
+            </a:extLst>
+          </p:cNvPr>
+          <p:cNvSpPr txBox="1">
+            <a:spLocks noChangeArrowheads="1"/>
+          </p:cNvSpPr>
+          <p:nvPr/>
+        </p:nvSpPr>
+        <p:spPr bwMode="auto">
+          <a:xfrm>
+            <a:off x="13610" y="0"/>
+            <a:ext cx="6913562" cy="830263"/>
+          </a:xfrm>
+          <a:prstGeom prst="rect">
+            <a:avLst/>
+          </a:prstGeom>
+          <a:noFill/>
+          <a:ln>
+            <a:noFill/>
+          </a:ln>
+          <a:extLst>
+            <a:ext uri="{909E8E84-426E-40DD-AFC4-6F175D3DCCD1}">
+              <a14:hiddenFill xmlns:a14="http://schemas.microsoft.com/office/drawing/2010/main">
+                <a:solidFill>
+                  <a:srgbClr val="FFFFFF"/>
+                </a:solidFill>
+              </a14:hiddenFill>
+            </a:ext>
+            <a:ext uri="{91240B29-F687-4F45-9708-019B960494DF}">
+              <a14:hiddenLine xmlns:a14="http://schemas.microsoft.com/office/drawing/2010/main" w="9525">
+                <a:solidFill>
+                  <a:srgbClr val="000000"/>
+                </a:solidFill>
+                <a:miter lim="800000"/>
+                <a:headEnd/>
+                <a:tailEnd/>
+              </a14:hiddenLine>
+            </a:ext>
+          </a:extLst>
+        </p:spPr>
+        <p:txBody>
+          <a:bodyPr>
+            <a:spAutoFit/>
+          </a:bodyPr>
+          <a:lstStyle>
+            <a:lvl1pPr eaLnBrk="0" hangingPunct="0">
+              <a:defRPr>
+                <a:solidFill>
+                  <a:schemeClr val="tx1"/>
+                </a:solidFill>
+                <a:latin typeface="Arial" panose="020B0604020202020204" pitchFamily="34" charset="0"/>
+                <a:ea typeface="宋体" panose="02010600030101010101" pitchFamily="2" charset="-122"/>
+              </a:defRPr>
+            </a:lvl1pPr>
+            <a:lvl2pPr marL="742950" indent="-285750" eaLnBrk="0" hangingPunct="0">
+              <a:defRPr>
+                <a:solidFill>
+                  <a:schemeClr val="tx1"/>
+                </a:solidFill>
+                <a:latin typeface="Arial" panose="020B0604020202020204" pitchFamily="34" charset="0"/>
+                <a:ea typeface="宋体" panose="02010600030101010101" pitchFamily="2" charset="-122"/>
+              </a:defRPr>
+            </a:lvl2pPr>
+            <a:lvl3pPr marL="1143000" indent="-228600" eaLnBrk="0" hangingPunct="0">
+              <a:defRPr>
+                <a:solidFill>
+                  <a:schemeClr val="tx1"/>
+                </a:solidFill>
+                <a:latin typeface="Arial" panose="020B0604020202020204" pitchFamily="34" charset="0"/>
+                <a:ea typeface="宋体" panose="02010600030101010101" pitchFamily="2" charset="-122"/>
+              </a:defRPr>
+            </a:lvl3pPr>
+            <a:lvl4pPr marL="1600200" indent="-228600" eaLnBrk="0" hangingPunct="0">
+              <a:defRPr>
+                <a:solidFill>
+                  <a:schemeClr val="tx1"/>
+                </a:solidFill>
+                <a:latin typeface="Arial" panose="020B0604020202020204" pitchFamily="34" charset="0"/>
+                <a:ea typeface="宋体" panose="02010600030101010101" pitchFamily="2" charset="-122"/>
+              </a:defRPr>
+            </a:lvl4pPr>
+            <a:lvl5pPr marL="2057400" indent="-228600" eaLnBrk="0" hangingPunct="0">
+              <a:defRPr>
+                <a:solidFill>
+                  <a:schemeClr val="tx1"/>
+                </a:solidFill>
+                <a:latin typeface="Arial" panose="020B0604020202020204" pitchFamily="34" charset="0"/>
+                <a:ea typeface="宋体" panose="02010600030101010101" pitchFamily="2" charset="-122"/>
+              </a:defRPr>
+            </a:lvl5pPr>
+            <a:lvl6pPr marL="2514600" indent="-228600" eaLnBrk="0" fontAlgn="base" hangingPunct="0">
+              <a:spcBef>
+                <a:spcPct val="0"/>
+              </a:spcBef>
+              <a:spcAft>
+                <a:spcPct val="0"/>
+              </a:spcAft>
+              <a:defRPr>
+                <a:solidFill>
+                  <a:schemeClr val="tx1"/>
+                </a:solidFill>
+                <a:latin typeface="Arial" panose="020B0604020202020204" pitchFamily="34" charset="0"/>
+                <a:ea typeface="宋体" panose="02010600030101010101" pitchFamily="2" charset="-122"/>
+              </a:defRPr>
+            </a:lvl6pPr>
+            <a:lvl7pPr marL="2971800" indent="-228600" eaLnBrk="0" fontAlgn="base" hangingPunct="0">
+              <a:spcBef>
+                <a:spcPct val="0"/>
+              </a:spcBef>
+              <a:spcAft>
+                <a:spcPct val="0"/>
+              </a:spcAft>
+              <a:defRPr>
+                <a:solidFill>
+                  <a:schemeClr val="tx1"/>
+                </a:solidFill>
+                <a:latin typeface="Arial" panose="020B0604020202020204" pitchFamily="34" charset="0"/>
+                <a:ea typeface="宋体" panose="02010600030101010101" pitchFamily="2" charset="-122"/>
+              </a:defRPr>
+            </a:lvl7pPr>
+            <a:lvl8pPr marL="3429000" indent="-228600" eaLnBrk="0" fontAlgn="base" hangingPunct="0">
+              <a:spcBef>
+                <a:spcPct val="0"/>
+              </a:spcBef>
+              <a:spcAft>
+                <a:spcPct val="0"/>
+              </a:spcAft>
+              <a:defRPr>
+                <a:solidFill>
+                  <a:schemeClr val="tx1"/>
+                </a:solidFill>
+                <a:latin typeface="Arial" panose="020B0604020202020204" pitchFamily="34" charset="0"/>
+                <a:ea typeface="宋体" panose="02010600030101010101" pitchFamily="2" charset="-122"/>
+              </a:defRPr>
+            </a:lvl8pPr>
+            <a:lvl9pPr marL="3886200" indent="-228600" eaLnBrk="0" fontAlgn="base" hangingPunct="0">
+              <a:spcBef>
+                <a:spcPct val="0"/>
+              </a:spcBef>
+              <a:spcAft>
+                <a:spcPct val="0"/>
+              </a:spcAft>
+              <a:defRPr>
+                <a:solidFill>
+                  <a:schemeClr val="tx1"/>
+                </a:solidFill>
+                <a:latin typeface="Arial" panose="020B0604020202020204" pitchFamily="34" charset="0"/>
+                <a:ea typeface="宋体" panose="02010600030101010101" pitchFamily="2" charset="-122"/>
+              </a:defRPr>
+            </a:lvl9pPr>
+          </a:lstStyle>
+          <a:p>
+            <a:pPr eaLnBrk="1" hangingPunct="1"/>
+            <a:r>
+              <a:rPr lang="zh-CN" altLang="en-US" sz="4800" dirty="0">
+                <a:solidFill>
+                  <a:schemeClr val="bg1"/>
+                </a:solidFill>
+                <a:latin typeface="微软雅黑" panose="020B0503020204020204" pitchFamily="34" charset="-122"/>
+                <a:ea typeface="微软雅黑" panose="020B0503020204020204" pitchFamily="34" charset="-122"/>
+              </a:rPr>
+              <a:t>朴素贝叶斯</a:t>
+            </a:r>
+          </a:p>
+        </p:txBody>
+      </p:sp>
+      <p:sp>
+        <p:nvSpPr>
+          <p:cNvPr id="33" name="TextBox 32">
+            <a:extLst>
+              <a:ext uri="{FF2B5EF4-FFF2-40B4-BE49-F238E27FC236}">
+                <a16:creationId xmlns:a16="http://schemas.microsoft.com/office/drawing/2014/main" id="{23BC2E03-BE4E-4815-8188-ADCBB591487C}"/>
+              </a:ext>
+            </a:extLst>
+          </p:cNvPr>
+          <p:cNvSpPr txBox="1"/>
+          <p:nvPr/>
+        </p:nvSpPr>
+        <p:spPr>
+          <a:xfrm>
+            <a:off x="30581" y="3616404"/>
+            <a:ext cx="9144000" cy="1323439"/>
+          </a:xfrm>
+          <a:prstGeom prst="rect">
+            <a:avLst/>
+          </a:prstGeom>
+          <a:noFill/>
+        </p:spPr>
+        <p:txBody>
+          <a:bodyPr wrap="square">
+            <a:spAutoFit/>
+          </a:bodyPr>
+          <a:lstStyle/>
+          <a:p>
+            <a:pPr>
+              <a:defRPr/>
+            </a:pPr>
+            <a:r>
+              <a:rPr lang="en-US" altLang="zh-CN" sz="4000" dirty="0">
+                <a:solidFill>
+                  <a:schemeClr val="bg1"/>
+                </a:solidFill>
+                <a:latin typeface="微软雅黑" pitchFamily="34" charset="-122"/>
+                <a:ea typeface="微软雅黑" pitchFamily="34" charset="-122"/>
+              </a:rPr>
+              <a:t>=1/2 * 1/6 * 1/6 * 1/6 * 1/2</a:t>
+            </a:r>
+          </a:p>
+          <a:p>
+            <a:pPr>
+              <a:defRPr/>
+            </a:pPr>
+            <a:r>
+              <a:rPr lang="en-US" sz="4000" dirty="0">
+                <a:solidFill>
+                  <a:schemeClr val="bg1"/>
+                </a:solidFill>
+                <a:latin typeface="微软雅黑" pitchFamily="34" charset="-122"/>
+                <a:ea typeface="微软雅黑" pitchFamily="34" charset="-122"/>
+              </a:rPr>
+              <a:t>=</a:t>
+            </a:r>
+            <a:r>
+              <a:rPr lang="en-US" sz="4000" dirty="0">
+                <a:solidFill>
+                  <a:srgbClr val="FFC000"/>
+                </a:solidFill>
+                <a:latin typeface="微软雅黑" pitchFamily="34" charset="-122"/>
+                <a:ea typeface="微软雅黑" pitchFamily="34" charset="-122"/>
+              </a:rPr>
+              <a:t>1/864</a:t>
+            </a:r>
+            <a:endParaRPr lang="en-US" dirty="0">
+              <a:solidFill>
+                <a:srgbClr val="FFC000"/>
+              </a:solidFill>
+              <a:latin typeface="Arial" charset="0"/>
+            </a:endParaRPr>
+          </a:p>
+        </p:txBody>
+      </p:sp>
+      <p:pic>
+        <p:nvPicPr>
+          <p:cNvPr id="10" name="Picture 9">
+            <a:extLst>
+              <a:ext uri="{FF2B5EF4-FFF2-40B4-BE49-F238E27FC236}">
+                <a16:creationId xmlns:a16="http://schemas.microsoft.com/office/drawing/2014/main" id="{29FAA31B-159A-4F60-8F06-C1B0621A85B2}"/>
+              </a:ext>
+            </a:extLst>
+          </p:cNvPr>
+          <p:cNvPicPr>
+            <a:picLocks noChangeAspect="1"/>
+          </p:cNvPicPr>
+          <p:nvPr/>
+        </p:nvPicPr>
+        <p:blipFill>
+          <a:blip r:embed="rId2"/>
+          <a:stretch>
+            <a:fillRect/>
+          </a:stretch>
+        </p:blipFill>
+        <p:spPr>
+          <a:xfrm>
+            <a:off x="152221" y="938301"/>
+            <a:ext cx="8839558" cy="1224137"/>
+          </a:xfrm>
+          <a:prstGeom prst="rect">
+            <a:avLst/>
+          </a:prstGeom>
+        </p:spPr>
+      </p:pic>
+      <p:pic>
+        <p:nvPicPr>
+          <p:cNvPr id="11" name="Picture 10">
+            <a:extLst>
+              <a:ext uri="{FF2B5EF4-FFF2-40B4-BE49-F238E27FC236}">
+                <a16:creationId xmlns:a16="http://schemas.microsoft.com/office/drawing/2014/main" id="{F1334559-49AB-49BE-AC1E-3A1BC3EB1F48}"/>
+              </a:ext>
+            </a:extLst>
+          </p:cNvPr>
+          <p:cNvPicPr>
+            <a:picLocks noChangeAspect="1"/>
+          </p:cNvPicPr>
+          <p:nvPr/>
+        </p:nvPicPr>
+        <p:blipFill>
+          <a:blip r:embed="rId3"/>
+          <a:stretch>
+            <a:fillRect/>
+          </a:stretch>
+        </p:blipFill>
+        <p:spPr>
+          <a:xfrm>
+            <a:off x="153282" y="2309702"/>
+            <a:ext cx="8839557" cy="1103906"/>
+          </a:xfrm>
+          <a:prstGeom prst="rect">
+            <a:avLst/>
+          </a:prstGeom>
+        </p:spPr>
+      </p:pic>
+      <p:cxnSp>
+        <p:nvCxnSpPr>
+          <p:cNvPr id="12" name="Straight Connector 11">
+            <a:extLst>
+              <a:ext uri="{FF2B5EF4-FFF2-40B4-BE49-F238E27FC236}">
+                <a16:creationId xmlns:a16="http://schemas.microsoft.com/office/drawing/2014/main" id="{0FF188A6-B8A1-4E0A-9A85-236FA010C0C3}"/>
+              </a:ext>
+            </a:extLst>
+          </p:cNvPr>
+          <p:cNvCxnSpPr>
+            <a:cxnSpLocks/>
+          </p:cNvCxnSpPr>
+          <p:nvPr/>
+        </p:nvCxnSpPr>
+        <p:spPr>
+          <a:xfrm>
+            <a:off x="1332702" y="3053568"/>
+            <a:ext cx="6624736" cy="172913"/>
+          </a:xfrm>
+          <a:prstGeom prst="line">
+            <a:avLst/>
+          </a:prstGeom>
+          <a:ln w="76200"/>
+        </p:spPr>
+        <p:style>
+          <a:lnRef idx="1">
+            <a:schemeClr val="accent4"/>
+          </a:lnRef>
+          <a:fillRef idx="0">
+            <a:schemeClr val="accent4"/>
+          </a:fillRef>
+          <a:effectRef idx="0">
+            <a:schemeClr val="accent4"/>
+          </a:effectRef>
+          <a:fontRef idx="minor">
+            <a:schemeClr val="tx1"/>
+          </a:fontRef>
+        </p:style>
+      </p:cxnSp>
+      <p:cxnSp>
+        <p:nvCxnSpPr>
+          <p:cNvPr id="13" name="Straight Connector 12">
+            <a:extLst>
+              <a:ext uri="{FF2B5EF4-FFF2-40B4-BE49-F238E27FC236}">
+                <a16:creationId xmlns:a16="http://schemas.microsoft.com/office/drawing/2014/main" id="{352B75C9-7A37-4375-BE8B-A1162908EF85}"/>
+              </a:ext>
+            </a:extLst>
+          </p:cNvPr>
+          <p:cNvCxnSpPr>
+            <a:cxnSpLocks/>
+          </p:cNvCxnSpPr>
+          <p:nvPr/>
+        </p:nvCxnSpPr>
+        <p:spPr>
+          <a:xfrm>
+            <a:off x="1475656" y="1782898"/>
+            <a:ext cx="6624736" cy="172913"/>
+          </a:xfrm>
+          <a:prstGeom prst="line">
+            <a:avLst/>
+          </a:prstGeom>
+          <a:ln w="76200"/>
+        </p:spPr>
+        <p:style>
+          <a:lnRef idx="1">
+            <a:schemeClr val="accent4"/>
+          </a:lnRef>
+          <a:fillRef idx="0">
+            <a:schemeClr val="accent4"/>
+          </a:fillRef>
+          <a:effectRef idx="0">
+            <a:schemeClr val="accent4"/>
+          </a:effectRef>
+          <a:fontRef idx="minor">
+            <a:schemeClr val="tx1"/>
+          </a:fontRef>
+        </p:style>
+      </p:cxnSp>
+    </p:spTree>
+    <p:extLst>
+      <p:ext uri="{BB962C8B-B14F-4D97-AF65-F5344CB8AC3E}">
+        <p14:creationId xmlns:p14="http://schemas.microsoft.com/office/powerpoint/2010/main" val="3560904660"/>
+      </p:ext>
+    </p:extLst>
+  </p:cSld>
+  <p:clrMapOvr>
+    <a:masterClrMapping/>
+  </p:clrMapOvr>
+  <p:timing>
+    <p:tnLst>
+      <p:par>
+        <p:cTn id="1" dur="indefinite" restart="never" nodeType="tmRoot">
+          <p:childTnLst>
+            <p:seq concurrent="1" nextAc="seek">
+              <p:cTn id="2" dur="indefinite" nodeType="mainSeq">
+                <p:childTnLst>
+                  <p:par>
+                    <p:cTn id="3" fill="hold">
+                      <p:stCondLst>
+                        <p:cond delay="indefinite"/>
+                      </p:stCondLst>
+                      <p:childTnLst>
+                        <p:par>
+                          <p:cTn id="4" fill="hold">
+                            <p:stCondLst>
+                              <p:cond delay="0"/>
+                            </p:stCondLst>
+                            <p:childTnLst>
+                              <p:par>
+                                <p:cTn id="5" presetID="10" presetClass="entr" presetSubtype="0" fill="hold" grpId="0" nodeType="clickEffect">
+                                  <p:stCondLst>
+                                    <p:cond delay="0"/>
+                                  </p:stCondLst>
+                                  <p:childTnLst>
+                                    <p:set>
+                                      <p:cBhvr>
+                                        <p:cTn id="6" dur="1" fill="hold">
+                                          <p:stCondLst>
+                                            <p:cond delay="0"/>
+                                          </p:stCondLst>
+                                        </p:cTn>
+                                        <p:tgtEl>
+                                          <p:spTgt spid="33"/>
+                                        </p:tgtEl>
+                                        <p:attrNameLst>
+                                          <p:attrName>style.visibility</p:attrName>
+                                        </p:attrNameLst>
+                                      </p:cBhvr>
+                                      <p:to>
+                                        <p:strVal val="visible"/>
+                                      </p:to>
+                                    </p:set>
+                                    <p:animEffect transition="in" filter="fade">
+                                      <p:cBhvr>
+                                        <p:cTn id="7" dur="500"/>
+                                        <p:tgtEl>
+                                          <p:spTgt spid="33"/>
+                                        </p:tgtEl>
+                                      </p:cBhvr>
+                                    </p:animEffect>
+                                  </p:childTnLst>
+                                </p:cTn>
+                              </p:par>
+                            </p:childTnLst>
+                          </p:cTn>
+                        </p:par>
+                      </p:childTnLst>
+                    </p:cTn>
+                  </p:par>
+                </p:childTnLst>
+              </p:cTn>
+              <p:prevCondLst>
+                <p:cond evt="onPrev" delay="0">
+                  <p:tgtEl>
+                    <p:sldTgt/>
+                  </p:tgtEl>
+                </p:cond>
+              </p:prevCondLst>
+              <p:nextCondLst>
+                <p:cond evt="onNext" delay="0">
+                  <p:tgtEl>
+                    <p:sldTgt/>
+                  </p:tgtEl>
+                </p:cond>
+              </p:nextCondLst>
+            </p:seq>
+          </p:childTnLst>
+        </p:cTn>
+      </p:par>
+    </p:tnLst>
+    <p:bldLst>
+      <p:bldP spid="33" grpId="0"/>
+    </p:bldLst>
+  </p:timing>
+</p:sld>
+</file>
+
+<file path=ppt/slides/slide19.xml><?xml version="1.0" encoding="utf-8"?>
+<p:sld xmlns:a="http://schemas.openxmlformats.org/drawingml/2006/main" xmlns:r="http://schemas.openxmlformats.org/officeDocument/2006/relationships" xmlns:p="http://schemas.openxmlformats.org/presentationml/2006/main">
+  <p:cSld>
+    <p:spTree>
+      <p:nvGrpSpPr>
+        <p:cNvPr id="1" name=""/>
+        <p:cNvGrpSpPr/>
+        <p:nvPr/>
+      </p:nvGrpSpPr>
+      <p:grpSpPr>
+        <a:xfrm>
+          <a:off x="0" y="0"/>
+          <a:ext cx="0" cy="0"/>
+          <a:chOff x="0" y="0"/>
+          <a:chExt cx="0" cy="0"/>
+        </a:xfrm>
+      </p:grpSpPr>
+      <p:sp>
+        <p:nvSpPr>
+          <p:cNvPr id="4098" name="TextBox 2">
+            <a:extLst>
+              <a:ext uri="{FF2B5EF4-FFF2-40B4-BE49-F238E27FC236}">
+                <a16:creationId xmlns:a16="http://schemas.microsoft.com/office/drawing/2014/main" id="{5552ED83-0001-4E47-A09B-F49C592A8E24}"/>
+              </a:ext>
+            </a:extLst>
+          </p:cNvPr>
+          <p:cNvSpPr txBox="1">
+            <a:spLocks noChangeArrowheads="1"/>
+          </p:cNvSpPr>
+          <p:nvPr/>
+        </p:nvSpPr>
+        <p:spPr bwMode="auto">
+          <a:xfrm>
+            <a:off x="13610" y="0"/>
+            <a:ext cx="6913562" cy="830263"/>
+          </a:xfrm>
+          <a:prstGeom prst="rect">
+            <a:avLst/>
+          </a:prstGeom>
+          <a:noFill/>
+          <a:ln>
+            <a:noFill/>
+          </a:ln>
+          <a:extLst>
+            <a:ext uri="{909E8E84-426E-40DD-AFC4-6F175D3DCCD1}">
+              <a14:hiddenFill xmlns:a14="http://schemas.microsoft.com/office/drawing/2010/main">
+                <a:solidFill>
+                  <a:srgbClr val="FFFFFF"/>
+                </a:solidFill>
+              </a14:hiddenFill>
+            </a:ext>
+            <a:ext uri="{91240B29-F687-4F45-9708-019B960494DF}">
+              <a14:hiddenLine xmlns:a14="http://schemas.microsoft.com/office/drawing/2010/main" w="9525">
+                <a:solidFill>
+                  <a:srgbClr val="000000"/>
+                </a:solidFill>
+                <a:miter lim="800000"/>
+                <a:headEnd/>
+                <a:tailEnd/>
+              </a14:hiddenLine>
+            </a:ext>
+          </a:extLst>
+        </p:spPr>
+        <p:txBody>
+          <a:bodyPr>
+            <a:spAutoFit/>
+          </a:bodyPr>
+          <a:lstStyle>
+            <a:lvl1pPr eaLnBrk="0" hangingPunct="0">
+              <a:defRPr>
+                <a:solidFill>
+                  <a:schemeClr val="tx1"/>
+                </a:solidFill>
+                <a:latin typeface="Arial" panose="020B0604020202020204" pitchFamily="34" charset="0"/>
+                <a:ea typeface="宋体" panose="02010600030101010101" pitchFamily="2" charset="-122"/>
+              </a:defRPr>
+            </a:lvl1pPr>
+            <a:lvl2pPr marL="742950" indent="-285750" eaLnBrk="0" hangingPunct="0">
+              <a:defRPr>
+                <a:solidFill>
+                  <a:schemeClr val="tx1"/>
+                </a:solidFill>
+                <a:latin typeface="Arial" panose="020B0604020202020204" pitchFamily="34" charset="0"/>
+                <a:ea typeface="宋体" panose="02010600030101010101" pitchFamily="2" charset="-122"/>
+              </a:defRPr>
+            </a:lvl2pPr>
+            <a:lvl3pPr marL="1143000" indent="-228600" eaLnBrk="0" hangingPunct="0">
+              <a:defRPr>
+                <a:solidFill>
+                  <a:schemeClr val="tx1"/>
+                </a:solidFill>
+                <a:latin typeface="Arial" panose="020B0604020202020204" pitchFamily="34" charset="0"/>
+                <a:ea typeface="宋体" panose="02010600030101010101" pitchFamily="2" charset="-122"/>
+              </a:defRPr>
+            </a:lvl3pPr>
+            <a:lvl4pPr marL="1600200" indent="-228600" eaLnBrk="0" hangingPunct="0">
+              <a:defRPr>
+                <a:solidFill>
+                  <a:schemeClr val="tx1"/>
+                </a:solidFill>
+                <a:latin typeface="Arial" panose="020B0604020202020204" pitchFamily="34" charset="0"/>
+                <a:ea typeface="宋体" panose="02010600030101010101" pitchFamily="2" charset="-122"/>
+              </a:defRPr>
+            </a:lvl4pPr>
+            <a:lvl5pPr marL="2057400" indent="-228600" eaLnBrk="0" hangingPunct="0">
+              <a:defRPr>
+                <a:solidFill>
+                  <a:schemeClr val="tx1"/>
+                </a:solidFill>
+                <a:latin typeface="Arial" panose="020B0604020202020204" pitchFamily="34" charset="0"/>
+                <a:ea typeface="宋体" panose="02010600030101010101" pitchFamily="2" charset="-122"/>
+              </a:defRPr>
+            </a:lvl5pPr>
+            <a:lvl6pPr marL="2514600" indent="-228600" eaLnBrk="0" fontAlgn="base" hangingPunct="0">
+              <a:spcBef>
+                <a:spcPct val="0"/>
+              </a:spcBef>
+              <a:spcAft>
+                <a:spcPct val="0"/>
+              </a:spcAft>
+              <a:defRPr>
+                <a:solidFill>
+                  <a:schemeClr val="tx1"/>
+                </a:solidFill>
+                <a:latin typeface="Arial" panose="020B0604020202020204" pitchFamily="34" charset="0"/>
+                <a:ea typeface="宋体" panose="02010600030101010101" pitchFamily="2" charset="-122"/>
+              </a:defRPr>
+            </a:lvl6pPr>
+            <a:lvl7pPr marL="2971800" indent="-228600" eaLnBrk="0" fontAlgn="base" hangingPunct="0">
+              <a:spcBef>
+                <a:spcPct val="0"/>
+              </a:spcBef>
+              <a:spcAft>
+                <a:spcPct val="0"/>
+              </a:spcAft>
+              <a:defRPr>
+                <a:solidFill>
+                  <a:schemeClr val="tx1"/>
+                </a:solidFill>
+                <a:latin typeface="Arial" panose="020B0604020202020204" pitchFamily="34" charset="0"/>
+                <a:ea typeface="宋体" panose="02010600030101010101" pitchFamily="2" charset="-122"/>
+              </a:defRPr>
+            </a:lvl7pPr>
+            <a:lvl8pPr marL="3429000" indent="-228600" eaLnBrk="0" fontAlgn="base" hangingPunct="0">
+              <a:spcBef>
+                <a:spcPct val="0"/>
+              </a:spcBef>
+              <a:spcAft>
+                <a:spcPct val="0"/>
+              </a:spcAft>
+              <a:defRPr>
+                <a:solidFill>
+                  <a:schemeClr val="tx1"/>
+                </a:solidFill>
+                <a:latin typeface="Arial" panose="020B0604020202020204" pitchFamily="34" charset="0"/>
+                <a:ea typeface="宋体" panose="02010600030101010101" pitchFamily="2" charset="-122"/>
+              </a:defRPr>
+            </a:lvl8pPr>
+            <a:lvl9pPr marL="3886200" indent="-228600" eaLnBrk="0" fontAlgn="base" hangingPunct="0">
+              <a:spcBef>
+                <a:spcPct val="0"/>
+              </a:spcBef>
+              <a:spcAft>
+                <a:spcPct val="0"/>
+              </a:spcAft>
+              <a:defRPr>
+                <a:solidFill>
+                  <a:schemeClr val="tx1"/>
+                </a:solidFill>
+                <a:latin typeface="Arial" panose="020B0604020202020204" pitchFamily="34" charset="0"/>
+                <a:ea typeface="宋体" panose="02010600030101010101" pitchFamily="2" charset="-122"/>
+              </a:defRPr>
+            </a:lvl9pPr>
+          </a:lstStyle>
+          <a:p>
+            <a:pPr eaLnBrk="1" hangingPunct="1"/>
+            <a:r>
+              <a:rPr lang="zh-CN" altLang="en-US" sz="4800" dirty="0">
+                <a:solidFill>
+                  <a:schemeClr val="bg1"/>
+                </a:solidFill>
+                <a:latin typeface="微软雅黑" panose="020B0503020204020204" pitchFamily="34" charset="-122"/>
+                <a:ea typeface="微软雅黑" panose="020B0503020204020204" pitchFamily="34" charset="-122"/>
+              </a:rPr>
+              <a:t>朴素贝叶斯</a:t>
+            </a:r>
+          </a:p>
+        </p:txBody>
+      </p:sp>
+      <p:sp>
+        <p:nvSpPr>
+          <p:cNvPr id="5" name="TextBox 4">
+            <a:extLst>
+              <a:ext uri="{FF2B5EF4-FFF2-40B4-BE49-F238E27FC236}">
+                <a16:creationId xmlns:a16="http://schemas.microsoft.com/office/drawing/2014/main" id="{E8A991AE-3688-4E36-95ED-0003B8B99099}"/>
+              </a:ext>
+            </a:extLst>
+          </p:cNvPr>
+          <p:cNvSpPr txBox="1"/>
+          <p:nvPr/>
+        </p:nvSpPr>
+        <p:spPr>
+          <a:xfrm>
+            <a:off x="0" y="807815"/>
+            <a:ext cx="9144000" cy="1600438"/>
+          </a:xfrm>
+          <a:prstGeom prst="rect">
+            <a:avLst/>
+          </a:prstGeom>
+          <a:noFill/>
+        </p:spPr>
+        <p:txBody>
+          <a:bodyPr wrap="square">
+            <a:spAutoFit/>
+          </a:bodyPr>
+          <a:lstStyle/>
+          <a:p>
+            <a:pPr>
+              <a:defRPr/>
+            </a:pPr>
+            <a:r>
+              <a:rPr lang="zh-CN" altLang="en-US" sz="4000" dirty="0">
+                <a:solidFill>
+                  <a:schemeClr val="bg1"/>
+                </a:solidFill>
+                <a:latin typeface="微软雅黑" pitchFamily="34" charset="-122"/>
+                <a:ea typeface="微软雅黑" pitchFamily="34" charset="-122"/>
+              </a:rPr>
+              <a:t>对于“不嫁”来说，其概率为：</a:t>
+            </a:r>
+            <a:endParaRPr lang="en-US" altLang="zh-CN" sz="4000" dirty="0">
+              <a:solidFill>
+                <a:srgbClr val="FFC000"/>
+              </a:solidFill>
+              <a:latin typeface="微软雅黑" pitchFamily="34" charset="-122"/>
+              <a:ea typeface="微软雅黑" pitchFamily="34" charset="-122"/>
+            </a:endParaRPr>
+          </a:p>
+          <a:p>
+            <a:pPr>
+              <a:defRPr/>
+            </a:pPr>
+            <a:r>
+              <a:rPr lang="en-US" altLang="zh-CN" sz="4000" dirty="0">
+                <a:solidFill>
+                  <a:srgbClr val="FFC000"/>
+                </a:solidFill>
+                <a:latin typeface="微软雅黑" pitchFamily="34" charset="-122"/>
+                <a:ea typeface="微软雅黑" pitchFamily="34" charset="-122"/>
+              </a:rPr>
+              <a:t> </a:t>
+            </a:r>
+            <a:endParaRPr lang="en-US" altLang="zh-CN" sz="4000" dirty="0">
+              <a:solidFill>
+                <a:schemeClr val="bg1"/>
+              </a:solidFill>
+              <a:latin typeface="微软雅黑" pitchFamily="34" charset="-122"/>
+              <a:ea typeface="微软雅黑" pitchFamily="34" charset="-122"/>
+            </a:endParaRPr>
+          </a:p>
+          <a:p>
+            <a:pPr>
+              <a:defRPr/>
+            </a:pPr>
+            <a:endParaRPr lang="en-US" dirty="0">
+              <a:solidFill>
+                <a:schemeClr val="bg1"/>
+              </a:solidFill>
+              <a:latin typeface="Arial" charset="0"/>
+            </a:endParaRPr>
+          </a:p>
+        </p:txBody>
+      </p:sp>
+      <p:pic>
+        <p:nvPicPr>
+          <p:cNvPr id="2" name="Picture 1">
+            <a:extLst>
+              <a:ext uri="{FF2B5EF4-FFF2-40B4-BE49-F238E27FC236}">
+                <a16:creationId xmlns:a16="http://schemas.microsoft.com/office/drawing/2014/main" id="{9D4F2B2C-2EF6-47E7-837F-D8623B550E2D}"/>
+              </a:ext>
+            </a:extLst>
+          </p:cNvPr>
+          <p:cNvPicPr>
+            <a:picLocks noChangeAspect="1"/>
+          </p:cNvPicPr>
+          <p:nvPr/>
+        </p:nvPicPr>
+        <p:blipFill>
+          <a:blip r:embed="rId2"/>
+          <a:stretch>
+            <a:fillRect/>
+          </a:stretch>
+        </p:blipFill>
+        <p:spPr>
+          <a:xfrm>
+            <a:off x="95412" y="1707024"/>
+            <a:ext cx="8839557" cy="1037483"/>
+          </a:xfrm>
+          <a:prstGeom prst="rect">
+            <a:avLst/>
+          </a:prstGeom>
+        </p:spPr>
+      </p:pic>
+      <p:pic>
+        <p:nvPicPr>
+          <p:cNvPr id="4" name="Picture 3">
+            <a:extLst>
+              <a:ext uri="{FF2B5EF4-FFF2-40B4-BE49-F238E27FC236}">
+                <a16:creationId xmlns:a16="http://schemas.microsoft.com/office/drawing/2014/main" id="{9919E21A-A30E-4F63-92E1-3CFD84A74D4F}"/>
+              </a:ext>
+            </a:extLst>
+          </p:cNvPr>
+          <p:cNvPicPr>
+            <a:picLocks noChangeAspect="1"/>
+          </p:cNvPicPr>
+          <p:nvPr/>
+        </p:nvPicPr>
+        <p:blipFill>
+          <a:blip r:embed="rId3"/>
+          <a:stretch>
+            <a:fillRect/>
+          </a:stretch>
+        </p:blipFill>
+        <p:spPr>
+          <a:xfrm>
+            <a:off x="111701" y="2948788"/>
+            <a:ext cx="8823268" cy="1164706"/>
+          </a:xfrm>
+          <a:prstGeom prst="rect">
+            <a:avLst/>
+          </a:prstGeom>
+        </p:spPr>
+      </p:pic>
+      <p:pic>
+        <p:nvPicPr>
+          <p:cNvPr id="9" name="Picture 8">
+            <a:extLst>
+              <a:ext uri="{FF2B5EF4-FFF2-40B4-BE49-F238E27FC236}">
+                <a16:creationId xmlns:a16="http://schemas.microsoft.com/office/drawing/2014/main" id="{EB7AFAF1-9F06-4F55-86E3-5CF9805D8620}"/>
+              </a:ext>
+            </a:extLst>
+          </p:cNvPr>
+          <p:cNvPicPr>
+            <a:picLocks noChangeAspect="1"/>
+          </p:cNvPicPr>
+          <p:nvPr/>
+        </p:nvPicPr>
+        <p:blipFill>
+          <a:blip r:embed="rId4"/>
+          <a:stretch>
+            <a:fillRect/>
+          </a:stretch>
+        </p:blipFill>
+        <p:spPr>
+          <a:xfrm>
+            <a:off x="111701" y="4317776"/>
+            <a:ext cx="8924795" cy="833200"/>
+          </a:xfrm>
+          <a:prstGeom prst="rect">
+            <a:avLst/>
+          </a:prstGeom>
+        </p:spPr>
+      </p:pic>
+      <p:cxnSp>
+        <p:nvCxnSpPr>
+          <p:cNvPr id="4097" name="Straight Connector 4096">
+            <a:extLst>
+              <a:ext uri="{FF2B5EF4-FFF2-40B4-BE49-F238E27FC236}">
+                <a16:creationId xmlns:a16="http://schemas.microsoft.com/office/drawing/2014/main" id="{60670C6D-51CC-4102-9F89-733B7D3E8E1E}"/>
+              </a:ext>
+            </a:extLst>
+          </p:cNvPr>
+          <p:cNvCxnSpPr>
+            <a:cxnSpLocks/>
+          </p:cNvCxnSpPr>
+          <p:nvPr/>
+        </p:nvCxnSpPr>
+        <p:spPr>
+          <a:xfrm>
+            <a:off x="1403648" y="3661366"/>
+            <a:ext cx="6624736" cy="172913"/>
+          </a:xfrm>
+          <a:prstGeom prst="line">
+            <a:avLst/>
+          </a:prstGeom>
+          <a:ln w="76200"/>
+        </p:spPr>
+        <p:style>
+          <a:lnRef idx="1">
+            <a:schemeClr val="accent4"/>
+          </a:lnRef>
+          <a:fillRef idx="0">
+            <a:schemeClr val="accent4"/>
+          </a:fillRef>
+          <a:effectRef idx="0">
+            <a:schemeClr val="accent4"/>
+          </a:effectRef>
+          <a:fontRef idx="minor">
+            <a:schemeClr val="tx1"/>
+          </a:fontRef>
+        </p:style>
+      </p:cxnSp>
+      <p:cxnSp>
+        <p:nvCxnSpPr>
+          <p:cNvPr id="24" name="Straight Connector 23">
+            <a:extLst>
+              <a:ext uri="{FF2B5EF4-FFF2-40B4-BE49-F238E27FC236}">
+                <a16:creationId xmlns:a16="http://schemas.microsoft.com/office/drawing/2014/main" id="{3BFDB8B4-55AB-454F-AD2D-633D229907B1}"/>
+              </a:ext>
+            </a:extLst>
+          </p:cNvPr>
+          <p:cNvCxnSpPr>
+            <a:cxnSpLocks/>
+          </p:cNvCxnSpPr>
+          <p:nvPr/>
+        </p:nvCxnSpPr>
+        <p:spPr>
+          <a:xfrm>
+            <a:off x="1763688" y="4826072"/>
+            <a:ext cx="6624736" cy="172913"/>
+          </a:xfrm>
+          <a:prstGeom prst="line">
+            <a:avLst/>
+          </a:prstGeom>
+          <a:ln w="76200"/>
+        </p:spPr>
+        <p:style>
+          <a:lnRef idx="1">
+            <a:schemeClr val="accent4"/>
+          </a:lnRef>
+          <a:fillRef idx="0">
+            <a:schemeClr val="accent4"/>
+          </a:fillRef>
+          <a:effectRef idx="0">
+            <a:schemeClr val="accent4"/>
+          </a:effectRef>
+          <a:fontRef idx="minor">
+            <a:schemeClr val="tx1"/>
+          </a:fontRef>
+        </p:style>
+      </p:cxnSp>
+      <p:sp>
+        <p:nvSpPr>
+          <p:cNvPr id="25" name="Rectangle 24">
+            <a:extLst>
+              <a:ext uri="{FF2B5EF4-FFF2-40B4-BE49-F238E27FC236}">
+                <a16:creationId xmlns:a16="http://schemas.microsoft.com/office/drawing/2014/main" id="{C15240EB-6F54-4A60-9C86-58C18F5790EB}"/>
+              </a:ext>
+            </a:extLst>
+          </p:cNvPr>
+          <p:cNvSpPr/>
+          <p:nvPr/>
+        </p:nvSpPr>
+        <p:spPr>
+          <a:xfrm>
+            <a:off x="1187624" y="4287275"/>
+            <a:ext cx="720080" cy="386806"/>
+          </a:xfrm>
+          <a:prstGeom prst="rect">
+            <a:avLst/>
+          </a:prstGeom>
+          <a:noFill/>
+          <a:ln w="28575">
+            <a:solidFill>
+              <a:srgbClr val="FF0000"/>
+            </a:solidFill>
+          </a:ln>
+        </p:spPr>
+        <p:style>
+          <a:lnRef idx="2">
+            <a:schemeClr val="accent1">
+              <a:shade val="50000"/>
+            </a:schemeClr>
+          </a:lnRef>
+          <a:fillRef idx="1">
+            <a:schemeClr val="accent1"/>
+          </a:fillRef>
+          <a:effectRef idx="0">
+            <a:schemeClr val="accent1"/>
+          </a:effectRef>
+          <a:fontRef idx="minor">
+            <a:schemeClr val="lt1"/>
+          </a:fontRef>
+        </p:style>
+        <p:txBody>
+          <a:bodyPr rtlCol="0" anchor="ctr"/>
+          <a:lstStyle/>
+          <a:p>
+            <a:pPr algn="ctr"/>
+            <a:endParaRPr lang="en-US"/>
+          </a:p>
+        </p:txBody>
+      </p:sp>
+      <p:sp>
+        <p:nvSpPr>
+          <p:cNvPr id="26" name="Rectangle 25">
+            <a:extLst>
+              <a:ext uri="{FF2B5EF4-FFF2-40B4-BE49-F238E27FC236}">
+                <a16:creationId xmlns:a16="http://schemas.microsoft.com/office/drawing/2014/main" id="{AF0901D8-3E45-4CFE-81B6-92207E906608}"/>
+              </a:ext>
+            </a:extLst>
+          </p:cNvPr>
+          <p:cNvSpPr/>
+          <p:nvPr/>
+        </p:nvSpPr>
+        <p:spPr>
+          <a:xfrm>
+            <a:off x="3463234" y="4265485"/>
+            <a:ext cx="720080" cy="386806"/>
+          </a:xfrm>
+          <a:prstGeom prst="rect">
+            <a:avLst/>
+          </a:prstGeom>
+          <a:noFill/>
+          <a:ln w="28575">
+            <a:solidFill>
+              <a:srgbClr val="FF0000"/>
+            </a:solidFill>
+          </a:ln>
+        </p:spPr>
+        <p:style>
+          <a:lnRef idx="2">
+            <a:schemeClr val="accent1">
+              <a:shade val="50000"/>
+            </a:schemeClr>
+          </a:lnRef>
+          <a:fillRef idx="1">
+            <a:schemeClr val="accent1"/>
+          </a:fillRef>
+          <a:effectRef idx="0">
+            <a:schemeClr val="accent1"/>
+          </a:effectRef>
+          <a:fontRef idx="minor">
+            <a:schemeClr val="lt1"/>
+          </a:fontRef>
+        </p:style>
+        <p:txBody>
+          <a:bodyPr rtlCol="0" anchor="ctr"/>
+          <a:lstStyle/>
+          <a:p>
+            <a:pPr algn="ctr"/>
+            <a:endParaRPr lang="en-US"/>
+          </a:p>
+        </p:txBody>
+      </p:sp>
+      <p:sp>
+        <p:nvSpPr>
+          <p:cNvPr id="30" name="Rectangle 29">
+            <a:extLst>
+              <a:ext uri="{FF2B5EF4-FFF2-40B4-BE49-F238E27FC236}">
+                <a16:creationId xmlns:a16="http://schemas.microsoft.com/office/drawing/2014/main" id="{00FB68E9-40C3-481E-BB89-1B72C2E6A1B3}"/>
+              </a:ext>
+            </a:extLst>
+          </p:cNvPr>
+          <p:cNvSpPr/>
+          <p:nvPr/>
+        </p:nvSpPr>
+        <p:spPr>
+          <a:xfrm>
+            <a:off x="5378804" y="4259949"/>
+            <a:ext cx="720080" cy="386806"/>
+          </a:xfrm>
+          <a:prstGeom prst="rect">
+            <a:avLst/>
+          </a:prstGeom>
+          <a:noFill/>
+          <a:ln w="28575">
+            <a:solidFill>
+              <a:srgbClr val="FF0000"/>
+            </a:solidFill>
+          </a:ln>
+        </p:spPr>
+        <p:style>
+          <a:lnRef idx="2">
+            <a:schemeClr val="accent1">
+              <a:shade val="50000"/>
+            </a:schemeClr>
+          </a:lnRef>
+          <a:fillRef idx="1">
+            <a:schemeClr val="accent1"/>
+          </a:fillRef>
+          <a:effectRef idx="0">
+            <a:schemeClr val="accent1"/>
+          </a:effectRef>
+          <a:fontRef idx="minor">
+            <a:schemeClr val="lt1"/>
+          </a:fontRef>
+        </p:style>
+        <p:txBody>
+          <a:bodyPr rtlCol="0" anchor="ctr"/>
+          <a:lstStyle/>
+          <a:p>
+            <a:pPr algn="ctr"/>
+            <a:endParaRPr lang="en-US"/>
+          </a:p>
+        </p:txBody>
+      </p:sp>
+      <p:sp>
+        <p:nvSpPr>
+          <p:cNvPr id="31" name="Rectangle 30">
+            <a:extLst>
+              <a:ext uri="{FF2B5EF4-FFF2-40B4-BE49-F238E27FC236}">
+                <a16:creationId xmlns:a16="http://schemas.microsoft.com/office/drawing/2014/main" id="{EB5E7626-EE86-41B7-914E-AD764043AE30}"/>
+              </a:ext>
+            </a:extLst>
+          </p:cNvPr>
+          <p:cNvSpPr/>
+          <p:nvPr/>
+        </p:nvSpPr>
+        <p:spPr>
+          <a:xfrm>
+            <a:off x="7292937" y="4267224"/>
+            <a:ext cx="720080" cy="386806"/>
+          </a:xfrm>
+          <a:prstGeom prst="rect">
+            <a:avLst/>
+          </a:prstGeom>
+          <a:noFill/>
+          <a:ln w="28575">
+            <a:solidFill>
+              <a:srgbClr val="FF0000"/>
+            </a:solidFill>
+          </a:ln>
+        </p:spPr>
+        <p:style>
+          <a:lnRef idx="2">
+            <a:schemeClr val="accent1">
+              <a:shade val="50000"/>
+            </a:schemeClr>
+          </a:lnRef>
+          <a:fillRef idx="1">
+            <a:schemeClr val="accent1"/>
+          </a:fillRef>
+          <a:effectRef idx="0">
+            <a:schemeClr val="accent1"/>
+          </a:effectRef>
+          <a:fontRef idx="minor">
+            <a:schemeClr val="lt1"/>
+          </a:fontRef>
+        </p:style>
+        <p:txBody>
+          <a:bodyPr rtlCol="0" anchor="ctr"/>
+          <a:lstStyle/>
+          <a:p>
+            <a:pPr algn="ctr"/>
+            <a:endParaRPr lang="en-US"/>
+          </a:p>
+        </p:txBody>
+      </p:sp>
+      <p:sp>
+        <p:nvSpPr>
+          <p:cNvPr id="32" name="Rectangle 31">
+            <a:extLst>
+              <a:ext uri="{FF2B5EF4-FFF2-40B4-BE49-F238E27FC236}">
+                <a16:creationId xmlns:a16="http://schemas.microsoft.com/office/drawing/2014/main" id="{1C70DFFE-5627-4837-92FD-04709898A04D}"/>
+              </a:ext>
+            </a:extLst>
+          </p:cNvPr>
+          <p:cNvSpPr/>
+          <p:nvPr/>
+        </p:nvSpPr>
+        <p:spPr>
+          <a:xfrm>
+            <a:off x="6567132" y="3001483"/>
+            <a:ext cx="792088" cy="427515"/>
+          </a:xfrm>
+          <a:prstGeom prst="rect">
+            <a:avLst/>
+          </a:prstGeom>
+          <a:noFill/>
+          <a:ln w="28575">
+            <a:solidFill>
+              <a:srgbClr val="FF0000"/>
+            </a:solidFill>
+          </a:ln>
+        </p:spPr>
+        <p:style>
+          <a:lnRef idx="2">
+            <a:schemeClr val="accent1">
+              <a:shade val="50000"/>
+            </a:schemeClr>
+          </a:lnRef>
+          <a:fillRef idx="1">
+            <a:schemeClr val="accent1"/>
+          </a:fillRef>
+          <a:effectRef idx="0">
+            <a:schemeClr val="accent1"/>
+          </a:effectRef>
+          <a:fontRef idx="minor">
+            <a:schemeClr val="lt1"/>
+          </a:fontRef>
+        </p:style>
+        <p:txBody>
+          <a:bodyPr rtlCol="0" anchor="ctr"/>
+          <a:lstStyle/>
+          <a:p>
+            <a:pPr algn="ctr"/>
+            <a:endParaRPr lang="en-US"/>
+          </a:p>
+        </p:txBody>
+      </p:sp>
+      <p:sp>
+        <p:nvSpPr>
+          <p:cNvPr id="33" name="Rectangle 32">
+            <a:extLst>
+              <a:ext uri="{FF2B5EF4-FFF2-40B4-BE49-F238E27FC236}">
+                <a16:creationId xmlns:a16="http://schemas.microsoft.com/office/drawing/2014/main" id="{A668C690-A341-4B50-9E49-6F5E0A3193CC}"/>
+              </a:ext>
+            </a:extLst>
+          </p:cNvPr>
+          <p:cNvSpPr/>
+          <p:nvPr/>
+        </p:nvSpPr>
+        <p:spPr>
+          <a:xfrm>
+            <a:off x="7956376" y="3000216"/>
+            <a:ext cx="792088" cy="428783"/>
+          </a:xfrm>
+          <a:prstGeom prst="rect">
+            <a:avLst/>
+          </a:prstGeom>
+          <a:noFill/>
+          <a:ln w="28575">
+            <a:solidFill>
+              <a:srgbClr val="FF0000"/>
+            </a:solidFill>
+          </a:ln>
+        </p:spPr>
+        <p:style>
+          <a:lnRef idx="2">
+            <a:schemeClr val="accent1">
+              <a:shade val="50000"/>
+            </a:schemeClr>
+          </a:lnRef>
+          <a:fillRef idx="1">
+            <a:schemeClr val="accent1"/>
+          </a:fillRef>
+          <a:effectRef idx="0">
+            <a:schemeClr val="accent1"/>
+          </a:effectRef>
+          <a:fontRef idx="minor">
+            <a:schemeClr val="lt1"/>
+          </a:fontRef>
+        </p:style>
+        <p:txBody>
+          <a:bodyPr rtlCol="0" anchor="ctr"/>
+          <a:lstStyle/>
+          <a:p>
+            <a:pPr algn="ctr"/>
+            <a:endParaRPr lang="en-US"/>
+          </a:p>
+        </p:txBody>
+      </p:sp>
+      <p:sp>
+        <p:nvSpPr>
+          <p:cNvPr id="36" name="Rectangle 35">
+            <a:extLst>
+              <a:ext uri="{FF2B5EF4-FFF2-40B4-BE49-F238E27FC236}">
+                <a16:creationId xmlns:a16="http://schemas.microsoft.com/office/drawing/2014/main" id="{3C885B20-4C19-481A-ACBE-8453544698C1}"/>
+              </a:ext>
+            </a:extLst>
+          </p:cNvPr>
+          <p:cNvSpPr/>
+          <p:nvPr/>
+        </p:nvSpPr>
+        <p:spPr>
+          <a:xfrm>
+            <a:off x="8221364" y="4283767"/>
+            <a:ext cx="720080" cy="386806"/>
+          </a:xfrm>
+          <a:prstGeom prst="rect">
+            <a:avLst/>
+          </a:prstGeom>
+          <a:noFill/>
+          <a:ln w="28575">
+            <a:solidFill>
+              <a:srgbClr val="FF0000"/>
+            </a:solidFill>
+          </a:ln>
+        </p:spPr>
+        <p:style>
+          <a:lnRef idx="2">
+            <a:schemeClr val="accent1">
+              <a:shade val="50000"/>
+            </a:schemeClr>
+          </a:lnRef>
+          <a:fillRef idx="1">
+            <a:schemeClr val="accent1"/>
+          </a:fillRef>
+          <a:effectRef idx="0">
+            <a:schemeClr val="accent1"/>
+          </a:effectRef>
+          <a:fontRef idx="minor">
+            <a:schemeClr val="lt1"/>
+          </a:fontRef>
+        </p:style>
+        <p:txBody>
+          <a:bodyPr rtlCol="0" anchor="ctr"/>
+          <a:lstStyle/>
+          <a:p>
+            <a:pPr algn="ctr"/>
+            <a:endParaRPr lang="en-US"/>
+          </a:p>
+        </p:txBody>
+      </p:sp>
+      <p:sp>
+        <p:nvSpPr>
+          <p:cNvPr id="37" name="TextBox 36">
+            <a:extLst>
+              <a:ext uri="{FF2B5EF4-FFF2-40B4-BE49-F238E27FC236}">
+                <a16:creationId xmlns:a16="http://schemas.microsoft.com/office/drawing/2014/main" id="{10A06B45-950F-4B8F-AA43-D9B14D1AD6C4}"/>
+              </a:ext>
+            </a:extLst>
+          </p:cNvPr>
+          <p:cNvSpPr txBox="1"/>
+          <p:nvPr/>
+        </p:nvSpPr>
+        <p:spPr>
+          <a:xfrm>
+            <a:off x="8827" y="5398579"/>
+            <a:ext cx="9144000" cy="707886"/>
+          </a:xfrm>
+          <a:prstGeom prst="rect">
+            <a:avLst/>
+          </a:prstGeom>
+          <a:noFill/>
+        </p:spPr>
+        <p:txBody>
+          <a:bodyPr wrap="square">
+            <a:spAutoFit/>
+          </a:bodyPr>
+          <a:lstStyle/>
+          <a:p>
+            <a:pPr>
+              <a:defRPr/>
+            </a:pPr>
+            <a:r>
+              <a:rPr lang="en-US" sz="4000" dirty="0">
+                <a:solidFill>
+                  <a:schemeClr val="bg1"/>
+                </a:solidFill>
+                <a:latin typeface="微软雅黑" pitchFamily="34" charset="-122"/>
+                <a:ea typeface="微软雅黑" pitchFamily="34" charset="-122"/>
+              </a:rPr>
+              <a:t>=1/6 * 1/2 * 1 * 1/2 * 1/2 = </a:t>
+            </a:r>
+            <a:r>
+              <a:rPr lang="en-US" sz="4000" dirty="0">
+                <a:solidFill>
+                  <a:srgbClr val="FFC000"/>
+                </a:solidFill>
+                <a:latin typeface="微软雅黑" pitchFamily="34" charset="-122"/>
+                <a:ea typeface="微软雅黑" pitchFamily="34" charset="-122"/>
+              </a:rPr>
+              <a:t>1/48</a:t>
+            </a:r>
+            <a:r>
+              <a:rPr lang="en-US" sz="4000" dirty="0">
+                <a:solidFill>
+                  <a:schemeClr val="bg1"/>
+                </a:solidFill>
+                <a:latin typeface="微软雅黑" pitchFamily="34" charset="-122"/>
+                <a:ea typeface="微软雅黑" pitchFamily="34" charset="-122"/>
+              </a:rPr>
+              <a:t> </a:t>
+            </a:r>
+            <a:endParaRPr lang="en-US" dirty="0">
+              <a:solidFill>
+                <a:schemeClr val="bg1"/>
+              </a:solidFill>
+              <a:latin typeface="Arial" charset="0"/>
+            </a:endParaRPr>
+          </a:p>
+        </p:txBody>
+      </p:sp>
+    </p:spTree>
+    <p:extLst>
+      <p:ext uri="{BB962C8B-B14F-4D97-AF65-F5344CB8AC3E}">
+        <p14:creationId xmlns:p14="http://schemas.microsoft.com/office/powerpoint/2010/main" val="897138540"/>
+      </p:ext>
+    </p:extLst>
+  </p:cSld>
+  <p:clrMapOvr>
+    <a:masterClrMapping/>
+  </p:clrMapOvr>
+  <p:timing>
+    <p:tnLst>
+      <p:par>
+        <p:cTn id="1" dur="indefinite" restart="never" nodeType="tmRoot">
+          <p:childTnLst>
+            <p:seq concurrent="1" nextAc="seek">
+              <p:cTn id="2" dur="indefinite" nodeType="mainSeq">
+                <p:childTnLst>
+                  <p:par>
+                    <p:cTn id="3" fill="hold">
+                      <p:stCondLst>
+                        <p:cond delay="indefinite"/>
+                      </p:stCondLst>
+                      <p:childTnLst>
+                        <p:par>
+                          <p:cTn id="4" fill="hold">
+                            <p:stCondLst>
+                              <p:cond delay="0"/>
+                            </p:stCondLst>
+                            <p:childTnLst>
+                              <p:par>
+                                <p:cTn id="5" presetID="10" presetClass="entr" presetSubtype="0" fill="hold" grpId="0" nodeType="clickEffect">
+                                  <p:stCondLst>
+                                    <p:cond delay="0"/>
+                                  </p:stCondLst>
+                                  <p:childTnLst>
+                                    <p:set>
+                                      <p:cBhvr>
+                                        <p:cTn id="6" dur="1" fill="hold">
+                                          <p:stCondLst>
+                                            <p:cond delay="0"/>
+                                          </p:stCondLst>
+                                        </p:cTn>
+                                        <p:tgtEl>
+                                          <p:spTgt spid="25"/>
+                                        </p:tgtEl>
+                                        <p:attrNameLst>
+                                          <p:attrName>style.visibility</p:attrName>
+                                        </p:attrNameLst>
+                                      </p:cBhvr>
+                                      <p:to>
+                                        <p:strVal val="visible"/>
+                                      </p:to>
+                                    </p:set>
+                                    <p:animEffect transition="in" filter="fade">
+                                      <p:cBhvr>
+                                        <p:cTn id="7" dur="500"/>
+                                        <p:tgtEl>
+                                          <p:spTgt spid="25"/>
+                                        </p:tgtEl>
+                                      </p:cBhvr>
+                                    </p:animEffect>
+                                  </p:childTnLst>
+                                </p:cTn>
+                              </p:par>
+                              <p:par>
+                                <p:cTn id="8" presetID="10" presetClass="entr" presetSubtype="0" fill="hold" grpId="0" nodeType="withEffect">
+                                  <p:stCondLst>
+                                    <p:cond delay="0"/>
+                                  </p:stCondLst>
+                                  <p:childTnLst>
+                                    <p:set>
+                                      <p:cBhvr>
+                                        <p:cTn id="9" dur="1" fill="hold">
+                                          <p:stCondLst>
+                                            <p:cond delay="0"/>
+                                          </p:stCondLst>
+                                        </p:cTn>
+                                        <p:tgtEl>
+                                          <p:spTgt spid="26"/>
+                                        </p:tgtEl>
+                                        <p:attrNameLst>
+                                          <p:attrName>style.visibility</p:attrName>
+                                        </p:attrNameLst>
+                                      </p:cBhvr>
+                                      <p:to>
+                                        <p:strVal val="visible"/>
+                                      </p:to>
+                                    </p:set>
+                                    <p:animEffect transition="in" filter="fade">
+                                      <p:cBhvr>
+                                        <p:cTn id="10" dur="500"/>
+                                        <p:tgtEl>
+                                          <p:spTgt spid="26"/>
+                                        </p:tgtEl>
+                                      </p:cBhvr>
+                                    </p:animEffect>
+                                  </p:childTnLst>
+                                </p:cTn>
+                              </p:par>
+                              <p:par>
+                                <p:cTn id="11" presetID="10" presetClass="entr" presetSubtype="0" fill="hold" grpId="0" nodeType="withEffect">
+                                  <p:stCondLst>
+                                    <p:cond delay="0"/>
+                                  </p:stCondLst>
+                                  <p:childTnLst>
+                                    <p:set>
+                                      <p:cBhvr>
+                                        <p:cTn id="12" dur="1" fill="hold">
+                                          <p:stCondLst>
+                                            <p:cond delay="0"/>
+                                          </p:stCondLst>
+                                        </p:cTn>
+                                        <p:tgtEl>
+                                          <p:spTgt spid="30"/>
+                                        </p:tgtEl>
+                                        <p:attrNameLst>
+                                          <p:attrName>style.visibility</p:attrName>
+                                        </p:attrNameLst>
+                                      </p:cBhvr>
+                                      <p:to>
+                                        <p:strVal val="visible"/>
+                                      </p:to>
+                                    </p:set>
+                                    <p:animEffect transition="in" filter="fade">
+                                      <p:cBhvr>
+                                        <p:cTn id="13" dur="500"/>
+                                        <p:tgtEl>
+                                          <p:spTgt spid="30"/>
+                                        </p:tgtEl>
+                                      </p:cBhvr>
+                                    </p:animEffect>
+                                  </p:childTnLst>
+                                </p:cTn>
+                              </p:par>
+                              <p:par>
+                                <p:cTn id="14" presetID="10" presetClass="entr" presetSubtype="0" fill="hold" grpId="0" nodeType="withEffect">
+                                  <p:stCondLst>
+                                    <p:cond delay="0"/>
+                                  </p:stCondLst>
+                                  <p:childTnLst>
+                                    <p:set>
+                                      <p:cBhvr>
+                                        <p:cTn id="15" dur="1" fill="hold">
+                                          <p:stCondLst>
+                                            <p:cond delay="0"/>
+                                          </p:stCondLst>
+                                        </p:cTn>
+                                        <p:tgtEl>
+                                          <p:spTgt spid="31"/>
+                                        </p:tgtEl>
+                                        <p:attrNameLst>
+                                          <p:attrName>style.visibility</p:attrName>
+                                        </p:attrNameLst>
+                                      </p:cBhvr>
+                                      <p:to>
+                                        <p:strVal val="visible"/>
+                                      </p:to>
+                                    </p:set>
+                                    <p:animEffect transition="in" filter="fade">
+                                      <p:cBhvr>
+                                        <p:cTn id="16" dur="500"/>
+                                        <p:tgtEl>
+                                          <p:spTgt spid="31"/>
+                                        </p:tgtEl>
+                                      </p:cBhvr>
+                                    </p:animEffect>
+                                  </p:childTnLst>
+                                </p:cTn>
+                              </p:par>
+                              <p:par>
+                                <p:cTn id="17" presetID="10" presetClass="entr" presetSubtype="0" fill="hold" grpId="0" nodeType="withEffect">
+                                  <p:stCondLst>
+                                    <p:cond delay="0"/>
+                                  </p:stCondLst>
+                                  <p:childTnLst>
+                                    <p:set>
+                                      <p:cBhvr>
+                                        <p:cTn id="18" dur="1" fill="hold">
+                                          <p:stCondLst>
+                                            <p:cond delay="0"/>
+                                          </p:stCondLst>
+                                        </p:cTn>
+                                        <p:tgtEl>
+                                          <p:spTgt spid="32"/>
+                                        </p:tgtEl>
+                                        <p:attrNameLst>
+                                          <p:attrName>style.visibility</p:attrName>
+                                        </p:attrNameLst>
+                                      </p:cBhvr>
+                                      <p:to>
+                                        <p:strVal val="visible"/>
+                                      </p:to>
+                                    </p:set>
+                                    <p:animEffect transition="in" filter="fade">
+                                      <p:cBhvr>
+                                        <p:cTn id="19" dur="500"/>
+                                        <p:tgtEl>
+                                          <p:spTgt spid="32"/>
+                                        </p:tgtEl>
+                                      </p:cBhvr>
+                                    </p:animEffect>
+                                  </p:childTnLst>
+                                </p:cTn>
+                              </p:par>
+                              <p:par>
+                                <p:cTn id="20" presetID="10" presetClass="entr" presetSubtype="0" fill="hold" grpId="0" nodeType="withEffect">
+                                  <p:stCondLst>
+                                    <p:cond delay="0"/>
+                                  </p:stCondLst>
+                                  <p:childTnLst>
+                                    <p:set>
+                                      <p:cBhvr>
+                                        <p:cTn id="21" dur="1" fill="hold">
+                                          <p:stCondLst>
+                                            <p:cond delay="0"/>
+                                          </p:stCondLst>
+                                        </p:cTn>
+                                        <p:tgtEl>
+                                          <p:spTgt spid="33"/>
+                                        </p:tgtEl>
+                                        <p:attrNameLst>
+                                          <p:attrName>style.visibility</p:attrName>
+                                        </p:attrNameLst>
+                                      </p:cBhvr>
+                                      <p:to>
+                                        <p:strVal val="visible"/>
+                                      </p:to>
+                                    </p:set>
+                                    <p:animEffect transition="in" filter="fade">
+                                      <p:cBhvr>
+                                        <p:cTn id="22" dur="500"/>
+                                        <p:tgtEl>
+                                          <p:spTgt spid="33"/>
+                                        </p:tgtEl>
+                                      </p:cBhvr>
+                                    </p:animEffect>
+                                  </p:childTnLst>
+                                </p:cTn>
+                              </p:par>
+                              <p:par>
+                                <p:cTn id="23" presetID="10" presetClass="entr" presetSubtype="0" fill="hold" grpId="0" nodeType="withEffect">
+                                  <p:stCondLst>
+                                    <p:cond delay="0"/>
+                                  </p:stCondLst>
+                                  <p:childTnLst>
+                                    <p:set>
+                                      <p:cBhvr>
+                                        <p:cTn id="24" dur="1" fill="hold">
+                                          <p:stCondLst>
+                                            <p:cond delay="0"/>
+                                          </p:stCondLst>
+                                        </p:cTn>
+                                        <p:tgtEl>
+                                          <p:spTgt spid="36"/>
+                                        </p:tgtEl>
+                                        <p:attrNameLst>
+                                          <p:attrName>style.visibility</p:attrName>
+                                        </p:attrNameLst>
+                                      </p:cBhvr>
+                                      <p:to>
+                                        <p:strVal val="visible"/>
+                                      </p:to>
+                                    </p:set>
+                                    <p:animEffect transition="in" filter="fade">
+                                      <p:cBhvr>
+                                        <p:cTn id="25" dur="500"/>
+                                        <p:tgtEl>
+                                          <p:spTgt spid="36"/>
+                                        </p:tgtEl>
+                                      </p:cBhvr>
+                                    </p:animEffect>
+                                  </p:childTnLst>
+                                </p:cTn>
+                              </p:par>
+                            </p:childTnLst>
+                          </p:cTn>
+                        </p:par>
+                      </p:childTnLst>
+                    </p:cTn>
+                  </p:par>
+                  <p:par>
+                    <p:cTn id="26" fill="hold">
+                      <p:stCondLst>
+                        <p:cond delay="indefinite"/>
+                      </p:stCondLst>
+                      <p:childTnLst>
+                        <p:par>
+                          <p:cTn id="27" fill="hold">
+                            <p:stCondLst>
+                              <p:cond delay="0"/>
+                            </p:stCondLst>
+                            <p:childTnLst>
+                              <p:par>
+                                <p:cTn id="28" presetID="10" presetClass="entr" presetSubtype="0" fill="hold" grpId="0" nodeType="clickEffect">
+                                  <p:stCondLst>
+                                    <p:cond delay="0"/>
+                                  </p:stCondLst>
+                                  <p:childTnLst>
+                                    <p:set>
+                                      <p:cBhvr>
+                                        <p:cTn id="29" dur="1" fill="hold">
+                                          <p:stCondLst>
+                                            <p:cond delay="0"/>
+                                          </p:stCondLst>
+                                        </p:cTn>
+                                        <p:tgtEl>
+                                          <p:spTgt spid="37"/>
+                                        </p:tgtEl>
+                                        <p:attrNameLst>
+                                          <p:attrName>style.visibility</p:attrName>
+                                        </p:attrNameLst>
+                                      </p:cBhvr>
+                                      <p:to>
+                                        <p:strVal val="visible"/>
+                                      </p:to>
+                                    </p:set>
+                                    <p:animEffect transition="in" filter="fade">
+                                      <p:cBhvr>
+                                        <p:cTn id="30" dur="500"/>
+                                        <p:tgtEl>
+                                          <p:spTgt spid="37"/>
+                                        </p:tgtEl>
+                                      </p:cBhvr>
+                                    </p:animEffect>
+                                  </p:childTnLst>
+                                </p:cTn>
+                              </p:par>
+                            </p:childTnLst>
+                          </p:cTn>
+                        </p:par>
+                      </p:childTnLst>
+                    </p:cTn>
+                  </p:par>
+                </p:childTnLst>
+              </p:cTn>
+              <p:prevCondLst>
+                <p:cond evt="onPrev" delay="0">
+                  <p:tgtEl>
+                    <p:sldTgt/>
+                  </p:tgtEl>
+                </p:cond>
+              </p:prevCondLst>
+              <p:nextCondLst>
+                <p:cond evt="onNext" delay="0">
+                  <p:tgtEl>
+                    <p:sldTgt/>
+                  </p:tgtEl>
+                </p:cond>
+              </p:nextCondLst>
+            </p:seq>
+          </p:childTnLst>
+        </p:cTn>
+      </p:par>
+    </p:tnLst>
+    <p:bldLst>
+      <p:bldP spid="25" grpId="0" animBg="1"/>
+      <p:bldP spid="26" grpId="0" animBg="1"/>
+      <p:bldP spid="30" grpId="0" animBg="1"/>
+      <p:bldP spid="31" grpId="0" animBg="1"/>
+      <p:bldP spid="32" grpId="0" animBg="1"/>
+      <p:bldP spid="33" grpId="0" animBg="1"/>
+      <p:bldP spid="36" grpId="0" animBg="1"/>
+      <p:bldP spid="37" grpId="0"/>
+    </p:bldLst>
+  </p:timing>
 </p:sld>
 </file>
 
@@ -12013,6 +17086,548 @@
     <p:extLst>
       <p:ext uri="{BB962C8B-B14F-4D97-AF65-F5344CB8AC3E}">
         <p14:creationId xmlns:p14="http://schemas.microsoft.com/office/powerpoint/2010/main" val="4087806439"/>
+      </p:ext>
+    </p:extLst>
+  </p:cSld>
+  <p:clrMapOvr>
+    <a:masterClrMapping/>
+  </p:clrMapOvr>
+</p:sld>
+</file>
+
+<file path=ppt/slides/slide20.xml><?xml version="1.0" encoding="utf-8"?>
+<p:sld xmlns:a="http://schemas.openxmlformats.org/drawingml/2006/main" xmlns:r="http://schemas.openxmlformats.org/officeDocument/2006/relationships" xmlns:p="http://schemas.openxmlformats.org/presentationml/2006/main">
+  <p:cSld>
+    <p:spTree>
+      <p:nvGrpSpPr>
+        <p:cNvPr id="1" name=""/>
+        <p:cNvGrpSpPr/>
+        <p:nvPr/>
+      </p:nvGrpSpPr>
+      <p:grpSpPr>
+        <a:xfrm>
+          <a:off x="0" y="0"/>
+          <a:ext cx="0" cy="0"/>
+          <a:chOff x="0" y="0"/>
+          <a:chExt cx="0" cy="0"/>
+        </a:xfrm>
+      </p:grpSpPr>
+      <p:sp>
+        <p:nvSpPr>
+          <p:cNvPr id="4098" name="TextBox 2">
+            <a:extLst>
+              <a:ext uri="{FF2B5EF4-FFF2-40B4-BE49-F238E27FC236}">
+                <a16:creationId xmlns:a16="http://schemas.microsoft.com/office/drawing/2014/main" id="{5552ED83-0001-4E47-A09B-F49C592A8E24}"/>
+              </a:ext>
+            </a:extLst>
+          </p:cNvPr>
+          <p:cNvSpPr txBox="1">
+            <a:spLocks noChangeArrowheads="1"/>
+          </p:cNvSpPr>
+          <p:nvPr/>
+        </p:nvSpPr>
+        <p:spPr bwMode="auto">
+          <a:xfrm>
+            <a:off x="13610" y="0"/>
+            <a:ext cx="6913562" cy="830263"/>
+          </a:xfrm>
+          <a:prstGeom prst="rect">
+            <a:avLst/>
+          </a:prstGeom>
+          <a:noFill/>
+          <a:ln>
+            <a:noFill/>
+          </a:ln>
+          <a:extLst>
+            <a:ext uri="{909E8E84-426E-40DD-AFC4-6F175D3DCCD1}">
+              <a14:hiddenFill xmlns:a14="http://schemas.microsoft.com/office/drawing/2010/main">
+                <a:solidFill>
+                  <a:srgbClr val="FFFFFF"/>
+                </a:solidFill>
+              </a14:hiddenFill>
+            </a:ext>
+            <a:ext uri="{91240B29-F687-4F45-9708-019B960494DF}">
+              <a14:hiddenLine xmlns:a14="http://schemas.microsoft.com/office/drawing/2010/main" w="9525">
+                <a:solidFill>
+                  <a:srgbClr val="000000"/>
+                </a:solidFill>
+                <a:miter lim="800000"/>
+                <a:headEnd/>
+                <a:tailEnd/>
+              </a14:hiddenLine>
+            </a:ext>
+          </a:extLst>
+        </p:spPr>
+        <p:txBody>
+          <a:bodyPr>
+            <a:spAutoFit/>
+          </a:bodyPr>
+          <a:lstStyle>
+            <a:lvl1pPr eaLnBrk="0" hangingPunct="0">
+              <a:defRPr>
+                <a:solidFill>
+                  <a:schemeClr val="tx1"/>
+                </a:solidFill>
+                <a:latin typeface="Arial" panose="020B0604020202020204" pitchFamily="34" charset="0"/>
+                <a:ea typeface="宋体" panose="02010600030101010101" pitchFamily="2" charset="-122"/>
+              </a:defRPr>
+            </a:lvl1pPr>
+            <a:lvl2pPr marL="742950" indent="-285750" eaLnBrk="0" hangingPunct="0">
+              <a:defRPr>
+                <a:solidFill>
+                  <a:schemeClr val="tx1"/>
+                </a:solidFill>
+                <a:latin typeface="Arial" panose="020B0604020202020204" pitchFamily="34" charset="0"/>
+                <a:ea typeface="宋体" panose="02010600030101010101" pitchFamily="2" charset="-122"/>
+              </a:defRPr>
+            </a:lvl2pPr>
+            <a:lvl3pPr marL="1143000" indent="-228600" eaLnBrk="0" hangingPunct="0">
+              <a:defRPr>
+                <a:solidFill>
+                  <a:schemeClr val="tx1"/>
+                </a:solidFill>
+                <a:latin typeface="Arial" panose="020B0604020202020204" pitchFamily="34" charset="0"/>
+                <a:ea typeface="宋体" panose="02010600030101010101" pitchFamily="2" charset="-122"/>
+              </a:defRPr>
+            </a:lvl3pPr>
+            <a:lvl4pPr marL="1600200" indent="-228600" eaLnBrk="0" hangingPunct="0">
+              <a:defRPr>
+                <a:solidFill>
+                  <a:schemeClr val="tx1"/>
+                </a:solidFill>
+                <a:latin typeface="Arial" panose="020B0604020202020204" pitchFamily="34" charset="0"/>
+                <a:ea typeface="宋体" panose="02010600030101010101" pitchFamily="2" charset="-122"/>
+              </a:defRPr>
+            </a:lvl4pPr>
+            <a:lvl5pPr marL="2057400" indent="-228600" eaLnBrk="0" hangingPunct="0">
+              <a:defRPr>
+                <a:solidFill>
+                  <a:schemeClr val="tx1"/>
+                </a:solidFill>
+                <a:latin typeface="Arial" panose="020B0604020202020204" pitchFamily="34" charset="0"/>
+                <a:ea typeface="宋体" panose="02010600030101010101" pitchFamily="2" charset="-122"/>
+              </a:defRPr>
+            </a:lvl5pPr>
+            <a:lvl6pPr marL="2514600" indent="-228600" eaLnBrk="0" fontAlgn="base" hangingPunct="0">
+              <a:spcBef>
+                <a:spcPct val="0"/>
+              </a:spcBef>
+              <a:spcAft>
+                <a:spcPct val="0"/>
+              </a:spcAft>
+              <a:defRPr>
+                <a:solidFill>
+                  <a:schemeClr val="tx1"/>
+                </a:solidFill>
+                <a:latin typeface="Arial" panose="020B0604020202020204" pitchFamily="34" charset="0"/>
+                <a:ea typeface="宋体" panose="02010600030101010101" pitchFamily="2" charset="-122"/>
+              </a:defRPr>
+            </a:lvl6pPr>
+            <a:lvl7pPr marL="2971800" indent="-228600" eaLnBrk="0" fontAlgn="base" hangingPunct="0">
+              <a:spcBef>
+                <a:spcPct val="0"/>
+              </a:spcBef>
+              <a:spcAft>
+                <a:spcPct val="0"/>
+              </a:spcAft>
+              <a:defRPr>
+                <a:solidFill>
+                  <a:schemeClr val="tx1"/>
+                </a:solidFill>
+                <a:latin typeface="Arial" panose="020B0604020202020204" pitchFamily="34" charset="0"/>
+                <a:ea typeface="宋体" panose="02010600030101010101" pitchFamily="2" charset="-122"/>
+              </a:defRPr>
+            </a:lvl7pPr>
+            <a:lvl8pPr marL="3429000" indent="-228600" eaLnBrk="0" fontAlgn="base" hangingPunct="0">
+              <a:spcBef>
+                <a:spcPct val="0"/>
+              </a:spcBef>
+              <a:spcAft>
+                <a:spcPct val="0"/>
+              </a:spcAft>
+              <a:defRPr>
+                <a:solidFill>
+                  <a:schemeClr val="tx1"/>
+                </a:solidFill>
+                <a:latin typeface="Arial" panose="020B0604020202020204" pitchFamily="34" charset="0"/>
+                <a:ea typeface="宋体" panose="02010600030101010101" pitchFamily="2" charset="-122"/>
+              </a:defRPr>
+            </a:lvl8pPr>
+            <a:lvl9pPr marL="3886200" indent="-228600" eaLnBrk="0" fontAlgn="base" hangingPunct="0">
+              <a:spcBef>
+                <a:spcPct val="0"/>
+              </a:spcBef>
+              <a:spcAft>
+                <a:spcPct val="0"/>
+              </a:spcAft>
+              <a:defRPr>
+                <a:solidFill>
+                  <a:schemeClr val="tx1"/>
+                </a:solidFill>
+                <a:latin typeface="Arial" panose="020B0604020202020204" pitchFamily="34" charset="0"/>
+                <a:ea typeface="宋体" panose="02010600030101010101" pitchFamily="2" charset="-122"/>
+              </a:defRPr>
+            </a:lvl9pPr>
+          </a:lstStyle>
+          <a:p>
+            <a:pPr eaLnBrk="1" hangingPunct="1"/>
+            <a:r>
+              <a:rPr lang="zh-CN" altLang="en-US" sz="4800" dirty="0">
+                <a:solidFill>
+                  <a:schemeClr val="bg1"/>
+                </a:solidFill>
+                <a:latin typeface="微软雅黑" panose="020B0503020204020204" pitchFamily="34" charset="-122"/>
+                <a:ea typeface="微软雅黑" panose="020B0503020204020204" pitchFamily="34" charset="-122"/>
+              </a:rPr>
+              <a:t>朴素贝叶斯</a:t>
+            </a:r>
+          </a:p>
+        </p:txBody>
+      </p:sp>
+      <p:sp>
+        <p:nvSpPr>
+          <p:cNvPr id="33" name="TextBox 32">
+            <a:extLst>
+              <a:ext uri="{FF2B5EF4-FFF2-40B4-BE49-F238E27FC236}">
+                <a16:creationId xmlns:a16="http://schemas.microsoft.com/office/drawing/2014/main" id="{23BC2E03-BE4E-4815-8188-ADCBB591487C}"/>
+              </a:ext>
+            </a:extLst>
+          </p:cNvPr>
+          <p:cNvSpPr txBox="1"/>
+          <p:nvPr/>
+        </p:nvSpPr>
+        <p:spPr>
+          <a:xfrm>
+            <a:off x="4139952" y="2180321"/>
+            <a:ext cx="1512168" cy="1015663"/>
+          </a:xfrm>
+          <a:prstGeom prst="rect">
+            <a:avLst/>
+          </a:prstGeom>
+          <a:noFill/>
+        </p:spPr>
+        <p:txBody>
+          <a:bodyPr wrap="square">
+            <a:spAutoFit/>
+          </a:bodyPr>
+          <a:lstStyle/>
+          <a:p>
+            <a:pPr>
+              <a:defRPr/>
+            </a:pPr>
+            <a:r>
+              <a:rPr lang="en-US" sz="6000" dirty="0">
+                <a:solidFill>
+                  <a:schemeClr val="bg1"/>
+                </a:solidFill>
+                <a:latin typeface="微软雅黑" pitchFamily="34" charset="-122"/>
+                <a:ea typeface="微软雅黑" pitchFamily="34" charset="-122"/>
+              </a:rPr>
+              <a:t>&gt;</a:t>
+            </a:r>
+            <a:endParaRPr lang="en-US" sz="3200" dirty="0">
+              <a:solidFill>
+                <a:srgbClr val="FFC000"/>
+              </a:solidFill>
+              <a:latin typeface="Arial" charset="0"/>
+            </a:endParaRPr>
+          </a:p>
+        </p:txBody>
+      </p:sp>
+      <p:pic>
+        <p:nvPicPr>
+          <p:cNvPr id="8" name="Picture 7">
+            <a:extLst>
+              <a:ext uri="{FF2B5EF4-FFF2-40B4-BE49-F238E27FC236}">
+                <a16:creationId xmlns:a16="http://schemas.microsoft.com/office/drawing/2014/main" id="{B176AFCB-56EA-4016-AFCF-CA796AB4408A}"/>
+              </a:ext>
+            </a:extLst>
+          </p:cNvPr>
+          <p:cNvPicPr>
+            <a:picLocks noChangeAspect="1"/>
+          </p:cNvPicPr>
+          <p:nvPr/>
+        </p:nvPicPr>
+        <p:blipFill>
+          <a:blip r:embed="rId2"/>
+          <a:stretch>
+            <a:fillRect/>
+          </a:stretch>
+        </p:blipFill>
+        <p:spPr>
+          <a:xfrm>
+            <a:off x="20883" y="1142838"/>
+            <a:ext cx="8839557" cy="1037483"/>
+          </a:xfrm>
+          <a:prstGeom prst="rect">
+            <a:avLst/>
+          </a:prstGeom>
+        </p:spPr>
+      </p:pic>
+      <p:pic>
+        <p:nvPicPr>
+          <p:cNvPr id="9" name="Picture 8">
+            <a:extLst>
+              <a:ext uri="{FF2B5EF4-FFF2-40B4-BE49-F238E27FC236}">
+                <a16:creationId xmlns:a16="http://schemas.microsoft.com/office/drawing/2014/main" id="{94E40AA3-54E6-4CD5-964A-CC5F223DFBBC}"/>
+              </a:ext>
+            </a:extLst>
+          </p:cNvPr>
+          <p:cNvPicPr>
+            <a:picLocks noChangeAspect="1"/>
+          </p:cNvPicPr>
+          <p:nvPr/>
+        </p:nvPicPr>
+        <p:blipFill>
+          <a:blip r:embed="rId3"/>
+          <a:stretch>
+            <a:fillRect/>
+          </a:stretch>
+        </p:blipFill>
+        <p:spPr>
+          <a:xfrm>
+            <a:off x="34758" y="3257977"/>
+            <a:ext cx="8825682" cy="997423"/>
+          </a:xfrm>
+          <a:prstGeom prst="rect">
+            <a:avLst/>
+          </a:prstGeom>
+        </p:spPr>
+      </p:pic>
+    </p:spTree>
+    <p:extLst>
+      <p:ext uri="{BB962C8B-B14F-4D97-AF65-F5344CB8AC3E}">
+        <p14:creationId xmlns:p14="http://schemas.microsoft.com/office/powerpoint/2010/main" val="481078023"/>
+      </p:ext>
+    </p:extLst>
+  </p:cSld>
+  <p:clrMapOvr>
+    <a:masterClrMapping/>
+  </p:clrMapOvr>
+  <p:timing>
+    <p:tnLst>
+      <p:par>
+        <p:cTn id="1" dur="indefinite" restart="never" nodeType="tmRoot">
+          <p:childTnLst>
+            <p:seq concurrent="1" nextAc="seek">
+              <p:cTn id="2" dur="indefinite" nodeType="mainSeq">
+                <p:childTnLst>
+                  <p:par>
+                    <p:cTn id="3" fill="hold">
+                      <p:stCondLst>
+                        <p:cond delay="indefinite"/>
+                      </p:stCondLst>
+                      <p:childTnLst>
+                        <p:par>
+                          <p:cTn id="4" fill="hold">
+                            <p:stCondLst>
+                              <p:cond delay="0"/>
+                            </p:stCondLst>
+                            <p:childTnLst>
+                              <p:par>
+                                <p:cTn id="5" presetID="10" presetClass="entr" presetSubtype="0" fill="hold" grpId="0" nodeType="clickEffect">
+                                  <p:stCondLst>
+                                    <p:cond delay="0"/>
+                                  </p:stCondLst>
+                                  <p:childTnLst>
+                                    <p:set>
+                                      <p:cBhvr>
+                                        <p:cTn id="6" dur="1" fill="hold">
+                                          <p:stCondLst>
+                                            <p:cond delay="0"/>
+                                          </p:stCondLst>
+                                        </p:cTn>
+                                        <p:tgtEl>
+                                          <p:spTgt spid="33"/>
+                                        </p:tgtEl>
+                                        <p:attrNameLst>
+                                          <p:attrName>style.visibility</p:attrName>
+                                        </p:attrNameLst>
+                                      </p:cBhvr>
+                                      <p:to>
+                                        <p:strVal val="visible"/>
+                                      </p:to>
+                                    </p:set>
+                                    <p:animEffect transition="in" filter="fade">
+                                      <p:cBhvr>
+                                        <p:cTn id="7" dur="500"/>
+                                        <p:tgtEl>
+                                          <p:spTgt spid="33"/>
+                                        </p:tgtEl>
+                                      </p:cBhvr>
+                                    </p:animEffect>
+                                  </p:childTnLst>
+                                </p:cTn>
+                              </p:par>
+                            </p:childTnLst>
+                          </p:cTn>
+                        </p:par>
+                      </p:childTnLst>
+                    </p:cTn>
+                  </p:par>
+                  <p:par>
+                    <p:cTn id="8" fill="hold">
+                      <p:stCondLst>
+                        <p:cond delay="indefinite"/>
+                      </p:stCondLst>
+                      <p:childTnLst>
+                        <p:par>
+                          <p:cTn id="9" fill="hold">
+                            <p:stCondLst>
+                              <p:cond delay="0"/>
+                            </p:stCondLst>
+                            <p:childTnLst>
+                              <p:par>
+                                <p:cTn id="10" presetID="10" presetClass="entr" presetSubtype="0" fill="hold" nodeType="clickEffect">
+                                  <p:stCondLst>
+                                    <p:cond delay="0"/>
+                                  </p:stCondLst>
+                                  <p:childTnLst>
+                                    <p:set>
+                                      <p:cBhvr>
+                                        <p:cTn id="11" dur="1" fill="hold">
+                                          <p:stCondLst>
+                                            <p:cond delay="0"/>
+                                          </p:stCondLst>
+                                        </p:cTn>
+                                        <p:tgtEl>
+                                          <p:spTgt spid="9"/>
+                                        </p:tgtEl>
+                                        <p:attrNameLst>
+                                          <p:attrName>style.visibility</p:attrName>
+                                        </p:attrNameLst>
+                                      </p:cBhvr>
+                                      <p:to>
+                                        <p:strVal val="visible"/>
+                                      </p:to>
+                                    </p:set>
+                                    <p:animEffect transition="in" filter="fade">
+                                      <p:cBhvr>
+                                        <p:cTn id="12" dur="500"/>
+                                        <p:tgtEl>
+                                          <p:spTgt spid="9"/>
+                                        </p:tgtEl>
+                                      </p:cBhvr>
+                                    </p:animEffect>
+                                  </p:childTnLst>
+                                </p:cTn>
+                              </p:par>
+                            </p:childTnLst>
+                          </p:cTn>
+                        </p:par>
+                      </p:childTnLst>
+                    </p:cTn>
+                  </p:par>
+                </p:childTnLst>
+              </p:cTn>
+              <p:prevCondLst>
+                <p:cond evt="onPrev" delay="0">
+                  <p:tgtEl>
+                    <p:sldTgt/>
+                  </p:tgtEl>
+                </p:cond>
+              </p:prevCondLst>
+              <p:nextCondLst>
+                <p:cond evt="onNext" delay="0">
+                  <p:tgtEl>
+                    <p:sldTgt/>
+                  </p:tgtEl>
+                </p:cond>
+              </p:nextCondLst>
+            </p:seq>
+          </p:childTnLst>
+        </p:cTn>
+      </p:par>
+    </p:tnLst>
+    <p:bldLst>
+      <p:bldP spid="33" grpId="0"/>
+    </p:bldLst>
+  </p:timing>
+</p:sld>
+</file>
+
+<file path=ppt/slides/slide21.xml><?xml version="1.0" encoding="utf-8"?>
+<p:sld xmlns:a="http://schemas.openxmlformats.org/drawingml/2006/main" xmlns:r="http://schemas.openxmlformats.org/officeDocument/2006/relationships" xmlns:p="http://schemas.openxmlformats.org/presentationml/2006/main">
+  <p:cSld>
+    <p:spTree>
+      <p:nvGrpSpPr>
+        <p:cNvPr id="1" name=""/>
+        <p:cNvGrpSpPr/>
+        <p:nvPr/>
+      </p:nvGrpSpPr>
+      <p:grpSpPr>
+        <a:xfrm>
+          <a:off x="0" y="0"/>
+          <a:ext cx="0" cy="0"/>
+          <a:chOff x="0" y="0"/>
+          <a:chExt cx="0" cy="0"/>
+        </a:xfrm>
+      </p:grpSpPr>
+      <p:sp>
+        <p:nvSpPr>
+          <p:cNvPr id="5122" name="Rectangle 2">
+            <a:extLst>
+              <a:ext uri="{FF2B5EF4-FFF2-40B4-BE49-F238E27FC236}">
+                <a16:creationId xmlns:a16="http://schemas.microsoft.com/office/drawing/2014/main" id="{DA0A6638-A01B-4ADE-AF93-1C7B857D9914}"/>
+              </a:ext>
+            </a:extLst>
+          </p:cNvPr>
+          <p:cNvSpPr>
+            <a:spLocks noGrp="1" noChangeArrowheads="1"/>
+          </p:cNvSpPr>
+          <p:nvPr>
+            <p:ph type="ctrTitle"/>
+          </p:nvPr>
+        </p:nvSpPr>
+        <p:spPr>
+          <a:xfrm>
+            <a:off x="684213" y="2133600"/>
+            <a:ext cx="7847012" cy="2159000"/>
+          </a:xfrm>
+        </p:spPr>
+        <p:txBody>
+          <a:bodyPr/>
+          <a:lstStyle/>
+          <a:p>
+            <a:pPr eaLnBrk="1" hangingPunct="1"/>
+            <a:br>
+              <a:rPr lang="en-US" altLang="zh-CN" sz="8000" dirty="0">
+                <a:solidFill>
+                  <a:schemeClr val="bg1"/>
+                </a:solidFill>
+                <a:ea typeface="微软雅黑" panose="020B0503020204020204" pitchFamily="34" charset="-122"/>
+              </a:rPr>
+            </a:br>
+            <a:r>
+              <a:rPr lang="en-US" altLang="zh-CN" sz="6600" dirty="0">
+                <a:solidFill>
+                  <a:schemeClr val="bg1"/>
+                </a:solidFill>
+                <a:ea typeface="微软雅黑" panose="020B0503020204020204" pitchFamily="34" charset="-122"/>
+              </a:rPr>
+              <a:t>Q &amp; A</a:t>
+            </a:r>
+            <a:br>
+              <a:rPr lang="zh-CN" altLang="en-US" sz="7200" dirty="0">
+                <a:solidFill>
+                  <a:schemeClr val="bg1"/>
+                </a:solidFill>
+                <a:ea typeface="微软雅黑" panose="020B0503020204020204" pitchFamily="34" charset="-122"/>
+              </a:rPr>
+            </a:br>
+            <a:endParaRPr lang="zh-CN" altLang="en-US" sz="7200" dirty="0">
+              <a:solidFill>
+                <a:schemeClr val="bg1"/>
+              </a:solidFill>
+              <a:ea typeface="微软雅黑" panose="020B0503020204020204" pitchFamily="34" charset="-122"/>
+            </a:endParaRPr>
+          </a:p>
+        </p:txBody>
+      </p:sp>
+    </p:spTree>
+    <p:extLst>
+      <p:ext uri="{BB962C8B-B14F-4D97-AF65-F5344CB8AC3E}">
+        <p14:creationId xmlns:p14="http://schemas.microsoft.com/office/powerpoint/2010/main" val="1068010669"/>
       </p:ext>
     </p:extLst>
   </p:cSld>
